--- a/Angular 2.pptx
+++ b/Angular 2.pptx
@@ -4295,11 +4295,15 @@
             </a:pPr>
             <a:r>
               <a:rPr lang="en-US" b="1" dirty="0"/>
-              <a:t>name: </a:t>
-            </a:r>
-            <a:r>
-              <a:rPr lang="en-US" dirty="0" err="1" smtClean="0"/>
-              <a:t>myAngularAppName</a:t>
+              <a:t>name</a:t>
+            </a:r>
+            <a:r>
+              <a:rPr lang="en-US" b="1"/>
+              <a:t>: </a:t>
+            </a:r>
+            <a:r>
+              <a:rPr lang="en-US" smtClean="0"/>
+              <a:t>angular2_presenation</a:t>
             </a:r>
             <a:r>
               <a:rPr lang="en-US" dirty="0" smtClean="0"/>
@@ -5344,7 +5348,6 @@
               <a:rPr lang="en-US" sz="2800" dirty="0" smtClean="0"/>
               <a:t>Dart</a:t>
             </a:r>
-            <a:endParaRPr lang="en-US" sz="2800" dirty="0" smtClean="0"/>
           </a:p>
           <a:p>
             <a:pPr marL="0" indent="0">
@@ -5380,7 +5383,6 @@
               <a:rPr lang="en-US" sz="2800" dirty="0" smtClean="0"/>
               <a:t>}</a:t>
             </a:r>
-            <a:endParaRPr lang="en-US" sz="2800" dirty="0" smtClean="0"/>
           </a:p>
           <a:p>
             <a:pPr marL="0" indent="0">

--- a/Angular 2.pptx
+++ b/Angular 2.pptx
@@ -5780,11 +5780,7 @@
             </a:r>
             <a:r>
               <a:rPr lang="en-US" dirty="0" smtClean="0"/>
-              <a:t> = </a:t>
-            </a:r>
-            <a:r>
-              <a:rPr lang="en-US" dirty="0" smtClean="0"/>
-              <a:t>“Hello Universe”;</a:t>
+              <a:t> = “Hello Universe”;</a:t>
             </a:r>
           </a:p>
           <a:p>
@@ -6316,11 +6312,7 @@
             </a:r>
             <a:r>
               <a:rPr lang="en-US" dirty="0"/>
-              <a:t>=&gt; </a:t>
-            </a:r>
-            <a:r>
-              <a:rPr lang="en-US" dirty="0"/>
-              <a:t>"images/logo.png</a:t>
+              <a:t>=&gt; "images/logo.png</a:t>
             </a:r>
             <a:r>
               <a:rPr lang="en-US" dirty="0" smtClean="0"/>
@@ -6844,11 +6836,7 @@
             </a:pPr>
             <a:r>
               <a:rPr lang="en-US" dirty="0" smtClean="0"/>
-              <a:t>&lt;/</a:t>
-            </a:r>
-            <a:r>
-              <a:rPr lang="en-US" dirty="0" smtClean="0"/>
-              <a:t>button&gt;</a:t>
+              <a:t>&lt;/button&gt;</a:t>
             </a:r>
           </a:p>
         </p:txBody>
@@ -7603,13 +7591,8 @@
             </a:r>
             <a:r>
               <a:rPr lang="en-US" sz="2800" dirty="0" smtClean="0"/>
-              <a:t> </a:t>
-            </a:r>
-            <a:r>
-              <a:rPr lang="en-US" sz="2800" dirty="0" smtClean="0"/>
-              <a:t>= “”;</a:t>
-            </a:r>
-            <a:endParaRPr lang="en-US" sz="2800" dirty="0" smtClean="0"/>
+              <a:t> = “”;</a:t>
+            </a:r>
           </a:p>
           <a:p>
             <a:pPr marL="0" indent="0">
@@ -7645,11 +7628,7 @@
             </a:r>
             <a:r>
               <a:rPr lang="en-US" sz="2800" dirty="0" smtClean="0"/>
-              <a:t>” </a:t>
-            </a:r>
-            <a:r>
-              <a:rPr lang="en-US" sz="2800" dirty="0" smtClean="0"/>
-              <a:t>type=“text”/&gt;</a:t>
+              <a:t>” type=“text”/&gt;</a:t>
             </a:r>
             <a:endParaRPr lang="en-US" sz="2800" dirty="0"/>
           </a:p>
@@ -8231,15 +8210,7 @@
             </a:pPr>
             <a:r>
               <a:rPr lang="en-US" sz="2800" dirty="0" smtClean="0"/>
-              <a:t> </a:t>
-            </a:r>
-            <a:r>
-              <a:rPr lang="en-US" sz="2800" dirty="0" smtClean="0"/>
-              <a:t> Click </a:t>
-            </a:r>
-            <a:r>
-              <a:rPr lang="en-US" sz="2800" dirty="0" smtClean="0"/>
-              <a:t>me</a:t>
+              <a:t>  Click me</a:t>
             </a:r>
           </a:p>
           <a:p>
@@ -10220,17 +10191,8 @@
           <a:p>
             <a:r>
               <a:rPr lang="en-US" dirty="0" smtClean="0"/>
-              <a:t>1</a:t>
-            </a:r>
-            <a:r>
-              <a:rPr lang="en-US" dirty="0" smtClean="0"/>
-              <a:t>. Create Dart </a:t>
-            </a:r>
-            <a:r>
-              <a:rPr lang="en-US" dirty="0" smtClean="0"/>
-              <a:t>file (component)</a:t>
-            </a:r>
-            <a:endParaRPr lang="en-US" dirty="0" smtClean="0"/>
+              <a:t>1. Create Dart file (component)</a:t>
+            </a:r>
           </a:p>
           <a:p>
             <a:r>
@@ -10245,27 +10207,17 @@
               <a:rPr lang="en-US" dirty="0" smtClean="0"/>
               <a:t>, otherwise part of Dart file.)</a:t>
             </a:r>
-            <a:endParaRPr lang="en-US" dirty="0" smtClean="0"/>
           </a:p>
           <a:p>
             <a:r>
               <a:rPr lang="en-US" dirty="0" smtClean="0"/>
-              <a:t>3. Import Dart file into </a:t>
-            </a:r>
+              <a:t>3. Import Dart file into parent component</a:t>
+            </a:r>
+          </a:p>
+          <a:p>
             <a:r>
               <a:rPr lang="en-US" dirty="0" smtClean="0"/>
-              <a:t>parent component</a:t>
-            </a:r>
-            <a:endParaRPr lang="en-US" dirty="0" smtClean="0"/>
-          </a:p>
-          <a:p>
-            <a:r>
-              <a:rPr lang="en-US" dirty="0" smtClean="0"/>
-              <a:t>4. Add to </a:t>
-            </a:r>
-            <a:r>
-              <a:rPr lang="en-US" dirty="0" smtClean="0"/>
-              <a:t>directives:</a:t>
+              <a:t>4. Add to directives:</a:t>
             </a:r>
           </a:p>
           <a:p>
@@ -15239,10 +15191,6 @@
               <a:rPr lang="en-US" dirty="0" smtClean="0"/>
               <a:t>"}</a:t>
             </a:r>
-            <a:r>
-              <a:rPr lang="en-US" dirty="0" smtClean="0"/>
-              <a:t/>
-            </a:r>
             <a:br>
               <a:rPr lang="en-US" dirty="0" smtClean="0"/>
             </a:br>
@@ -15648,11 +15596,7 @@
             </a:br>
             <a:r>
               <a:rPr lang="en-US" dirty="0" smtClean="0"/>
-              <a:t>  </a:t>
-            </a:r>
-            <a:r>
-              <a:rPr lang="en-US" dirty="0" smtClean="0"/>
-              <a:t>String </a:t>
+              <a:t>  String </a:t>
             </a:r>
             <a:r>
               <a:rPr lang="en-US" b="1" dirty="0"/>
@@ -15687,11 +15631,7 @@
             </a:br>
             <a:r>
               <a:rPr lang="en-US" dirty="0" smtClean="0"/>
-              <a:t>  </a:t>
-            </a:r>
-            <a:r>
-              <a:rPr lang="en-US" dirty="0" smtClean="0"/>
-              <a:t>List&lt;Map&gt; </a:t>
+              <a:t>  List&lt;Map&gt; </a:t>
             </a:r>
             <a:r>
               <a:rPr lang="en-US" dirty="0" err="1"/>
@@ -15733,11 +15673,7 @@
             </a:r>
             <a:r>
               <a:rPr lang="en-US" dirty="0" smtClean="0"/>
-              <a:t>() </a:t>
-            </a:r>
-            <a:r>
-              <a:rPr lang="en-US" dirty="0" smtClean="0"/>
-              <a:t>{</a:t>
+              <a:t>() {</a:t>
             </a:r>
           </a:p>
           <a:p>
@@ -15746,11 +15682,7 @@
             </a:pPr>
             <a:r>
               <a:rPr lang="en-US" dirty="0" smtClean="0"/>
-              <a:t>    </a:t>
-            </a:r>
-            <a:r>
-              <a:rPr lang="en-US" dirty="0" smtClean="0"/>
-              <a:t>Future </a:t>
+              <a:t>    Future </a:t>
             </a:r>
             <a:r>
               <a:rPr lang="en-US" dirty="0" err="1" smtClean="0"/>
@@ -15760,7 +15692,6 @@
               <a:rPr lang="en-US" dirty="0" smtClean="0"/>
               <a:t> = </a:t>
             </a:r>
-            <a:endParaRPr lang="en-US" dirty="0" smtClean="0"/>
           </a:p>
           <a:p>
             <a:pPr marL="0" indent="0">
@@ -15792,11 +15723,7 @@
             </a:r>
             <a:r>
               <a:rPr lang="en-US" dirty="0" smtClean="0"/>
-              <a:t>).then((data) </a:t>
-            </a:r>
-            <a:r>
-              <a:rPr lang="en-US" dirty="0" smtClean="0"/>
-              <a:t>{</a:t>
+              <a:t>).then((data) {</a:t>
             </a:r>
           </a:p>
           <a:p>
@@ -15805,11 +15732,7 @@
             </a:pPr>
             <a:r>
               <a:rPr lang="en-US" dirty="0" smtClean="0"/>
-              <a:t>        List&lt;Map</a:t>
-            </a:r>
-            <a:r>
-              <a:rPr lang="en-US" dirty="0" smtClean="0"/>
-              <a:t>&gt; decoded = </a:t>
+              <a:t>        List&lt;Map&gt; decoded = </a:t>
             </a:r>
             <a:r>
               <a:rPr lang="en-US" dirty="0" err="1" smtClean="0"/>
@@ -16720,11 +16643,7 @@
             </a:r>
             <a:r>
               <a:rPr lang="en-US" dirty="0" smtClean="0"/>
-              <a:t> </a:t>
-            </a:r>
-            <a:r>
-              <a:rPr lang="en-US" dirty="0" smtClean="0"/>
-              <a:t>{</a:t>
+              <a:t> {</a:t>
             </a:r>
           </a:p>
           <a:p>
@@ -16792,11 +16711,15 @@
             </a:r>
             <a:r>
               <a:rPr lang="en-US" dirty="0" err="1" smtClean="0"/>
-              <a:t>appServiceData</a:t>
+              <a:t>appService</a:t>
             </a:r>
             <a:r>
               <a:rPr lang="en-US" dirty="0" smtClean="0"/>
-              <a:t>) {</a:t>
+              <a:t>) </a:t>
+            </a:r>
+            <a:r>
+              <a:rPr lang="en-US" dirty="0" smtClean="0"/>
+              <a:t>{</a:t>
             </a:r>
             <a:br>
               <a:rPr lang="en-US" dirty="0" smtClean="0"/>
@@ -16806,8 +16729,8 @@
               <a:t>    </a:t>
             </a:r>
             <a:r>
-              <a:rPr lang="en-US" dirty="0" err="1" smtClean="0"/>
-              <a:t>appServiceData.getData</a:t>
+              <a:rPr lang="en-US" smtClean="0"/>
+              <a:t>appService.getData</a:t>
             </a:r>
             <a:r>
               <a:rPr lang="en-US" dirty="0" smtClean="0"/>

--- a/Angular 2.pptx
+++ b/Angular 2.pptx
@@ -4430,246 +4430,441 @@
               <a:buNone/>
             </a:pPr>
             <a:r>
-              <a:rPr lang="en-US" b="1" dirty="0"/>
+              <a:rPr lang="en-US" b="1" dirty="0">
+                <a:latin typeface="Consolas" panose="020B0609020204030204" pitchFamily="49" charset="0"/>
+                <a:cs typeface="Consolas" panose="020B0609020204030204" pitchFamily="49" charset="0"/>
+              </a:rPr>
               <a:t>name: </a:t>
             </a:r>
             <a:r>
-              <a:rPr lang="en-US" dirty="0" smtClean="0"/>
+              <a:rPr lang="en-US" dirty="0" smtClean="0">
+                <a:latin typeface="Consolas" panose="020B0609020204030204" pitchFamily="49" charset="0"/>
+                <a:cs typeface="Consolas" panose="020B0609020204030204" pitchFamily="49" charset="0"/>
+              </a:rPr>
               <a:t>angular2_presenation</a:t>
             </a:r>
             <a:br>
-              <a:rPr lang="en-US" dirty="0" smtClean="0"/>
+              <a:rPr lang="en-US" dirty="0" smtClean="0">
+                <a:latin typeface="Consolas" panose="020B0609020204030204" pitchFamily="49" charset="0"/>
+                <a:cs typeface="Consolas" panose="020B0609020204030204" pitchFamily="49" charset="0"/>
+              </a:rPr>
             </a:br>
             <a:r>
-              <a:rPr lang="en-US" b="1" dirty="0"/>
+              <a:rPr lang="en-US" b="1" dirty="0">
+                <a:latin typeface="Consolas" panose="020B0609020204030204" pitchFamily="49" charset="0"/>
+                <a:cs typeface="Consolas" panose="020B0609020204030204" pitchFamily="49" charset="0"/>
+              </a:rPr>
               <a:t>description: </a:t>
             </a:r>
             <a:r>
-              <a:rPr lang="en-US" dirty="0" smtClean="0"/>
+              <a:rPr lang="en-US" dirty="0" smtClean="0">
+                <a:latin typeface="Consolas" panose="020B0609020204030204" pitchFamily="49" charset="0"/>
+                <a:cs typeface="Consolas" panose="020B0609020204030204" pitchFamily="49" charset="0"/>
+              </a:rPr>
               <a:t>A Dart app that uses Angular 2</a:t>
             </a:r>
             <a:br>
-              <a:rPr lang="en-US" dirty="0" smtClean="0"/>
+              <a:rPr lang="en-US" dirty="0" smtClean="0">
+                <a:latin typeface="Consolas" panose="020B0609020204030204" pitchFamily="49" charset="0"/>
+                <a:cs typeface="Consolas" panose="020B0609020204030204" pitchFamily="49" charset="0"/>
+              </a:rPr>
             </a:br>
             <a:r>
-              <a:rPr lang="en-US" b="1" dirty="0"/>
+              <a:rPr lang="en-US" b="1" dirty="0">
+                <a:latin typeface="Consolas" panose="020B0609020204030204" pitchFamily="49" charset="0"/>
+                <a:cs typeface="Consolas" panose="020B0609020204030204" pitchFamily="49" charset="0"/>
+              </a:rPr>
               <a:t>version: </a:t>
             </a:r>
             <a:r>
-              <a:rPr lang="en-US" dirty="0" smtClean="0"/>
+              <a:rPr lang="en-US" dirty="0" smtClean="0">
+                <a:latin typeface="Consolas" panose="020B0609020204030204" pitchFamily="49" charset="0"/>
+                <a:cs typeface="Consolas" panose="020B0609020204030204" pitchFamily="49" charset="0"/>
+              </a:rPr>
               <a:t>0.0.1</a:t>
             </a:r>
             <a:br>
-              <a:rPr lang="en-US" dirty="0" smtClean="0"/>
+              <a:rPr lang="en-US" dirty="0" smtClean="0">
+                <a:latin typeface="Consolas" panose="020B0609020204030204" pitchFamily="49" charset="0"/>
+                <a:cs typeface="Consolas" panose="020B0609020204030204" pitchFamily="49" charset="0"/>
+              </a:rPr>
             </a:br>
             <a:r>
-              <a:rPr lang="en-US" b="1" dirty="0"/>
+              <a:rPr lang="en-US" b="1" dirty="0">
+                <a:latin typeface="Consolas" panose="020B0609020204030204" pitchFamily="49" charset="0"/>
+                <a:cs typeface="Consolas" panose="020B0609020204030204" pitchFamily="49" charset="0"/>
+              </a:rPr>
               <a:t>environment:</a:t>
             </a:r>
             <a:br>
-              <a:rPr lang="en-US" b="1" dirty="0"/>
+              <a:rPr lang="en-US" b="1" dirty="0">
+                <a:latin typeface="Consolas" panose="020B0609020204030204" pitchFamily="49" charset="0"/>
+                <a:cs typeface="Consolas" panose="020B0609020204030204" pitchFamily="49" charset="0"/>
+              </a:rPr>
             </a:br>
             <a:r>
-              <a:rPr lang="en-US" b="1" dirty="0"/>
+              <a:rPr lang="en-US" b="1" dirty="0">
+                <a:latin typeface="Consolas" panose="020B0609020204030204" pitchFamily="49" charset="0"/>
+                <a:cs typeface="Consolas" panose="020B0609020204030204" pitchFamily="49" charset="0"/>
+              </a:rPr>
               <a:t>  </a:t>
             </a:r>
             <a:r>
-              <a:rPr lang="en-US" b="1" dirty="0" err="1"/>
+              <a:rPr lang="en-US" b="1" dirty="0" err="1">
+                <a:latin typeface="Consolas" panose="020B0609020204030204" pitchFamily="49" charset="0"/>
+                <a:cs typeface="Consolas" panose="020B0609020204030204" pitchFamily="49" charset="0"/>
+              </a:rPr>
               <a:t>sdk</a:t>
             </a:r>
             <a:r>
-              <a:rPr lang="en-US" b="1" dirty="0"/>
+              <a:rPr lang="en-US" b="1" dirty="0">
+                <a:latin typeface="Consolas" panose="020B0609020204030204" pitchFamily="49" charset="0"/>
+                <a:cs typeface="Consolas" panose="020B0609020204030204" pitchFamily="49" charset="0"/>
+              </a:rPr>
               <a:t>: </a:t>
             </a:r>
             <a:r>
-              <a:rPr lang="en-US" dirty="0"/>
+              <a:rPr lang="en-US" dirty="0">
+                <a:latin typeface="Consolas" panose="020B0609020204030204" pitchFamily="49" charset="0"/>
+                <a:cs typeface="Consolas" panose="020B0609020204030204" pitchFamily="49" charset="0"/>
+              </a:rPr>
               <a:t>'&gt;=1.13.0 &lt;2.0.0'</a:t>
             </a:r>
             <a:br>
-              <a:rPr lang="en-US" dirty="0"/>
+              <a:rPr lang="en-US" dirty="0">
+                <a:latin typeface="Consolas" panose="020B0609020204030204" pitchFamily="49" charset="0"/>
+                <a:cs typeface="Consolas" panose="020B0609020204030204" pitchFamily="49" charset="0"/>
+              </a:rPr>
             </a:br>
             <a:r>
-              <a:rPr lang="en-US" b="1" dirty="0"/>
+              <a:rPr lang="en-US" b="1" dirty="0">
+                <a:latin typeface="Consolas" panose="020B0609020204030204" pitchFamily="49" charset="0"/>
+                <a:cs typeface="Consolas" panose="020B0609020204030204" pitchFamily="49" charset="0"/>
+              </a:rPr>
               <a:t>dependencies:</a:t>
             </a:r>
             <a:br>
-              <a:rPr lang="en-US" b="1" dirty="0"/>
+              <a:rPr lang="en-US" b="1" dirty="0">
+                <a:latin typeface="Consolas" panose="020B0609020204030204" pitchFamily="49" charset="0"/>
+                <a:cs typeface="Consolas" panose="020B0609020204030204" pitchFamily="49" charset="0"/>
+              </a:rPr>
             </a:br>
             <a:r>
-              <a:rPr lang="en-US" b="1" dirty="0"/>
+              <a:rPr lang="en-US" b="1" dirty="0">
+                <a:latin typeface="Consolas" panose="020B0609020204030204" pitchFamily="49" charset="0"/>
+                <a:cs typeface="Consolas" panose="020B0609020204030204" pitchFamily="49" charset="0"/>
+              </a:rPr>
               <a:t>  angular2: </a:t>
             </a:r>
             <a:r>
-              <a:rPr lang="en-US" dirty="0" smtClean="0"/>
+              <a:rPr lang="en-US" dirty="0" smtClean="0">
+                <a:latin typeface="Consolas" panose="020B0609020204030204" pitchFamily="49" charset="0"/>
+                <a:cs typeface="Consolas" panose="020B0609020204030204" pitchFamily="49" charset="0"/>
+              </a:rPr>
               <a:t>2.0.0-beta.12</a:t>
             </a:r>
             <a:br>
-              <a:rPr lang="en-US" dirty="0" smtClean="0"/>
+              <a:rPr lang="en-US" dirty="0" smtClean="0">
+                <a:latin typeface="Consolas" panose="020B0609020204030204" pitchFamily="49" charset="0"/>
+                <a:cs typeface="Consolas" panose="020B0609020204030204" pitchFamily="49" charset="0"/>
+              </a:rPr>
             </a:br>
             <a:r>
-              <a:rPr lang="en-US" dirty="0" smtClean="0"/>
+              <a:rPr lang="en-US" dirty="0" smtClean="0">
+                <a:latin typeface="Consolas" panose="020B0609020204030204" pitchFamily="49" charset="0"/>
+                <a:cs typeface="Consolas" panose="020B0609020204030204" pitchFamily="49" charset="0"/>
+              </a:rPr>
               <a:t>  </a:t>
             </a:r>
             <a:r>
-              <a:rPr lang="en-US" b="1" dirty="0"/>
+              <a:rPr lang="en-US" b="1" dirty="0">
+                <a:latin typeface="Consolas" panose="020B0609020204030204" pitchFamily="49" charset="0"/>
+                <a:cs typeface="Consolas" panose="020B0609020204030204" pitchFamily="49" charset="0"/>
+              </a:rPr>
               <a:t>browser: </a:t>
             </a:r>
             <a:r>
-              <a:rPr lang="en-US" dirty="0" smtClean="0"/>
+              <a:rPr lang="en-US" dirty="0" smtClean="0">
+                <a:latin typeface="Consolas" panose="020B0609020204030204" pitchFamily="49" charset="0"/>
+                <a:cs typeface="Consolas" panose="020B0609020204030204" pitchFamily="49" charset="0"/>
+              </a:rPr>
               <a:t>^0.10.0</a:t>
             </a:r>
             <a:br>
-              <a:rPr lang="en-US" dirty="0" smtClean="0"/>
+              <a:rPr lang="en-US" dirty="0" smtClean="0">
+                <a:latin typeface="Consolas" panose="020B0609020204030204" pitchFamily="49" charset="0"/>
+                <a:cs typeface="Consolas" panose="020B0609020204030204" pitchFamily="49" charset="0"/>
+              </a:rPr>
             </a:br>
             <a:r>
-              <a:rPr lang="en-US" dirty="0" smtClean="0"/>
+              <a:rPr lang="en-US" dirty="0" smtClean="0">
+                <a:latin typeface="Consolas" panose="020B0609020204030204" pitchFamily="49" charset="0"/>
+                <a:cs typeface="Consolas" panose="020B0609020204030204" pitchFamily="49" charset="0"/>
+              </a:rPr>
               <a:t>  </a:t>
             </a:r>
             <a:r>
-              <a:rPr lang="en-US" b="1" dirty="0" err="1"/>
+              <a:rPr lang="en-US" b="1" dirty="0" err="1">
+                <a:latin typeface="Consolas" panose="020B0609020204030204" pitchFamily="49" charset="0"/>
+                <a:cs typeface="Consolas" panose="020B0609020204030204" pitchFamily="49" charset="0"/>
+              </a:rPr>
               <a:t>dart_to_js_script_rewriter</a:t>
             </a:r>
             <a:r>
-              <a:rPr lang="en-US" b="1" dirty="0"/>
+              <a:rPr lang="en-US" b="1" dirty="0">
+                <a:latin typeface="Consolas" panose="020B0609020204030204" pitchFamily="49" charset="0"/>
+                <a:cs typeface="Consolas" panose="020B0609020204030204" pitchFamily="49" charset="0"/>
+              </a:rPr>
               <a:t>: </a:t>
             </a:r>
             <a:r>
-              <a:rPr lang="en-US" dirty="0" smtClean="0"/>
+              <a:rPr lang="en-US" dirty="0" smtClean="0">
+                <a:latin typeface="Consolas" panose="020B0609020204030204" pitchFamily="49" charset="0"/>
+                <a:cs typeface="Consolas" panose="020B0609020204030204" pitchFamily="49" charset="0"/>
+              </a:rPr>
               <a:t>^0.1.0</a:t>
             </a:r>
             <a:br>
-              <a:rPr lang="en-US" dirty="0" smtClean="0"/>
+              <a:rPr lang="en-US" dirty="0" smtClean="0">
+                <a:latin typeface="Consolas" panose="020B0609020204030204" pitchFamily="49" charset="0"/>
+                <a:cs typeface="Consolas" panose="020B0609020204030204" pitchFamily="49" charset="0"/>
+              </a:rPr>
             </a:br>
             <a:r>
-              <a:rPr lang="en-US" b="1" dirty="0"/>
+              <a:rPr lang="en-US" b="1" dirty="0">
+                <a:latin typeface="Consolas" panose="020B0609020204030204" pitchFamily="49" charset="0"/>
+                <a:cs typeface="Consolas" panose="020B0609020204030204" pitchFamily="49" charset="0"/>
+              </a:rPr>
               <a:t>transformers:</a:t>
             </a:r>
             <a:br>
-              <a:rPr lang="en-US" b="1" dirty="0"/>
+              <a:rPr lang="en-US" b="1" dirty="0">
+                <a:latin typeface="Consolas" panose="020B0609020204030204" pitchFamily="49" charset="0"/>
+                <a:cs typeface="Consolas" panose="020B0609020204030204" pitchFamily="49" charset="0"/>
+              </a:rPr>
             </a:br>
             <a:r>
-              <a:rPr lang="en-US" dirty="0" smtClean="0"/>
+              <a:rPr lang="en-US" dirty="0" smtClean="0">
+                <a:latin typeface="Consolas" panose="020B0609020204030204" pitchFamily="49" charset="0"/>
+                <a:cs typeface="Consolas" panose="020B0609020204030204" pitchFamily="49" charset="0"/>
+              </a:rPr>
               <a:t>- </a:t>
             </a:r>
             <a:r>
-              <a:rPr lang="en-US" b="1" dirty="0"/>
+              <a:rPr lang="en-US" b="1" dirty="0">
+                <a:latin typeface="Consolas" panose="020B0609020204030204" pitchFamily="49" charset="0"/>
+                <a:cs typeface="Consolas" panose="020B0609020204030204" pitchFamily="49" charset="0"/>
+              </a:rPr>
               <a:t>angular2:</a:t>
             </a:r>
             <a:br>
-              <a:rPr lang="en-US" b="1" dirty="0"/>
+              <a:rPr lang="en-US" b="1" dirty="0">
+                <a:latin typeface="Consolas" panose="020B0609020204030204" pitchFamily="49" charset="0"/>
+                <a:cs typeface="Consolas" panose="020B0609020204030204" pitchFamily="49" charset="0"/>
+              </a:rPr>
             </a:br>
             <a:r>
-              <a:rPr lang="en-US" b="1" dirty="0"/>
+              <a:rPr lang="en-US" b="1" dirty="0">
+                <a:latin typeface="Consolas" panose="020B0609020204030204" pitchFamily="49" charset="0"/>
+                <a:cs typeface="Consolas" panose="020B0609020204030204" pitchFamily="49" charset="0"/>
+              </a:rPr>
               <a:t>    </a:t>
             </a:r>
             <a:r>
-              <a:rPr lang="en-US" b="1" dirty="0" err="1"/>
+              <a:rPr lang="en-US" b="1" dirty="0" err="1">
+                <a:latin typeface="Consolas" panose="020B0609020204030204" pitchFamily="49" charset="0"/>
+                <a:cs typeface="Consolas" panose="020B0609020204030204" pitchFamily="49" charset="0"/>
+              </a:rPr>
               <a:t>platform_directives</a:t>
             </a:r>
             <a:r>
-              <a:rPr lang="en-US" b="1" dirty="0"/>
+              <a:rPr lang="en-US" b="1" dirty="0">
+                <a:latin typeface="Consolas" panose="020B0609020204030204" pitchFamily="49" charset="0"/>
+                <a:cs typeface="Consolas" panose="020B0609020204030204" pitchFamily="49" charset="0"/>
+              </a:rPr>
               <a:t>:</a:t>
             </a:r>
             <a:br>
-              <a:rPr lang="en-US" b="1" dirty="0"/>
+              <a:rPr lang="en-US" b="1" dirty="0">
+                <a:latin typeface="Consolas" panose="020B0609020204030204" pitchFamily="49" charset="0"/>
+                <a:cs typeface="Consolas" panose="020B0609020204030204" pitchFamily="49" charset="0"/>
+              </a:rPr>
             </a:br>
             <a:r>
-              <a:rPr lang="en-US" b="1" dirty="0"/>
+              <a:rPr lang="en-US" b="1" dirty="0">
+                <a:latin typeface="Consolas" panose="020B0609020204030204" pitchFamily="49" charset="0"/>
+                <a:cs typeface="Consolas" panose="020B0609020204030204" pitchFamily="49" charset="0"/>
+              </a:rPr>
               <a:t>    </a:t>
             </a:r>
             <a:r>
-              <a:rPr lang="en-US" dirty="0" smtClean="0"/>
+              <a:rPr lang="en-US" dirty="0" smtClean="0">
+                <a:latin typeface="Consolas" panose="020B0609020204030204" pitchFamily="49" charset="0"/>
+                <a:cs typeface="Consolas" panose="020B0609020204030204" pitchFamily="49" charset="0"/>
+              </a:rPr>
               <a:t>- </a:t>
             </a:r>
             <a:r>
-              <a:rPr lang="en-US" dirty="0"/>
+              <a:rPr lang="en-US" dirty="0">
+                <a:latin typeface="Consolas" panose="020B0609020204030204" pitchFamily="49" charset="0"/>
+                <a:cs typeface="Consolas" panose="020B0609020204030204" pitchFamily="49" charset="0"/>
+              </a:rPr>
               <a:t>'package:angular2/</a:t>
             </a:r>
             <a:r>
-              <a:rPr lang="en-US" dirty="0" err="1"/>
+              <a:rPr lang="en-US" dirty="0" err="1">
+                <a:latin typeface="Consolas" panose="020B0609020204030204" pitchFamily="49" charset="0"/>
+                <a:cs typeface="Consolas" panose="020B0609020204030204" pitchFamily="49" charset="0"/>
+              </a:rPr>
               <a:t>common.dart#COMMON_DIRECTIVES</a:t>
             </a:r>
             <a:r>
-              <a:rPr lang="en-US" dirty="0"/>
+              <a:rPr lang="en-US" dirty="0">
+                <a:latin typeface="Consolas" panose="020B0609020204030204" pitchFamily="49" charset="0"/>
+                <a:cs typeface="Consolas" panose="020B0609020204030204" pitchFamily="49" charset="0"/>
+              </a:rPr>
               <a:t>'</a:t>
             </a:r>
             <a:br>
-              <a:rPr lang="en-US" dirty="0"/>
+              <a:rPr lang="en-US" dirty="0">
+                <a:latin typeface="Consolas" panose="020B0609020204030204" pitchFamily="49" charset="0"/>
+                <a:cs typeface="Consolas" panose="020B0609020204030204" pitchFamily="49" charset="0"/>
+              </a:rPr>
             </a:br>
             <a:r>
-              <a:rPr lang="en-US" dirty="0"/>
+              <a:rPr lang="en-US" dirty="0">
+                <a:latin typeface="Consolas" panose="020B0609020204030204" pitchFamily="49" charset="0"/>
+                <a:cs typeface="Consolas" panose="020B0609020204030204" pitchFamily="49" charset="0"/>
+              </a:rPr>
               <a:t>    </a:t>
             </a:r>
             <a:r>
-              <a:rPr lang="en-US" b="1" dirty="0" err="1"/>
+              <a:rPr lang="en-US" b="1" dirty="0" err="1">
+                <a:latin typeface="Consolas" panose="020B0609020204030204" pitchFamily="49" charset="0"/>
+                <a:cs typeface="Consolas" panose="020B0609020204030204" pitchFamily="49" charset="0"/>
+              </a:rPr>
               <a:t>platform_pipes</a:t>
             </a:r>
             <a:r>
-              <a:rPr lang="en-US" b="1" dirty="0"/>
+              <a:rPr lang="en-US" b="1" dirty="0">
+                <a:latin typeface="Consolas" panose="020B0609020204030204" pitchFamily="49" charset="0"/>
+                <a:cs typeface="Consolas" panose="020B0609020204030204" pitchFamily="49" charset="0"/>
+              </a:rPr>
               <a:t>:</a:t>
             </a:r>
             <a:br>
-              <a:rPr lang="en-US" b="1" dirty="0"/>
+              <a:rPr lang="en-US" b="1" dirty="0">
+                <a:latin typeface="Consolas" panose="020B0609020204030204" pitchFamily="49" charset="0"/>
+                <a:cs typeface="Consolas" panose="020B0609020204030204" pitchFamily="49" charset="0"/>
+              </a:rPr>
             </a:br>
             <a:r>
-              <a:rPr lang="en-US" b="1" dirty="0"/>
+              <a:rPr lang="en-US" b="1" dirty="0">
+                <a:latin typeface="Consolas" panose="020B0609020204030204" pitchFamily="49" charset="0"/>
+                <a:cs typeface="Consolas" panose="020B0609020204030204" pitchFamily="49" charset="0"/>
+              </a:rPr>
               <a:t>    </a:t>
             </a:r>
             <a:r>
-              <a:rPr lang="en-US" dirty="0" smtClean="0"/>
+              <a:rPr lang="en-US" dirty="0" smtClean="0">
+                <a:latin typeface="Consolas" panose="020B0609020204030204" pitchFamily="49" charset="0"/>
+                <a:cs typeface="Consolas" panose="020B0609020204030204" pitchFamily="49" charset="0"/>
+              </a:rPr>
               <a:t>- </a:t>
             </a:r>
             <a:r>
-              <a:rPr lang="en-US" dirty="0"/>
+              <a:rPr lang="en-US" dirty="0">
+                <a:latin typeface="Consolas" panose="020B0609020204030204" pitchFamily="49" charset="0"/>
+                <a:cs typeface="Consolas" panose="020B0609020204030204" pitchFamily="49" charset="0"/>
+              </a:rPr>
               <a:t>'package:angular2/</a:t>
             </a:r>
             <a:r>
-              <a:rPr lang="en-US" dirty="0" err="1"/>
+              <a:rPr lang="en-US" dirty="0" err="1">
+                <a:latin typeface="Consolas" panose="020B0609020204030204" pitchFamily="49" charset="0"/>
+                <a:cs typeface="Consolas" panose="020B0609020204030204" pitchFamily="49" charset="0"/>
+              </a:rPr>
               <a:t>common.dart#COMMON_PIPES</a:t>
             </a:r>
             <a:r>
-              <a:rPr lang="en-US" dirty="0"/>
+              <a:rPr lang="en-US" dirty="0">
+                <a:latin typeface="Consolas" panose="020B0609020204030204" pitchFamily="49" charset="0"/>
+                <a:cs typeface="Consolas" panose="020B0609020204030204" pitchFamily="49" charset="0"/>
+              </a:rPr>
               <a:t>'</a:t>
             </a:r>
             <a:br>
-              <a:rPr lang="en-US" dirty="0"/>
+              <a:rPr lang="en-US" dirty="0">
+                <a:latin typeface="Consolas" panose="020B0609020204030204" pitchFamily="49" charset="0"/>
+                <a:cs typeface="Consolas" panose="020B0609020204030204" pitchFamily="49" charset="0"/>
+              </a:rPr>
             </a:br>
             <a:r>
-              <a:rPr lang="en-US" dirty="0"/>
+              <a:rPr lang="en-US" dirty="0">
+                <a:latin typeface="Consolas" panose="020B0609020204030204" pitchFamily="49" charset="0"/>
+                <a:cs typeface="Consolas" panose="020B0609020204030204" pitchFamily="49" charset="0"/>
+              </a:rPr>
               <a:t>    </a:t>
             </a:r>
             <a:r>
-              <a:rPr lang="en-US" b="1" dirty="0" err="1"/>
+              <a:rPr lang="en-US" b="1" dirty="0" err="1">
+                <a:latin typeface="Consolas" panose="020B0609020204030204" pitchFamily="49" charset="0"/>
+                <a:cs typeface="Consolas" panose="020B0609020204030204" pitchFamily="49" charset="0"/>
+              </a:rPr>
               <a:t>entry_points</a:t>
             </a:r>
             <a:r>
-              <a:rPr lang="en-US" b="1" dirty="0"/>
+              <a:rPr lang="en-US" b="1" dirty="0">
+                <a:latin typeface="Consolas" panose="020B0609020204030204" pitchFamily="49" charset="0"/>
+                <a:cs typeface="Consolas" panose="020B0609020204030204" pitchFamily="49" charset="0"/>
+              </a:rPr>
               <a:t>: </a:t>
             </a:r>
             <a:r>
-              <a:rPr lang="en-US" dirty="0" smtClean="0"/>
+              <a:rPr lang="en-US" dirty="0" smtClean="0">
+                <a:latin typeface="Consolas" panose="020B0609020204030204" pitchFamily="49" charset="0"/>
+                <a:cs typeface="Consolas" panose="020B0609020204030204" pitchFamily="49" charset="0"/>
+              </a:rPr>
               <a:t>web/</a:t>
             </a:r>
             <a:r>
-              <a:rPr lang="en-US" dirty="0" err="1" smtClean="0"/>
+              <a:rPr lang="en-US" dirty="0" err="1" smtClean="0">
+                <a:latin typeface="Consolas" panose="020B0609020204030204" pitchFamily="49" charset="0"/>
+                <a:cs typeface="Consolas" panose="020B0609020204030204" pitchFamily="49" charset="0"/>
+              </a:rPr>
               <a:t>main.dart</a:t>
             </a:r>
             <a:r>
-              <a:rPr lang="en-US" dirty="0" smtClean="0"/>
+              <a:rPr lang="en-US" dirty="0" smtClean="0">
+                <a:latin typeface="Consolas" panose="020B0609020204030204" pitchFamily="49" charset="0"/>
+                <a:cs typeface="Consolas" panose="020B0609020204030204" pitchFamily="49" charset="0"/>
+              </a:rPr>
               <a:t/>
             </a:r>
             <a:br>
-              <a:rPr lang="en-US" dirty="0" smtClean="0"/>
+              <a:rPr lang="en-US" dirty="0" smtClean="0">
+                <a:latin typeface="Consolas" panose="020B0609020204030204" pitchFamily="49" charset="0"/>
+                <a:cs typeface="Consolas" panose="020B0609020204030204" pitchFamily="49" charset="0"/>
+              </a:rPr>
             </a:br>
             <a:r>
-              <a:rPr lang="en-US" dirty="0" smtClean="0"/>
+              <a:rPr lang="en-US" dirty="0" smtClean="0">
+                <a:latin typeface="Consolas" panose="020B0609020204030204" pitchFamily="49" charset="0"/>
+                <a:cs typeface="Consolas" panose="020B0609020204030204" pitchFamily="49" charset="0"/>
+              </a:rPr>
               <a:t>- </a:t>
             </a:r>
             <a:r>
-              <a:rPr lang="en-US" dirty="0" err="1" smtClean="0"/>
+              <a:rPr lang="en-US" dirty="0" err="1" smtClean="0">
+                <a:latin typeface="Consolas" panose="020B0609020204030204" pitchFamily="49" charset="0"/>
+                <a:cs typeface="Consolas" panose="020B0609020204030204" pitchFamily="49" charset="0"/>
+              </a:rPr>
               <a:t>dart_to_js_script_rewriter</a:t>
             </a:r>
-            <a:endParaRPr lang="en-US" dirty="0"/>
+            <a:endParaRPr lang="en-US" dirty="0">
+              <a:latin typeface="Consolas" panose="020B0609020204030204" pitchFamily="49" charset="0"/>
+              <a:cs typeface="Consolas" panose="020B0609020204030204" pitchFamily="49" charset="0"/>
+            </a:endParaRPr>
           </a:p>
         </p:txBody>
       </p:sp>
@@ -5097,41 +5292,69 @@
           <a:lstStyle/>
           <a:p>
             <a:r>
-              <a:rPr lang="en-US" dirty="0" smtClean="0"/>
-              <a:t>{{ }}</a:t>
-            </a:r>
-          </a:p>
-          <a:p>
-            <a:r>
-              <a:rPr lang="en-US" dirty="0" smtClean="0"/>
+              <a:rPr lang="en-US" dirty="0" smtClean="0">
+                <a:latin typeface="Consolas" panose="020B0609020204030204" pitchFamily="49" charset="0"/>
+                <a:cs typeface="Consolas" panose="020B0609020204030204" pitchFamily="49" charset="0"/>
+              </a:rPr>
+              <a:t>{{}}</a:t>
+            </a:r>
+            <a:endParaRPr lang="en-US" dirty="0" smtClean="0">
+              <a:latin typeface="Consolas" panose="020B0609020204030204" pitchFamily="49" charset="0"/>
+              <a:cs typeface="Consolas" panose="020B0609020204030204" pitchFamily="49" charset="0"/>
+            </a:endParaRPr>
+          </a:p>
+          <a:p>
+            <a:r>
+              <a:rPr lang="en-US" dirty="0" smtClean="0">
+                <a:latin typeface="Consolas" panose="020B0609020204030204" pitchFamily="49" charset="0"/>
+                <a:cs typeface="Consolas" panose="020B0609020204030204" pitchFamily="49" charset="0"/>
+              </a:rPr>
               <a:t>[]</a:t>
             </a:r>
           </a:p>
           <a:p>
             <a:r>
-              <a:rPr lang="en-US" dirty="0" smtClean="0"/>
+              <a:rPr lang="en-US" dirty="0" smtClean="0">
+                <a:latin typeface="Consolas" panose="020B0609020204030204" pitchFamily="49" charset="0"/>
+                <a:cs typeface="Consolas" panose="020B0609020204030204" pitchFamily="49" charset="0"/>
+              </a:rPr>
               <a:t>()</a:t>
             </a:r>
           </a:p>
           <a:p>
             <a:r>
-              <a:rPr lang="en-US" dirty="0" smtClean="0"/>
+              <a:rPr lang="en-US" dirty="0" smtClean="0">
+                <a:latin typeface="Consolas" panose="020B0609020204030204" pitchFamily="49" charset="0"/>
+                <a:cs typeface="Consolas" panose="020B0609020204030204" pitchFamily="49" charset="0"/>
+              </a:rPr>
               <a:t>[()]</a:t>
             </a:r>
           </a:p>
           <a:p>
             <a:r>
-              <a:rPr lang="en-US" dirty="0"/>
+              <a:rPr lang="en-US" dirty="0">
+                <a:latin typeface="Consolas" panose="020B0609020204030204" pitchFamily="49" charset="0"/>
+                <a:cs typeface="Consolas" panose="020B0609020204030204" pitchFamily="49" charset="0"/>
+              </a:rPr>
               <a:t>#</a:t>
             </a:r>
-            <a:endParaRPr lang="en-US" dirty="0" smtClean="0"/>
-          </a:p>
-          <a:p>
-            <a:r>
-              <a:rPr lang="en-US" dirty="0" smtClean="0"/>
+            <a:endParaRPr lang="en-US" dirty="0" smtClean="0">
+              <a:latin typeface="Consolas" panose="020B0609020204030204" pitchFamily="49" charset="0"/>
+              <a:cs typeface="Consolas" panose="020B0609020204030204" pitchFamily="49" charset="0"/>
+            </a:endParaRPr>
+          </a:p>
+          <a:p>
+            <a:r>
+              <a:rPr lang="en-US" dirty="0" smtClean="0">
+                <a:latin typeface="Consolas" panose="020B0609020204030204" pitchFamily="49" charset="0"/>
+                <a:cs typeface="Consolas" panose="020B0609020204030204" pitchFamily="49" charset="0"/>
+              </a:rPr>
               <a:t>*</a:t>
             </a:r>
-            <a:endParaRPr lang="en-US" dirty="0"/>
+            <a:endParaRPr lang="en-US" dirty="0">
+              <a:latin typeface="Consolas" panose="020B0609020204030204" pitchFamily="49" charset="0"/>
+              <a:cs typeface="Consolas" panose="020B0609020204030204" pitchFamily="49" charset="0"/>
+            </a:endParaRPr>
           </a:p>
         </p:txBody>
       </p:sp>
@@ -5740,7 +5963,11 @@
           <a:p>
             <a:r>
               <a:rPr lang="en-US" dirty="0" smtClean="0"/>
-              <a:t>{{ }} Basic binding</a:t>
+              <a:t>{{}} </a:t>
+            </a:r>
+            <a:r>
+              <a:rPr lang="en-US" dirty="0" smtClean="0"/>
+              <a:t>Basic binding</a:t>
             </a:r>
             <a:endParaRPr lang="en-US" dirty="0"/>
           </a:p>
@@ -5771,15 +5998,24 @@
               <a:buNone/>
             </a:pPr>
             <a:r>
-              <a:rPr lang="en-US" dirty="0" smtClean="0"/>
+              <a:rPr lang="en-US" sz="2800" dirty="0" smtClean="0">
+                <a:latin typeface="Consolas" panose="020B0609020204030204" pitchFamily="49" charset="0"/>
+                <a:cs typeface="Consolas" panose="020B0609020204030204" pitchFamily="49" charset="0"/>
+              </a:rPr>
               <a:t>String </a:t>
             </a:r>
             <a:r>
-              <a:rPr lang="en-US" dirty="0" err="1" smtClean="0"/>
+              <a:rPr lang="en-US" sz="2800" dirty="0" err="1" smtClean="0">
+                <a:latin typeface="Consolas" panose="020B0609020204030204" pitchFamily="49" charset="0"/>
+                <a:cs typeface="Consolas" panose="020B0609020204030204" pitchFamily="49" charset="0"/>
+              </a:rPr>
               <a:t>myString</a:t>
             </a:r>
             <a:r>
-              <a:rPr lang="en-US" dirty="0" smtClean="0"/>
+              <a:rPr lang="en-US" sz="2800" dirty="0" smtClean="0">
+                <a:latin typeface="Consolas" panose="020B0609020204030204" pitchFamily="49" charset="0"/>
+                <a:cs typeface="Consolas" panose="020B0609020204030204" pitchFamily="49" charset="0"/>
+              </a:rPr>
               <a:t> = “Hello Universe”;</a:t>
             </a:r>
           </a:p>
@@ -5800,18 +6036,30 @@
               <a:buNone/>
             </a:pPr>
             <a:r>
-              <a:rPr lang="en-US" dirty="0" smtClean="0"/>
-              <a:t>{{ </a:t>
-            </a:r>
-            <a:r>
-              <a:rPr lang="en-US" dirty="0" err="1" smtClean="0"/>
+              <a:rPr lang="en-US" sz="2800" dirty="0" smtClean="0">
+                <a:latin typeface="Consolas" panose="020B0609020204030204" pitchFamily="49" charset="0"/>
+                <a:cs typeface="Consolas" panose="020B0609020204030204" pitchFamily="49" charset="0"/>
+              </a:rPr>
+              <a:t>{{</a:t>
+            </a:r>
+            <a:r>
+              <a:rPr lang="en-US" sz="2800" dirty="0" err="1" smtClean="0">
+                <a:latin typeface="Consolas" panose="020B0609020204030204" pitchFamily="49" charset="0"/>
+                <a:cs typeface="Consolas" panose="020B0609020204030204" pitchFamily="49" charset="0"/>
+              </a:rPr>
               <a:t>myVar</a:t>
             </a:r>
             <a:r>
-              <a:rPr lang="en-US" dirty="0" smtClean="0"/>
-              <a:t> }}</a:t>
-            </a:r>
-            <a:endParaRPr lang="en-US" dirty="0"/>
+              <a:rPr lang="en-US" sz="2800" dirty="0" smtClean="0">
+                <a:latin typeface="Consolas" panose="020B0609020204030204" pitchFamily="49" charset="0"/>
+                <a:cs typeface="Consolas" panose="020B0609020204030204" pitchFamily="49" charset="0"/>
+              </a:rPr>
+              <a:t>}}</a:t>
+            </a:r>
+            <a:endParaRPr lang="en-US" sz="2800" dirty="0">
+              <a:latin typeface="Consolas" panose="020B0609020204030204" pitchFamily="49" charset="0"/>
+              <a:cs typeface="Consolas" panose="020B0609020204030204" pitchFamily="49" charset="0"/>
+            </a:endParaRPr>
           </a:p>
         </p:txBody>
       </p:sp>
@@ -6299,23 +6547,38 @@
               <a:buNone/>
             </a:pPr>
             <a:r>
-              <a:rPr lang="en-US" dirty="0" smtClean="0"/>
+              <a:rPr lang="en-US" sz="2400" dirty="0" smtClean="0">
+                <a:latin typeface="Consolas" panose="020B0609020204030204" pitchFamily="49" charset="0"/>
+                <a:cs typeface="Consolas" panose="020B0609020204030204" pitchFamily="49" charset="0"/>
+              </a:rPr>
               <a:t>String get </a:t>
             </a:r>
             <a:r>
-              <a:rPr lang="en-US" dirty="0" err="1" smtClean="0"/>
+              <a:rPr lang="en-US" sz="2400" dirty="0" err="1" smtClean="0">
+                <a:latin typeface="Consolas" panose="020B0609020204030204" pitchFamily="49" charset="0"/>
+                <a:cs typeface="Consolas" panose="020B0609020204030204" pitchFamily="49" charset="0"/>
+              </a:rPr>
               <a:t>mySrc</a:t>
             </a:r>
             <a:r>
-              <a:rPr lang="en-US" dirty="0" smtClean="0"/>
+              <a:rPr lang="en-US" sz="2400" dirty="0" smtClean="0">
+                <a:latin typeface="Consolas" panose="020B0609020204030204" pitchFamily="49" charset="0"/>
+                <a:cs typeface="Consolas" panose="020B0609020204030204" pitchFamily="49" charset="0"/>
+              </a:rPr>
               <a:t> </a:t>
             </a:r>
             <a:r>
-              <a:rPr lang="en-US" dirty="0"/>
+              <a:rPr lang="en-US" sz="2400" dirty="0">
+                <a:latin typeface="Consolas" panose="020B0609020204030204" pitchFamily="49" charset="0"/>
+                <a:cs typeface="Consolas" panose="020B0609020204030204" pitchFamily="49" charset="0"/>
+              </a:rPr>
               <a:t>=&gt; "images/logo.png</a:t>
             </a:r>
             <a:r>
-              <a:rPr lang="en-US" dirty="0" smtClean="0"/>
+              <a:rPr lang="en-US" sz="2400" dirty="0" smtClean="0">
+                <a:latin typeface="Consolas" panose="020B0609020204030204" pitchFamily="49" charset="0"/>
+                <a:cs typeface="Consolas" panose="020B0609020204030204" pitchFamily="49" charset="0"/>
+              </a:rPr>
               <a:t>";</a:t>
             </a:r>
           </a:p>
@@ -6336,31 +6599,52 @@
               <a:buNone/>
             </a:pPr>
             <a:r>
-              <a:rPr lang="en-US" dirty="0" smtClean="0"/>
+              <a:rPr lang="en-US" sz="2400" dirty="0" smtClean="0">
+                <a:latin typeface="Consolas" panose="020B0609020204030204" pitchFamily="49" charset="0"/>
+                <a:cs typeface="Consolas" panose="020B0609020204030204" pitchFamily="49" charset="0"/>
+              </a:rPr>
               <a:t>&lt;</a:t>
             </a:r>
             <a:r>
-              <a:rPr lang="en-US" dirty="0" err="1" smtClean="0"/>
+              <a:rPr lang="en-US" sz="2400" dirty="0" err="1" smtClean="0">
+                <a:latin typeface="Consolas" panose="020B0609020204030204" pitchFamily="49" charset="0"/>
+                <a:cs typeface="Consolas" panose="020B0609020204030204" pitchFamily="49" charset="0"/>
+              </a:rPr>
               <a:t>img</a:t>
             </a:r>
             <a:r>
-              <a:rPr lang="en-US" dirty="0" smtClean="0"/>
+              <a:rPr lang="en-US" sz="2400" dirty="0" smtClean="0">
+                <a:latin typeface="Consolas" panose="020B0609020204030204" pitchFamily="49" charset="0"/>
+                <a:cs typeface="Consolas" panose="020B0609020204030204" pitchFamily="49" charset="0"/>
+              </a:rPr>
               <a:t> [</a:t>
             </a:r>
             <a:r>
-              <a:rPr lang="en-US" dirty="0" err="1" smtClean="0"/>
+              <a:rPr lang="en-US" sz="2400" dirty="0" err="1" smtClean="0">
+                <a:latin typeface="Consolas" panose="020B0609020204030204" pitchFamily="49" charset="0"/>
+                <a:cs typeface="Consolas" panose="020B0609020204030204" pitchFamily="49" charset="0"/>
+              </a:rPr>
               <a:t>src</a:t>
             </a:r>
             <a:r>
-              <a:rPr lang="en-US" dirty="0" smtClean="0"/>
+              <a:rPr lang="en-US" sz="2400" dirty="0" smtClean="0">
+                <a:latin typeface="Consolas" panose="020B0609020204030204" pitchFamily="49" charset="0"/>
+                <a:cs typeface="Consolas" panose="020B0609020204030204" pitchFamily="49" charset="0"/>
+              </a:rPr>
               <a:t>]=“</a:t>
             </a:r>
             <a:r>
-              <a:rPr lang="en-US" dirty="0" err="1" smtClean="0"/>
+              <a:rPr lang="en-US" sz="2400" dirty="0" err="1" smtClean="0">
+                <a:latin typeface="Consolas" panose="020B0609020204030204" pitchFamily="49" charset="0"/>
+                <a:cs typeface="Consolas" panose="020B0609020204030204" pitchFamily="49" charset="0"/>
+              </a:rPr>
               <a:t>mySrc</a:t>
             </a:r>
             <a:r>
-              <a:rPr lang="en-US" dirty="0" smtClean="0"/>
+              <a:rPr lang="en-US" sz="2400" dirty="0" smtClean="0">
+                <a:latin typeface="Consolas" panose="020B0609020204030204" pitchFamily="49" charset="0"/>
+                <a:cs typeface="Consolas" panose="020B0609020204030204" pitchFamily="49" charset="0"/>
+              </a:rPr>
               <a:t>”/&gt;</a:t>
             </a:r>
           </a:p>
@@ -6758,7 +7042,9 @@
         </p:nvSpPr>
         <p:spPr/>
         <p:txBody>
-          <a:bodyPr/>
+          <a:bodyPr>
+            <a:normAutofit/>
+          </a:bodyPr>
           <a:lstStyle/>
           <a:p>
             <a:r>
@@ -6771,15 +7057,24 @@
               <a:buNone/>
             </a:pPr>
             <a:r>
-              <a:rPr lang="en-US" dirty="0" smtClean="0"/>
+              <a:rPr lang="en-US" sz="2800" dirty="0" smtClean="0">
+                <a:latin typeface="Consolas" panose="020B0609020204030204" pitchFamily="49" charset="0"/>
+                <a:cs typeface="Consolas" panose="020B0609020204030204" pitchFamily="49" charset="0"/>
+              </a:rPr>
               <a:t>void </a:t>
             </a:r>
             <a:r>
-              <a:rPr lang="en-US" dirty="0" err="1" smtClean="0"/>
+              <a:rPr lang="en-US" sz="2800" dirty="0" err="1" smtClean="0">
+                <a:latin typeface="Consolas" panose="020B0609020204030204" pitchFamily="49" charset="0"/>
+                <a:cs typeface="Consolas" panose="020B0609020204030204" pitchFamily="49" charset="0"/>
+              </a:rPr>
               <a:t>handleClickEvent</a:t>
             </a:r>
             <a:r>
-              <a:rPr lang="en-US" dirty="0" smtClean="0"/>
+              <a:rPr lang="en-US" sz="2800" dirty="0" smtClean="0">
+                <a:latin typeface="Consolas" panose="020B0609020204030204" pitchFamily="49" charset="0"/>
+                <a:cs typeface="Consolas" panose="020B0609020204030204" pitchFamily="49" charset="0"/>
+              </a:rPr>
               <a:t>() {</a:t>
             </a:r>
           </a:p>
@@ -6788,7 +7083,10 @@
               <a:buNone/>
             </a:pPr>
             <a:r>
-              <a:rPr lang="en-US" dirty="0" smtClean="0"/>
+              <a:rPr lang="en-US" sz="2800" dirty="0" smtClean="0">
+                <a:latin typeface="Consolas" panose="020B0609020204030204" pitchFamily="49" charset="0"/>
+                <a:cs typeface="Consolas" panose="020B0609020204030204" pitchFamily="49" charset="0"/>
+              </a:rPr>
               <a:t>  print(“You clicked it”);</a:t>
             </a:r>
           </a:p>
@@ -6797,7 +7095,10 @@
               <a:buNone/>
             </a:pPr>
             <a:r>
-              <a:rPr lang="en-US" dirty="0" smtClean="0"/>
+              <a:rPr lang="en-US" sz="2800" dirty="0" smtClean="0">
+                <a:latin typeface="Consolas" panose="020B0609020204030204" pitchFamily="49" charset="0"/>
+                <a:cs typeface="Consolas" panose="020B0609020204030204" pitchFamily="49" charset="0"/>
+              </a:rPr>
               <a:t>}</a:t>
             </a:r>
           </a:p>
@@ -6818,15 +7119,24 @@
               <a:buNone/>
             </a:pPr>
             <a:r>
-              <a:rPr lang="en-US" dirty="0" smtClean="0"/>
+              <a:rPr lang="en-US" sz="2800" dirty="0" smtClean="0">
+                <a:latin typeface="Consolas" panose="020B0609020204030204" pitchFamily="49" charset="0"/>
+                <a:cs typeface="Consolas" panose="020B0609020204030204" pitchFamily="49" charset="0"/>
+              </a:rPr>
               <a:t>&lt;button (click)=“</a:t>
             </a:r>
             <a:r>
-              <a:rPr lang="en-US" dirty="0" err="1" smtClean="0"/>
+              <a:rPr lang="en-US" sz="2800" dirty="0" err="1" smtClean="0">
+                <a:latin typeface="Consolas" panose="020B0609020204030204" pitchFamily="49" charset="0"/>
+                <a:cs typeface="Consolas" panose="020B0609020204030204" pitchFamily="49" charset="0"/>
+              </a:rPr>
               <a:t>handleClickEvent</a:t>
             </a:r>
             <a:r>
-              <a:rPr lang="en-US" dirty="0" smtClean="0"/>
+              <a:rPr lang="en-US" sz="2800" dirty="0" smtClean="0">
+                <a:latin typeface="Consolas" panose="020B0609020204030204" pitchFamily="49" charset="0"/>
+                <a:cs typeface="Consolas" panose="020B0609020204030204" pitchFamily="49" charset="0"/>
+              </a:rPr>
               <a:t>()”&gt;</a:t>
             </a:r>
           </a:p>
@@ -6835,7 +7145,10 @@
               <a:buNone/>
             </a:pPr>
             <a:r>
-              <a:rPr lang="en-US" dirty="0" smtClean="0"/>
+              <a:rPr lang="en-US" sz="2800" dirty="0" smtClean="0">
+                <a:latin typeface="Consolas" panose="020B0609020204030204" pitchFamily="49" charset="0"/>
+                <a:cs typeface="Consolas" panose="020B0609020204030204" pitchFamily="49" charset="0"/>
+              </a:rPr>
               <a:t>&lt;/button&gt;</a:t>
             </a:r>
           </a:p>
@@ -7582,17 +7895,37 @@
               <a:buNone/>
             </a:pPr>
             <a:r>
-              <a:rPr lang="en-US" sz="2800" dirty="0" smtClean="0"/>
+              <a:rPr lang="en-US" sz="2800" dirty="0" smtClean="0">
+                <a:latin typeface="Consolas" panose="020B0609020204030204" pitchFamily="49" charset="0"/>
+                <a:cs typeface="Consolas" panose="020B0609020204030204" pitchFamily="49" charset="0"/>
+              </a:rPr>
               <a:t>String </a:t>
             </a:r>
             <a:r>
-              <a:rPr lang="en-US" sz="2800" dirty="0" err="1" smtClean="0"/>
+              <a:rPr lang="en-US" sz="2800" dirty="0" err="1" smtClean="0">
+                <a:latin typeface="Consolas" panose="020B0609020204030204" pitchFamily="49" charset="0"/>
+                <a:cs typeface="Consolas" panose="020B0609020204030204" pitchFamily="49" charset="0"/>
+              </a:rPr>
               <a:t>myData</a:t>
             </a:r>
             <a:r>
-              <a:rPr lang="en-US" sz="2800" dirty="0" smtClean="0"/>
-              <a:t> = “”;</a:t>
-            </a:r>
+              <a:rPr lang="en-US" sz="2800" dirty="0" smtClean="0">
+                <a:latin typeface="Consolas" panose="020B0609020204030204" pitchFamily="49" charset="0"/>
+                <a:cs typeface="Consolas" panose="020B0609020204030204" pitchFamily="49" charset="0"/>
+              </a:rPr>
+              <a:t> = </a:t>
+            </a:r>
+            <a:r>
+              <a:rPr lang="en-US" sz="2800" dirty="0" smtClean="0">
+                <a:latin typeface="Consolas" panose="020B0609020204030204" pitchFamily="49" charset="0"/>
+                <a:cs typeface="Consolas" panose="020B0609020204030204" pitchFamily="49" charset="0"/>
+              </a:rPr>
+              <a:t>“”;</a:t>
+            </a:r>
+            <a:endParaRPr lang="en-US" sz="2800" dirty="0" smtClean="0">
+              <a:latin typeface="Consolas" panose="020B0609020204030204" pitchFamily="49" charset="0"/>
+              <a:cs typeface="Consolas" panose="020B0609020204030204" pitchFamily="49" charset="0"/>
+            </a:endParaRPr>
           </a:p>
           <a:p>
             <a:pPr marL="0" indent="0">
@@ -7611,26 +7944,44 @@
               <a:buNone/>
             </a:pPr>
             <a:r>
-              <a:rPr lang="en-US" sz="2800" dirty="0" smtClean="0"/>
+              <a:rPr lang="en-US" sz="2800" dirty="0" smtClean="0">
+                <a:latin typeface="Consolas" panose="020B0609020204030204" pitchFamily="49" charset="0"/>
+                <a:cs typeface="Consolas" panose="020B0609020204030204" pitchFamily="49" charset="0"/>
+              </a:rPr>
               <a:t>&lt;input [(</a:t>
             </a:r>
             <a:r>
-              <a:rPr lang="en-US" sz="2800" dirty="0" err="1" smtClean="0"/>
+              <a:rPr lang="en-US" sz="2800" dirty="0" err="1" smtClean="0">
+                <a:latin typeface="Consolas" panose="020B0609020204030204" pitchFamily="49" charset="0"/>
+                <a:cs typeface="Consolas" panose="020B0609020204030204" pitchFamily="49" charset="0"/>
+              </a:rPr>
               <a:t>ngModel</a:t>
             </a:r>
             <a:r>
-              <a:rPr lang="en-US" sz="2800" dirty="0" smtClean="0"/>
+              <a:rPr lang="en-US" sz="2800" dirty="0" smtClean="0">
+                <a:latin typeface="Consolas" panose="020B0609020204030204" pitchFamily="49" charset="0"/>
+                <a:cs typeface="Consolas" panose="020B0609020204030204" pitchFamily="49" charset="0"/>
+              </a:rPr>
               <a:t>)]=“</a:t>
             </a:r>
             <a:r>
-              <a:rPr lang="en-US" sz="2800" dirty="0" err="1" smtClean="0"/>
+              <a:rPr lang="en-US" sz="2800" dirty="0" err="1" smtClean="0">
+                <a:latin typeface="Consolas" panose="020B0609020204030204" pitchFamily="49" charset="0"/>
+                <a:cs typeface="Consolas" panose="020B0609020204030204" pitchFamily="49" charset="0"/>
+              </a:rPr>
               <a:t>myData</a:t>
             </a:r>
             <a:r>
-              <a:rPr lang="en-US" sz="2800" dirty="0" smtClean="0"/>
+              <a:rPr lang="en-US" sz="2800" dirty="0" smtClean="0">
+                <a:latin typeface="Consolas" panose="020B0609020204030204" pitchFamily="49" charset="0"/>
+                <a:cs typeface="Consolas" panose="020B0609020204030204" pitchFamily="49" charset="0"/>
+              </a:rPr>
               <a:t>” type=“text”/&gt;</a:t>
             </a:r>
-            <a:endParaRPr lang="en-US" sz="2800" dirty="0"/>
+            <a:endParaRPr lang="en-US" sz="2800" dirty="0">
+              <a:latin typeface="Consolas" panose="020B0609020204030204" pitchFamily="49" charset="0"/>
+              <a:cs typeface="Consolas" panose="020B0609020204030204" pitchFamily="49" charset="0"/>
+            </a:endParaRPr>
           </a:p>
         </p:txBody>
       </p:sp>
@@ -8120,15 +8471,24 @@
               <a:buNone/>
             </a:pPr>
             <a:r>
-              <a:rPr lang="en-US" sz="2800" dirty="0" smtClean="0"/>
+              <a:rPr lang="en-US" sz="2600" dirty="0" smtClean="0">
+                <a:latin typeface="Consolas" panose="020B0609020204030204" pitchFamily="49" charset="0"/>
+                <a:cs typeface="Consolas" panose="020B0609020204030204" pitchFamily="49" charset="0"/>
+              </a:rPr>
               <a:t>void </a:t>
             </a:r>
             <a:r>
-              <a:rPr lang="en-US" sz="2800" dirty="0" err="1" smtClean="0"/>
+              <a:rPr lang="en-US" sz="2600" dirty="0" err="1" smtClean="0">
+                <a:latin typeface="Consolas" panose="020B0609020204030204" pitchFamily="49" charset="0"/>
+                <a:cs typeface="Consolas" panose="020B0609020204030204" pitchFamily="49" charset="0"/>
+              </a:rPr>
               <a:t>handleClickEvent</a:t>
             </a:r>
             <a:r>
-              <a:rPr lang="en-US" sz="2800" dirty="0" smtClean="0"/>
+              <a:rPr lang="en-US" sz="2600" dirty="0" smtClean="0">
+                <a:latin typeface="Consolas" panose="020B0609020204030204" pitchFamily="49" charset="0"/>
+                <a:cs typeface="Consolas" panose="020B0609020204030204" pitchFamily="49" charset="0"/>
+              </a:rPr>
               <a:t>(data) {</a:t>
             </a:r>
           </a:p>
@@ -8137,7 +8497,10 @@
               <a:buNone/>
             </a:pPr>
             <a:r>
-              <a:rPr lang="en-US" sz="2800" dirty="0" smtClean="0"/>
+              <a:rPr lang="en-US" sz="2600" dirty="0" smtClean="0">
+                <a:latin typeface="Consolas" panose="020B0609020204030204" pitchFamily="49" charset="0"/>
+                <a:cs typeface="Consolas" panose="020B0609020204030204" pitchFamily="49" charset="0"/>
+              </a:rPr>
               <a:t>  print(“Your data is $data”);</a:t>
             </a:r>
           </a:p>
@@ -8146,7 +8509,10 @@
               <a:buNone/>
             </a:pPr>
             <a:r>
-              <a:rPr lang="en-US" sz="2800" dirty="0" smtClean="0"/>
+              <a:rPr lang="en-US" sz="2600" dirty="0" smtClean="0">
+                <a:latin typeface="Consolas" panose="020B0609020204030204" pitchFamily="49" charset="0"/>
+                <a:cs typeface="Consolas" panose="020B0609020204030204" pitchFamily="49" charset="0"/>
+              </a:rPr>
               <a:t>}</a:t>
             </a:r>
           </a:p>
@@ -8167,15 +8533,24 @@
               <a:buNone/>
             </a:pPr>
             <a:r>
-              <a:rPr lang="en-US" sz="2800" dirty="0" smtClean="0"/>
+              <a:rPr lang="en-US" sz="2600" dirty="0" smtClean="0">
+                <a:latin typeface="Consolas" panose="020B0609020204030204" pitchFamily="49" charset="0"/>
+                <a:cs typeface="Consolas" panose="020B0609020204030204" pitchFamily="49" charset="0"/>
+              </a:rPr>
               <a:t>&lt;input #</a:t>
             </a:r>
             <a:r>
-              <a:rPr lang="en-US" sz="2800" dirty="0" err="1" smtClean="0"/>
+              <a:rPr lang="en-US" sz="2600" dirty="0" err="1" smtClean="0">
+                <a:latin typeface="Consolas" panose="020B0609020204030204" pitchFamily="49" charset="0"/>
+                <a:cs typeface="Consolas" panose="020B0609020204030204" pitchFamily="49" charset="0"/>
+              </a:rPr>
               <a:t>myInput</a:t>
             </a:r>
             <a:r>
-              <a:rPr lang="en-US" sz="2800" dirty="0" smtClean="0"/>
+              <a:rPr lang="en-US" sz="2600" dirty="0" smtClean="0">
+                <a:latin typeface="Consolas" panose="020B0609020204030204" pitchFamily="49" charset="0"/>
+                <a:cs typeface="Consolas" panose="020B0609020204030204" pitchFamily="49" charset="0"/>
+              </a:rPr>
               <a:t> type=“text”/&gt;</a:t>
             </a:r>
           </a:p>
@@ -8184,23 +8559,38 @@
               <a:buNone/>
             </a:pPr>
             <a:r>
-              <a:rPr lang="en-US" sz="2800" dirty="0" smtClean="0"/>
+              <a:rPr lang="en-US" sz="2600" dirty="0" smtClean="0">
+                <a:latin typeface="Consolas" panose="020B0609020204030204" pitchFamily="49" charset="0"/>
+                <a:cs typeface="Consolas" panose="020B0609020204030204" pitchFamily="49" charset="0"/>
+              </a:rPr>
               <a:t>&lt;button (click)=“</a:t>
             </a:r>
             <a:r>
-              <a:rPr lang="en-US" sz="2800" dirty="0" err="1" smtClean="0"/>
+              <a:rPr lang="en-US" sz="2600" dirty="0" err="1" smtClean="0">
+                <a:latin typeface="Consolas" panose="020B0609020204030204" pitchFamily="49" charset="0"/>
+                <a:cs typeface="Consolas" panose="020B0609020204030204" pitchFamily="49" charset="0"/>
+              </a:rPr>
               <a:t>handleClickEvent</a:t>
             </a:r>
             <a:r>
-              <a:rPr lang="en-US" sz="2800" dirty="0" smtClean="0"/>
+              <a:rPr lang="en-US" sz="2600" dirty="0" smtClean="0">
+                <a:latin typeface="Consolas" panose="020B0609020204030204" pitchFamily="49" charset="0"/>
+                <a:cs typeface="Consolas" panose="020B0609020204030204" pitchFamily="49" charset="0"/>
+              </a:rPr>
               <a:t>(</a:t>
             </a:r>
             <a:r>
-              <a:rPr lang="en-US" sz="2800" dirty="0" err="1" smtClean="0"/>
+              <a:rPr lang="en-US" sz="2600" dirty="0" err="1" smtClean="0">
+                <a:latin typeface="Consolas" panose="020B0609020204030204" pitchFamily="49" charset="0"/>
+                <a:cs typeface="Consolas" panose="020B0609020204030204" pitchFamily="49" charset="0"/>
+              </a:rPr>
               <a:t>myInput</a:t>
             </a:r>
             <a:r>
-              <a:rPr lang="en-US" sz="2800" dirty="0" smtClean="0"/>
+              <a:rPr lang="en-US" sz="2600" dirty="0" smtClean="0">
+                <a:latin typeface="Consolas" panose="020B0609020204030204" pitchFamily="49" charset="0"/>
+                <a:cs typeface="Consolas" panose="020B0609020204030204" pitchFamily="49" charset="0"/>
+              </a:rPr>
               <a:t>)&gt;</a:t>
             </a:r>
           </a:p>
@@ -8209,7 +8599,10 @@
               <a:buNone/>
             </a:pPr>
             <a:r>
-              <a:rPr lang="en-US" sz="2800" dirty="0" smtClean="0"/>
+              <a:rPr lang="en-US" sz="2600" dirty="0" smtClean="0">
+                <a:latin typeface="Consolas" panose="020B0609020204030204" pitchFamily="49" charset="0"/>
+                <a:cs typeface="Consolas" panose="020B0609020204030204" pitchFamily="49" charset="0"/>
+              </a:rPr>
               <a:t>  Click me</a:t>
             </a:r>
           </a:p>
@@ -8218,10 +8611,16 @@
               <a:buNone/>
             </a:pPr>
             <a:r>
-              <a:rPr lang="en-US" sz="2800" dirty="0" smtClean="0"/>
+              <a:rPr lang="en-US" sz="2600" dirty="0" smtClean="0">
+                <a:latin typeface="Consolas" panose="020B0609020204030204" pitchFamily="49" charset="0"/>
+                <a:cs typeface="Consolas" panose="020B0609020204030204" pitchFamily="49" charset="0"/>
+              </a:rPr>
               <a:t>&lt;/button&gt;</a:t>
             </a:r>
-            <a:endParaRPr lang="en-US" sz="2800" dirty="0"/>
+            <a:endParaRPr lang="en-US" sz="2600" dirty="0">
+              <a:latin typeface="Consolas" panose="020B0609020204030204" pitchFamily="49" charset="0"/>
+              <a:cs typeface="Consolas" panose="020B0609020204030204" pitchFamily="49" charset="0"/>
+            </a:endParaRPr>
           </a:p>
         </p:txBody>
       </p:sp>
@@ -9136,15 +9535,24 @@
               <a:buNone/>
             </a:pPr>
             <a:r>
-              <a:rPr lang="en-US" dirty="0" smtClean="0"/>
+              <a:rPr lang="en-US" dirty="0" smtClean="0">
+                <a:latin typeface="Consolas" panose="020B0609020204030204" pitchFamily="49" charset="0"/>
+                <a:cs typeface="Consolas" panose="020B0609020204030204" pitchFamily="49" charset="0"/>
+              </a:rPr>
               <a:t>List </a:t>
             </a:r>
             <a:r>
-              <a:rPr lang="en-US" dirty="0" err="1" smtClean="0"/>
+              <a:rPr lang="en-US" dirty="0" err="1" smtClean="0">
+                <a:latin typeface="Consolas" panose="020B0609020204030204" pitchFamily="49" charset="0"/>
+                <a:cs typeface="Consolas" panose="020B0609020204030204" pitchFamily="49" charset="0"/>
+              </a:rPr>
               <a:t>myList</a:t>
             </a:r>
             <a:r>
-              <a:rPr lang="en-US" dirty="0" smtClean="0"/>
+              <a:rPr lang="en-US" dirty="0" smtClean="0">
+                <a:latin typeface="Consolas" panose="020B0609020204030204" pitchFamily="49" charset="0"/>
+                <a:cs typeface="Consolas" panose="020B0609020204030204" pitchFamily="49" charset="0"/>
+              </a:rPr>
               <a:t> = [“John”, “Bill”, “Fred”];</a:t>
             </a:r>
           </a:p>
@@ -9165,23 +9573,38 @@
               <a:buNone/>
             </a:pPr>
             <a:r>
-              <a:rPr lang="en-US" dirty="0" smtClean="0"/>
+              <a:rPr lang="en-US" dirty="0" smtClean="0">
+                <a:latin typeface="Consolas" panose="020B0609020204030204" pitchFamily="49" charset="0"/>
+                <a:cs typeface="Consolas" panose="020B0609020204030204" pitchFamily="49" charset="0"/>
+              </a:rPr>
               <a:t>&lt;div *</a:t>
             </a:r>
             <a:r>
-              <a:rPr lang="en-US" dirty="0" err="1" smtClean="0"/>
+              <a:rPr lang="en-US" dirty="0" err="1" smtClean="0">
+                <a:latin typeface="Consolas" panose="020B0609020204030204" pitchFamily="49" charset="0"/>
+                <a:cs typeface="Consolas" panose="020B0609020204030204" pitchFamily="49" charset="0"/>
+              </a:rPr>
               <a:t>ngFor</a:t>
             </a:r>
             <a:r>
-              <a:rPr lang="en-US" dirty="0" smtClean="0"/>
+              <a:rPr lang="en-US" dirty="0" smtClean="0">
+                <a:latin typeface="Consolas" panose="020B0609020204030204" pitchFamily="49" charset="0"/>
+                <a:cs typeface="Consolas" panose="020B0609020204030204" pitchFamily="49" charset="0"/>
+              </a:rPr>
               <a:t>=“#name of </a:t>
             </a:r>
             <a:r>
-              <a:rPr lang="en-US" dirty="0" err="1" smtClean="0"/>
+              <a:rPr lang="en-US" dirty="0" err="1" smtClean="0">
+                <a:latin typeface="Consolas" panose="020B0609020204030204" pitchFamily="49" charset="0"/>
+                <a:cs typeface="Consolas" panose="020B0609020204030204" pitchFamily="49" charset="0"/>
+              </a:rPr>
               <a:t>myList</a:t>
             </a:r>
             <a:r>
-              <a:rPr lang="en-US" dirty="0" smtClean="0"/>
+              <a:rPr lang="en-US" dirty="0" smtClean="0">
+                <a:latin typeface="Consolas" panose="020B0609020204030204" pitchFamily="49" charset="0"/>
+                <a:cs typeface="Consolas" panose="020B0609020204030204" pitchFamily="49" charset="0"/>
+              </a:rPr>
               <a:t>”&gt;</a:t>
             </a:r>
           </a:p>
@@ -9190,16 +9613,33 @@
               <a:buNone/>
             </a:pPr>
             <a:r>
-              <a:rPr lang="en-US" dirty="0" smtClean="0"/>
-              <a:t>  {{ name }}</a:t>
-            </a:r>
+              <a:rPr lang="en-US" dirty="0" smtClean="0">
+                <a:latin typeface="Consolas" panose="020B0609020204030204" pitchFamily="49" charset="0"/>
+                <a:cs typeface="Consolas" panose="020B0609020204030204" pitchFamily="49" charset="0"/>
+              </a:rPr>
+              <a:t>  </a:t>
+            </a:r>
+            <a:r>
+              <a:rPr lang="en-US" dirty="0" smtClean="0">
+                <a:latin typeface="Consolas" panose="020B0609020204030204" pitchFamily="49" charset="0"/>
+                <a:cs typeface="Consolas" panose="020B0609020204030204" pitchFamily="49" charset="0"/>
+              </a:rPr>
+              <a:t>{{name}}</a:t>
+            </a:r>
+            <a:endParaRPr lang="en-US" dirty="0" smtClean="0">
+              <a:latin typeface="Consolas" panose="020B0609020204030204" pitchFamily="49" charset="0"/>
+              <a:cs typeface="Consolas" panose="020B0609020204030204" pitchFamily="49" charset="0"/>
+            </a:endParaRPr>
           </a:p>
           <a:p>
             <a:pPr marL="0" indent="0">
               <a:buNone/>
             </a:pPr>
             <a:r>
-              <a:rPr lang="en-US" dirty="0" smtClean="0"/>
+              <a:rPr lang="en-US" dirty="0" smtClean="0">
+                <a:latin typeface="Consolas" panose="020B0609020204030204" pitchFamily="49" charset="0"/>
+                <a:cs typeface="Consolas" panose="020B0609020204030204" pitchFamily="49" charset="0"/>
+              </a:rPr>
               <a:t>&lt;/div&gt;</a:t>
             </a:r>
           </a:p>
@@ -9229,35 +9669,59 @@
               <a:buNone/>
             </a:pPr>
             <a:r>
-              <a:rPr lang="en-US" dirty="0" smtClean="0"/>
+              <a:rPr lang="en-US" dirty="0" smtClean="0">
+                <a:latin typeface="Consolas" panose="020B0609020204030204" pitchFamily="49" charset="0"/>
+                <a:cs typeface="Consolas" panose="020B0609020204030204" pitchFamily="49" charset="0"/>
+              </a:rPr>
               <a:t>&lt;template </a:t>
             </a:r>
             <a:r>
-              <a:rPr lang="en-US" dirty="0" err="1" smtClean="0"/>
+              <a:rPr lang="en-US" dirty="0" err="1" smtClean="0">
+                <a:latin typeface="Consolas" panose="020B0609020204030204" pitchFamily="49" charset="0"/>
+                <a:cs typeface="Consolas" panose="020B0609020204030204" pitchFamily="49" charset="0"/>
+              </a:rPr>
               <a:t>ngFor</a:t>
             </a:r>
             <a:r>
-              <a:rPr lang="en-US" dirty="0"/>
+              <a:rPr lang="en-US" dirty="0">
+                <a:latin typeface="Consolas" panose="020B0609020204030204" pitchFamily="49" charset="0"/>
+                <a:cs typeface="Consolas" panose="020B0609020204030204" pitchFamily="49" charset="0"/>
+              </a:rPr>
               <a:t> </a:t>
             </a:r>
             <a:r>
-              <a:rPr lang="en-US" dirty="0" smtClean="0"/>
+              <a:rPr lang="en-US" dirty="0" smtClean="0">
+                <a:latin typeface="Consolas" panose="020B0609020204030204" pitchFamily="49" charset="0"/>
+                <a:cs typeface="Consolas" panose="020B0609020204030204" pitchFamily="49" charset="0"/>
+              </a:rPr>
               <a:t>#name [</a:t>
             </a:r>
             <a:r>
-              <a:rPr lang="en-US" dirty="0" err="1" smtClean="0"/>
+              <a:rPr lang="en-US" dirty="0" err="1" smtClean="0">
+                <a:latin typeface="Consolas" panose="020B0609020204030204" pitchFamily="49" charset="0"/>
+                <a:cs typeface="Consolas" panose="020B0609020204030204" pitchFamily="49" charset="0"/>
+              </a:rPr>
               <a:t>ngForOf</a:t>
             </a:r>
             <a:r>
-              <a:rPr lang="en-US" dirty="0" smtClean="0"/>
+              <a:rPr lang="en-US" dirty="0" smtClean="0">
+                <a:latin typeface="Consolas" panose="020B0609020204030204" pitchFamily="49" charset="0"/>
+                <a:cs typeface="Consolas" panose="020B0609020204030204" pitchFamily="49" charset="0"/>
+              </a:rPr>
               <a:t>]=“</a:t>
             </a:r>
             <a:r>
-              <a:rPr lang="en-US" dirty="0" err="1" smtClean="0"/>
+              <a:rPr lang="en-US" dirty="0" err="1" smtClean="0">
+                <a:latin typeface="Consolas" panose="020B0609020204030204" pitchFamily="49" charset="0"/>
+                <a:cs typeface="Consolas" panose="020B0609020204030204" pitchFamily="49" charset="0"/>
+              </a:rPr>
               <a:t>myList</a:t>
             </a:r>
             <a:r>
-              <a:rPr lang="en-US" dirty="0" smtClean="0"/>
+              <a:rPr lang="en-US" dirty="0" smtClean="0">
+                <a:latin typeface="Consolas" panose="020B0609020204030204" pitchFamily="49" charset="0"/>
+                <a:cs typeface="Consolas" panose="020B0609020204030204" pitchFamily="49" charset="0"/>
+              </a:rPr>
               <a:t>”&gt;</a:t>
             </a:r>
           </a:p>
@@ -10956,7 +11420,11 @@
           <a:p>
             <a:r>
               <a:rPr lang="en-US" dirty="0" smtClean="0"/>
-              <a:t>JavaScript (ES5, ES6)</a:t>
+              <a:t>JavaScript (ES5, </a:t>
+            </a:r>
+            <a:r>
+              <a:rPr lang="en-US"/>
+              <a:t>ES6 (ES2015))</a:t>
             </a:r>
             <a:endParaRPr lang="en-US" dirty="0"/>
           </a:p>
@@ -11708,15 +12176,24 @@
               <a:buNone/>
             </a:pPr>
             <a:r>
-              <a:rPr lang="en-US" dirty="0" smtClean="0"/>
+              <a:rPr lang="en-US" dirty="0" smtClean="0">
+                <a:latin typeface="Consolas" panose="020B0609020204030204" pitchFamily="49" charset="0"/>
+                <a:cs typeface="Consolas" panose="020B0609020204030204" pitchFamily="49" charset="0"/>
+              </a:rPr>
               <a:t>@Input() String </a:t>
             </a:r>
             <a:r>
-              <a:rPr lang="en-US" dirty="0" err="1" smtClean="0"/>
+              <a:rPr lang="en-US" dirty="0" err="1" smtClean="0">
+                <a:latin typeface="Consolas" panose="020B0609020204030204" pitchFamily="49" charset="0"/>
+                <a:cs typeface="Consolas" panose="020B0609020204030204" pitchFamily="49" charset="0"/>
+              </a:rPr>
               <a:t>myString</a:t>
             </a:r>
             <a:r>
-              <a:rPr lang="en-US" dirty="0" smtClean="0"/>
+              <a:rPr lang="en-US" dirty="0" smtClean="0">
+                <a:latin typeface="Consolas" panose="020B0609020204030204" pitchFamily="49" charset="0"/>
+                <a:cs typeface="Consolas" panose="020B0609020204030204" pitchFamily="49" charset="0"/>
+              </a:rPr>
               <a:t>;</a:t>
             </a:r>
           </a:p>
@@ -11737,17 +12214,30 @@
               <a:buNone/>
             </a:pPr>
             <a:r>
-              <a:rPr lang="en-US" dirty="0" smtClean="0"/>
-              <a:t>{{ </a:t>
-            </a:r>
-            <a:r>
-              <a:rPr lang="en-US" dirty="0" err="1" smtClean="0"/>
+              <a:rPr lang="en-US" dirty="0" smtClean="0">
+                <a:latin typeface="Consolas" panose="020B0609020204030204" pitchFamily="49" charset="0"/>
+                <a:cs typeface="Consolas" panose="020B0609020204030204" pitchFamily="49" charset="0"/>
+              </a:rPr>
+              <a:t>{{</a:t>
+            </a:r>
+            <a:r>
+              <a:rPr lang="en-US" dirty="0" err="1" smtClean="0">
+                <a:latin typeface="Consolas" panose="020B0609020204030204" pitchFamily="49" charset="0"/>
+                <a:cs typeface="Consolas" panose="020B0609020204030204" pitchFamily="49" charset="0"/>
+              </a:rPr>
               <a:t>myString</a:t>
             </a:r>
             <a:r>
-              <a:rPr lang="en-US" dirty="0" smtClean="0"/>
-              <a:t> }}</a:t>
-            </a:r>
+              <a:rPr lang="en-US" dirty="0" smtClean="0">
+                <a:latin typeface="Consolas" panose="020B0609020204030204" pitchFamily="49" charset="0"/>
+                <a:cs typeface="Consolas" panose="020B0609020204030204" pitchFamily="49" charset="0"/>
+              </a:rPr>
+              <a:t>}}</a:t>
+            </a:r>
+            <a:endParaRPr lang="en-US" dirty="0" smtClean="0">
+              <a:latin typeface="Consolas" panose="020B0609020204030204" pitchFamily="49" charset="0"/>
+              <a:cs typeface="Consolas" panose="020B0609020204030204" pitchFamily="49" charset="0"/>
+            </a:endParaRPr>
           </a:p>
           <a:p>
             <a:pPr marL="0" indent="0">
@@ -11767,15 +12257,24 @@
               <a:buNone/>
             </a:pPr>
             <a:r>
-              <a:rPr lang="en-US" dirty="0" smtClean="0"/>
+              <a:rPr lang="en-US" dirty="0" smtClean="0">
+                <a:latin typeface="Consolas" panose="020B0609020204030204" pitchFamily="49" charset="0"/>
+                <a:cs typeface="Consolas" panose="020B0609020204030204" pitchFamily="49" charset="0"/>
+              </a:rPr>
               <a:t>String </a:t>
             </a:r>
             <a:r>
-              <a:rPr lang="en-US" dirty="0" err="1" smtClean="0"/>
+              <a:rPr lang="en-US" dirty="0" err="1" smtClean="0">
+                <a:latin typeface="Consolas" panose="020B0609020204030204" pitchFamily="49" charset="0"/>
+                <a:cs typeface="Consolas" panose="020B0609020204030204" pitchFamily="49" charset="0"/>
+              </a:rPr>
               <a:t>myString</a:t>
             </a:r>
             <a:r>
-              <a:rPr lang="en-US" dirty="0" smtClean="0"/>
+              <a:rPr lang="en-US" dirty="0" smtClean="0">
+                <a:latin typeface="Consolas" panose="020B0609020204030204" pitchFamily="49" charset="0"/>
+                <a:cs typeface="Consolas" panose="020B0609020204030204" pitchFamily="49" charset="0"/>
+              </a:rPr>
               <a:t> = “Hello Universe”;</a:t>
             </a:r>
           </a:p>
@@ -11796,23 +12295,38 @@
               <a:buNone/>
             </a:pPr>
             <a:r>
-              <a:rPr lang="en-US" dirty="0" smtClean="0"/>
+              <a:rPr lang="en-US" dirty="0" smtClean="0">
+                <a:latin typeface="Consolas" panose="020B0609020204030204" pitchFamily="49" charset="0"/>
+                <a:cs typeface="Consolas" panose="020B0609020204030204" pitchFamily="49" charset="0"/>
+              </a:rPr>
               <a:t>&lt;child-component [</a:t>
             </a:r>
             <a:r>
-              <a:rPr lang="en-US" dirty="0" err="1" smtClean="0"/>
+              <a:rPr lang="en-US" dirty="0" err="1" smtClean="0">
+                <a:latin typeface="Consolas" panose="020B0609020204030204" pitchFamily="49" charset="0"/>
+                <a:cs typeface="Consolas" panose="020B0609020204030204" pitchFamily="49" charset="0"/>
+              </a:rPr>
               <a:t>myString</a:t>
             </a:r>
             <a:r>
-              <a:rPr lang="en-US" dirty="0" smtClean="0"/>
+              <a:rPr lang="en-US" dirty="0" smtClean="0">
+                <a:latin typeface="Consolas" panose="020B0609020204030204" pitchFamily="49" charset="0"/>
+                <a:cs typeface="Consolas" panose="020B0609020204030204" pitchFamily="49" charset="0"/>
+              </a:rPr>
               <a:t>]=“</a:t>
             </a:r>
             <a:r>
-              <a:rPr lang="en-US" dirty="0" err="1" smtClean="0"/>
+              <a:rPr lang="en-US" dirty="0" err="1" smtClean="0">
+                <a:latin typeface="Consolas" panose="020B0609020204030204" pitchFamily="49" charset="0"/>
+                <a:cs typeface="Consolas" panose="020B0609020204030204" pitchFamily="49" charset="0"/>
+              </a:rPr>
               <a:t>myString</a:t>
             </a:r>
             <a:r>
-              <a:rPr lang="en-US" dirty="0" smtClean="0"/>
+              <a:rPr lang="en-US" dirty="0" smtClean="0">
+                <a:latin typeface="Consolas" panose="020B0609020204030204" pitchFamily="49" charset="0"/>
+                <a:cs typeface="Consolas" panose="020B0609020204030204" pitchFamily="49" charset="0"/>
+              </a:rPr>
               <a:t>”&gt;</a:t>
             </a:r>
           </a:p>
@@ -11821,7 +12335,10 @@
               <a:buNone/>
             </a:pPr>
             <a:r>
-              <a:rPr lang="en-US" dirty="0" smtClean="0"/>
+              <a:rPr lang="en-US" dirty="0" smtClean="0">
+                <a:latin typeface="Consolas" panose="020B0609020204030204" pitchFamily="49" charset="0"/>
+                <a:cs typeface="Consolas" panose="020B0609020204030204" pitchFamily="49" charset="0"/>
+              </a:rPr>
               <a:t>&lt;/child-component&gt;</a:t>
             </a:r>
           </a:p>
@@ -12760,7 +13277,7 @@
         <p:spPr/>
         <p:txBody>
           <a:bodyPr>
-            <a:normAutofit fontScale="77500" lnSpcReduction="20000"/>
+            <a:normAutofit fontScale="92500"/>
           </a:bodyPr>
           <a:lstStyle/>
           <a:p>
@@ -12775,94 +13292,156 @@
               <a:buNone/>
             </a:pPr>
             <a:r>
-              <a:rPr lang="en-US" dirty="0" smtClean="0"/>
+              <a:rPr lang="en-US" sz="2200" dirty="0" smtClean="0">
+                <a:latin typeface="Consolas" panose="020B0609020204030204" pitchFamily="49" charset="0"/>
+                <a:cs typeface="Consolas" panose="020B0609020204030204" pitchFamily="49" charset="0"/>
+              </a:rPr>
               <a:t>@</a:t>
             </a:r>
             <a:r>
-              <a:rPr lang="en-US" dirty="0"/>
+              <a:rPr lang="en-US" sz="2200" dirty="0">
+                <a:latin typeface="Consolas" panose="020B0609020204030204" pitchFamily="49" charset="0"/>
+                <a:cs typeface="Consolas" panose="020B0609020204030204" pitchFamily="49" charset="0"/>
+              </a:rPr>
               <a:t>Output() </a:t>
             </a:r>
             <a:r>
-              <a:rPr lang="en-US" dirty="0" err="1" smtClean="0"/>
+              <a:rPr lang="en-US" sz="2200" dirty="0" err="1" smtClean="0">
+                <a:latin typeface="Consolas" panose="020B0609020204030204" pitchFamily="49" charset="0"/>
+                <a:cs typeface="Consolas" panose="020B0609020204030204" pitchFamily="49" charset="0"/>
+              </a:rPr>
               <a:t>EventEmitter</a:t>
             </a:r>
             <a:r>
-              <a:rPr lang="en-US" dirty="0" smtClean="0"/>
+              <a:rPr lang="en-US" sz="2200" dirty="0" smtClean="0">
+                <a:latin typeface="Consolas" panose="020B0609020204030204" pitchFamily="49" charset="0"/>
+                <a:cs typeface="Consolas" panose="020B0609020204030204" pitchFamily="49" charset="0"/>
+              </a:rPr>
               <a:t> </a:t>
             </a:r>
             <a:r>
-              <a:rPr lang="en-US" dirty="0"/>
+              <a:rPr lang="en-US" sz="2200" dirty="0">
+                <a:latin typeface="Consolas" panose="020B0609020204030204" pitchFamily="49" charset="0"/>
+                <a:cs typeface="Consolas" panose="020B0609020204030204" pitchFamily="49" charset="0"/>
+              </a:rPr>
               <a:t>clicked </a:t>
             </a:r>
             <a:r>
-              <a:rPr lang="en-US" dirty="0" smtClean="0"/>
+              <a:rPr lang="en-US" sz="2200" dirty="0" smtClean="0">
+                <a:latin typeface="Consolas" panose="020B0609020204030204" pitchFamily="49" charset="0"/>
+                <a:cs typeface="Consolas" panose="020B0609020204030204" pitchFamily="49" charset="0"/>
+              </a:rPr>
               <a:t>= </a:t>
             </a:r>
             <a:r>
-              <a:rPr lang="en-US" b="1" dirty="0"/>
+              <a:rPr lang="en-US" sz="2200" b="1" dirty="0" smtClean="0">
+                <a:latin typeface="Consolas" panose="020B0609020204030204" pitchFamily="49" charset="0"/>
+                <a:cs typeface="Consolas" panose="020B0609020204030204" pitchFamily="49" charset="0"/>
+              </a:rPr>
               <a:t>new </a:t>
             </a:r>
             <a:r>
-              <a:rPr lang="en-US" b="1" dirty="0" smtClean="0"/>
-              <a:t>	</a:t>
-            </a:r>
-            <a:r>
-              <a:rPr lang="en-US" dirty="0" err="1" smtClean="0"/>
+              <a:rPr lang="en-US" sz="2200" dirty="0" err="1" smtClean="0">
+                <a:latin typeface="Consolas" panose="020B0609020204030204" pitchFamily="49" charset="0"/>
+                <a:cs typeface="Consolas" panose="020B0609020204030204" pitchFamily="49" charset="0"/>
+              </a:rPr>
               <a:t>EventEmitter</a:t>
             </a:r>
             <a:r>
-              <a:rPr lang="en-US" dirty="0" smtClean="0"/>
+              <a:rPr lang="en-US" sz="2200" dirty="0" smtClean="0">
+                <a:latin typeface="Consolas" panose="020B0609020204030204" pitchFamily="49" charset="0"/>
+                <a:cs typeface="Consolas" panose="020B0609020204030204" pitchFamily="49" charset="0"/>
+              </a:rPr>
               <a:t>()</a:t>
             </a:r>
             <a:r>
-              <a:rPr lang="en-US" dirty="0"/>
+              <a:rPr lang="en-US" sz="2200" dirty="0">
+                <a:latin typeface="Consolas" panose="020B0609020204030204" pitchFamily="49" charset="0"/>
+                <a:cs typeface="Consolas" panose="020B0609020204030204" pitchFamily="49" charset="0"/>
+              </a:rPr>
               <a:t>;</a:t>
             </a:r>
             <a:br>
-              <a:rPr lang="en-US" dirty="0"/>
+              <a:rPr lang="en-US" sz="2200" dirty="0">
+                <a:latin typeface="Consolas" panose="020B0609020204030204" pitchFamily="49" charset="0"/>
+                <a:cs typeface="Consolas" panose="020B0609020204030204" pitchFamily="49" charset="0"/>
+              </a:rPr>
             </a:br>
-            <a:endParaRPr lang="en-US" dirty="0" smtClean="0"/>
+            <a:endParaRPr lang="en-US" sz="2200" dirty="0" smtClean="0">
+              <a:latin typeface="Consolas" panose="020B0609020204030204" pitchFamily="49" charset="0"/>
+              <a:cs typeface="Consolas" panose="020B0609020204030204" pitchFamily="49" charset="0"/>
+            </a:endParaRPr>
           </a:p>
           <a:p>
             <a:pPr marL="0" indent="0">
               <a:buNone/>
             </a:pPr>
             <a:r>
-              <a:rPr lang="en-US" b="1" dirty="0" smtClean="0"/>
+              <a:rPr lang="en-US" sz="2200" b="1" dirty="0" smtClean="0">
+                <a:latin typeface="Consolas" panose="020B0609020204030204" pitchFamily="49" charset="0"/>
+                <a:cs typeface="Consolas" panose="020B0609020204030204" pitchFamily="49" charset="0"/>
+              </a:rPr>
               <a:t>void </a:t>
             </a:r>
             <a:r>
-              <a:rPr lang="en-US" dirty="0" err="1"/>
+              <a:rPr lang="en-US" sz="2200" dirty="0" err="1">
+                <a:latin typeface="Consolas" panose="020B0609020204030204" pitchFamily="49" charset="0"/>
+                <a:cs typeface="Consolas" panose="020B0609020204030204" pitchFamily="49" charset="0"/>
+              </a:rPr>
               <a:t>handleClickEvent</a:t>
             </a:r>
             <a:r>
-              <a:rPr lang="en-US" dirty="0" smtClean="0"/>
+              <a:rPr lang="en-US" sz="2200" dirty="0" smtClean="0">
+                <a:latin typeface="Consolas" panose="020B0609020204030204" pitchFamily="49" charset="0"/>
+                <a:cs typeface="Consolas" panose="020B0609020204030204" pitchFamily="49" charset="0"/>
+              </a:rPr>
               <a:t>(data) {</a:t>
             </a:r>
             <a:br>
-              <a:rPr lang="en-US" dirty="0" smtClean="0"/>
+              <a:rPr lang="en-US" sz="2200" dirty="0" smtClean="0">
+                <a:latin typeface="Consolas" panose="020B0609020204030204" pitchFamily="49" charset="0"/>
+                <a:cs typeface="Consolas" panose="020B0609020204030204" pitchFamily="49" charset="0"/>
+              </a:rPr>
             </a:br>
             <a:r>
-              <a:rPr lang="en-US" dirty="0" smtClean="0"/>
+              <a:rPr lang="en-US" sz="2200" dirty="0" smtClean="0">
+                <a:latin typeface="Consolas" panose="020B0609020204030204" pitchFamily="49" charset="0"/>
+                <a:cs typeface="Consolas" panose="020B0609020204030204" pitchFamily="49" charset="0"/>
+              </a:rPr>
               <a:t>  </a:t>
             </a:r>
             <a:r>
-              <a:rPr lang="en-US" dirty="0" err="1" smtClean="0"/>
+              <a:rPr lang="en-US" sz="2200" dirty="0" err="1" smtClean="0">
+                <a:latin typeface="Consolas" panose="020B0609020204030204" pitchFamily="49" charset="0"/>
+                <a:cs typeface="Consolas" panose="020B0609020204030204" pitchFamily="49" charset="0"/>
+              </a:rPr>
               <a:t>clicked.emit</a:t>
             </a:r>
             <a:r>
-              <a:rPr lang="en-US" dirty="0" smtClean="0"/>
+              <a:rPr lang="en-US" sz="2200" dirty="0" smtClean="0">
+                <a:latin typeface="Consolas" panose="020B0609020204030204" pitchFamily="49" charset="0"/>
+                <a:cs typeface="Consolas" panose="020B0609020204030204" pitchFamily="49" charset="0"/>
+              </a:rPr>
               <a:t>(data)</a:t>
             </a:r>
             <a:r>
-              <a:rPr lang="en-US" dirty="0"/>
+              <a:rPr lang="en-US" sz="2200" dirty="0">
+                <a:latin typeface="Consolas" panose="020B0609020204030204" pitchFamily="49" charset="0"/>
+                <a:cs typeface="Consolas" panose="020B0609020204030204" pitchFamily="49" charset="0"/>
+              </a:rPr>
               <a:t>;</a:t>
             </a:r>
             <a:br>
-              <a:rPr lang="en-US" dirty="0"/>
+              <a:rPr lang="en-US" sz="2200" dirty="0">
+                <a:latin typeface="Consolas" panose="020B0609020204030204" pitchFamily="49" charset="0"/>
+                <a:cs typeface="Consolas" panose="020B0609020204030204" pitchFamily="49" charset="0"/>
+              </a:rPr>
             </a:br>
             <a:r>
-              <a:rPr lang="en-US" dirty="0" smtClean="0"/>
+              <a:rPr lang="en-US" sz="2200" dirty="0" smtClean="0">
+                <a:latin typeface="Consolas" panose="020B0609020204030204" pitchFamily="49" charset="0"/>
+                <a:cs typeface="Consolas" panose="020B0609020204030204" pitchFamily="49" charset="0"/>
+              </a:rPr>
               <a:t>}</a:t>
             </a:r>
           </a:p>
@@ -12883,46 +13462,79 @@
               <a:buNone/>
             </a:pPr>
             <a:r>
-              <a:rPr lang="en-US" dirty="0" smtClean="0"/>
+              <a:rPr lang="en-US" sz="2200" dirty="0" smtClean="0">
+                <a:latin typeface="Consolas" panose="020B0609020204030204" pitchFamily="49" charset="0"/>
+                <a:cs typeface="Consolas" panose="020B0609020204030204" pitchFamily="49" charset="0"/>
+              </a:rPr>
               <a:t>&lt;</a:t>
             </a:r>
             <a:r>
-              <a:rPr lang="en-US" dirty="0"/>
+              <a:rPr lang="en-US" sz="2200" dirty="0">
+                <a:latin typeface="Consolas" panose="020B0609020204030204" pitchFamily="49" charset="0"/>
+                <a:cs typeface="Consolas" panose="020B0609020204030204" pitchFamily="49" charset="0"/>
+              </a:rPr>
               <a:t>input #</a:t>
             </a:r>
             <a:r>
-              <a:rPr lang="en-US" dirty="0" err="1"/>
+              <a:rPr lang="en-US" sz="2200" dirty="0" err="1">
+                <a:latin typeface="Consolas" panose="020B0609020204030204" pitchFamily="49" charset="0"/>
+                <a:cs typeface="Consolas" panose="020B0609020204030204" pitchFamily="49" charset="0"/>
+              </a:rPr>
               <a:t>myData</a:t>
             </a:r>
             <a:r>
-              <a:rPr lang="en-US" dirty="0"/>
+              <a:rPr lang="en-US" sz="2200" dirty="0">
+                <a:latin typeface="Consolas" panose="020B0609020204030204" pitchFamily="49" charset="0"/>
+                <a:cs typeface="Consolas" panose="020B0609020204030204" pitchFamily="49" charset="0"/>
+              </a:rPr>
               <a:t> type="text"/&gt;</a:t>
             </a:r>
             <a:br>
-              <a:rPr lang="en-US" dirty="0"/>
+              <a:rPr lang="en-US" sz="2200" dirty="0">
+                <a:latin typeface="Consolas" panose="020B0609020204030204" pitchFamily="49" charset="0"/>
+                <a:cs typeface="Consolas" panose="020B0609020204030204" pitchFamily="49" charset="0"/>
+              </a:rPr>
             </a:br>
             <a:r>
-              <a:rPr lang="en-US" dirty="0" smtClean="0"/>
+              <a:rPr lang="en-US" sz="2200" dirty="0" smtClean="0">
+                <a:latin typeface="Consolas" panose="020B0609020204030204" pitchFamily="49" charset="0"/>
+                <a:cs typeface="Consolas" panose="020B0609020204030204" pitchFamily="49" charset="0"/>
+              </a:rPr>
               <a:t>&lt;</a:t>
             </a:r>
             <a:r>
-              <a:rPr lang="en-US" dirty="0"/>
+              <a:rPr lang="en-US" sz="2200" dirty="0">
+                <a:latin typeface="Consolas" panose="020B0609020204030204" pitchFamily="49" charset="0"/>
+                <a:cs typeface="Consolas" panose="020B0609020204030204" pitchFamily="49" charset="0"/>
+              </a:rPr>
               <a:t>button (click)="</a:t>
             </a:r>
             <a:r>
-              <a:rPr lang="en-US" dirty="0" err="1" smtClean="0"/>
+              <a:rPr lang="en-US" sz="2200" dirty="0" err="1" smtClean="0">
+                <a:latin typeface="Consolas" panose="020B0609020204030204" pitchFamily="49" charset="0"/>
+                <a:cs typeface="Consolas" panose="020B0609020204030204" pitchFamily="49" charset="0"/>
+              </a:rPr>
               <a:t>handleClickEvent</a:t>
             </a:r>
             <a:r>
-              <a:rPr lang="en-US" dirty="0" smtClean="0"/>
+              <a:rPr lang="en-US" sz="2200" dirty="0" smtClean="0">
+                <a:latin typeface="Consolas" panose="020B0609020204030204" pitchFamily="49" charset="0"/>
+                <a:cs typeface="Consolas" panose="020B0609020204030204" pitchFamily="49" charset="0"/>
+              </a:rPr>
               <a:t>(</a:t>
             </a:r>
             <a:r>
-              <a:rPr lang="en-US" dirty="0" err="1" smtClean="0"/>
+              <a:rPr lang="en-US" sz="2200" dirty="0" err="1" smtClean="0">
+                <a:latin typeface="Consolas" panose="020B0609020204030204" pitchFamily="49" charset="0"/>
+                <a:cs typeface="Consolas" panose="020B0609020204030204" pitchFamily="49" charset="0"/>
+              </a:rPr>
               <a:t>myData.value</a:t>
             </a:r>
             <a:r>
-              <a:rPr lang="en-US" dirty="0" smtClean="0"/>
+              <a:rPr lang="en-US" sz="2200" dirty="0" smtClean="0">
+                <a:latin typeface="Consolas" panose="020B0609020204030204" pitchFamily="49" charset="0"/>
+                <a:cs typeface="Consolas" panose="020B0609020204030204" pitchFamily="49" charset="0"/>
+              </a:rPr>
               <a:t>)"&gt;</a:t>
             </a:r>
           </a:p>
@@ -12931,7 +13543,10 @@
               <a:buNone/>
             </a:pPr>
             <a:r>
-              <a:rPr lang="en-US" dirty="0" smtClean="0"/>
+              <a:rPr lang="en-US" sz="2200" dirty="0" smtClean="0">
+                <a:latin typeface="Consolas" panose="020B0609020204030204" pitchFamily="49" charset="0"/>
+                <a:cs typeface="Consolas" panose="020B0609020204030204" pitchFamily="49" charset="0"/>
+              </a:rPr>
               <a:t>  Click Me</a:t>
             </a:r>
           </a:p>
@@ -12940,11 +13555,17 @@
               <a:buNone/>
             </a:pPr>
             <a:r>
-              <a:rPr lang="en-US" dirty="0" smtClean="0"/>
+              <a:rPr lang="en-US" sz="2200" dirty="0" smtClean="0">
+                <a:latin typeface="Consolas" panose="020B0609020204030204" pitchFamily="49" charset="0"/>
+                <a:cs typeface="Consolas" panose="020B0609020204030204" pitchFamily="49" charset="0"/>
+              </a:rPr>
               <a:t>&lt;/</a:t>
             </a:r>
             <a:r>
-              <a:rPr lang="en-US" dirty="0"/>
+              <a:rPr lang="en-US" sz="2200" dirty="0">
+                <a:latin typeface="Consolas" panose="020B0609020204030204" pitchFamily="49" charset="0"/>
+                <a:cs typeface="Consolas" panose="020B0609020204030204" pitchFamily="49" charset="0"/>
+              </a:rPr>
               <a:t>button&gt;</a:t>
             </a:r>
           </a:p>
@@ -13718,30 +14339,51 @@
               <a:buNone/>
             </a:pPr>
             <a:r>
-              <a:rPr lang="en-US" sz="2400" b="1" dirty="0" smtClean="0"/>
+              <a:rPr lang="en-US" sz="2400" b="1" dirty="0" smtClean="0">
+                <a:latin typeface="Consolas" panose="020B0609020204030204" pitchFamily="49" charset="0"/>
+                <a:cs typeface="Consolas" panose="020B0609020204030204" pitchFamily="49" charset="0"/>
+              </a:rPr>
               <a:t>void </a:t>
             </a:r>
             <a:r>
-              <a:rPr lang="en-US" sz="2400" dirty="0" err="1"/>
+              <a:rPr lang="en-US" sz="2400" dirty="0" err="1">
+                <a:latin typeface="Consolas" panose="020B0609020204030204" pitchFamily="49" charset="0"/>
+                <a:cs typeface="Consolas" panose="020B0609020204030204" pitchFamily="49" charset="0"/>
+              </a:rPr>
               <a:t>handleClicked</a:t>
             </a:r>
             <a:r>
-              <a:rPr lang="en-US" sz="2400" dirty="0" smtClean="0"/>
+              <a:rPr lang="en-US" sz="2400" dirty="0" smtClean="0">
+                <a:latin typeface="Consolas" panose="020B0609020204030204" pitchFamily="49" charset="0"/>
+                <a:cs typeface="Consolas" panose="020B0609020204030204" pitchFamily="49" charset="0"/>
+              </a:rPr>
               <a:t>(data) {</a:t>
             </a:r>
             <a:br>
-              <a:rPr lang="en-US" sz="2400" dirty="0" smtClean="0"/>
+              <a:rPr lang="en-US" sz="2400" dirty="0" smtClean="0">
+                <a:latin typeface="Consolas" panose="020B0609020204030204" pitchFamily="49" charset="0"/>
+                <a:cs typeface="Consolas" panose="020B0609020204030204" pitchFamily="49" charset="0"/>
+              </a:rPr>
             </a:br>
             <a:r>
-              <a:rPr lang="en-US" sz="2400" dirty="0" smtClean="0"/>
+              <a:rPr lang="en-US" sz="2400" dirty="0" smtClean="0">
+                <a:latin typeface="Consolas" panose="020B0609020204030204" pitchFamily="49" charset="0"/>
+                <a:cs typeface="Consolas" panose="020B0609020204030204" pitchFamily="49" charset="0"/>
+              </a:rPr>
               <a:t>  </a:t>
             </a:r>
             <a:r>
-              <a:rPr lang="en-US" sz="2400" dirty="0" err="1" smtClean="0"/>
+              <a:rPr lang="en-US" sz="2400" dirty="0" err="1" smtClean="0">
+                <a:latin typeface="Consolas" panose="020B0609020204030204" pitchFamily="49" charset="0"/>
+                <a:cs typeface="Consolas" panose="020B0609020204030204" pitchFamily="49" charset="0"/>
+              </a:rPr>
               <a:t>myString</a:t>
             </a:r>
             <a:r>
-              <a:rPr lang="en-US" sz="2400" dirty="0" smtClean="0"/>
+              <a:rPr lang="en-US" sz="2400" dirty="0" smtClean="0">
+                <a:latin typeface="Consolas" panose="020B0609020204030204" pitchFamily="49" charset="0"/>
+                <a:cs typeface="Consolas" panose="020B0609020204030204" pitchFamily="49" charset="0"/>
+              </a:rPr>
               <a:t> = data;</a:t>
             </a:r>
           </a:p>
@@ -13750,7 +14392,10 @@
               <a:buNone/>
             </a:pPr>
             <a:r>
-              <a:rPr lang="en-US" sz="2400" dirty="0" smtClean="0"/>
+              <a:rPr lang="en-US" sz="2400" dirty="0" smtClean="0">
+                <a:latin typeface="Consolas" panose="020B0609020204030204" pitchFamily="49" charset="0"/>
+                <a:cs typeface="Consolas" panose="020B0609020204030204" pitchFamily="49" charset="0"/>
+              </a:rPr>
               <a:t>}</a:t>
             </a:r>
           </a:p>
@@ -13771,15 +14416,24 @@
               <a:buNone/>
             </a:pPr>
             <a:r>
-              <a:rPr lang="en-US" sz="2400" dirty="0" smtClean="0"/>
+              <a:rPr lang="en-US" sz="2400" dirty="0" smtClean="0">
+                <a:latin typeface="Consolas" panose="020B0609020204030204" pitchFamily="49" charset="0"/>
+                <a:cs typeface="Consolas" panose="020B0609020204030204" pitchFamily="49" charset="0"/>
+              </a:rPr>
               <a:t>&lt;child-component (clicked)=“</a:t>
             </a:r>
             <a:r>
-              <a:rPr lang="en-US" sz="2400" dirty="0" err="1" smtClean="0"/>
+              <a:rPr lang="en-US" sz="2400" dirty="0" err="1" smtClean="0">
+                <a:latin typeface="Consolas" panose="020B0609020204030204" pitchFamily="49" charset="0"/>
+                <a:cs typeface="Consolas" panose="020B0609020204030204" pitchFamily="49" charset="0"/>
+              </a:rPr>
               <a:t>handleClicked</a:t>
             </a:r>
             <a:r>
-              <a:rPr lang="en-US" sz="2400" dirty="0" smtClean="0"/>
+              <a:rPr lang="en-US" sz="2400" dirty="0" smtClean="0">
+                <a:latin typeface="Consolas" panose="020B0609020204030204" pitchFamily="49" charset="0"/>
+                <a:cs typeface="Consolas" panose="020B0609020204030204" pitchFamily="49" charset="0"/>
+              </a:rPr>
               <a:t>($event)“&gt;</a:t>
             </a:r>
           </a:p>
@@ -13788,7 +14442,10 @@
               <a:buNone/>
             </a:pPr>
             <a:r>
-              <a:rPr lang="en-US" sz="2400" dirty="0" smtClean="0"/>
+              <a:rPr lang="en-US" sz="2400" dirty="0" smtClean="0">
+                <a:latin typeface="Consolas" panose="020B0609020204030204" pitchFamily="49" charset="0"/>
+                <a:cs typeface="Consolas" panose="020B0609020204030204" pitchFamily="49" charset="0"/>
+              </a:rPr>
               <a:t>&lt;/child-component&gt;</a:t>
             </a:r>
           </a:p>
@@ -15103,102 +15760,180 @@
               <a:buNone/>
             </a:pPr>
             <a:r>
-              <a:rPr lang="en-US" dirty="0" smtClean="0"/>
+              <a:rPr lang="en-US" dirty="0" smtClean="0">
+                <a:latin typeface="Consolas" panose="020B0609020204030204" pitchFamily="49" charset="0"/>
+                <a:cs typeface="Consolas" panose="020B0609020204030204" pitchFamily="49" charset="0"/>
+              </a:rPr>
               <a:t>[</a:t>
             </a:r>
             <a:br>
-              <a:rPr lang="en-US" dirty="0" smtClean="0"/>
+              <a:rPr lang="en-US" dirty="0" smtClean="0">
+                <a:latin typeface="Consolas" panose="020B0609020204030204" pitchFamily="49" charset="0"/>
+                <a:cs typeface="Consolas" panose="020B0609020204030204" pitchFamily="49" charset="0"/>
+              </a:rPr>
             </a:br>
             <a:r>
-              <a:rPr lang="en-US" dirty="0" smtClean="0"/>
+              <a:rPr lang="en-US" dirty="0" smtClean="0">
+                <a:latin typeface="Consolas" panose="020B0609020204030204" pitchFamily="49" charset="0"/>
+                <a:cs typeface="Consolas" panose="020B0609020204030204" pitchFamily="49" charset="0"/>
+              </a:rPr>
               <a:t>  {</a:t>
             </a:r>
             <a:r>
-              <a:rPr lang="en-US" dirty="0"/>
+              <a:rPr lang="en-US" dirty="0">
+                <a:latin typeface="Consolas" panose="020B0609020204030204" pitchFamily="49" charset="0"/>
+                <a:cs typeface="Consolas" panose="020B0609020204030204" pitchFamily="49" charset="0"/>
+              </a:rPr>
               <a:t>"</a:t>
             </a:r>
             <a:r>
-              <a:rPr lang="en-US" dirty="0" err="1"/>
+              <a:rPr lang="en-US" dirty="0" err="1">
+                <a:latin typeface="Consolas" panose="020B0609020204030204" pitchFamily="49" charset="0"/>
+                <a:cs typeface="Consolas" panose="020B0609020204030204" pitchFamily="49" charset="0"/>
+              </a:rPr>
               <a:t>name":"John</a:t>
             </a:r>
             <a:r>
-              <a:rPr lang="en-US" dirty="0"/>
+              <a:rPr lang="en-US" dirty="0">
+                <a:latin typeface="Consolas" panose="020B0609020204030204" pitchFamily="49" charset="0"/>
+                <a:cs typeface="Consolas" panose="020B0609020204030204" pitchFamily="49" charset="0"/>
+              </a:rPr>
               <a:t>"</a:t>
             </a:r>
             <a:r>
-              <a:rPr lang="en-US" dirty="0" smtClean="0"/>
+              <a:rPr lang="en-US" dirty="0" smtClean="0">
+                <a:latin typeface="Consolas" panose="020B0609020204030204" pitchFamily="49" charset="0"/>
+                <a:cs typeface="Consolas" panose="020B0609020204030204" pitchFamily="49" charset="0"/>
+              </a:rPr>
               <a:t>}</a:t>
             </a:r>
             <a:r>
-              <a:rPr lang="en-US" dirty="0"/>
+              <a:rPr lang="en-US" dirty="0">
+                <a:latin typeface="Consolas" panose="020B0609020204030204" pitchFamily="49" charset="0"/>
+                <a:cs typeface="Consolas" panose="020B0609020204030204" pitchFamily="49" charset="0"/>
+              </a:rPr>
               <a:t>,</a:t>
             </a:r>
             <a:br>
-              <a:rPr lang="en-US" dirty="0"/>
+              <a:rPr lang="en-US" dirty="0">
+                <a:latin typeface="Consolas" panose="020B0609020204030204" pitchFamily="49" charset="0"/>
+                <a:cs typeface="Consolas" panose="020B0609020204030204" pitchFamily="49" charset="0"/>
+              </a:rPr>
             </a:br>
             <a:r>
-              <a:rPr lang="en-US" dirty="0"/>
+              <a:rPr lang="en-US" dirty="0">
+                <a:latin typeface="Consolas" panose="020B0609020204030204" pitchFamily="49" charset="0"/>
+                <a:cs typeface="Consolas" panose="020B0609020204030204" pitchFamily="49" charset="0"/>
+              </a:rPr>
               <a:t>  </a:t>
             </a:r>
             <a:r>
-              <a:rPr lang="en-US" dirty="0" smtClean="0"/>
+              <a:rPr lang="en-US" dirty="0" smtClean="0">
+                <a:latin typeface="Consolas" panose="020B0609020204030204" pitchFamily="49" charset="0"/>
+                <a:cs typeface="Consolas" panose="020B0609020204030204" pitchFamily="49" charset="0"/>
+              </a:rPr>
               <a:t>{</a:t>
             </a:r>
             <a:r>
-              <a:rPr lang="en-US" dirty="0"/>
+              <a:rPr lang="en-US" dirty="0">
+                <a:latin typeface="Consolas" panose="020B0609020204030204" pitchFamily="49" charset="0"/>
+                <a:cs typeface="Consolas" panose="020B0609020204030204" pitchFamily="49" charset="0"/>
+              </a:rPr>
               <a:t>"</a:t>
             </a:r>
             <a:r>
-              <a:rPr lang="en-US" dirty="0" err="1"/>
+              <a:rPr lang="en-US" dirty="0" err="1">
+                <a:latin typeface="Consolas" panose="020B0609020204030204" pitchFamily="49" charset="0"/>
+                <a:cs typeface="Consolas" panose="020B0609020204030204" pitchFamily="49" charset="0"/>
+              </a:rPr>
               <a:t>name":"Bill</a:t>
             </a:r>
             <a:r>
-              <a:rPr lang="en-US" dirty="0"/>
+              <a:rPr lang="en-US" dirty="0">
+                <a:latin typeface="Consolas" panose="020B0609020204030204" pitchFamily="49" charset="0"/>
+                <a:cs typeface="Consolas" panose="020B0609020204030204" pitchFamily="49" charset="0"/>
+              </a:rPr>
               <a:t>"</a:t>
             </a:r>
             <a:r>
-              <a:rPr lang="en-US" dirty="0" smtClean="0"/>
+              <a:rPr lang="en-US" dirty="0" smtClean="0">
+                <a:latin typeface="Consolas" panose="020B0609020204030204" pitchFamily="49" charset="0"/>
+                <a:cs typeface="Consolas" panose="020B0609020204030204" pitchFamily="49" charset="0"/>
+              </a:rPr>
               <a:t>}</a:t>
             </a:r>
             <a:r>
-              <a:rPr lang="en-US" dirty="0"/>
+              <a:rPr lang="en-US" dirty="0">
+                <a:latin typeface="Consolas" panose="020B0609020204030204" pitchFamily="49" charset="0"/>
+                <a:cs typeface="Consolas" panose="020B0609020204030204" pitchFamily="49" charset="0"/>
+              </a:rPr>
               <a:t>,</a:t>
             </a:r>
             <a:br>
-              <a:rPr lang="en-US" dirty="0"/>
+              <a:rPr lang="en-US" dirty="0">
+                <a:latin typeface="Consolas" panose="020B0609020204030204" pitchFamily="49" charset="0"/>
+                <a:cs typeface="Consolas" panose="020B0609020204030204" pitchFamily="49" charset="0"/>
+              </a:rPr>
             </a:br>
             <a:r>
-              <a:rPr lang="en-US" dirty="0"/>
+              <a:rPr lang="en-US" dirty="0">
+                <a:latin typeface="Consolas" panose="020B0609020204030204" pitchFamily="49" charset="0"/>
+                <a:cs typeface="Consolas" panose="020B0609020204030204" pitchFamily="49" charset="0"/>
+              </a:rPr>
               <a:t>  </a:t>
             </a:r>
             <a:r>
-              <a:rPr lang="en-US" dirty="0" smtClean="0"/>
+              <a:rPr lang="en-US" dirty="0" smtClean="0">
+                <a:latin typeface="Consolas" panose="020B0609020204030204" pitchFamily="49" charset="0"/>
+                <a:cs typeface="Consolas" panose="020B0609020204030204" pitchFamily="49" charset="0"/>
+              </a:rPr>
               <a:t>{</a:t>
             </a:r>
             <a:r>
-              <a:rPr lang="en-US" dirty="0"/>
+              <a:rPr lang="en-US" dirty="0">
+                <a:latin typeface="Consolas" panose="020B0609020204030204" pitchFamily="49" charset="0"/>
+                <a:cs typeface="Consolas" panose="020B0609020204030204" pitchFamily="49" charset="0"/>
+              </a:rPr>
               <a:t>"</a:t>
             </a:r>
             <a:r>
-              <a:rPr lang="en-US" dirty="0" err="1"/>
+              <a:rPr lang="en-US" dirty="0" err="1">
+                <a:latin typeface="Consolas" panose="020B0609020204030204" pitchFamily="49" charset="0"/>
+                <a:cs typeface="Consolas" panose="020B0609020204030204" pitchFamily="49" charset="0"/>
+              </a:rPr>
               <a:t>name</a:t>
             </a:r>
             <a:r>
-              <a:rPr lang="en-US" dirty="0" err="1" smtClean="0"/>
+              <a:rPr lang="en-US" dirty="0" err="1" smtClean="0">
+                <a:latin typeface="Consolas" panose="020B0609020204030204" pitchFamily="49" charset="0"/>
+                <a:cs typeface="Consolas" panose="020B0609020204030204" pitchFamily="49" charset="0"/>
+              </a:rPr>
               <a:t>":“Fred</a:t>
             </a:r>
             <a:r>
-              <a:rPr lang="en-US" dirty="0" smtClean="0"/>
+              <a:rPr lang="en-US" dirty="0" smtClean="0">
+                <a:latin typeface="Consolas" panose="020B0609020204030204" pitchFamily="49" charset="0"/>
+                <a:cs typeface="Consolas" panose="020B0609020204030204" pitchFamily="49" charset="0"/>
+              </a:rPr>
               <a:t>"}</a:t>
             </a:r>
             <a:br>
-              <a:rPr lang="en-US" dirty="0" smtClean="0"/>
+              <a:rPr lang="en-US" dirty="0" smtClean="0">
+                <a:latin typeface="Consolas" panose="020B0609020204030204" pitchFamily="49" charset="0"/>
+                <a:cs typeface="Consolas" panose="020B0609020204030204" pitchFamily="49" charset="0"/>
+              </a:rPr>
             </a:br>
             <a:r>
-              <a:rPr lang="en-US" dirty="0" smtClean="0"/>
+              <a:rPr lang="en-US" dirty="0" smtClean="0">
+                <a:latin typeface="Consolas" panose="020B0609020204030204" pitchFamily="49" charset="0"/>
+                <a:cs typeface="Consolas" panose="020B0609020204030204" pitchFamily="49" charset="0"/>
+              </a:rPr>
               <a:t>]</a:t>
             </a:r>
-            <a:endParaRPr lang="en-US" dirty="0"/>
+            <a:endParaRPr lang="en-US" dirty="0">
+              <a:latin typeface="Consolas" panose="020B0609020204030204" pitchFamily="49" charset="0"/>
+              <a:cs typeface="Consolas" panose="020B0609020204030204" pitchFamily="49" charset="0"/>
+            </a:endParaRPr>
           </a:p>
         </p:txBody>
       </p:sp>
@@ -15494,185 +16229,322 @@
               <a:buNone/>
             </a:pPr>
             <a:r>
-              <a:rPr lang="en-US" b="1" dirty="0"/>
+              <a:rPr lang="en-US" b="1" dirty="0">
+                <a:latin typeface="Consolas" panose="020B0609020204030204" pitchFamily="49" charset="0"/>
+                <a:cs typeface="Consolas" panose="020B0609020204030204" pitchFamily="49" charset="0"/>
+              </a:rPr>
               <a:t>import </a:t>
             </a:r>
             <a:r>
-              <a:rPr lang="en-US" dirty="0"/>
+              <a:rPr lang="en-US" dirty="0">
+                <a:latin typeface="Consolas" panose="020B0609020204030204" pitchFamily="49" charset="0"/>
+                <a:cs typeface="Consolas" panose="020B0609020204030204" pitchFamily="49" charset="0"/>
+              </a:rPr>
               <a:t>'package:angular2/angular2.dart';</a:t>
             </a:r>
             <a:br>
-              <a:rPr lang="en-US" dirty="0"/>
+              <a:rPr lang="en-US" dirty="0">
+                <a:latin typeface="Consolas" panose="020B0609020204030204" pitchFamily="49" charset="0"/>
+                <a:cs typeface="Consolas" panose="020B0609020204030204" pitchFamily="49" charset="0"/>
+              </a:rPr>
             </a:br>
             <a:r>
-              <a:rPr lang="en-US" b="1" dirty="0"/>
+              <a:rPr lang="en-US" b="1" dirty="0">
+                <a:latin typeface="Consolas" panose="020B0609020204030204" pitchFamily="49" charset="0"/>
+                <a:cs typeface="Consolas" panose="020B0609020204030204" pitchFamily="49" charset="0"/>
+              </a:rPr>
               <a:t>import </a:t>
             </a:r>
             <a:r>
-              <a:rPr lang="en-US" dirty="0"/>
+              <a:rPr lang="en-US" dirty="0">
+                <a:latin typeface="Consolas" panose="020B0609020204030204" pitchFamily="49" charset="0"/>
+                <a:cs typeface="Consolas" panose="020B0609020204030204" pitchFamily="49" charset="0"/>
+              </a:rPr>
               <a:t>'</a:t>
             </a:r>
             <a:r>
-              <a:rPr lang="en-US" dirty="0" err="1"/>
+              <a:rPr lang="en-US" dirty="0" err="1">
+                <a:latin typeface="Consolas" panose="020B0609020204030204" pitchFamily="49" charset="0"/>
+                <a:cs typeface="Consolas" panose="020B0609020204030204" pitchFamily="49" charset="0"/>
+              </a:rPr>
               <a:t>dart:html</a:t>
             </a:r>
             <a:r>
-              <a:rPr lang="en-US" dirty="0"/>
+              <a:rPr lang="en-US" dirty="0">
+                <a:latin typeface="Consolas" panose="020B0609020204030204" pitchFamily="49" charset="0"/>
+                <a:cs typeface="Consolas" panose="020B0609020204030204" pitchFamily="49" charset="0"/>
+              </a:rPr>
               <a:t>';</a:t>
             </a:r>
             <a:br>
-              <a:rPr lang="en-US" dirty="0"/>
+              <a:rPr lang="en-US" dirty="0">
+                <a:latin typeface="Consolas" panose="020B0609020204030204" pitchFamily="49" charset="0"/>
+                <a:cs typeface="Consolas" panose="020B0609020204030204" pitchFamily="49" charset="0"/>
+              </a:rPr>
             </a:br>
             <a:r>
-              <a:rPr lang="en-US" b="1" dirty="0"/>
+              <a:rPr lang="en-US" b="1" dirty="0">
+                <a:latin typeface="Consolas" panose="020B0609020204030204" pitchFamily="49" charset="0"/>
+                <a:cs typeface="Consolas" panose="020B0609020204030204" pitchFamily="49" charset="0"/>
+              </a:rPr>
               <a:t>import </a:t>
             </a:r>
             <a:r>
-              <a:rPr lang="en-US" dirty="0"/>
+              <a:rPr lang="en-US" dirty="0">
+                <a:latin typeface="Consolas" panose="020B0609020204030204" pitchFamily="49" charset="0"/>
+                <a:cs typeface="Consolas" panose="020B0609020204030204" pitchFamily="49" charset="0"/>
+              </a:rPr>
               <a:t>'</a:t>
             </a:r>
             <a:r>
-              <a:rPr lang="en-US" dirty="0" err="1"/>
+              <a:rPr lang="en-US" dirty="0" err="1">
+                <a:latin typeface="Consolas" panose="020B0609020204030204" pitchFamily="49" charset="0"/>
+                <a:cs typeface="Consolas" panose="020B0609020204030204" pitchFamily="49" charset="0"/>
+              </a:rPr>
               <a:t>dart:convert</a:t>
             </a:r>
             <a:r>
-              <a:rPr lang="en-US" dirty="0"/>
+              <a:rPr lang="en-US" dirty="0">
+                <a:latin typeface="Consolas" panose="020B0609020204030204" pitchFamily="49" charset="0"/>
+                <a:cs typeface="Consolas" panose="020B0609020204030204" pitchFamily="49" charset="0"/>
+              </a:rPr>
               <a:t>';</a:t>
             </a:r>
             <a:br>
-              <a:rPr lang="en-US" dirty="0"/>
+              <a:rPr lang="en-US" dirty="0">
+                <a:latin typeface="Consolas" panose="020B0609020204030204" pitchFamily="49" charset="0"/>
+                <a:cs typeface="Consolas" panose="020B0609020204030204" pitchFamily="49" charset="0"/>
+              </a:rPr>
             </a:br>
             <a:r>
-              <a:rPr lang="en-US" b="1" dirty="0"/>
+              <a:rPr lang="en-US" b="1" dirty="0">
+                <a:latin typeface="Consolas" panose="020B0609020204030204" pitchFamily="49" charset="0"/>
+                <a:cs typeface="Consolas" panose="020B0609020204030204" pitchFamily="49" charset="0"/>
+              </a:rPr>
               <a:t>import </a:t>
             </a:r>
             <a:r>
-              <a:rPr lang="en-US" dirty="0"/>
+              <a:rPr lang="en-US" dirty="0">
+                <a:latin typeface="Consolas" panose="020B0609020204030204" pitchFamily="49" charset="0"/>
+                <a:cs typeface="Consolas" panose="020B0609020204030204" pitchFamily="49" charset="0"/>
+              </a:rPr>
               <a:t>'</a:t>
             </a:r>
             <a:r>
-              <a:rPr lang="en-US" dirty="0" err="1"/>
+              <a:rPr lang="en-US" dirty="0" err="1">
+                <a:latin typeface="Consolas" panose="020B0609020204030204" pitchFamily="49" charset="0"/>
+                <a:cs typeface="Consolas" panose="020B0609020204030204" pitchFamily="49" charset="0"/>
+              </a:rPr>
               <a:t>dart:async</a:t>
             </a:r>
             <a:r>
-              <a:rPr lang="en-US" dirty="0"/>
+              <a:rPr lang="en-US" dirty="0">
+                <a:latin typeface="Consolas" panose="020B0609020204030204" pitchFamily="49" charset="0"/>
+                <a:cs typeface="Consolas" panose="020B0609020204030204" pitchFamily="49" charset="0"/>
+              </a:rPr>
               <a:t>';</a:t>
             </a:r>
             <a:br>
-              <a:rPr lang="en-US" dirty="0"/>
+              <a:rPr lang="en-US" dirty="0">
+                <a:latin typeface="Consolas" panose="020B0609020204030204" pitchFamily="49" charset="0"/>
+                <a:cs typeface="Consolas" panose="020B0609020204030204" pitchFamily="49" charset="0"/>
+              </a:rPr>
             </a:br>
             <a:r>
-              <a:rPr lang="en-US" dirty="0"/>
+              <a:rPr lang="en-US" dirty="0">
+                <a:latin typeface="Consolas" panose="020B0609020204030204" pitchFamily="49" charset="0"/>
+                <a:cs typeface="Consolas" panose="020B0609020204030204" pitchFamily="49" charset="0"/>
+              </a:rPr>
               <a:t/>
             </a:r>
             <a:br>
-              <a:rPr lang="en-US" dirty="0"/>
+              <a:rPr lang="en-US" dirty="0">
+                <a:latin typeface="Consolas" panose="020B0609020204030204" pitchFamily="49" charset="0"/>
+                <a:cs typeface="Consolas" panose="020B0609020204030204" pitchFamily="49" charset="0"/>
+              </a:rPr>
             </a:br>
             <a:r>
-              <a:rPr lang="en-US" dirty="0"/>
+              <a:rPr lang="en-US" dirty="0">
+                <a:latin typeface="Consolas" panose="020B0609020204030204" pitchFamily="49" charset="0"/>
+                <a:cs typeface="Consolas" panose="020B0609020204030204" pitchFamily="49" charset="0"/>
+              </a:rPr>
               <a:t>@Injectable()</a:t>
             </a:r>
-            <a:r>
-              <a:rPr lang="en-US"/>
+            <a:br>
+              <a:rPr lang="en-US" dirty="0">
+                <a:latin typeface="Consolas" panose="020B0609020204030204" pitchFamily="49" charset="0"/>
+                <a:cs typeface="Consolas" panose="020B0609020204030204" pitchFamily="49" charset="0"/>
+              </a:rPr>
+            </a:br>
+            <a:r>
+              <a:rPr lang="en-US" b="1" dirty="0" smtClean="0">
+                <a:latin typeface="Consolas" panose="020B0609020204030204" pitchFamily="49" charset="0"/>
+                <a:cs typeface="Consolas" panose="020B0609020204030204" pitchFamily="49" charset="0"/>
+              </a:rPr>
+              <a:t>class </a:t>
+            </a:r>
+            <a:r>
+              <a:rPr lang="en-US" dirty="0" err="1" smtClean="0">
+                <a:latin typeface="Consolas" panose="020B0609020204030204" pitchFamily="49" charset="0"/>
+                <a:cs typeface="Consolas" panose="020B0609020204030204" pitchFamily="49" charset="0"/>
+              </a:rPr>
+              <a:t>AppService</a:t>
+            </a:r>
+            <a:r>
+              <a:rPr lang="en-US" dirty="0" smtClean="0">
+                <a:latin typeface="Consolas" panose="020B0609020204030204" pitchFamily="49" charset="0"/>
+                <a:cs typeface="Consolas" panose="020B0609020204030204" pitchFamily="49" charset="0"/>
+              </a:rPr>
+              <a:t> {</a:t>
+            </a:r>
+            <a:br>
+              <a:rPr lang="en-US" dirty="0" smtClean="0">
+                <a:latin typeface="Consolas" panose="020B0609020204030204" pitchFamily="49" charset="0"/>
+                <a:cs typeface="Consolas" panose="020B0609020204030204" pitchFamily="49" charset="0"/>
+              </a:rPr>
+            </a:br>
+            <a:r>
+              <a:rPr lang="en-US" dirty="0" smtClean="0">
+                <a:latin typeface="Consolas" panose="020B0609020204030204" pitchFamily="49" charset="0"/>
+                <a:cs typeface="Consolas" panose="020B0609020204030204" pitchFamily="49" charset="0"/>
+              </a:rPr>
+              <a:t>  String </a:t>
+            </a:r>
+            <a:r>
+              <a:rPr lang="en-US" b="1" dirty="0">
+                <a:latin typeface="Consolas" panose="020B0609020204030204" pitchFamily="49" charset="0"/>
+                <a:cs typeface="Consolas" panose="020B0609020204030204" pitchFamily="49" charset="0"/>
+              </a:rPr>
+              <a:t>get </a:t>
+            </a:r>
+            <a:r>
+              <a:rPr lang="en-US" dirty="0" err="1">
+                <a:latin typeface="Consolas" panose="020B0609020204030204" pitchFamily="49" charset="0"/>
+                <a:cs typeface="Consolas" panose="020B0609020204030204" pitchFamily="49" charset="0"/>
+              </a:rPr>
+              <a:t>pathToData</a:t>
+            </a:r>
+            <a:r>
+              <a:rPr lang="en-US" dirty="0">
+                <a:latin typeface="Consolas" panose="020B0609020204030204" pitchFamily="49" charset="0"/>
+                <a:cs typeface="Consolas" panose="020B0609020204030204" pitchFamily="49" charset="0"/>
+              </a:rPr>
+              <a:t> </a:t>
+            </a:r>
+            <a:r>
+              <a:rPr lang="en-US" dirty="0" smtClean="0">
+                <a:latin typeface="Consolas" panose="020B0609020204030204" pitchFamily="49" charset="0"/>
+                <a:cs typeface="Consolas" panose="020B0609020204030204" pitchFamily="49" charset="0"/>
+              </a:rPr>
+              <a:t>=&gt; </a:t>
+            </a:r>
+            <a:r>
+              <a:rPr lang="en-US" dirty="0">
+                <a:latin typeface="Consolas" panose="020B0609020204030204" pitchFamily="49" charset="0"/>
+                <a:cs typeface="Consolas" panose="020B0609020204030204" pitchFamily="49" charset="0"/>
+              </a:rPr>
+              <a:t>"../web/</a:t>
+            </a:r>
+            <a:r>
+              <a:rPr lang="en-US" dirty="0" err="1">
+                <a:latin typeface="Consolas" panose="020B0609020204030204" pitchFamily="49" charset="0"/>
+                <a:cs typeface="Consolas" panose="020B0609020204030204" pitchFamily="49" charset="0"/>
+              </a:rPr>
+              <a:t>data.json</a:t>
+            </a:r>
+            <a:r>
+              <a:rPr lang="en-US" dirty="0">
+                <a:latin typeface="Consolas" panose="020B0609020204030204" pitchFamily="49" charset="0"/>
+                <a:cs typeface="Consolas" panose="020B0609020204030204" pitchFamily="49" charset="0"/>
+              </a:rPr>
+              <a:t>";</a:t>
+            </a:r>
+            <a:br>
+              <a:rPr lang="en-US" dirty="0">
+                <a:latin typeface="Consolas" panose="020B0609020204030204" pitchFamily="49" charset="0"/>
+                <a:cs typeface="Consolas" panose="020B0609020204030204" pitchFamily="49" charset="0"/>
+              </a:rPr>
+            </a:br>
+            <a:r>
+              <a:rPr lang="en-US" dirty="0" smtClean="0">
+                <a:latin typeface="Consolas" panose="020B0609020204030204" pitchFamily="49" charset="0"/>
+                <a:cs typeface="Consolas" panose="020B0609020204030204" pitchFamily="49" charset="0"/>
+              </a:rPr>
+              <a:t>  List&lt;Map&gt; </a:t>
+            </a:r>
+            <a:r>
+              <a:rPr lang="en-US" dirty="0" err="1">
+                <a:latin typeface="Consolas" panose="020B0609020204030204" pitchFamily="49" charset="0"/>
+                <a:cs typeface="Consolas" panose="020B0609020204030204" pitchFamily="49" charset="0"/>
+              </a:rPr>
+              <a:t>theData</a:t>
+            </a:r>
+            <a:r>
+              <a:rPr lang="en-US" dirty="0">
+                <a:latin typeface="Consolas" panose="020B0609020204030204" pitchFamily="49" charset="0"/>
+                <a:cs typeface="Consolas" panose="020B0609020204030204" pitchFamily="49" charset="0"/>
+              </a:rPr>
+              <a:t> </a:t>
+            </a:r>
+            <a:r>
+              <a:rPr lang="en-US" dirty="0" smtClean="0">
+                <a:latin typeface="Consolas" panose="020B0609020204030204" pitchFamily="49" charset="0"/>
+                <a:cs typeface="Consolas" panose="020B0609020204030204" pitchFamily="49" charset="0"/>
+              </a:rPr>
+              <a:t>= []</a:t>
+            </a:r>
+            <a:r>
+              <a:rPr lang="en-US" dirty="0">
+                <a:latin typeface="Consolas" panose="020B0609020204030204" pitchFamily="49" charset="0"/>
+                <a:cs typeface="Consolas" panose="020B0609020204030204" pitchFamily="49" charset="0"/>
+              </a:rPr>
+              <a:t>;</a:t>
+            </a:r>
+            <a:br>
+              <a:rPr lang="en-US" dirty="0">
+                <a:latin typeface="Consolas" panose="020B0609020204030204" pitchFamily="49" charset="0"/>
+                <a:cs typeface="Consolas" panose="020B0609020204030204" pitchFamily="49" charset="0"/>
+              </a:rPr>
+            </a:br>
+            <a:r>
+              <a:rPr lang="en-US" dirty="0">
+                <a:latin typeface="Consolas" panose="020B0609020204030204" pitchFamily="49" charset="0"/>
+                <a:cs typeface="Consolas" panose="020B0609020204030204" pitchFamily="49" charset="0"/>
+              </a:rPr>
               <a:t/>
             </a:r>
             <a:br>
-              <a:rPr lang="en-US"/>
+              <a:rPr lang="en-US" dirty="0">
+                <a:latin typeface="Consolas" panose="020B0609020204030204" pitchFamily="49" charset="0"/>
+                <a:cs typeface="Consolas" panose="020B0609020204030204" pitchFamily="49" charset="0"/>
+              </a:rPr>
             </a:br>
             <a:r>
-              <a:rPr lang="en-US" b="1" smtClean="0"/>
-              <a:t>class </a:t>
-            </a:r>
-            <a:r>
-              <a:rPr lang="en-US" dirty="0" err="1" smtClean="0"/>
-              <a:t>AppService</a:t>
-            </a:r>
-            <a:r>
-              <a:rPr lang="en-US" dirty="0" smtClean="0"/>
-              <a:t> {</a:t>
-            </a:r>
-            <a:br>
-              <a:rPr lang="en-US" dirty="0" smtClean="0"/>
-            </a:br>
-            <a:r>
-              <a:rPr lang="en-US" dirty="0" smtClean="0"/>
-              <a:t>  String </a:t>
-            </a:r>
-            <a:r>
-              <a:rPr lang="en-US" b="1" dirty="0"/>
-              <a:t>get </a:t>
-            </a:r>
-            <a:r>
-              <a:rPr lang="en-US" dirty="0" err="1"/>
-              <a:t>pathToData</a:t>
-            </a:r>
-            <a:r>
-              <a:rPr lang="en-US" dirty="0"/>
-              <a:t> </a:t>
-            </a:r>
-            <a:r>
-              <a:rPr lang="en-US" dirty="0" smtClean="0"/>
-              <a:t>=&gt; </a:t>
-            </a:r>
-            <a:r>
-              <a:rPr lang="en-US" dirty="0"/>
-              <a:t>"../web/</a:t>
-            </a:r>
-            <a:r>
-              <a:rPr lang="en-US" dirty="0" err="1"/>
-              <a:t>data.json</a:t>
-            </a:r>
-            <a:r>
-              <a:rPr lang="en-US" dirty="0"/>
-              <a:t>";</a:t>
-            </a:r>
-            <a:br>
-              <a:rPr lang="en-US" dirty="0"/>
-            </a:br>
-            <a:r>
-              <a:rPr lang="en-US" dirty="0" smtClean="0"/>
-              <a:t>  List&lt;Map&gt; </a:t>
-            </a:r>
-            <a:r>
-              <a:rPr lang="en-US" dirty="0" err="1"/>
-              <a:t>theData</a:t>
-            </a:r>
-            <a:r>
-              <a:rPr lang="en-US" dirty="0"/>
-              <a:t> </a:t>
-            </a:r>
-            <a:r>
-              <a:rPr lang="en-US" dirty="0" smtClean="0"/>
-              <a:t>= []</a:t>
-            </a:r>
-            <a:r>
-              <a:rPr lang="en-US" dirty="0"/>
-              <a:t>;</a:t>
-            </a:r>
-            <a:br>
-              <a:rPr lang="en-US" dirty="0"/>
-            </a:br>
-            <a:r>
-              <a:rPr lang="en-US" dirty="0"/>
-              <a:t/>
-            </a:r>
-            <a:br>
-              <a:rPr lang="en-US" dirty="0"/>
-            </a:br>
-            <a:r>
-              <a:rPr lang="en-US" dirty="0"/>
+              <a:rPr lang="en-US" dirty="0">
+                <a:latin typeface="Consolas" panose="020B0609020204030204" pitchFamily="49" charset="0"/>
+                <a:cs typeface="Consolas" panose="020B0609020204030204" pitchFamily="49" charset="0"/>
+              </a:rPr>
               <a:t>  </a:t>
             </a:r>
             <a:r>
-              <a:rPr lang="en-US" dirty="0" smtClean="0"/>
+              <a:rPr lang="en-US" dirty="0" smtClean="0">
+                <a:latin typeface="Consolas" panose="020B0609020204030204" pitchFamily="49" charset="0"/>
+                <a:cs typeface="Consolas" panose="020B0609020204030204" pitchFamily="49" charset="0"/>
+              </a:rPr>
               <a:t>Future </a:t>
             </a:r>
             <a:r>
-              <a:rPr lang="en-US" dirty="0" err="1"/>
+              <a:rPr lang="en-US" dirty="0" err="1">
+                <a:latin typeface="Consolas" panose="020B0609020204030204" pitchFamily="49" charset="0"/>
+                <a:cs typeface="Consolas" panose="020B0609020204030204" pitchFamily="49" charset="0"/>
+              </a:rPr>
               <a:t>getData</a:t>
             </a:r>
             <a:r>
-              <a:rPr lang="en-US" dirty="0" smtClean="0"/>
+              <a:rPr lang="en-US" dirty="0" smtClean="0">
+                <a:latin typeface="Consolas" panose="020B0609020204030204" pitchFamily="49" charset="0"/>
+                <a:cs typeface="Consolas" panose="020B0609020204030204" pitchFamily="49" charset="0"/>
+              </a:rPr>
               <a:t>() {</a:t>
             </a:r>
           </a:p>
@@ -15681,15 +16553,24 @@
               <a:buNone/>
             </a:pPr>
             <a:r>
-              <a:rPr lang="en-US" dirty="0" smtClean="0"/>
+              <a:rPr lang="en-US" dirty="0" smtClean="0">
+                <a:latin typeface="Consolas" panose="020B0609020204030204" pitchFamily="49" charset="0"/>
+                <a:cs typeface="Consolas" panose="020B0609020204030204" pitchFamily="49" charset="0"/>
+              </a:rPr>
               <a:t>    Future </a:t>
             </a:r>
             <a:r>
-              <a:rPr lang="en-US" dirty="0" err="1" smtClean="0"/>
+              <a:rPr lang="en-US" dirty="0" err="1" smtClean="0">
+                <a:latin typeface="Consolas" panose="020B0609020204030204" pitchFamily="49" charset="0"/>
+                <a:cs typeface="Consolas" panose="020B0609020204030204" pitchFamily="49" charset="0"/>
+              </a:rPr>
               <a:t>dataReceived</a:t>
             </a:r>
             <a:r>
-              <a:rPr lang="en-US" dirty="0" smtClean="0"/>
+              <a:rPr lang="en-US" dirty="0" smtClean="0">
+                <a:latin typeface="Consolas" panose="020B0609020204030204" pitchFamily="49" charset="0"/>
+                <a:cs typeface="Consolas" panose="020B0609020204030204" pitchFamily="49" charset="0"/>
+              </a:rPr>
               <a:t> = </a:t>
             </a:r>
           </a:p>
@@ -15698,31 +16579,52 @@
               <a:buNone/>
             </a:pPr>
             <a:r>
-              <a:rPr lang="en-US" dirty="0"/>
+              <a:rPr lang="en-US" dirty="0">
+                <a:latin typeface="Consolas" panose="020B0609020204030204" pitchFamily="49" charset="0"/>
+                <a:cs typeface="Consolas" panose="020B0609020204030204" pitchFamily="49" charset="0"/>
+              </a:rPr>
               <a:t> </a:t>
             </a:r>
             <a:r>
-              <a:rPr lang="en-US" dirty="0" smtClean="0"/>
+              <a:rPr lang="en-US" dirty="0" smtClean="0">
+                <a:latin typeface="Consolas" panose="020B0609020204030204" pitchFamily="49" charset="0"/>
+                <a:cs typeface="Consolas" panose="020B0609020204030204" pitchFamily="49" charset="0"/>
+              </a:rPr>
               <a:t>     </a:t>
             </a:r>
             <a:r>
-              <a:rPr lang="en-US" dirty="0" err="1" smtClean="0"/>
+              <a:rPr lang="en-US" dirty="0" err="1" smtClean="0">
+                <a:latin typeface="Consolas" panose="020B0609020204030204" pitchFamily="49" charset="0"/>
+                <a:cs typeface="Consolas" panose="020B0609020204030204" pitchFamily="49" charset="0"/>
+              </a:rPr>
               <a:t>HttpRequest.</a:t>
             </a:r>
             <a:r>
-              <a:rPr lang="en-US" i="1" dirty="0" err="1" smtClean="0"/>
+              <a:rPr lang="en-US" i="1" dirty="0" err="1" smtClean="0">
+                <a:latin typeface="Consolas" panose="020B0609020204030204" pitchFamily="49" charset="0"/>
+                <a:cs typeface="Consolas" panose="020B0609020204030204" pitchFamily="49" charset="0"/>
+              </a:rPr>
               <a:t>getString</a:t>
             </a:r>
             <a:r>
-              <a:rPr lang="en-US" dirty="0" smtClean="0"/>
+              <a:rPr lang="en-US" dirty="0" smtClean="0">
+                <a:latin typeface="Consolas" panose="020B0609020204030204" pitchFamily="49" charset="0"/>
+                <a:cs typeface="Consolas" panose="020B0609020204030204" pitchFamily="49" charset="0"/>
+              </a:rPr>
               <a:t>(</a:t>
             </a:r>
             <a:r>
-              <a:rPr lang="en-US" dirty="0" err="1" smtClean="0"/>
+              <a:rPr lang="en-US" dirty="0" err="1" smtClean="0">
+                <a:latin typeface="Consolas" panose="020B0609020204030204" pitchFamily="49" charset="0"/>
+                <a:cs typeface="Consolas" panose="020B0609020204030204" pitchFamily="49" charset="0"/>
+              </a:rPr>
               <a:t>pathToData</a:t>
             </a:r>
             <a:r>
-              <a:rPr lang="en-US" dirty="0" smtClean="0"/>
+              <a:rPr lang="en-US" dirty="0" smtClean="0">
+                <a:latin typeface="Consolas" panose="020B0609020204030204" pitchFamily="49" charset="0"/>
+                <a:cs typeface="Consolas" panose="020B0609020204030204" pitchFamily="49" charset="0"/>
+              </a:rPr>
               <a:t>).then((data) {</a:t>
             </a:r>
           </a:p>
@@ -15731,53 +16633,92 @@
               <a:buNone/>
             </a:pPr>
             <a:r>
-              <a:rPr lang="en-US" dirty="0" smtClean="0"/>
+              <a:rPr lang="en-US" dirty="0" smtClean="0">
+                <a:latin typeface="Consolas" panose="020B0609020204030204" pitchFamily="49" charset="0"/>
+                <a:cs typeface="Consolas" panose="020B0609020204030204" pitchFamily="49" charset="0"/>
+              </a:rPr>
               <a:t>        List&lt;Map&gt; decoded = </a:t>
             </a:r>
             <a:r>
-              <a:rPr lang="en-US" dirty="0" err="1" smtClean="0"/>
+              <a:rPr lang="en-US" dirty="0" err="1" smtClean="0">
+                <a:latin typeface="Consolas" panose="020B0609020204030204" pitchFamily="49" charset="0"/>
+                <a:cs typeface="Consolas" panose="020B0609020204030204" pitchFamily="49" charset="0"/>
+              </a:rPr>
               <a:t>JSON.decode</a:t>
             </a:r>
             <a:r>
-              <a:rPr lang="en-US" dirty="0" smtClean="0"/>
+              <a:rPr lang="en-US" dirty="0" smtClean="0">
+                <a:latin typeface="Consolas" panose="020B0609020204030204" pitchFamily="49" charset="0"/>
+                <a:cs typeface="Consolas" panose="020B0609020204030204" pitchFamily="49" charset="0"/>
+              </a:rPr>
               <a:t>(data)</a:t>
             </a:r>
             <a:r>
-              <a:rPr lang="en-US" dirty="0"/>
+              <a:rPr lang="en-US" dirty="0">
+                <a:latin typeface="Consolas" panose="020B0609020204030204" pitchFamily="49" charset="0"/>
+                <a:cs typeface="Consolas" panose="020B0609020204030204" pitchFamily="49" charset="0"/>
+              </a:rPr>
               <a:t>;</a:t>
             </a:r>
             <a:br>
-              <a:rPr lang="en-US" dirty="0"/>
+              <a:rPr lang="en-US" dirty="0">
+                <a:latin typeface="Consolas" panose="020B0609020204030204" pitchFamily="49" charset="0"/>
+                <a:cs typeface="Consolas" panose="020B0609020204030204" pitchFamily="49" charset="0"/>
+              </a:rPr>
             </a:br>
             <a:r>
-              <a:rPr lang="en-US" dirty="0"/>
+              <a:rPr lang="en-US" dirty="0">
+                <a:latin typeface="Consolas" panose="020B0609020204030204" pitchFamily="49" charset="0"/>
+                <a:cs typeface="Consolas" panose="020B0609020204030204" pitchFamily="49" charset="0"/>
+              </a:rPr>
               <a:t>      </a:t>
             </a:r>
             <a:r>
-              <a:rPr lang="en-US" dirty="0" smtClean="0"/>
+              <a:rPr lang="en-US" dirty="0" smtClean="0">
+                <a:latin typeface="Consolas" panose="020B0609020204030204" pitchFamily="49" charset="0"/>
+                <a:cs typeface="Consolas" panose="020B0609020204030204" pitchFamily="49" charset="0"/>
+              </a:rPr>
               <a:t>  </a:t>
             </a:r>
             <a:r>
-              <a:rPr lang="en-US" b="1" dirty="0" smtClean="0"/>
+              <a:rPr lang="en-US" b="1" dirty="0" smtClean="0">
+                <a:latin typeface="Consolas" panose="020B0609020204030204" pitchFamily="49" charset="0"/>
+                <a:cs typeface="Consolas" panose="020B0609020204030204" pitchFamily="49" charset="0"/>
+              </a:rPr>
               <a:t>return </a:t>
             </a:r>
             <a:r>
-              <a:rPr lang="en-US" dirty="0" smtClean="0"/>
+              <a:rPr lang="en-US" dirty="0" smtClean="0">
+                <a:latin typeface="Consolas" panose="020B0609020204030204" pitchFamily="49" charset="0"/>
+                <a:cs typeface="Consolas" panose="020B0609020204030204" pitchFamily="49" charset="0"/>
+              </a:rPr>
               <a:t>decoded</a:t>
             </a:r>
             <a:r>
-              <a:rPr lang="en-US" dirty="0"/>
+              <a:rPr lang="en-US" dirty="0">
+                <a:latin typeface="Consolas" panose="020B0609020204030204" pitchFamily="49" charset="0"/>
+                <a:cs typeface="Consolas" panose="020B0609020204030204" pitchFamily="49" charset="0"/>
+              </a:rPr>
               <a:t>;</a:t>
             </a:r>
             <a:br>
-              <a:rPr lang="en-US" dirty="0"/>
+              <a:rPr lang="en-US" dirty="0">
+                <a:latin typeface="Consolas" panose="020B0609020204030204" pitchFamily="49" charset="0"/>
+                <a:cs typeface="Consolas" panose="020B0609020204030204" pitchFamily="49" charset="0"/>
+              </a:rPr>
             </a:br>
             <a:r>
-              <a:rPr lang="en-US" dirty="0"/>
+              <a:rPr lang="en-US" dirty="0">
+                <a:latin typeface="Consolas" panose="020B0609020204030204" pitchFamily="49" charset="0"/>
+                <a:cs typeface="Consolas" panose="020B0609020204030204" pitchFamily="49" charset="0"/>
+              </a:rPr>
               <a:t>    </a:t>
             </a:r>
             <a:r>
-              <a:rPr lang="en-US" dirty="0" smtClean="0"/>
+              <a:rPr lang="en-US" dirty="0" smtClean="0">
+                <a:latin typeface="Consolas" panose="020B0609020204030204" pitchFamily="49" charset="0"/>
+                <a:cs typeface="Consolas" panose="020B0609020204030204" pitchFamily="49" charset="0"/>
+              </a:rPr>
               <a:t>  });</a:t>
             </a:r>
           </a:p>
@@ -15786,30 +16727,51 @@
               <a:buNone/>
             </a:pPr>
             <a:r>
-              <a:rPr lang="en-US" dirty="0" smtClean="0"/>
+              <a:rPr lang="en-US" dirty="0" smtClean="0">
+                <a:latin typeface="Consolas" panose="020B0609020204030204" pitchFamily="49" charset="0"/>
+                <a:cs typeface="Consolas" panose="020B0609020204030204" pitchFamily="49" charset="0"/>
+              </a:rPr>
               <a:t>    </a:t>
             </a:r>
             <a:r>
-              <a:rPr lang="en-US" b="1" dirty="0"/>
+              <a:rPr lang="en-US" b="1" dirty="0">
+                <a:latin typeface="Consolas" panose="020B0609020204030204" pitchFamily="49" charset="0"/>
+                <a:cs typeface="Consolas" panose="020B0609020204030204" pitchFamily="49" charset="0"/>
+              </a:rPr>
               <a:t>return </a:t>
             </a:r>
             <a:r>
-              <a:rPr lang="en-US" dirty="0" err="1" smtClean="0"/>
+              <a:rPr lang="en-US" dirty="0" err="1" smtClean="0">
+                <a:latin typeface="Consolas" panose="020B0609020204030204" pitchFamily="49" charset="0"/>
+                <a:cs typeface="Consolas" panose="020B0609020204030204" pitchFamily="49" charset="0"/>
+              </a:rPr>
               <a:t>dataReceived</a:t>
             </a:r>
             <a:r>
-              <a:rPr lang="en-US" dirty="0"/>
+              <a:rPr lang="en-US" dirty="0">
+                <a:latin typeface="Consolas" panose="020B0609020204030204" pitchFamily="49" charset="0"/>
+                <a:cs typeface="Consolas" panose="020B0609020204030204" pitchFamily="49" charset="0"/>
+              </a:rPr>
               <a:t>;</a:t>
             </a:r>
             <a:br>
-              <a:rPr lang="en-US" dirty="0"/>
+              <a:rPr lang="en-US" dirty="0">
+                <a:latin typeface="Consolas" panose="020B0609020204030204" pitchFamily="49" charset="0"/>
+                <a:cs typeface="Consolas" panose="020B0609020204030204" pitchFamily="49" charset="0"/>
+              </a:rPr>
             </a:br>
             <a:r>
-              <a:rPr lang="en-US" dirty="0"/>
+              <a:rPr lang="en-US" dirty="0">
+                <a:latin typeface="Consolas" panose="020B0609020204030204" pitchFamily="49" charset="0"/>
+                <a:cs typeface="Consolas" panose="020B0609020204030204" pitchFamily="49" charset="0"/>
+              </a:rPr>
               <a:t>  </a:t>
             </a:r>
             <a:r>
-              <a:rPr lang="en-US" dirty="0" smtClean="0"/>
+              <a:rPr lang="en-US" dirty="0" smtClean="0">
+                <a:latin typeface="Consolas" panose="020B0609020204030204" pitchFamily="49" charset="0"/>
+                <a:cs typeface="Consolas" panose="020B0609020204030204" pitchFamily="49" charset="0"/>
+              </a:rPr>
               <a:t>}</a:t>
             </a:r>
           </a:p>
@@ -15818,10 +16780,16 @@
               <a:buNone/>
             </a:pPr>
             <a:r>
-              <a:rPr lang="en-US" dirty="0" smtClean="0"/>
+              <a:rPr lang="en-US" dirty="0" smtClean="0">
+                <a:latin typeface="Consolas" panose="020B0609020204030204" pitchFamily="49" charset="0"/>
+                <a:cs typeface="Consolas" panose="020B0609020204030204" pitchFamily="49" charset="0"/>
+              </a:rPr>
               <a:t>}</a:t>
             </a:r>
-            <a:endParaRPr lang="en-US" dirty="0"/>
+            <a:endParaRPr lang="en-US" dirty="0">
+              <a:latin typeface="Consolas" panose="020B0609020204030204" pitchFamily="49" charset="0"/>
+              <a:cs typeface="Consolas" panose="020B0609020204030204" pitchFamily="49" charset="0"/>
+            </a:endParaRPr>
           </a:p>
         </p:txBody>
       </p:sp>
@@ -16547,37 +17515,64 @@
               <a:buNone/>
             </a:pPr>
             <a:r>
-              <a:rPr lang="en-US" b="1" dirty="0"/>
+              <a:rPr lang="en-US" b="1" dirty="0">
+                <a:latin typeface="Consolas" panose="020B0609020204030204" pitchFamily="49" charset="0"/>
+                <a:cs typeface="Consolas" panose="020B0609020204030204" pitchFamily="49" charset="0"/>
+              </a:rPr>
               <a:t>import </a:t>
             </a:r>
             <a:r>
-              <a:rPr lang="en-US" dirty="0"/>
+              <a:rPr lang="en-US" dirty="0">
+                <a:latin typeface="Consolas" panose="020B0609020204030204" pitchFamily="49" charset="0"/>
+                <a:cs typeface="Consolas" panose="020B0609020204030204" pitchFamily="49" charset="0"/>
+              </a:rPr>
               <a:t>'</a:t>
             </a:r>
             <a:r>
-              <a:rPr lang="en-US" dirty="0" err="1"/>
+              <a:rPr lang="en-US" dirty="0" err="1">
+                <a:latin typeface="Consolas" panose="020B0609020204030204" pitchFamily="49" charset="0"/>
+                <a:cs typeface="Consolas" panose="020B0609020204030204" pitchFamily="49" charset="0"/>
+              </a:rPr>
               <a:t>app_service.dart</a:t>
             </a:r>
             <a:r>
-              <a:rPr lang="en-US" dirty="0"/>
+              <a:rPr lang="en-US" dirty="0">
+                <a:latin typeface="Consolas" panose="020B0609020204030204" pitchFamily="49" charset="0"/>
+                <a:cs typeface="Consolas" panose="020B0609020204030204" pitchFamily="49" charset="0"/>
+              </a:rPr>
               <a:t>';</a:t>
             </a:r>
             <a:br>
-              <a:rPr lang="en-US" dirty="0"/>
+              <a:rPr lang="en-US" dirty="0">
+                <a:latin typeface="Consolas" panose="020B0609020204030204" pitchFamily="49" charset="0"/>
+                <a:cs typeface="Consolas" panose="020B0609020204030204" pitchFamily="49" charset="0"/>
+              </a:rPr>
             </a:br>
             <a:r>
-              <a:rPr lang="en-US" dirty="0"/>
+              <a:rPr lang="en-US" dirty="0">
+                <a:latin typeface="Consolas" panose="020B0609020204030204" pitchFamily="49" charset="0"/>
+                <a:cs typeface="Consolas" panose="020B0609020204030204" pitchFamily="49" charset="0"/>
+              </a:rPr>
               <a:t/>
             </a:r>
             <a:br>
-              <a:rPr lang="en-US" dirty="0"/>
+              <a:rPr lang="en-US" dirty="0">
+                <a:latin typeface="Consolas" panose="020B0609020204030204" pitchFamily="49" charset="0"/>
+                <a:cs typeface="Consolas" panose="020B0609020204030204" pitchFamily="49" charset="0"/>
+              </a:rPr>
             </a:br>
             <a:r>
-              <a:rPr lang="en-US" dirty="0"/>
+              <a:rPr lang="en-US" dirty="0">
+                <a:latin typeface="Consolas" panose="020B0609020204030204" pitchFamily="49" charset="0"/>
+                <a:cs typeface="Consolas" panose="020B0609020204030204" pitchFamily="49" charset="0"/>
+              </a:rPr>
               <a:t>@Component</a:t>
             </a:r>
             <a:r>
-              <a:rPr lang="en-US" dirty="0" smtClean="0"/>
+              <a:rPr lang="en-US" dirty="0" smtClean="0">
+                <a:latin typeface="Consolas" panose="020B0609020204030204" pitchFamily="49" charset="0"/>
+                <a:cs typeface="Consolas" panose="020B0609020204030204" pitchFamily="49" charset="0"/>
+              </a:rPr>
               <a:t>(</a:t>
             </a:r>
           </a:p>
@@ -16586,63 +17581,108 @@
               <a:buNone/>
             </a:pPr>
             <a:r>
-              <a:rPr lang="en-US" dirty="0" smtClean="0"/>
+              <a:rPr lang="en-US" dirty="0" smtClean="0">
+                <a:latin typeface="Consolas" panose="020B0609020204030204" pitchFamily="49" charset="0"/>
+                <a:cs typeface="Consolas" panose="020B0609020204030204" pitchFamily="49" charset="0"/>
+              </a:rPr>
               <a:t>  …</a:t>
             </a:r>
             <a:r>
-              <a:rPr lang="en-US" dirty="0"/>
+              <a:rPr lang="en-US" dirty="0">
+                <a:latin typeface="Consolas" panose="020B0609020204030204" pitchFamily="49" charset="0"/>
+                <a:cs typeface="Consolas" panose="020B0609020204030204" pitchFamily="49" charset="0"/>
+              </a:rPr>
               <a:t/>
             </a:r>
             <a:br>
-              <a:rPr lang="en-US" dirty="0"/>
+              <a:rPr lang="en-US" dirty="0">
+                <a:latin typeface="Consolas" panose="020B0609020204030204" pitchFamily="49" charset="0"/>
+                <a:cs typeface="Consolas" panose="020B0609020204030204" pitchFamily="49" charset="0"/>
+              </a:rPr>
             </a:br>
             <a:r>
-              <a:rPr lang="en-US" dirty="0" smtClean="0"/>
+              <a:rPr lang="en-US" dirty="0" smtClean="0">
+                <a:latin typeface="Consolas" panose="020B0609020204030204" pitchFamily="49" charset="0"/>
+                <a:cs typeface="Consolas" panose="020B0609020204030204" pitchFamily="49" charset="0"/>
+              </a:rPr>
               <a:t>  providers: </a:t>
             </a:r>
             <a:r>
-              <a:rPr lang="en-US" b="1" dirty="0" err="1"/>
+              <a:rPr lang="en-US" b="1" dirty="0" err="1">
+                <a:latin typeface="Consolas" panose="020B0609020204030204" pitchFamily="49" charset="0"/>
+                <a:cs typeface="Consolas" panose="020B0609020204030204" pitchFamily="49" charset="0"/>
+              </a:rPr>
               <a:t>const</a:t>
             </a:r>
             <a:r>
-              <a:rPr lang="en-US" b="1" dirty="0"/>
+              <a:rPr lang="en-US" b="1" dirty="0">
+                <a:latin typeface="Consolas" panose="020B0609020204030204" pitchFamily="49" charset="0"/>
+                <a:cs typeface="Consolas" panose="020B0609020204030204" pitchFamily="49" charset="0"/>
+              </a:rPr>
               <a:t> </a:t>
             </a:r>
             <a:r>
-              <a:rPr lang="en-US" dirty="0" smtClean="0"/>
+              <a:rPr lang="en-US" dirty="0" smtClean="0">
+                <a:latin typeface="Consolas" panose="020B0609020204030204" pitchFamily="49" charset="0"/>
+                <a:cs typeface="Consolas" panose="020B0609020204030204" pitchFamily="49" charset="0"/>
+              </a:rPr>
               <a:t>[</a:t>
             </a:r>
             <a:r>
-              <a:rPr lang="en-US" dirty="0" err="1" smtClean="0"/>
+              <a:rPr lang="en-US" dirty="0" err="1" smtClean="0">
+                <a:latin typeface="Consolas" panose="020B0609020204030204" pitchFamily="49" charset="0"/>
+                <a:cs typeface="Consolas" panose="020B0609020204030204" pitchFamily="49" charset="0"/>
+              </a:rPr>
               <a:t>AppService</a:t>
             </a:r>
             <a:r>
-              <a:rPr lang="en-US" dirty="0" smtClean="0"/>
+              <a:rPr lang="en-US" dirty="0" smtClean="0">
+                <a:latin typeface="Consolas" panose="020B0609020204030204" pitchFamily="49" charset="0"/>
+                <a:cs typeface="Consolas" panose="020B0609020204030204" pitchFamily="49" charset="0"/>
+              </a:rPr>
               <a:t>]</a:t>
             </a:r>
             <a:r>
-              <a:rPr lang="en-US" dirty="0"/>
+              <a:rPr lang="en-US" dirty="0">
+                <a:latin typeface="Consolas" panose="020B0609020204030204" pitchFamily="49" charset="0"/>
+                <a:cs typeface="Consolas" panose="020B0609020204030204" pitchFamily="49" charset="0"/>
+              </a:rPr>
               <a:t>)</a:t>
             </a:r>
             <a:br>
-              <a:rPr lang="en-US" dirty="0"/>
+              <a:rPr lang="en-US" dirty="0">
+                <a:latin typeface="Consolas" panose="020B0609020204030204" pitchFamily="49" charset="0"/>
+                <a:cs typeface="Consolas" panose="020B0609020204030204" pitchFamily="49" charset="0"/>
+              </a:rPr>
             </a:br>
-            <a:endParaRPr lang="en-US" dirty="0" smtClean="0"/>
+            <a:endParaRPr lang="en-US" dirty="0" smtClean="0">
+              <a:latin typeface="Consolas" panose="020B0609020204030204" pitchFamily="49" charset="0"/>
+              <a:cs typeface="Consolas" panose="020B0609020204030204" pitchFamily="49" charset="0"/>
+            </a:endParaRPr>
           </a:p>
           <a:p>
             <a:pPr marL="0" indent="0">
               <a:buNone/>
             </a:pPr>
             <a:r>
-              <a:rPr lang="en-US" b="1" dirty="0" smtClean="0"/>
+              <a:rPr lang="en-US" b="1" dirty="0" smtClean="0">
+                <a:latin typeface="Consolas" panose="020B0609020204030204" pitchFamily="49" charset="0"/>
+                <a:cs typeface="Consolas" panose="020B0609020204030204" pitchFamily="49" charset="0"/>
+              </a:rPr>
               <a:t>class </a:t>
             </a:r>
             <a:r>
-              <a:rPr lang="en-US" dirty="0" err="1" smtClean="0"/>
+              <a:rPr lang="en-US" dirty="0" err="1" smtClean="0">
+                <a:latin typeface="Consolas" panose="020B0609020204030204" pitchFamily="49" charset="0"/>
+                <a:cs typeface="Consolas" panose="020B0609020204030204" pitchFamily="49" charset="0"/>
+              </a:rPr>
               <a:t>MainComponent</a:t>
             </a:r>
             <a:r>
-              <a:rPr lang="en-US" dirty="0" smtClean="0"/>
+              <a:rPr lang="en-US" dirty="0" smtClean="0">
+                <a:latin typeface="Consolas" panose="020B0609020204030204" pitchFamily="49" charset="0"/>
+                <a:cs typeface="Consolas" panose="020B0609020204030204" pitchFamily="49" charset="0"/>
+              </a:rPr>
               <a:t> {</a:t>
             </a:r>
           </a:p>
@@ -16651,7 +17691,10 @@
               <a:buNone/>
             </a:pPr>
             <a:r>
-              <a:rPr lang="en-US" dirty="0" smtClean="0"/>
+              <a:rPr lang="en-US" dirty="0" smtClean="0">
+                <a:latin typeface="Consolas" panose="020B0609020204030204" pitchFamily="49" charset="0"/>
+                <a:cs typeface="Consolas" panose="020B0609020204030204" pitchFamily="49" charset="0"/>
+              </a:rPr>
               <a:t>  …</a:t>
             </a:r>
           </a:p>
@@ -16660,121 +17703,207 @@
               <a:buNone/>
             </a:pPr>
             <a:r>
-              <a:rPr lang="en-US" dirty="0" smtClean="0"/>
+              <a:rPr lang="en-US" dirty="0" smtClean="0">
+                <a:latin typeface="Consolas" panose="020B0609020204030204" pitchFamily="49" charset="0"/>
+                <a:cs typeface="Consolas" panose="020B0609020204030204" pitchFamily="49" charset="0"/>
+              </a:rPr>
               <a:t>  List&lt;Map&gt; </a:t>
             </a:r>
             <a:r>
-              <a:rPr lang="en-US" dirty="0" err="1"/>
+              <a:rPr lang="en-US" dirty="0" err="1">
+                <a:latin typeface="Consolas" panose="020B0609020204030204" pitchFamily="49" charset="0"/>
+                <a:cs typeface="Consolas" panose="020B0609020204030204" pitchFamily="49" charset="0"/>
+              </a:rPr>
               <a:t>myList</a:t>
             </a:r>
             <a:r>
-              <a:rPr lang="en-US" dirty="0"/>
+              <a:rPr lang="en-US" dirty="0">
+                <a:latin typeface="Consolas" panose="020B0609020204030204" pitchFamily="49" charset="0"/>
+                <a:cs typeface="Consolas" panose="020B0609020204030204" pitchFamily="49" charset="0"/>
+              </a:rPr>
               <a:t> </a:t>
             </a:r>
             <a:r>
-              <a:rPr lang="en-US" dirty="0" smtClean="0"/>
+              <a:rPr lang="en-US" dirty="0" smtClean="0">
+                <a:latin typeface="Consolas" panose="020B0609020204030204" pitchFamily="49" charset="0"/>
+                <a:cs typeface="Consolas" panose="020B0609020204030204" pitchFamily="49" charset="0"/>
+              </a:rPr>
               <a:t>= []</a:t>
             </a:r>
             <a:r>
-              <a:rPr lang="en-US" dirty="0"/>
+              <a:rPr lang="en-US" dirty="0">
+                <a:latin typeface="Consolas" panose="020B0609020204030204" pitchFamily="49" charset="0"/>
+                <a:cs typeface="Consolas" panose="020B0609020204030204" pitchFamily="49" charset="0"/>
+              </a:rPr>
               <a:t>;</a:t>
             </a:r>
             <a:br>
-              <a:rPr lang="en-US" dirty="0"/>
+              <a:rPr lang="en-US" dirty="0">
+                <a:latin typeface="Consolas" panose="020B0609020204030204" pitchFamily="49" charset="0"/>
+                <a:cs typeface="Consolas" panose="020B0609020204030204" pitchFamily="49" charset="0"/>
+              </a:rPr>
             </a:br>
             <a:r>
-              <a:rPr lang="en-US" dirty="0"/>
+              <a:rPr lang="en-US" dirty="0">
+                <a:latin typeface="Consolas" panose="020B0609020204030204" pitchFamily="49" charset="0"/>
+                <a:cs typeface="Consolas" panose="020B0609020204030204" pitchFamily="49" charset="0"/>
+              </a:rPr>
               <a:t/>
             </a:r>
             <a:br>
-              <a:rPr lang="en-US" dirty="0"/>
+              <a:rPr lang="en-US" dirty="0">
+                <a:latin typeface="Consolas" panose="020B0609020204030204" pitchFamily="49" charset="0"/>
+                <a:cs typeface="Consolas" panose="020B0609020204030204" pitchFamily="49" charset="0"/>
+              </a:rPr>
             </a:br>
             <a:r>
-              <a:rPr lang="en-US" dirty="0" smtClean="0"/>
+              <a:rPr lang="en-US" dirty="0" smtClean="0">
+                <a:latin typeface="Consolas" panose="020B0609020204030204" pitchFamily="49" charset="0"/>
+                <a:cs typeface="Consolas" panose="020B0609020204030204" pitchFamily="49" charset="0"/>
+              </a:rPr>
               <a:t>  </a:t>
             </a:r>
             <a:r>
-              <a:rPr lang="en-US" dirty="0" err="1" smtClean="0"/>
+              <a:rPr lang="en-US" dirty="0" err="1" smtClean="0">
+                <a:latin typeface="Consolas" panose="020B0609020204030204" pitchFamily="49" charset="0"/>
+                <a:cs typeface="Consolas" panose="020B0609020204030204" pitchFamily="49" charset="0"/>
+              </a:rPr>
               <a:t>MainComponent</a:t>
             </a:r>
             <a:r>
-              <a:rPr lang="en-US" dirty="0" smtClean="0"/>
+              <a:rPr lang="en-US" dirty="0" smtClean="0">
+                <a:latin typeface="Consolas" panose="020B0609020204030204" pitchFamily="49" charset="0"/>
+                <a:cs typeface="Consolas" panose="020B0609020204030204" pitchFamily="49" charset="0"/>
+              </a:rPr>
               <a:t>(</a:t>
             </a:r>
             <a:r>
-              <a:rPr lang="en-US" dirty="0" err="1" smtClean="0"/>
+              <a:rPr lang="en-US" dirty="0" err="1" smtClean="0">
+                <a:latin typeface="Consolas" panose="020B0609020204030204" pitchFamily="49" charset="0"/>
+                <a:cs typeface="Consolas" panose="020B0609020204030204" pitchFamily="49" charset="0"/>
+              </a:rPr>
               <a:t>AppService</a:t>
             </a:r>
             <a:r>
-              <a:rPr lang="en-US" dirty="0" smtClean="0"/>
+              <a:rPr lang="en-US" dirty="0" smtClean="0">
+                <a:latin typeface="Consolas" panose="020B0609020204030204" pitchFamily="49" charset="0"/>
+                <a:cs typeface="Consolas" panose="020B0609020204030204" pitchFamily="49" charset="0"/>
+              </a:rPr>
               <a:t> </a:t>
             </a:r>
             <a:r>
-              <a:rPr lang="en-US" dirty="0" err="1" smtClean="0"/>
+              <a:rPr lang="en-US" dirty="0" err="1" smtClean="0">
+                <a:latin typeface="Consolas" panose="020B0609020204030204" pitchFamily="49" charset="0"/>
+                <a:cs typeface="Consolas" panose="020B0609020204030204" pitchFamily="49" charset="0"/>
+              </a:rPr>
               <a:t>appService</a:t>
             </a:r>
             <a:r>
-              <a:rPr lang="en-US" dirty="0" smtClean="0"/>
-              <a:t>) </a:t>
-            </a:r>
-            <a:r>
-              <a:rPr lang="en-US" dirty="0" smtClean="0"/>
-              <a:t>{</a:t>
+              <a:rPr lang="en-US" dirty="0" smtClean="0">
+                <a:latin typeface="Consolas" panose="020B0609020204030204" pitchFamily="49" charset="0"/>
+                <a:cs typeface="Consolas" panose="020B0609020204030204" pitchFamily="49" charset="0"/>
+              </a:rPr>
+              <a:t>) {</a:t>
             </a:r>
             <a:br>
-              <a:rPr lang="en-US" dirty="0" smtClean="0"/>
+              <a:rPr lang="en-US" dirty="0" smtClean="0">
+                <a:latin typeface="Consolas" panose="020B0609020204030204" pitchFamily="49" charset="0"/>
+                <a:cs typeface="Consolas" panose="020B0609020204030204" pitchFamily="49" charset="0"/>
+              </a:rPr>
             </a:br>
             <a:r>
-              <a:rPr lang="en-US" dirty="0" smtClean="0"/>
+              <a:rPr lang="en-US" dirty="0" smtClean="0">
+                <a:latin typeface="Consolas" panose="020B0609020204030204" pitchFamily="49" charset="0"/>
+                <a:cs typeface="Consolas" panose="020B0609020204030204" pitchFamily="49" charset="0"/>
+              </a:rPr>
               <a:t>    </a:t>
             </a:r>
             <a:r>
-              <a:rPr lang="en-US" smtClean="0"/>
+              <a:rPr lang="en-US" dirty="0" err="1" smtClean="0">
+                <a:latin typeface="Consolas" panose="020B0609020204030204" pitchFamily="49" charset="0"/>
+                <a:cs typeface="Consolas" panose="020B0609020204030204" pitchFamily="49" charset="0"/>
+              </a:rPr>
               <a:t>appService.getData</a:t>
             </a:r>
             <a:r>
-              <a:rPr lang="en-US" dirty="0" smtClean="0"/>
+              <a:rPr lang="en-US" dirty="0" smtClean="0">
+                <a:latin typeface="Consolas" panose="020B0609020204030204" pitchFamily="49" charset="0"/>
+                <a:cs typeface="Consolas" panose="020B0609020204030204" pitchFamily="49" charset="0"/>
+              </a:rPr>
               <a:t>().then((data) {</a:t>
             </a:r>
             <a:br>
-              <a:rPr lang="en-US" dirty="0" smtClean="0"/>
+              <a:rPr lang="en-US" dirty="0" smtClean="0">
+                <a:latin typeface="Consolas" panose="020B0609020204030204" pitchFamily="49" charset="0"/>
+                <a:cs typeface="Consolas" panose="020B0609020204030204" pitchFamily="49" charset="0"/>
+              </a:rPr>
             </a:br>
             <a:r>
-              <a:rPr lang="en-US" dirty="0" smtClean="0"/>
+              <a:rPr lang="en-US" dirty="0" smtClean="0">
+                <a:latin typeface="Consolas" panose="020B0609020204030204" pitchFamily="49" charset="0"/>
+                <a:cs typeface="Consolas" panose="020B0609020204030204" pitchFamily="49" charset="0"/>
+              </a:rPr>
               <a:t>      </a:t>
             </a:r>
             <a:r>
-              <a:rPr lang="en-US" dirty="0" err="1" smtClean="0"/>
+              <a:rPr lang="en-US" dirty="0" err="1" smtClean="0">
+                <a:latin typeface="Consolas" panose="020B0609020204030204" pitchFamily="49" charset="0"/>
+                <a:cs typeface="Consolas" panose="020B0609020204030204" pitchFamily="49" charset="0"/>
+              </a:rPr>
               <a:t>myList</a:t>
             </a:r>
             <a:r>
-              <a:rPr lang="en-US" dirty="0" smtClean="0"/>
+              <a:rPr lang="en-US" dirty="0" smtClean="0">
+                <a:latin typeface="Consolas" panose="020B0609020204030204" pitchFamily="49" charset="0"/>
+                <a:cs typeface="Consolas" panose="020B0609020204030204" pitchFamily="49" charset="0"/>
+              </a:rPr>
               <a:t> = data</a:t>
             </a:r>
             <a:r>
-              <a:rPr lang="en-US" dirty="0"/>
+              <a:rPr lang="en-US" dirty="0">
+                <a:latin typeface="Consolas" panose="020B0609020204030204" pitchFamily="49" charset="0"/>
+                <a:cs typeface="Consolas" panose="020B0609020204030204" pitchFamily="49" charset="0"/>
+              </a:rPr>
               <a:t>;</a:t>
             </a:r>
             <a:br>
-              <a:rPr lang="en-US" dirty="0"/>
+              <a:rPr lang="en-US" dirty="0">
+                <a:latin typeface="Consolas" panose="020B0609020204030204" pitchFamily="49" charset="0"/>
+                <a:cs typeface="Consolas" panose="020B0609020204030204" pitchFamily="49" charset="0"/>
+              </a:rPr>
             </a:br>
             <a:r>
-              <a:rPr lang="en-US" dirty="0"/>
+              <a:rPr lang="en-US" dirty="0">
+                <a:latin typeface="Consolas" panose="020B0609020204030204" pitchFamily="49" charset="0"/>
+                <a:cs typeface="Consolas" panose="020B0609020204030204" pitchFamily="49" charset="0"/>
+              </a:rPr>
               <a:t>  </a:t>
             </a:r>
             <a:r>
-              <a:rPr lang="en-US" dirty="0" smtClean="0"/>
+              <a:rPr lang="en-US" dirty="0" smtClean="0">
+                <a:latin typeface="Consolas" panose="020B0609020204030204" pitchFamily="49" charset="0"/>
+                <a:cs typeface="Consolas" panose="020B0609020204030204" pitchFamily="49" charset="0"/>
+              </a:rPr>
               <a:t>  });</a:t>
             </a:r>
             <a:r>
-              <a:rPr lang="en-US" dirty="0"/>
+              <a:rPr lang="en-US" dirty="0">
+                <a:latin typeface="Consolas" panose="020B0609020204030204" pitchFamily="49" charset="0"/>
+                <a:cs typeface="Consolas" panose="020B0609020204030204" pitchFamily="49" charset="0"/>
+              </a:rPr>
               <a:t/>
             </a:r>
             <a:br>
-              <a:rPr lang="en-US" dirty="0"/>
+              <a:rPr lang="en-US" dirty="0">
+                <a:latin typeface="Consolas" panose="020B0609020204030204" pitchFamily="49" charset="0"/>
+                <a:cs typeface="Consolas" panose="020B0609020204030204" pitchFamily="49" charset="0"/>
+              </a:rPr>
             </a:br>
             <a:r>
-              <a:rPr lang="en-US" dirty="0" smtClean="0"/>
+              <a:rPr lang="en-US" dirty="0" smtClean="0">
+                <a:latin typeface="Consolas" panose="020B0609020204030204" pitchFamily="49" charset="0"/>
+                <a:cs typeface="Consolas" panose="020B0609020204030204" pitchFamily="49" charset="0"/>
+              </a:rPr>
               <a:t>  }</a:t>
             </a:r>
           </a:p>
@@ -16783,7 +17912,10 @@
               <a:buNone/>
             </a:pPr>
             <a:r>
-              <a:rPr lang="en-US" dirty="0" smtClean="0"/>
+              <a:rPr lang="en-US" dirty="0" smtClean="0">
+                <a:latin typeface="Consolas" panose="020B0609020204030204" pitchFamily="49" charset="0"/>
+                <a:cs typeface="Consolas" panose="020B0609020204030204" pitchFamily="49" charset="0"/>
+              </a:rPr>
               <a:t>…</a:t>
             </a:r>
           </a:p>
@@ -16792,10 +17924,16 @@
               <a:buNone/>
             </a:pPr>
             <a:r>
-              <a:rPr lang="en-US" dirty="0"/>
+              <a:rPr lang="en-US" dirty="0">
+                <a:latin typeface="Consolas" panose="020B0609020204030204" pitchFamily="49" charset="0"/>
+                <a:cs typeface="Consolas" panose="020B0609020204030204" pitchFamily="49" charset="0"/>
+              </a:rPr>
               <a:t>}</a:t>
             </a:r>
-            <a:endParaRPr lang="en-US" dirty="0" smtClean="0"/>
+            <a:endParaRPr lang="en-US" dirty="0" smtClean="0">
+              <a:latin typeface="Consolas" panose="020B0609020204030204" pitchFamily="49" charset="0"/>
+              <a:cs typeface="Consolas" panose="020B0609020204030204" pitchFamily="49" charset="0"/>
+            </a:endParaRPr>
           </a:p>
           <a:p>
             <a:pPr marL="0" indent="0">
@@ -17520,37 +18658,92 @@
               <a:buNone/>
             </a:pPr>
             <a:r>
-              <a:rPr lang="en-US" dirty="0"/>
+              <a:rPr lang="en-US" dirty="0">
+                <a:latin typeface="Consolas" panose="020B0609020204030204" pitchFamily="49" charset="0"/>
+                <a:cs typeface="Consolas" panose="020B0609020204030204" pitchFamily="49" charset="0"/>
+              </a:rPr>
               <a:t>&lt;div *</a:t>
             </a:r>
             <a:r>
-              <a:rPr lang="en-US" dirty="0" err="1"/>
+              <a:rPr lang="en-US" dirty="0" err="1">
+                <a:latin typeface="Consolas" panose="020B0609020204030204" pitchFamily="49" charset="0"/>
+                <a:cs typeface="Consolas" panose="020B0609020204030204" pitchFamily="49" charset="0"/>
+              </a:rPr>
               <a:t>ngFor</a:t>
             </a:r>
             <a:r>
-              <a:rPr lang="en-US" dirty="0"/>
+              <a:rPr lang="en-US" dirty="0">
+                <a:latin typeface="Consolas" panose="020B0609020204030204" pitchFamily="49" charset="0"/>
+                <a:cs typeface="Consolas" panose="020B0609020204030204" pitchFamily="49" charset="0"/>
+              </a:rPr>
               <a:t>="#data of </a:t>
             </a:r>
             <a:r>
-              <a:rPr lang="en-US" dirty="0" err="1"/>
+              <a:rPr lang="en-US" dirty="0" err="1">
+                <a:latin typeface="Consolas" panose="020B0609020204030204" pitchFamily="49" charset="0"/>
+                <a:cs typeface="Consolas" panose="020B0609020204030204" pitchFamily="49" charset="0"/>
+              </a:rPr>
               <a:t>myList</a:t>
             </a:r>
             <a:r>
-              <a:rPr lang="en-US" dirty="0"/>
+              <a:rPr lang="en-US" dirty="0">
+                <a:latin typeface="Consolas" panose="020B0609020204030204" pitchFamily="49" charset="0"/>
+                <a:cs typeface="Consolas" panose="020B0609020204030204" pitchFamily="49" charset="0"/>
+              </a:rPr>
               <a:t>"&gt;</a:t>
             </a:r>
             <a:br>
-              <a:rPr lang="en-US" dirty="0"/>
+              <a:rPr lang="en-US" dirty="0">
+                <a:latin typeface="Consolas" panose="020B0609020204030204" pitchFamily="49" charset="0"/>
+                <a:cs typeface="Consolas" panose="020B0609020204030204" pitchFamily="49" charset="0"/>
+              </a:rPr>
             </a:br>
             <a:r>
-              <a:rPr lang="en-US" dirty="0" smtClean="0"/>
-              <a:t>  {{ data['name'] }}</a:t>
+              <a:rPr lang="en-US" dirty="0" smtClean="0">
+                <a:latin typeface="Consolas" panose="020B0609020204030204" pitchFamily="49" charset="0"/>
+                <a:cs typeface="Consolas" panose="020B0609020204030204" pitchFamily="49" charset="0"/>
+              </a:rPr>
+              <a:t>  </a:t>
+            </a:r>
+            <a:r>
+              <a:rPr lang="en-US" dirty="0" smtClean="0">
+                <a:latin typeface="Consolas" panose="020B0609020204030204" pitchFamily="49" charset="0"/>
+                <a:cs typeface="Consolas" panose="020B0609020204030204" pitchFamily="49" charset="0"/>
+              </a:rPr>
+              <a:t>{{data</a:t>
+            </a:r>
+            <a:r>
+              <a:rPr lang="en-US" dirty="0" smtClean="0">
+                <a:latin typeface="Consolas" panose="020B0609020204030204" pitchFamily="49" charset="0"/>
+                <a:cs typeface="Consolas" panose="020B0609020204030204" pitchFamily="49" charset="0"/>
+              </a:rPr>
+              <a:t>['name</a:t>
+            </a:r>
+            <a:r>
+              <a:rPr lang="en-US" dirty="0" smtClean="0">
+                <a:latin typeface="Consolas" panose="020B0609020204030204" pitchFamily="49" charset="0"/>
+                <a:cs typeface="Consolas" panose="020B0609020204030204" pitchFamily="49" charset="0"/>
+              </a:rPr>
+              <a:t>']}}</a:t>
+            </a:r>
+            <a:r>
+              <a:rPr lang="en-US" dirty="0" smtClean="0">
+                <a:latin typeface="Consolas" panose="020B0609020204030204" pitchFamily="49" charset="0"/>
+                <a:cs typeface="Consolas" panose="020B0609020204030204" pitchFamily="49" charset="0"/>
+              </a:rPr>
+              <a:t/>
             </a:r>
             <a:br>
-              <a:rPr lang="en-US" dirty="0" smtClean="0"/>
+              <a:rPr lang="en-US" dirty="0" smtClean="0">
+                <a:latin typeface="Consolas" panose="020B0609020204030204" pitchFamily="49" charset="0"/>
+                <a:cs typeface="Consolas" panose="020B0609020204030204" pitchFamily="49" charset="0"/>
+              </a:rPr>
             </a:br>
             <a:r>
-              <a:rPr lang="en-US" dirty="0"/>
+              <a:rPr lang="en-US" dirty="0">
+                <a:latin typeface="Consolas" panose="020B0609020204030204" pitchFamily="49" charset="0"/>
+                <a:cs typeface="Consolas" panose="020B0609020204030204" pitchFamily="49" charset="0"/>
+              </a:rPr>
               <a:t>&lt;/div&gt;</a:t>
             </a:r>
           </a:p>
@@ -18379,86 +19572,152 @@
               <a:buNone/>
             </a:pPr>
             <a:r>
-              <a:rPr lang="en-US" sz="2000" dirty="0"/>
+              <a:rPr lang="en-US" sz="2000" dirty="0">
+                <a:latin typeface="Consolas" panose="020B0609020204030204" pitchFamily="49" charset="0"/>
+                <a:cs typeface="Consolas" panose="020B0609020204030204" pitchFamily="49" charset="0"/>
+              </a:rPr>
               <a:t>&lt;!DOCTYPE html&gt;</a:t>
             </a:r>
             <a:br>
-              <a:rPr lang="en-US" sz="2000" dirty="0"/>
+              <a:rPr lang="en-US" sz="2000" dirty="0">
+                <a:latin typeface="Consolas" panose="020B0609020204030204" pitchFamily="49" charset="0"/>
+                <a:cs typeface="Consolas" panose="020B0609020204030204" pitchFamily="49" charset="0"/>
+              </a:rPr>
             </a:br>
             <a:r>
-              <a:rPr lang="en-US" sz="2000" dirty="0"/>
+              <a:rPr lang="en-US" sz="2000" dirty="0">
+                <a:latin typeface="Consolas" panose="020B0609020204030204" pitchFamily="49" charset="0"/>
+                <a:cs typeface="Consolas" panose="020B0609020204030204" pitchFamily="49" charset="0"/>
+              </a:rPr>
               <a:t>&lt;html&gt;</a:t>
             </a:r>
             <a:br>
-              <a:rPr lang="en-US" sz="2000" dirty="0"/>
+              <a:rPr lang="en-US" sz="2000" dirty="0">
+                <a:latin typeface="Consolas" panose="020B0609020204030204" pitchFamily="49" charset="0"/>
+                <a:cs typeface="Consolas" panose="020B0609020204030204" pitchFamily="49" charset="0"/>
+              </a:rPr>
             </a:br>
             <a:r>
-              <a:rPr lang="en-US" sz="2000" dirty="0"/>
+              <a:rPr lang="en-US" sz="2000" dirty="0">
+                <a:latin typeface="Consolas" panose="020B0609020204030204" pitchFamily="49" charset="0"/>
+                <a:cs typeface="Consolas" panose="020B0609020204030204" pitchFamily="49" charset="0"/>
+              </a:rPr>
               <a:t>  &lt;head&gt;</a:t>
             </a:r>
             <a:br>
-              <a:rPr lang="en-US" sz="2000" dirty="0"/>
+              <a:rPr lang="en-US" sz="2000" dirty="0">
+                <a:latin typeface="Consolas" panose="020B0609020204030204" pitchFamily="49" charset="0"/>
+                <a:cs typeface="Consolas" panose="020B0609020204030204" pitchFamily="49" charset="0"/>
+              </a:rPr>
             </a:br>
             <a:r>
-              <a:rPr lang="en-US" sz="2000" dirty="0"/>
+              <a:rPr lang="en-US" sz="2000" dirty="0">
+                <a:latin typeface="Consolas" panose="020B0609020204030204" pitchFamily="49" charset="0"/>
+                <a:cs typeface="Consolas" panose="020B0609020204030204" pitchFamily="49" charset="0"/>
+              </a:rPr>
               <a:t>    &lt;</a:t>
             </a:r>
             <a:r>
-              <a:rPr lang="en-US" sz="2000" dirty="0" smtClean="0"/>
+              <a:rPr lang="en-US" sz="2000" dirty="0" smtClean="0">
+                <a:latin typeface="Consolas" panose="020B0609020204030204" pitchFamily="49" charset="0"/>
+                <a:cs typeface="Consolas" panose="020B0609020204030204" pitchFamily="49" charset="0"/>
+              </a:rPr>
               <a:t>title&gt;My Angular 2 App&lt;/</a:t>
             </a:r>
             <a:r>
-              <a:rPr lang="en-US" sz="2000" dirty="0"/>
+              <a:rPr lang="en-US" sz="2000" dirty="0">
+                <a:latin typeface="Consolas" panose="020B0609020204030204" pitchFamily="49" charset="0"/>
+                <a:cs typeface="Consolas" panose="020B0609020204030204" pitchFamily="49" charset="0"/>
+              </a:rPr>
               <a:t>title</a:t>
             </a:r>
             <a:r>
-              <a:rPr lang="en-US" sz="2000" dirty="0" smtClean="0"/>
+              <a:rPr lang="en-US" sz="2000" dirty="0" smtClean="0">
+                <a:latin typeface="Consolas" panose="020B0609020204030204" pitchFamily="49" charset="0"/>
+                <a:cs typeface="Consolas" panose="020B0609020204030204" pitchFamily="49" charset="0"/>
+              </a:rPr>
               <a:t>&gt;</a:t>
             </a:r>
             <a:r>
-              <a:rPr lang="en-US" sz="2000" dirty="0"/>
+              <a:rPr lang="en-US" sz="2000" dirty="0">
+                <a:latin typeface="Consolas" panose="020B0609020204030204" pitchFamily="49" charset="0"/>
+                <a:cs typeface="Consolas" panose="020B0609020204030204" pitchFamily="49" charset="0"/>
+              </a:rPr>
               <a:t/>
             </a:r>
             <a:br>
-              <a:rPr lang="en-US" sz="2000" dirty="0"/>
+              <a:rPr lang="en-US" sz="2000" dirty="0">
+                <a:latin typeface="Consolas" panose="020B0609020204030204" pitchFamily="49" charset="0"/>
+                <a:cs typeface="Consolas" panose="020B0609020204030204" pitchFamily="49" charset="0"/>
+              </a:rPr>
             </a:br>
             <a:r>
-              <a:rPr lang="en-US" sz="2000" dirty="0"/>
+              <a:rPr lang="en-US" sz="2000" dirty="0">
+                <a:latin typeface="Consolas" panose="020B0609020204030204" pitchFamily="49" charset="0"/>
+                <a:cs typeface="Consolas" panose="020B0609020204030204" pitchFamily="49" charset="0"/>
+              </a:rPr>
               <a:t>    &lt;script defer </a:t>
             </a:r>
             <a:r>
-              <a:rPr lang="en-US" sz="2000" dirty="0" err="1"/>
+              <a:rPr lang="en-US" sz="2000" dirty="0" err="1">
+                <a:latin typeface="Consolas" panose="020B0609020204030204" pitchFamily="49" charset="0"/>
+                <a:cs typeface="Consolas" panose="020B0609020204030204" pitchFamily="49" charset="0"/>
+              </a:rPr>
               <a:t>src</a:t>
             </a:r>
             <a:r>
-              <a:rPr lang="en-US" sz="2000" dirty="0"/>
+              <a:rPr lang="en-US" sz="2000" dirty="0">
+                <a:latin typeface="Consolas" panose="020B0609020204030204" pitchFamily="49" charset="0"/>
+                <a:cs typeface="Consolas" panose="020B0609020204030204" pitchFamily="49" charset="0"/>
+              </a:rPr>
               <a:t>="</a:t>
             </a:r>
             <a:r>
-              <a:rPr lang="en-US" sz="2000" dirty="0" err="1"/>
+              <a:rPr lang="en-US" sz="2000" dirty="0" err="1">
+                <a:latin typeface="Consolas" panose="020B0609020204030204" pitchFamily="49" charset="0"/>
+                <a:cs typeface="Consolas" panose="020B0609020204030204" pitchFamily="49" charset="0"/>
+              </a:rPr>
               <a:t>main.dart</a:t>
             </a:r>
             <a:r>
-              <a:rPr lang="en-US" sz="2000" dirty="0"/>
+              <a:rPr lang="en-US" sz="2000" dirty="0">
+                <a:latin typeface="Consolas" panose="020B0609020204030204" pitchFamily="49" charset="0"/>
+                <a:cs typeface="Consolas" panose="020B0609020204030204" pitchFamily="49" charset="0"/>
+              </a:rPr>
               <a:t>" type="application/dart"&gt;&lt;/script&gt;</a:t>
             </a:r>
             <a:br>
-              <a:rPr lang="en-US" sz="2000" dirty="0"/>
+              <a:rPr lang="en-US" sz="2000" dirty="0">
+                <a:latin typeface="Consolas" panose="020B0609020204030204" pitchFamily="49" charset="0"/>
+                <a:cs typeface="Consolas" panose="020B0609020204030204" pitchFamily="49" charset="0"/>
+              </a:rPr>
             </a:br>
             <a:r>
-              <a:rPr lang="en-US" sz="2000" dirty="0"/>
+              <a:rPr lang="en-US" sz="2000" dirty="0">
+                <a:latin typeface="Consolas" panose="020B0609020204030204" pitchFamily="49" charset="0"/>
+                <a:cs typeface="Consolas" panose="020B0609020204030204" pitchFamily="49" charset="0"/>
+              </a:rPr>
               <a:t>    &lt;script defer </a:t>
             </a:r>
             <a:r>
-              <a:rPr lang="en-US" sz="2000" dirty="0" err="1"/>
+              <a:rPr lang="en-US" sz="2000" dirty="0" err="1">
+                <a:latin typeface="Consolas" panose="020B0609020204030204" pitchFamily="49" charset="0"/>
+                <a:cs typeface="Consolas" panose="020B0609020204030204" pitchFamily="49" charset="0"/>
+              </a:rPr>
               <a:t>src</a:t>
             </a:r>
             <a:r>
-              <a:rPr lang="en-US" sz="2000" dirty="0"/>
+              <a:rPr lang="en-US" sz="2000" dirty="0">
+                <a:latin typeface="Consolas" panose="020B0609020204030204" pitchFamily="49" charset="0"/>
+                <a:cs typeface="Consolas" panose="020B0609020204030204" pitchFamily="49" charset="0"/>
+              </a:rPr>
               <a:t>="packages/browser/dart.js"&gt;&lt;/script</a:t>
             </a:r>
             <a:r>
-              <a:rPr lang="en-US" sz="2000" dirty="0" smtClean="0"/>
+              <a:rPr lang="en-US" sz="2000" dirty="0" smtClean="0">
+                <a:latin typeface="Consolas" panose="020B0609020204030204" pitchFamily="49" charset="0"/>
+                <a:cs typeface="Consolas" panose="020B0609020204030204" pitchFamily="49" charset="0"/>
+              </a:rPr>
               <a:t>&gt;</a:t>
             </a:r>
           </a:p>
@@ -18467,15 +19726,24 @@
               <a:buNone/>
             </a:pPr>
             <a:r>
-              <a:rPr lang="en-US" sz="2000" dirty="0" smtClean="0"/>
+              <a:rPr lang="en-US" sz="2000" dirty="0" smtClean="0">
+                <a:latin typeface="Consolas" panose="020B0609020204030204" pitchFamily="49" charset="0"/>
+                <a:cs typeface="Consolas" panose="020B0609020204030204" pitchFamily="49" charset="0"/>
+              </a:rPr>
               <a:t>  </a:t>
             </a:r>
             <a:r>
-              <a:rPr lang="en-US" sz="2000" dirty="0"/>
+              <a:rPr lang="en-US" sz="2000" dirty="0">
+                <a:latin typeface="Consolas" panose="020B0609020204030204" pitchFamily="49" charset="0"/>
+                <a:cs typeface="Consolas" panose="020B0609020204030204" pitchFamily="49" charset="0"/>
+              </a:rPr>
               <a:t>&lt;/head</a:t>
             </a:r>
             <a:r>
-              <a:rPr lang="en-US" sz="2000" dirty="0" smtClean="0"/>
+              <a:rPr lang="en-US" sz="2000" dirty="0" smtClean="0">
+                <a:latin typeface="Consolas" panose="020B0609020204030204" pitchFamily="49" charset="0"/>
+                <a:cs typeface="Consolas" panose="020B0609020204030204" pitchFamily="49" charset="0"/>
+              </a:rPr>
               <a:t>&gt;</a:t>
             </a:r>
           </a:p>
@@ -18484,40 +19752,70 @@
               <a:buNone/>
             </a:pPr>
             <a:r>
-              <a:rPr lang="en-US" sz="2000" dirty="0" smtClean="0"/>
+              <a:rPr lang="en-US" sz="2000" dirty="0" smtClean="0">
+                <a:latin typeface="Consolas" panose="020B0609020204030204" pitchFamily="49" charset="0"/>
+                <a:cs typeface="Consolas" panose="020B0609020204030204" pitchFamily="49" charset="0"/>
+              </a:rPr>
               <a:t>  </a:t>
             </a:r>
             <a:r>
-              <a:rPr lang="en-US" sz="2000" dirty="0"/>
+              <a:rPr lang="en-US" sz="2000" dirty="0">
+                <a:latin typeface="Consolas" panose="020B0609020204030204" pitchFamily="49" charset="0"/>
+                <a:cs typeface="Consolas" panose="020B0609020204030204" pitchFamily="49" charset="0"/>
+              </a:rPr>
               <a:t>&lt;body&gt;</a:t>
             </a:r>
             <a:br>
-              <a:rPr lang="en-US" sz="2000" dirty="0"/>
+              <a:rPr lang="en-US" sz="2000" dirty="0">
+                <a:latin typeface="Consolas" panose="020B0609020204030204" pitchFamily="49" charset="0"/>
+                <a:cs typeface="Consolas" panose="020B0609020204030204" pitchFamily="49" charset="0"/>
+              </a:rPr>
             </a:br>
             <a:r>
-              <a:rPr lang="en-US" sz="2000" dirty="0"/>
+              <a:rPr lang="en-US" sz="2000" dirty="0">
+                <a:latin typeface="Consolas" panose="020B0609020204030204" pitchFamily="49" charset="0"/>
+                <a:cs typeface="Consolas" panose="020B0609020204030204" pitchFamily="49" charset="0"/>
+              </a:rPr>
               <a:t>    &lt;my-app&gt;</a:t>
             </a:r>
             <a:r>
-              <a:rPr lang="en-US" sz="2000" dirty="0" smtClean="0"/>
+              <a:rPr lang="en-US" sz="2000" dirty="0" smtClean="0">
+                <a:latin typeface="Consolas" panose="020B0609020204030204" pitchFamily="49" charset="0"/>
+                <a:cs typeface="Consolas" panose="020B0609020204030204" pitchFamily="49" charset="0"/>
+              </a:rPr>
               <a:t>Loading...</a:t>
             </a:r>
             <a:r>
-              <a:rPr lang="en-US" sz="2000" dirty="0"/>
+              <a:rPr lang="en-US" sz="2000" dirty="0">
+                <a:latin typeface="Consolas" panose="020B0609020204030204" pitchFamily="49" charset="0"/>
+                <a:cs typeface="Consolas" panose="020B0609020204030204" pitchFamily="49" charset="0"/>
+              </a:rPr>
               <a:t>&lt;/my-app&gt;</a:t>
             </a:r>
             <a:br>
-              <a:rPr lang="en-US" sz="2000" dirty="0"/>
+              <a:rPr lang="en-US" sz="2000" dirty="0">
+                <a:latin typeface="Consolas" panose="020B0609020204030204" pitchFamily="49" charset="0"/>
+                <a:cs typeface="Consolas" panose="020B0609020204030204" pitchFamily="49" charset="0"/>
+              </a:rPr>
             </a:br>
             <a:r>
-              <a:rPr lang="en-US" sz="2000" dirty="0"/>
+              <a:rPr lang="en-US" sz="2000" dirty="0">
+                <a:latin typeface="Consolas" panose="020B0609020204030204" pitchFamily="49" charset="0"/>
+                <a:cs typeface="Consolas" panose="020B0609020204030204" pitchFamily="49" charset="0"/>
+              </a:rPr>
               <a:t>  &lt;/body&gt;</a:t>
             </a:r>
             <a:br>
-              <a:rPr lang="en-US" sz="2000" dirty="0"/>
+              <a:rPr lang="en-US" sz="2000" dirty="0">
+                <a:latin typeface="Consolas" panose="020B0609020204030204" pitchFamily="49" charset="0"/>
+                <a:cs typeface="Consolas" panose="020B0609020204030204" pitchFamily="49" charset="0"/>
+              </a:rPr>
             </a:br>
             <a:r>
-              <a:rPr lang="en-US" sz="2000" dirty="0"/>
+              <a:rPr lang="en-US" sz="2000" dirty="0">
+                <a:latin typeface="Consolas" panose="020B0609020204030204" pitchFamily="49" charset="0"/>
+                <a:cs typeface="Consolas" panose="020B0609020204030204" pitchFamily="49" charset="0"/>
+              </a:rPr>
               <a:t>&lt;/html&gt;</a:t>
             </a:r>
           </a:p>
@@ -18904,89 +20202,158 @@
               <a:buNone/>
             </a:pPr>
             <a:r>
-              <a:rPr lang="en-US" sz="2800" b="1" dirty="0"/>
+              <a:rPr lang="en-US" sz="2800" b="1" dirty="0">
+                <a:latin typeface="Consolas" panose="020B0609020204030204" pitchFamily="49" charset="0"/>
+                <a:cs typeface="Consolas" panose="020B0609020204030204" pitchFamily="49" charset="0"/>
+              </a:rPr>
               <a:t>import </a:t>
             </a:r>
             <a:r>
-              <a:rPr lang="en-US" sz="2800" dirty="0"/>
+              <a:rPr lang="en-US" sz="2800" dirty="0">
+                <a:latin typeface="Consolas" panose="020B0609020204030204" pitchFamily="49" charset="0"/>
+                <a:cs typeface="Consolas" panose="020B0609020204030204" pitchFamily="49" charset="0"/>
+              </a:rPr>
               <a:t>'package:angular2/</a:t>
             </a:r>
             <a:r>
-              <a:rPr lang="en-US" sz="2800" dirty="0" err="1"/>
+              <a:rPr lang="en-US" sz="2800" dirty="0" err="1">
+                <a:latin typeface="Consolas" panose="020B0609020204030204" pitchFamily="49" charset="0"/>
+                <a:cs typeface="Consolas" panose="020B0609020204030204" pitchFamily="49" charset="0"/>
+              </a:rPr>
               <a:t>bootstrap.dart</a:t>
             </a:r>
             <a:r>
-              <a:rPr lang="en-US" sz="2800" dirty="0" smtClean="0"/>
+              <a:rPr lang="en-US" sz="2800" dirty="0" smtClean="0">
+                <a:latin typeface="Consolas" panose="020B0609020204030204" pitchFamily="49" charset="0"/>
+                <a:cs typeface="Consolas" panose="020B0609020204030204" pitchFamily="49" charset="0"/>
+              </a:rPr>
               <a:t>';</a:t>
             </a:r>
             <a:r>
-              <a:rPr lang="en-US" sz="2800" dirty="0"/>
+              <a:rPr lang="en-US" sz="2800" dirty="0">
+                <a:latin typeface="Consolas" panose="020B0609020204030204" pitchFamily="49" charset="0"/>
+                <a:cs typeface="Consolas" panose="020B0609020204030204" pitchFamily="49" charset="0"/>
+              </a:rPr>
               <a:t/>
             </a:r>
             <a:br>
-              <a:rPr lang="en-US" sz="2800" dirty="0"/>
+              <a:rPr lang="en-US" sz="2800" dirty="0">
+                <a:latin typeface="Consolas" panose="020B0609020204030204" pitchFamily="49" charset="0"/>
+                <a:cs typeface="Consolas" panose="020B0609020204030204" pitchFamily="49" charset="0"/>
+              </a:rPr>
             </a:br>
             <a:r>
-              <a:rPr lang="en-US" sz="2800" b="1" dirty="0"/>
+              <a:rPr lang="en-US" sz="2800" b="1" dirty="0">
+                <a:latin typeface="Consolas" panose="020B0609020204030204" pitchFamily="49" charset="0"/>
+                <a:cs typeface="Consolas" panose="020B0609020204030204" pitchFamily="49" charset="0"/>
+              </a:rPr>
               <a:t>import </a:t>
             </a:r>
             <a:r>
-              <a:rPr lang="en-US" sz="2800" dirty="0" smtClean="0"/>
+              <a:rPr lang="en-US" sz="2800" dirty="0" smtClean="0">
+                <a:latin typeface="Consolas" panose="020B0609020204030204" pitchFamily="49" charset="0"/>
+                <a:cs typeface="Consolas" panose="020B0609020204030204" pitchFamily="49" charset="0"/>
+              </a:rPr>
               <a:t>'package:untitled7/</a:t>
             </a:r>
             <a:r>
-              <a:rPr lang="en-US" sz="2800" dirty="0" err="1" smtClean="0"/>
+              <a:rPr lang="en-US" sz="2800" dirty="0" err="1" smtClean="0">
+                <a:latin typeface="Consolas" panose="020B0609020204030204" pitchFamily="49" charset="0"/>
+                <a:cs typeface="Consolas" panose="020B0609020204030204" pitchFamily="49" charset="0"/>
+              </a:rPr>
               <a:t>main_component.dart</a:t>
             </a:r>
             <a:r>
-              <a:rPr lang="en-US" sz="2800" dirty="0"/>
+              <a:rPr lang="en-US" sz="2800" dirty="0">
+                <a:latin typeface="Consolas" panose="020B0609020204030204" pitchFamily="49" charset="0"/>
+                <a:cs typeface="Consolas" panose="020B0609020204030204" pitchFamily="49" charset="0"/>
+              </a:rPr>
               <a:t>';</a:t>
             </a:r>
             <a:br>
-              <a:rPr lang="en-US" sz="2800" dirty="0"/>
+              <a:rPr lang="en-US" sz="2800" dirty="0">
+                <a:latin typeface="Consolas" panose="020B0609020204030204" pitchFamily="49" charset="0"/>
+                <a:cs typeface="Consolas" panose="020B0609020204030204" pitchFamily="49" charset="0"/>
+              </a:rPr>
             </a:br>
             <a:r>
-              <a:rPr lang="en-US" sz="2800" dirty="0"/>
+              <a:rPr lang="en-US" sz="2800" dirty="0">
+                <a:latin typeface="Consolas" panose="020B0609020204030204" pitchFamily="49" charset="0"/>
+                <a:cs typeface="Consolas" panose="020B0609020204030204" pitchFamily="49" charset="0"/>
+              </a:rPr>
               <a:t/>
             </a:r>
             <a:br>
-              <a:rPr lang="en-US" sz="2800" dirty="0"/>
+              <a:rPr lang="en-US" sz="2800" dirty="0">
+                <a:latin typeface="Consolas" panose="020B0609020204030204" pitchFamily="49" charset="0"/>
+                <a:cs typeface="Consolas" panose="020B0609020204030204" pitchFamily="49" charset="0"/>
+              </a:rPr>
             </a:br>
             <a:r>
-              <a:rPr lang="en-US" sz="2800" dirty="0"/>
+              <a:rPr lang="en-US" sz="2800" dirty="0">
+                <a:latin typeface="Consolas" panose="020B0609020204030204" pitchFamily="49" charset="0"/>
+                <a:cs typeface="Consolas" panose="020B0609020204030204" pitchFamily="49" charset="0"/>
+              </a:rPr>
               <a:t>main</a:t>
             </a:r>
             <a:r>
-              <a:rPr lang="en-US" sz="2800" dirty="0" smtClean="0"/>
+              <a:rPr lang="en-US" sz="2800" dirty="0" smtClean="0">
+                <a:latin typeface="Consolas" panose="020B0609020204030204" pitchFamily="49" charset="0"/>
+                <a:cs typeface="Consolas" panose="020B0609020204030204" pitchFamily="49" charset="0"/>
+              </a:rPr>
               <a:t>() {</a:t>
             </a:r>
             <a:br>
-              <a:rPr lang="en-US" sz="2800" dirty="0" smtClean="0"/>
+              <a:rPr lang="en-US" sz="2800" dirty="0" smtClean="0">
+                <a:latin typeface="Consolas" panose="020B0609020204030204" pitchFamily="49" charset="0"/>
+                <a:cs typeface="Consolas" panose="020B0609020204030204" pitchFamily="49" charset="0"/>
+              </a:rPr>
             </a:br>
             <a:r>
-              <a:rPr lang="en-US" sz="2800" dirty="0" smtClean="0"/>
+              <a:rPr lang="en-US" sz="2800" dirty="0" smtClean="0">
+                <a:latin typeface="Consolas" panose="020B0609020204030204" pitchFamily="49" charset="0"/>
+                <a:cs typeface="Consolas" panose="020B0609020204030204" pitchFamily="49" charset="0"/>
+              </a:rPr>
               <a:t>  bootstrap(</a:t>
             </a:r>
             <a:r>
-              <a:rPr lang="en-US" sz="2800" dirty="0" err="1" smtClean="0"/>
+              <a:rPr lang="en-US" sz="2800" dirty="0" err="1" smtClean="0">
+                <a:latin typeface="Consolas" panose="020B0609020204030204" pitchFamily="49" charset="0"/>
+                <a:cs typeface="Consolas" panose="020B0609020204030204" pitchFamily="49" charset="0"/>
+              </a:rPr>
               <a:t>MainComponent</a:t>
             </a:r>
             <a:r>
-              <a:rPr lang="en-US" sz="2800" dirty="0" smtClean="0"/>
+              <a:rPr lang="en-US" sz="2800" dirty="0" smtClean="0">
+                <a:latin typeface="Consolas" panose="020B0609020204030204" pitchFamily="49" charset="0"/>
+                <a:cs typeface="Consolas" panose="020B0609020204030204" pitchFamily="49" charset="0"/>
+              </a:rPr>
               <a:t>)</a:t>
             </a:r>
             <a:r>
-              <a:rPr lang="en-US" sz="2800" dirty="0"/>
+              <a:rPr lang="en-US" sz="2800" dirty="0">
+                <a:latin typeface="Consolas" panose="020B0609020204030204" pitchFamily="49" charset="0"/>
+                <a:cs typeface="Consolas" panose="020B0609020204030204" pitchFamily="49" charset="0"/>
+              </a:rPr>
               <a:t>;</a:t>
             </a:r>
             <a:br>
-              <a:rPr lang="en-US" sz="2800" dirty="0"/>
+              <a:rPr lang="en-US" sz="2800" dirty="0">
+                <a:latin typeface="Consolas" panose="020B0609020204030204" pitchFamily="49" charset="0"/>
+                <a:cs typeface="Consolas" panose="020B0609020204030204" pitchFamily="49" charset="0"/>
+              </a:rPr>
             </a:br>
             <a:r>
-              <a:rPr lang="en-US" sz="2800" dirty="0" smtClean="0"/>
+              <a:rPr lang="en-US" sz="2800" dirty="0" smtClean="0">
+                <a:latin typeface="Consolas" panose="020B0609020204030204" pitchFamily="49" charset="0"/>
+                <a:cs typeface="Consolas" panose="020B0609020204030204" pitchFamily="49" charset="0"/>
+              </a:rPr>
               <a:t>}</a:t>
             </a:r>
-            <a:endParaRPr lang="en-US" sz="2800" dirty="0"/>
+            <a:endParaRPr lang="en-US" sz="2800" dirty="0">
+              <a:latin typeface="Consolas" panose="020B0609020204030204" pitchFamily="49" charset="0"/>
+              <a:cs typeface="Consolas" panose="020B0609020204030204" pitchFamily="49" charset="0"/>
+            </a:endParaRPr>
           </a:p>
         </p:txBody>
       </p:sp>
@@ -19197,30 +20564,44 @@
               <a:buNone/>
             </a:pPr>
             <a:r>
-              <a:rPr lang="en-US" b="1" dirty="0"/>
+              <a:rPr lang="en-US" sz="2800" b="1" dirty="0" smtClean="0">
+                <a:latin typeface="Consolas" panose="020B0609020204030204" pitchFamily="49" charset="0"/>
+                <a:cs typeface="Consolas" panose="020B0609020204030204" pitchFamily="49" charset="0"/>
+              </a:rPr>
               <a:t>import </a:t>
             </a:r>
             <a:r>
-              <a:rPr lang="en-US" dirty="0"/>
+              <a:rPr lang="en-US" sz="2800" dirty="0" smtClean="0">
+                <a:latin typeface="Consolas" panose="020B0609020204030204" pitchFamily="49" charset="0"/>
+                <a:cs typeface="Consolas" panose="020B0609020204030204" pitchFamily="49" charset="0"/>
+              </a:rPr>
               <a:t>'package:angular2/angular2.dart';</a:t>
             </a:r>
             <a:br>
-              <a:rPr lang="en-US" dirty="0"/>
+              <a:rPr lang="en-US" sz="2800" dirty="0" smtClean="0">
+                <a:latin typeface="Consolas" panose="020B0609020204030204" pitchFamily="49" charset="0"/>
+                <a:cs typeface="Consolas" panose="020B0609020204030204" pitchFamily="49" charset="0"/>
+              </a:rPr>
             </a:br>
             <a:r>
-              <a:rPr lang="en-US" dirty="0"/>
+              <a:rPr lang="en-US" sz="2800" dirty="0" smtClean="0">
+                <a:latin typeface="Consolas" panose="020B0609020204030204" pitchFamily="49" charset="0"/>
+                <a:cs typeface="Consolas" panose="020B0609020204030204" pitchFamily="49" charset="0"/>
+              </a:rPr>
               <a:t/>
             </a:r>
             <a:br>
-              <a:rPr lang="en-US" dirty="0"/>
+              <a:rPr lang="en-US" sz="2800" dirty="0" smtClean="0">
+                <a:latin typeface="Consolas" panose="020B0609020204030204" pitchFamily="49" charset="0"/>
+                <a:cs typeface="Consolas" panose="020B0609020204030204" pitchFamily="49" charset="0"/>
+              </a:rPr>
             </a:br>
             <a:r>
-              <a:rPr lang="en-US" dirty="0"/>
-              <a:t>@Component</a:t>
-            </a:r>
-            <a:r>
-              <a:rPr lang="en-US" dirty="0" smtClean="0"/>
-              <a:t>(</a:t>
+              <a:rPr lang="en-US" sz="2800" dirty="0" smtClean="0">
+                <a:latin typeface="Consolas" panose="020B0609020204030204" pitchFamily="49" charset="0"/>
+                <a:cs typeface="Consolas" panose="020B0609020204030204" pitchFamily="49" charset="0"/>
+              </a:rPr>
+              <a:t>@Component(</a:t>
             </a:r>
           </a:p>
           <a:p>
@@ -19228,29 +20609,36 @@
               <a:buNone/>
             </a:pPr>
             <a:r>
-              <a:rPr lang="en-US" dirty="0" smtClean="0"/>
-              <a:t>  selector: </a:t>
-            </a:r>
-            <a:r>
-              <a:rPr lang="en-US" dirty="0"/>
-              <a:t>'my-app', </a:t>
-            </a:r>
-            <a:endParaRPr lang="en-US" dirty="0" smtClean="0"/>
+              <a:rPr lang="en-US" sz="2800" dirty="0" smtClean="0">
+                <a:latin typeface="Consolas" panose="020B0609020204030204" pitchFamily="49" charset="0"/>
+                <a:cs typeface="Consolas" panose="020B0609020204030204" pitchFamily="49" charset="0"/>
+              </a:rPr>
+              <a:t>  selector: 'my-app', </a:t>
+            </a:r>
           </a:p>
           <a:p>
             <a:pPr marL="0" indent="0">
               <a:buNone/>
             </a:pPr>
             <a:r>
-              <a:rPr lang="en-US" dirty="0" smtClean="0"/>
+              <a:rPr lang="en-US" sz="2800" dirty="0" smtClean="0">
+                <a:latin typeface="Consolas" panose="020B0609020204030204" pitchFamily="49" charset="0"/>
+                <a:cs typeface="Consolas" panose="020B0609020204030204" pitchFamily="49" charset="0"/>
+              </a:rPr>
               <a:t>  </a:t>
             </a:r>
             <a:r>
-              <a:rPr lang="en-US" dirty="0" err="1" smtClean="0"/>
+              <a:rPr lang="en-US" sz="2800" dirty="0" err="1" smtClean="0">
+                <a:latin typeface="Consolas" panose="020B0609020204030204" pitchFamily="49" charset="0"/>
+                <a:cs typeface="Consolas" panose="020B0609020204030204" pitchFamily="49" charset="0"/>
+              </a:rPr>
               <a:t>templateUrl</a:t>
             </a:r>
             <a:r>
-              <a:rPr lang="en-US" dirty="0" smtClean="0"/>
+              <a:rPr lang="en-US" sz="2800" dirty="0" smtClean="0">
+                <a:latin typeface="Consolas" panose="020B0609020204030204" pitchFamily="49" charset="0"/>
+                <a:cs typeface="Consolas" panose="020B0609020204030204" pitchFamily="49" charset="0"/>
+              </a:rPr>
               <a:t>: ‘main_component.html')</a:t>
             </a:r>
           </a:p>
@@ -19259,25 +20647,43 @@
               <a:buNone/>
             </a:pPr>
             <a:r>
-              <a:rPr lang="en-US" dirty="0" smtClean="0"/>
+              <a:rPr lang="en-US" sz="2800" dirty="0" smtClean="0">
+                <a:latin typeface="Consolas" panose="020B0609020204030204" pitchFamily="49" charset="0"/>
+                <a:cs typeface="Consolas" panose="020B0609020204030204" pitchFamily="49" charset="0"/>
+              </a:rPr>
               <a:t/>
             </a:r>
             <a:br>
-              <a:rPr lang="en-US" dirty="0" smtClean="0"/>
+              <a:rPr lang="en-US" sz="2800" dirty="0" smtClean="0">
+                <a:latin typeface="Consolas" panose="020B0609020204030204" pitchFamily="49" charset="0"/>
+                <a:cs typeface="Consolas" panose="020B0609020204030204" pitchFamily="49" charset="0"/>
+              </a:rPr>
             </a:br>
             <a:r>
-              <a:rPr lang="en-US" b="1" dirty="0"/>
+              <a:rPr lang="en-US" sz="2800" b="1" dirty="0" smtClean="0">
+                <a:latin typeface="Consolas" panose="020B0609020204030204" pitchFamily="49" charset="0"/>
+                <a:cs typeface="Consolas" panose="020B0609020204030204" pitchFamily="49" charset="0"/>
+              </a:rPr>
               <a:t>class </a:t>
             </a:r>
             <a:r>
-              <a:rPr lang="en-US" dirty="0" err="1" smtClean="0"/>
+              <a:rPr lang="en-US" sz="2800" dirty="0" err="1" smtClean="0">
+                <a:latin typeface="Consolas" panose="020B0609020204030204" pitchFamily="49" charset="0"/>
+                <a:cs typeface="Consolas" panose="020B0609020204030204" pitchFamily="49" charset="0"/>
+              </a:rPr>
               <a:t>MainComponent</a:t>
             </a:r>
             <a:r>
-              <a:rPr lang="en-US" dirty="0" smtClean="0"/>
+              <a:rPr lang="en-US" sz="2800" dirty="0" smtClean="0">
+                <a:latin typeface="Consolas" panose="020B0609020204030204" pitchFamily="49" charset="0"/>
+                <a:cs typeface="Consolas" panose="020B0609020204030204" pitchFamily="49" charset="0"/>
+              </a:rPr>
               <a:t> {}</a:t>
             </a:r>
-            <a:endParaRPr lang="en-US" dirty="0"/>
+            <a:endParaRPr lang="en-US" sz="2800" dirty="0">
+              <a:latin typeface="Consolas" panose="020B0609020204030204" pitchFamily="49" charset="0"/>
+              <a:cs typeface="Consolas" panose="020B0609020204030204" pitchFamily="49" charset="0"/>
+            </a:endParaRPr>
           </a:p>
         </p:txBody>
       </p:sp>
@@ -19741,15 +21147,24 @@
               <a:buNone/>
             </a:pPr>
             <a:r>
-              <a:rPr lang="en-US" dirty="0"/>
+              <a:rPr lang="en-US" dirty="0">
+                <a:latin typeface="Consolas" panose="020B0609020204030204" pitchFamily="49" charset="0"/>
+                <a:cs typeface="Consolas" panose="020B0609020204030204" pitchFamily="49" charset="0"/>
+              </a:rPr>
               <a:t>&lt;h1&gt;</a:t>
             </a:r>
             <a:r>
-              <a:rPr lang="en-US" dirty="0" smtClean="0"/>
+              <a:rPr lang="en-US" dirty="0" smtClean="0">
+                <a:latin typeface="Consolas" panose="020B0609020204030204" pitchFamily="49" charset="0"/>
+                <a:cs typeface="Consolas" panose="020B0609020204030204" pitchFamily="49" charset="0"/>
+              </a:rPr>
               <a:t>My Angular 2 App</a:t>
             </a:r>
             <a:r>
-              <a:rPr lang="en-US" dirty="0"/>
+              <a:rPr lang="en-US" dirty="0">
+                <a:latin typeface="Consolas" panose="020B0609020204030204" pitchFamily="49" charset="0"/>
+                <a:cs typeface="Consolas" panose="020B0609020204030204" pitchFamily="49" charset="0"/>
+              </a:rPr>
               <a:t>&lt;/h1&gt;</a:t>
             </a:r>
           </a:p>

--- a/Angular 2.pptx
+++ b/Angular 2.pptx
@@ -5298,10 +5298,6 @@
               </a:rPr>
               <a:t>{{}}</a:t>
             </a:r>
-            <a:endParaRPr lang="en-US" dirty="0" smtClean="0">
-              <a:latin typeface="Consolas" panose="020B0609020204030204" pitchFamily="49" charset="0"/>
-              <a:cs typeface="Consolas" panose="020B0609020204030204" pitchFamily="49" charset="0"/>
-            </a:endParaRPr>
           </a:p>
           <a:p>
             <a:r>
@@ -5963,11 +5959,7 @@
           <a:p>
             <a:r>
               <a:rPr lang="en-US" dirty="0" smtClean="0"/>
-              <a:t>{{}} </a:t>
-            </a:r>
-            <a:r>
-              <a:rPr lang="en-US" dirty="0" smtClean="0"/>
-              <a:t>Basic binding</a:t>
+              <a:t>{{}} Basic binding</a:t>
             </a:r>
             <a:endParaRPr lang="en-US" dirty="0"/>
           </a:p>
@@ -7913,19 +7905,8 @@
                 <a:latin typeface="Consolas" panose="020B0609020204030204" pitchFamily="49" charset="0"/>
                 <a:cs typeface="Consolas" panose="020B0609020204030204" pitchFamily="49" charset="0"/>
               </a:rPr>
-              <a:t> = </a:t>
-            </a:r>
-            <a:r>
-              <a:rPr lang="en-US" sz="2800" dirty="0" smtClean="0">
-                <a:latin typeface="Consolas" panose="020B0609020204030204" pitchFamily="49" charset="0"/>
-                <a:cs typeface="Consolas" panose="020B0609020204030204" pitchFamily="49" charset="0"/>
-              </a:rPr>
-              <a:t>“”;</a:t>
-            </a:r>
-            <a:endParaRPr lang="en-US" sz="2800" dirty="0" smtClean="0">
-              <a:latin typeface="Consolas" panose="020B0609020204030204" pitchFamily="49" charset="0"/>
-              <a:cs typeface="Consolas" panose="020B0609020204030204" pitchFamily="49" charset="0"/>
-            </a:endParaRPr>
+              <a:t> = “”;</a:t>
+            </a:r>
           </a:p>
           <a:p>
             <a:pPr marL="0" indent="0">
@@ -9617,19 +9598,8 @@
                 <a:latin typeface="Consolas" panose="020B0609020204030204" pitchFamily="49" charset="0"/>
                 <a:cs typeface="Consolas" panose="020B0609020204030204" pitchFamily="49" charset="0"/>
               </a:rPr>
-              <a:t>  </a:t>
-            </a:r>
-            <a:r>
-              <a:rPr lang="en-US" dirty="0" smtClean="0">
-                <a:latin typeface="Consolas" panose="020B0609020204030204" pitchFamily="49" charset="0"/>
-                <a:cs typeface="Consolas" panose="020B0609020204030204" pitchFamily="49" charset="0"/>
-              </a:rPr>
-              <a:t>{{name}}</a:t>
-            </a:r>
-            <a:endParaRPr lang="en-US" dirty="0" smtClean="0">
-              <a:latin typeface="Consolas" panose="020B0609020204030204" pitchFamily="49" charset="0"/>
-              <a:cs typeface="Consolas" panose="020B0609020204030204" pitchFamily="49" charset="0"/>
-            </a:endParaRPr>
+              <a:t>  {{name}}</a:t>
+            </a:r>
           </a:p>
           <a:p>
             <a:pPr marL="0" indent="0">
@@ -10650,7 +10620,9 @@
         </p:nvSpPr>
         <p:spPr/>
         <p:txBody>
-          <a:bodyPr/>
+          <a:bodyPr>
+            <a:normAutofit fontScale="92500"/>
+          </a:bodyPr>
           <a:lstStyle/>
           <a:p>
             <a:r>
@@ -10687,12 +10659,24 @@
           <a:p>
             <a:pPr lvl="1"/>
             <a:r>
+              <a:rPr lang="en-US" smtClean="0"/>
+              <a:t>in </a:t>
+            </a:r>
+            <a:r>
               <a:rPr lang="en-US" dirty="0" smtClean="0"/>
-              <a:t>Note: in Dart must be declared as a </a:t>
+              <a:t>Dart must be declared as a </a:t>
             </a:r>
             <a:r>
               <a:rPr lang="en-US" dirty="0" err="1" smtClean="0"/>
               <a:t>const</a:t>
+            </a:r>
+            <a:endParaRPr lang="en-US" dirty="0" smtClean="0"/>
+          </a:p>
+          <a:p>
+            <a:pPr lvl="1"/>
+            <a:r>
+              <a:rPr lang="en-US" dirty="0" smtClean="0"/>
+              <a:t>Components are extended from directives.</a:t>
             </a:r>
             <a:endParaRPr lang="en-US" dirty="0" smtClean="0"/>
           </a:p>
@@ -11214,6 +11198,91 @@
                                   </p:childTnLst>
                                 </p:cTn>
                               </p:par>
+                              <p:par>
+                                <p:cTn id="31" presetID="2" presetClass="entr" presetSubtype="4" fill="hold" grpId="0" nodeType="withEffect">
+                                  <p:stCondLst>
+                                    <p:cond delay="0"/>
+                                  </p:stCondLst>
+                                  <p:childTnLst>
+                                    <p:set>
+                                      <p:cBhvr>
+                                        <p:cTn id="32" dur="1" fill="hold">
+                                          <p:stCondLst>
+                                            <p:cond delay="0"/>
+                                          </p:stCondLst>
+                                        </p:cTn>
+                                        <p:tgtEl>
+                                          <p:spTgt spid="3">
+                                            <p:txEl>
+                                              <p:pRg st="5" end="5"/>
+                                            </p:txEl>
+                                          </p:spTgt>
+                                        </p:tgtEl>
+                                        <p:attrNameLst>
+                                          <p:attrName>style.visibility</p:attrName>
+                                        </p:attrNameLst>
+                                      </p:cBhvr>
+                                      <p:to>
+                                        <p:strVal val="visible"/>
+                                      </p:to>
+                                    </p:set>
+                                    <p:anim calcmode="lin" valueType="num">
+                                      <p:cBhvr additive="base">
+                                        <p:cTn id="33" dur="500" fill="hold"/>
+                                        <p:tgtEl>
+                                          <p:spTgt spid="3">
+                                            <p:txEl>
+                                              <p:pRg st="5" end="5"/>
+                                            </p:txEl>
+                                          </p:spTgt>
+                                        </p:tgtEl>
+                                        <p:attrNameLst>
+                                          <p:attrName>ppt_x</p:attrName>
+                                        </p:attrNameLst>
+                                      </p:cBhvr>
+                                      <p:tavLst>
+                                        <p:tav tm="0">
+                                          <p:val>
+                                            <p:strVal val="#ppt_x"/>
+                                          </p:val>
+                                        </p:tav>
+                                        <p:tav tm="100000">
+                                          <p:val>
+                                            <p:strVal val="#ppt_x"/>
+                                          </p:val>
+                                        </p:tav>
+                                      </p:tavLst>
+                                    </p:anim>
+                                    <p:anim calcmode="lin" valueType="num">
+                                      <p:cBhvr additive="base">
+                                        <p:cTn id="34" dur="500" fill="hold"/>
+                                        <p:tgtEl>
+                                          <p:spTgt spid="3">
+                                            <p:txEl>
+                                              <p:pRg st="5" end="5"/>
+                                            </p:txEl>
+                                          </p:spTgt>
+                                        </p:tgtEl>
+                                        <p:attrNameLst>
+                                          <p:attrName>ppt_y</p:attrName>
+                                        </p:attrNameLst>
+                                      </p:cBhvr>
+                                      <p:tavLst>
+                                        <p:tav tm="0">
+                                          <p:val>
+                                            <p:strVal val="1+#ppt_h/2"/>
+                                          </p:val>
+                                        </p:tav>
+                                        <p:tav tm="100000">
+                                          <p:val>
+                                            <p:strVal val="#ppt_y"/>
+                                          </p:val>
+                                        </p:tav>
+                                      </p:tavLst>
+                                    </p:anim>
+                                  </p:childTnLst>
+                                </p:cTn>
+                              </p:par>
                             </p:childTnLst>
                           </p:cTn>
                         </p:par>
@@ -11221,26 +11290,26 @@
                     </p:cTn>
                   </p:par>
                   <p:par>
-                    <p:cTn id="31" fill="hold">
+                    <p:cTn id="35" fill="hold">
                       <p:stCondLst>
                         <p:cond delay="indefinite"/>
                       </p:stCondLst>
                       <p:childTnLst>
                         <p:par>
-                          <p:cTn id="32" fill="hold">
+                          <p:cTn id="36" fill="hold">
                             <p:stCondLst>
                               <p:cond delay="0"/>
                             </p:stCondLst>
                             <p:childTnLst>
                               <p:par>
-                                <p:cTn id="33" presetID="2" presetClass="entr" presetSubtype="4" fill="hold" grpId="0" nodeType="clickEffect">
+                                <p:cTn id="37" presetID="2" presetClass="entr" presetSubtype="4" fill="hold" grpId="0" nodeType="clickEffect">
                                   <p:stCondLst>
                                     <p:cond delay="0"/>
                                   </p:stCondLst>
                                   <p:childTnLst>
                                     <p:set>
                                       <p:cBhvr>
-                                        <p:cTn id="34" dur="1" fill="hold">
+                                        <p:cTn id="38" dur="1" fill="hold">
                                           <p:stCondLst>
                                             <p:cond delay="0"/>
                                           </p:stCondLst>
@@ -11248,7 +11317,7 @@
                                         <p:tgtEl>
                                           <p:spTgt spid="3">
                                             <p:txEl>
-                                              <p:pRg st="5" end="5"/>
+                                              <p:pRg st="6" end="6"/>
                                             </p:txEl>
                                           </p:spTgt>
                                         </p:tgtEl>
@@ -11262,11 +11331,11 @@
                                     </p:set>
                                     <p:anim calcmode="lin" valueType="num">
                                       <p:cBhvr additive="base">
-                                        <p:cTn id="35" dur="500" fill="hold"/>
-                                        <p:tgtEl>
-                                          <p:spTgt spid="3">
-                                            <p:txEl>
-                                              <p:pRg st="5" end="5"/>
+                                        <p:cTn id="39" dur="500" fill="hold"/>
+                                        <p:tgtEl>
+                                          <p:spTgt spid="3">
+                                            <p:txEl>
+                                              <p:pRg st="6" end="6"/>
                                             </p:txEl>
                                           </p:spTgt>
                                         </p:tgtEl>
@@ -11289,11 +11358,11 @@
                                     </p:anim>
                                     <p:anim calcmode="lin" valueType="num">
                                       <p:cBhvr additive="base">
-                                        <p:cTn id="36" dur="500" fill="hold"/>
-                                        <p:tgtEl>
-                                          <p:spTgt spid="3">
-                                            <p:txEl>
-                                              <p:pRg st="5" end="5"/>
+                                        <p:cTn id="40" dur="500" fill="hold"/>
+                                        <p:tgtEl>
+                                          <p:spTgt spid="3">
+                                            <p:txEl>
+                                              <p:pRg st="6" end="6"/>
                                             </p:txEl>
                                           </p:spTgt>
                                         </p:tgtEl>
@@ -12234,10 +12303,6 @@
               </a:rPr>
               <a:t>}}</a:t>
             </a:r>
-            <a:endParaRPr lang="en-US" dirty="0" smtClean="0">
-              <a:latin typeface="Consolas" panose="020B0609020204030204" pitchFamily="49" charset="0"/>
-              <a:cs typeface="Consolas" panose="020B0609020204030204" pitchFamily="49" charset="0"/>
-            </a:endParaRPr>
           </a:p>
           <a:p>
             <a:pPr marL="0" indent="0">
@@ -18703,35 +18768,7 @@
                 <a:latin typeface="Consolas" panose="020B0609020204030204" pitchFamily="49" charset="0"/>
                 <a:cs typeface="Consolas" panose="020B0609020204030204" pitchFamily="49" charset="0"/>
               </a:rPr>
-              <a:t>  </a:t>
-            </a:r>
-            <a:r>
-              <a:rPr lang="en-US" dirty="0" smtClean="0">
-                <a:latin typeface="Consolas" panose="020B0609020204030204" pitchFamily="49" charset="0"/>
-                <a:cs typeface="Consolas" panose="020B0609020204030204" pitchFamily="49" charset="0"/>
-              </a:rPr>
-              <a:t>{{data</a:t>
-            </a:r>
-            <a:r>
-              <a:rPr lang="en-US" dirty="0" smtClean="0">
-                <a:latin typeface="Consolas" panose="020B0609020204030204" pitchFamily="49" charset="0"/>
-                <a:cs typeface="Consolas" panose="020B0609020204030204" pitchFamily="49" charset="0"/>
-              </a:rPr>
-              <a:t>['name</a:t>
-            </a:r>
-            <a:r>
-              <a:rPr lang="en-US" dirty="0" smtClean="0">
-                <a:latin typeface="Consolas" panose="020B0609020204030204" pitchFamily="49" charset="0"/>
-                <a:cs typeface="Consolas" panose="020B0609020204030204" pitchFamily="49" charset="0"/>
-              </a:rPr>
-              <a:t>']}}</a:t>
-            </a:r>
-            <a:r>
-              <a:rPr lang="en-US" dirty="0" smtClean="0">
-                <a:latin typeface="Consolas" panose="020B0609020204030204" pitchFamily="49" charset="0"/>
-                <a:cs typeface="Consolas" panose="020B0609020204030204" pitchFamily="49" charset="0"/>
-              </a:rPr>
-              <a:t/>
+              <a:t>  {{data['name']}}</a:t>
             </a:r>
             <a:br>
               <a:rPr lang="en-US" dirty="0" smtClean="0">

--- a/Angular 2.pptx
+++ b/Angular 2.pptx
@@ -7,14 +7,14 @@
   <p:sldIdLst>
     <p:sldId id="256" r:id="rId2"/>
     <p:sldId id="257" r:id="rId3"/>
-    <p:sldId id="258" r:id="rId4"/>
-    <p:sldId id="259" r:id="rId5"/>
-    <p:sldId id="260" r:id="rId6"/>
-    <p:sldId id="261" r:id="rId7"/>
-    <p:sldId id="262" r:id="rId8"/>
-    <p:sldId id="264" r:id="rId9"/>
-    <p:sldId id="265" r:id="rId10"/>
-    <p:sldId id="263" r:id="rId11"/>
+    <p:sldId id="264" r:id="rId4"/>
+    <p:sldId id="265" r:id="rId5"/>
+    <p:sldId id="263" r:id="rId6"/>
+    <p:sldId id="258" r:id="rId7"/>
+    <p:sldId id="259" r:id="rId8"/>
+    <p:sldId id="260" r:id="rId9"/>
+    <p:sldId id="261" r:id="rId10"/>
+    <p:sldId id="262" r:id="rId11"/>
     <p:sldId id="266" r:id="rId12"/>
     <p:sldId id="267" r:id="rId13"/>
     <p:sldId id="268" r:id="rId14"/>
@@ -269,7 +269,7 @@
           <a:p>
             <a:fld id="{F7BFD602-E309-4735-B4AA-C1F3066C97D9}" type="datetimeFigureOut">
               <a:rPr lang="en-US" smtClean="0"/>
-              <a:t>3/28/2016</a:t>
+              <a:t>3/30/2016</a:t>
             </a:fld>
             <a:endParaRPr lang="en-US"/>
           </a:p>
@@ -582,7 +582,7 @@
           <a:p>
             <a:fld id="{F7BFD602-E309-4735-B4AA-C1F3066C97D9}" type="datetimeFigureOut">
               <a:rPr lang="en-US" smtClean="0"/>
-              <a:t>3/28/2016</a:t>
+              <a:t>3/30/2016</a:t>
             </a:fld>
             <a:endParaRPr lang="en-US"/>
           </a:p>
@@ -767,7 +767,7 @@
           <a:p>
             <a:fld id="{F7BFD602-E309-4735-B4AA-C1F3066C97D9}" type="datetimeFigureOut">
               <a:rPr lang="en-US" smtClean="0"/>
-              <a:t>3/28/2016</a:t>
+              <a:t>3/30/2016</a:t>
             </a:fld>
             <a:endParaRPr lang="en-US"/>
           </a:p>
@@ -942,7 +942,7 @@
           <a:p>
             <a:fld id="{F7BFD602-E309-4735-B4AA-C1F3066C97D9}" type="datetimeFigureOut">
               <a:rPr lang="en-US" smtClean="0"/>
-              <a:t>3/28/2016</a:t>
+              <a:t>3/30/2016</a:t>
             </a:fld>
             <a:endParaRPr lang="en-US"/>
           </a:p>
@@ -1210,7 +1210,7 @@
           <a:p>
             <a:fld id="{F7BFD602-E309-4735-B4AA-C1F3066C97D9}" type="datetimeFigureOut">
               <a:rPr lang="en-US" smtClean="0"/>
-              <a:t>3/28/2016</a:t>
+              <a:t>3/30/2016</a:t>
             </a:fld>
             <a:endParaRPr lang="en-US"/>
           </a:p>
@@ -1678,7 +1678,7 @@
           <a:p>
             <a:fld id="{F7BFD602-E309-4735-B4AA-C1F3066C97D9}" type="datetimeFigureOut">
               <a:rPr lang="en-US" smtClean="0"/>
-              <a:t>3/28/2016</a:t>
+              <a:t>3/30/2016</a:t>
             </a:fld>
             <a:endParaRPr lang="en-US"/>
           </a:p>
@@ -2167,7 +2167,7 @@
           <a:p>
             <a:fld id="{F7BFD602-E309-4735-B4AA-C1F3066C97D9}" type="datetimeFigureOut">
               <a:rPr lang="en-US" smtClean="0"/>
-              <a:t>3/28/2016</a:t>
+              <a:t>3/30/2016</a:t>
             </a:fld>
             <a:endParaRPr lang="en-US"/>
           </a:p>
@@ -2293,7 +2293,7 @@
           <a:p>
             <a:fld id="{F7BFD602-E309-4735-B4AA-C1F3066C97D9}" type="datetimeFigureOut">
               <a:rPr lang="en-US" smtClean="0"/>
-              <a:t>3/28/2016</a:t>
+              <a:t>3/30/2016</a:t>
             </a:fld>
             <a:endParaRPr lang="en-US"/>
           </a:p>
@@ -2437,7 +2437,7 @@
           <a:p>
             <a:fld id="{F7BFD602-E309-4735-B4AA-C1F3066C97D9}" type="datetimeFigureOut">
               <a:rPr lang="en-US" smtClean="0"/>
-              <a:t>3/28/2016</a:t>
+              <a:t>3/30/2016</a:t>
             </a:fld>
             <a:endParaRPr lang="en-US"/>
           </a:p>
@@ -2759,7 +2759,7 @@
           <a:p>
             <a:fld id="{F7BFD602-E309-4735-B4AA-C1F3066C97D9}" type="datetimeFigureOut">
               <a:rPr lang="en-US" smtClean="0"/>
-              <a:t>3/28/2016</a:t>
+              <a:t>3/30/2016</a:t>
             </a:fld>
             <a:endParaRPr lang="en-US"/>
           </a:p>
@@ -2893,7 +2893,7 @@
           <a:p>
             <a:fld id="{F7BFD602-E309-4735-B4AA-C1F3066C97D9}" type="datetimeFigureOut">
               <a:rPr lang="en-US" smtClean="0"/>
-              <a:t>3/28/2016</a:t>
+              <a:t>3/30/2016</a:t>
             </a:fld>
             <a:endParaRPr lang="en-US"/>
           </a:p>
@@ -3674,7 +3674,7 @@
           <a:p>
             <a:fld id="{F7BFD602-E309-4735-B4AA-C1F3066C97D9}" type="datetimeFigureOut">
               <a:rPr lang="en-US" smtClean="0"/>
-              <a:t>3/28/2016</a:t>
+              <a:t>3/30/2016</a:t>
             </a:fld>
             <a:endParaRPr lang="en-US"/>
           </a:p>
@@ -4398,12 +4398,8 @@
           <a:lstStyle/>
           <a:p>
             <a:r>
-              <a:rPr lang="en-US" dirty="0" err="1"/>
-              <a:t>p</a:t>
-            </a:r>
-            <a:r>
-              <a:rPr lang="en-US" dirty="0" err="1" smtClean="0"/>
-              <a:t>ubspec.yaml</a:t>
+              <a:rPr lang="en-US" dirty="0" smtClean="0"/>
+              <a:t>main_component.html</a:t>
             </a:r>
             <a:endParaRPr lang="en-US" dirty="0"/>
           </a:p>
@@ -4421,457 +4417,40 @@
         </p:nvSpPr>
         <p:spPr/>
         <p:txBody>
-          <a:bodyPr>
-            <a:normAutofit fontScale="62500" lnSpcReduction="20000"/>
-          </a:bodyPr>
+          <a:bodyPr/>
           <a:lstStyle/>
           <a:p>
             <a:pPr marL="0" indent="0">
               <a:buNone/>
             </a:pPr>
             <a:r>
-              <a:rPr lang="en-US" b="1" dirty="0">
-                <a:latin typeface="Consolas" panose="020B0609020204030204" pitchFamily="49" charset="0"/>
-                <a:cs typeface="Consolas" panose="020B0609020204030204" pitchFamily="49" charset="0"/>
-              </a:rPr>
-              <a:t>name: </a:t>
+              <a:rPr lang="en-US" dirty="0">
+                <a:latin typeface="Consolas" panose="020B0609020204030204" pitchFamily="49" charset="0"/>
+                <a:cs typeface="Consolas" panose="020B0609020204030204" pitchFamily="49" charset="0"/>
+              </a:rPr>
+              <a:t>&lt;h1&gt;</a:t>
             </a:r>
             <a:r>
               <a:rPr lang="en-US" dirty="0" smtClean="0">
                 <a:latin typeface="Consolas" panose="020B0609020204030204" pitchFamily="49" charset="0"/>
                 <a:cs typeface="Consolas" panose="020B0609020204030204" pitchFamily="49" charset="0"/>
               </a:rPr>
-              <a:t>angular2_presenation</a:t>
-            </a:r>
-            <a:br>
-              <a:rPr lang="en-US" dirty="0" smtClean="0">
-                <a:latin typeface="Consolas" panose="020B0609020204030204" pitchFamily="49" charset="0"/>
-                <a:cs typeface="Consolas" panose="020B0609020204030204" pitchFamily="49" charset="0"/>
-              </a:rPr>
-            </a:br>
-            <a:r>
-              <a:rPr lang="en-US" b="1" dirty="0">
-                <a:latin typeface="Consolas" panose="020B0609020204030204" pitchFamily="49" charset="0"/>
-                <a:cs typeface="Consolas" panose="020B0609020204030204" pitchFamily="49" charset="0"/>
-              </a:rPr>
-              <a:t>description: </a:t>
-            </a:r>
-            <a:r>
-              <a:rPr lang="en-US" dirty="0" smtClean="0">
-                <a:latin typeface="Consolas" panose="020B0609020204030204" pitchFamily="49" charset="0"/>
-                <a:cs typeface="Consolas" panose="020B0609020204030204" pitchFamily="49" charset="0"/>
-              </a:rPr>
-              <a:t>A Dart app that uses Angular 2</a:t>
-            </a:r>
-            <a:br>
-              <a:rPr lang="en-US" dirty="0" smtClean="0">
-                <a:latin typeface="Consolas" panose="020B0609020204030204" pitchFamily="49" charset="0"/>
-                <a:cs typeface="Consolas" panose="020B0609020204030204" pitchFamily="49" charset="0"/>
-              </a:rPr>
-            </a:br>
-            <a:r>
-              <a:rPr lang="en-US" b="1" dirty="0">
-                <a:latin typeface="Consolas" panose="020B0609020204030204" pitchFamily="49" charset="0"/>
-                <a:cs typeface="Consolas" panose="020B0609020204030204" pitchFamily="49" charset="0"/>
-              </a:rPr>
-              <a:t>version: </a:t>
-            </a:r>
-            <a:r>
-              <a:rPr lang="en-US" dirty="0" smtClean="0">
-                <a:latin typeface="Consolas" panose="020B0609020204030204" pitchFamily="49" charset="0"/>
-                <a:cs typeface="Consolas" panose="020B0609020204030204" pitchFamily="49" charset="0"/>
-              </a:rPr>
-              <a:t>0.0.1</a:t>
-            </a:r>
-            <a:br>
-              <a:rPr lang="en-US" dirty="0" smtClean="0">
-                <a:latin typeface="Consolas" panose="020B0609020204030204" pitchFamily="49" charset="0"/>
-                <a:cs typeface="Consolas" panose="020B0609020204030204" pitchFamily="49" charset="0"/>
-              </a:rPr>
-            </a:br>
-            <a:r>
-              <a:rPr lang="en-US" b="1" dirty="0">
-                <a:latin typeface="Consolas" panose="020B0609020204030204" pitchFamily="49" charset="0"/>
-                <a:cs typeface="Consolas" panose="020B0609020204030204" pitchFamily="49" charset="0"/>
-              </a:rPr>
-              <a:t>environment:</a:t>
-            </a:r>
-            <a:br>
-              <a:rPr lang="en-US" b="1" dirty="0">
-                <a:latin typeface="Consolas" panose="020B0609020204030204" pitchFamily="49" charset="0"/>
-                <a:cs typeface="Consolas" panose="020B0609020204030204" pitchFamily="49" charset="0"/>
-              </a:rPr>
-            </a:br>
-            <a:r>
-              <a:rPr lang="en-US" b="1" dirty="0">
-                <a:latin typeface="Consolas" panose="020B0609020204030204" pitchFamily="49" charset="0"/>
-                <a:cs typeface="Consolas" panose="020B0609020204030204" pitchFamily="49" charset="0"/>
-              </a:rPr>
-              <a:t>  </a:t>
-            </a:r>
-            <a:r>
-              <a:rPr lang="en-US" b="1" dirty="0" err="1">
-                <a:latin typeface="Consolas" panose="020B0609020204030204" pitchFamily="49" charset="0"/>
-                <a:cs typeface="Consolas" panose="020B0609020204030204" pitchFamily="49" charset="0"/>
-              </a:rPr>
-              <a:t>sdk</a:t>
-            </a:r>
-            <a:r>
-              <a:rPr lang="en-US" b="1" dirty="0">
-                <a:latin typeface="Consolas" panose="020B0609020204030204" pitchFamily="49" charset="0"/>
-                <a:cs typeface="Consolas" panose="020B0609020204030204" pitchFamily="49" charset="0"/>
-              </a:rPr>
-              <a:t>: </a:t>
+              <a:t>My Angular 2 App</a:t>
             </a:r>
             <a:r>
               <a:rPr lang="en-US" dirty="0">
                 <a:latin typeface="Consolas" panose="020B0609020204030204" pitchFamily="49" charset="0"/>
                 <a:cs typeface="Consolas" panose="020B0609020204030204" pitchFamily="49" charset="0"/>
               </a:rPr>
-              <a:t>'&gt;=1.13.0 &lt;2.0.0'</a:t>
-            </a:r>
-            <a:br>
-              <a:rPr lang="en-US" dirty="0">
-                <a:latin typeface="Consolas" panose="020B0609020204030204" pitchFamily="49" charset="0"/>
-                <a:cs typeface="Consolas" panose="020B0609020204030204" pitchFamily="49" charset="0"/>
-              </a:rPr>
-            </a:br>
-            <a:r>
-              <a:rPr lang="en-US" b="1" dirty="0">
-                <a:latin typeface="Consolas" panose="020B0609020204030204" pitchFamily="49" charset="0"/>
-                <a:cs typeface="Consolas" panose="020B0609020204030204" pitchFamily="49" charset="0"/>
-              </a:rPr>
-              <a:t>dependencies:</a:t>
-            </a:r>
-            <a:br>
-              <a:rPr lang="en-US" b="1" dirty="0">
-                <a:latin typeface="Consolas" panose="020B0609020204030204" pitchFamily="49" charset="0"/>
-                <a:cs typeface="Consolas" panose="020B0609020204030204" pitchFamily="49" charset="0"/>
-              </a:rPr>
-            </a:br>
-            <a:r>
-              <a:rPr lang="en-US" b="1" dirty="0">
-                <a:latin typeface="Consolas" panose="020B0609020204030204" pitchFamily="49" charset="0"/>
-                <a:cs typeface="Consolas" panose="020B0609020204030204" pitchFamily="49" charset="0"/>
-              </a:rPr>
-              <a:t>  angular2: </a:t>
-            </a:r>
-            <a:r>
-              <a:rPr lang="en-US" dirty="0" smtClean="0">
-                <a:latin typeface="Consolas" panose="020B0609020204030204" pitchFamily="49" charset="0"/>
-                <a:cs typeface="Consolas" panose="020B0609020204030204" pitchFamily="49" charset="0"/>
-              </a:rPr>
-              <a:t>2.0.0-beta.12</a:t>
-            </a:r>
-            <a:br>
-              <a:rPr lang="en-US" dirty="0" smtClean="0">
-                <a:latin typeface="Consolas" panose="020B0609020204030204" pitchFamily="49" charset="0"/>
-                <a:cs typeface="Consolas" panose="020B0609020204030204" pitchFamily="49" charset="0"/>
-              </a:rPr>
-            </a:br>
-            <a:r>
-              <a:rPr lang="en-US" dirty="0" smtClean="0">
-                <a:latin typeface="Consolas" panose="020B0609020204030204" pitchFamily="49" charset="0"/>
-                <a:cs typeface="Consolas" panose="020B0609020204030204" pitchFamily="49" charset="0"/>
-              </a:rPr>
-              <a:t>  </a:t>
-            </a:r>
-            <a:r>
-              <a:rPr lang="en-US" b="1" dirty="0">
-                <a:latin typeface="Consolas" panose="020B0609020204030204" pitchFamily="49" charset="0"/>
-                <a:cs typeface="Consolas" panose="020B0609020204030204" pitchFamily="49" charset="0"/>
-              </a:rPr>
-              <a:t>browser: </a:t>
-            </a:r>
-            <a:r>
-              <a:rPr lang="en-US" dirty="0" smtClean="0">
-                <a:latin typeface="Consolas" panose="020B0609020204030204" pitchFamily="49" charset="0"/>
-                <a:cs typeface="Consolas" panose="020B0609020204030204" pitchFamily="49" charset="0"/>
-              </a:rPr>
-              <a:t>^0.10.0</a:t>
-            </a:r>
-            <a:br>
-              <a:rPr lang="en-US" dirty="0" smtClean="0">
-                <a:latin typeface="Consolas" panose="020B0609020204030204" pitchFamily="49" charset="0"/>
-                <a:cs typeface="Consolas" panose="020B0609020204030204" pitchFamily="49" charset="0"/>
-              </a:rPr>
-            </a:br>
-            <a:r>
-              <a:rPr lang="en-US" dirty="0" smtClean="0">
-                <a:latin typeface="Consolas" panose="020B0609020204030204" pitchFamily="49" charset="0"/>
-                <a:cs typeface="Consolas" panose="020B0609020204030204" pitchFamily="49" charset="0"/>
-              </a:rPr>
-              <a:t>  </a:t>
-            </a:r>
-            <a:r>
-              <a:rPr lang="en-US" b="1" dirty="0" err="1">
-                <a:latin typeface="Consolas" panose="020B0609020204030204" pitchFamily="49" charset="0"/>
-                <a:cs typeface="Consolas" panose="020B0609020204030204" pitchFamily="49" charset="0"/>
-              </a:rPr>
-              <a:t>dart_to_js_script_rewriter</a:t>
-            </a:r>
-            <a:r>
-              <a:rPr lang="en-US" b="1" dirty="0">
-                <a:latin typeface="Consolas" panose="020B0609020204030204" pitchFamily="49" charset="0"/>
-                <a:cs typeface="Consolas" panose="020B0609020204030204" pitchFamily="49" charset="0"/>
-              </a:rPr>
-              <a:t>: </a:t>
-            </a:r>
-            <a:r>
-              <a:rPr lang="en-US" dirty="0" smtClean="0">
-                <a:latin typeface="Consolas" panose="020B0609020204030204" pitchFamily="49" charset="0"/>
-                <a:cs typeface="Consolas" panose="020B0609020204030204" pitchFamily="49" charset="0"/>
-              </a:rPr>
-              <a:t>^0.1.0</a:t>
-            </a:r>
-            <a:br>
-              <a:rPr lang="en-US" dirty="0" smtClean="0">
-                <a:latin typeface="Consolas" panose="020B0609020204030204" pitchFamily="49" charset="0"/>
-                <a:cs typeface="Consolas" panose="020B0609020204030204" pitchFamily="49" charset="0"/>
-              </a:rPr>
-            </a:br>
-            <a:r>
-              <a:rPr lang="en-US" b="1" dirty="0">
-                <a:latin typeface="Consolas" panose="020B0609020204030204" pitchFamily="49" charset="0"/>
-                <a:cs typeface="Consolas" panose="020B0609020204030204" pitchFamily="49" charset="0"/>
-              </a:rPr>
-              <a:t>transformers:</a:t>
-            </a:r>
-            <a:br>
-              <a:rPr lang="en-US" b="1" dirty="0">
-                <a:latin typeface="Consolas" panose="020B0609020204030204" pitchFamily="49" charset="0"/>
-                <a:cs typeface="Consolas" panose="020B0609020204030204" pitchFamily="49" charset="0"/>
-              </a:rPr>
-            </a:br>
-            <a:r>
-              <a:rPr lang="en-US" dirty="0" smtClean="0">
-                <a:latin typeface="Consolas" panose="020B0609020204030204" pitchFamily="49" charset="0"/>
-                <a:cs typeface="Consolas" panose="020B0609020204030204" pitchFamily="49" charset="0"/>
-              </a:rPr>
-              <a:t>- </a:t>
-            </a:r>
-            <a:r>
-              <a:rPr lang="en-US" b="1" dirty="0">
-                <a:latin typeface="Consolas" panose="020B0609020204030204" pitchFamily="49" charset="0"/>
-                <a:cs typeface="Consolas" panose="020B0609020204030204" pitchFamily="49" charset="0"/>
-              </a:rPr>
-              <a:t>angular2:</a:t>
-            </a:r>
-            <a:br>
-              <a:rPr lang="en-US" b="1" dirty="0">
-                <a:latin typeface="Consolas" panose="020B0609020204030204" pitchFamily="49" charset="0"/>
-                <a:cs typeface="Consolas" panose="020B0609020204030204" pitchFamily="49" charset="0"/>
-              </a:rPr>
-            </a:br>
-            <a:r>
-              <a:rPr lang="en-US" b="1" dirty="0">
-                <a:latin typeface="Consolas" panose="020B0609020204030204" pitchFamily="49" charset="0"/>
-                <a:cs typeface="Consolas" panose="020B0609020204030204" pitchFamily="49" charset="0"/>
-              </a:rPr>
-              <a:t>    </a:t>
-            </a:r>
-            <a:r>
-              <a:rPr lang="en-US" b="1" dirty="0" err="1">
-                <a:latin typeface="Consolas" panose="020B0609020204030204" pitchFamily="49" charset="0"/>
-                <a:cs typeface="Consolas" panose="020B0609020204030204" pitchFamily="49" charset="0"/>
-              </a:rPr>
-              <a:t>platform_directives</a:t>
-            </a:r>
-            <a:r>
-              <a:rPr lang="en-US" b="1" dirty="0">
-                <a:latin typeface="Consolas" panose="020B0609020204030204" pitchFamily="49" charset="0"/>
-                <a:cs typeface="Consolas" panose="020B0609020204030204" pitchFamily="49" charset="0"/>
-              </a:rPr>
-              <a:t>:</a:t>
-            </a:r>
-            <a:br>
-              <a:rPr lang="en-US" b="1" dirty="0">
-                <a:latin typeface="Consolas" panose="020B0609020204030204" pitchFamily="49" charset="0"/>
-                <a:cs typeface="Consolas" panose="020B0609020204030204" pitchFamily="49" charset="0"/>
-              </a:rPr>
-            </a:br>
-            <a:r>
-              <a:rPr lang="en-US" b="1" dirty="0">
-                <a:latin typeface="Consolas" panose="020B0609020204030204" pitchFamily="49" charset="0"/>
-                <a:cs typeface="Consolas" panose="020B0609020204030204" pitchFamily="49" charset="0"/>
-              </a:rPr>
-              <a:t>    </a:t>
-            </a:r>
-            <a:r>
-              <a:rPr lang="en-US" dirty="0" smtClean="0">
-                <a:latin typeface="Consolas" panose="020B0609020204030204" pitchFamily="49" charset="0"/>
-                <a:cs typeface="Consolas" panose="020B0609020204030204" pitchFamily="49" charset="0"/>
-              </a:rPr>
-              <a:t>- </a:t>
-            </a:r>
-            <a:r>
-              <a:rPr lang="en-US" dirty="0">
-                <a:latin typeface="Consolas" panose="020B0609020204030204" pitchFamily="49" charset="0"/>
-                <a:cs typeface="Consolas" panose="020B0609020204030204" pitchFamily="49" charset="0"/>
-              </a:rPr>
-              <a:t>'package:angular2/</a:t>
-            </a:r>
-            <a:r>
-              <a:rPr lang="en-US" dirty="0" err="1">
-                <a:latin typeface="Consolas" panose="020B0609020204030204" pitchFamily="49" charset="0"/>
-                <a:cs typeface="Consolas" panose="020B0609020204030204" pitchFamily="49" charset="0"/>
-              </a:rPr>
-              <a:t>common.dart#COMMON_DIRECTIVES</a:t>
-            </a:r>
-            <a:r>
-              <a:rPr lang="en-US" dirty="0">
-                <a:latin typeface="Consolas" panose="020B0609020204030204" pitchFamily="49" charset="0"/>
-                <a:cs typeface="Consolas" panose="020B0609020204030204" pitchFamily="49" charset="0"/>
-              </a:rPr>
-              <a:t>'</a:t>
-            </a:r>
-            <a:br>
-              <a:rPr lang="en-US" dirty="0">
-                <a:latin typeface="Consolas" panose="020B0609020204030204" pitchFamily="49" charset="0"/>
-                <a:cs typeface="Consolas" panose="020B0609020204030204" pitchFamily="49" charset="0"/>
-              </a:rPr>
-            </a:br>
-            <a:r>
-              <a:rPr lang="en-US" dirty="0">
-                <a:latin typeface="Consolas" panose="020B0609020204030204" pitchFamily="49" charset="0"/>
-                <a:cs typeface="Consolas" panose="020B0609020204030204" pitchFamily="49" charset="0"/>
-              </a:rPr>
-              <a:t>    </a:t>
-            </a:r>
-            <a:r>
-              <a:rPr lang="en-US" b="1" dirty="0" err="1">
-                <a:latin typeface="Consolas" panose="020B0609020204030204" pitchFamily="49" charset="0"/>
-                <a:cs typeface="Consolas" panose="020B0609020204030204" pitchFamily="49" charset="0"/>
-              </a:rPr>
-              <a:t>platform_pipes</a:t>
-            </a:r>
-            <a:r>
-              <a:rPr lang="en-US" b="1" dirty="0">
-                <a:latin typeface="Consolas" panose="020B0609020204030204" pitchFamily="49" charset="0"/>
-                <a:cs typeface="Consolas" panose="020B0609020204030204" pitchFamily="49" charset="0"/>
-              </a:rPr>
-              <a:t>:</a:t>
-            </a:r>
-            <a:br>
-              <a:rPr lang="en-US" b="1" dirty="0">
-                <a:latin typeface="Consolas" panose="020B0609020204030204" pitchFamily="49" charset="0"/>
-                <a:cs typeface="Consolas" panose="020B0609020204030204" pitchFamily="49" charset="0"/>
-              </a:rPr>
-            </a:br>
-            <a:r>
-              <a:rPr lang="en-US" b="1" dirty="0">
-                <a:latin typeface="Consolas" panose="020B0609020204030204" pitchFamily="49" charset="0"/>
-                <a:cs typeface="Consolas" panose="020B0609020204030204" pitchFamily="49" charset="0"/>
-              </a:rPr>
-              <a:t>    </a:t>
-            </a:r>
-            <a:r>
-              <a:rPr lang="en-US" dirty="0" smtClean="0">
-                <a:latin typeface="Consolas" panose="020B0609020204030204" pitchFamily="49" charset="0"/>
-                <a:cs typeface="Consolas" panose="020B0609020204030204" pitchFamily="49" charset="0"/>
-              </a:rPr>
-              <a:t>- </a:t>
-            </a:r>
-            <a:r>
-              <a:rPr lang="en-US" dirty="0">
-                <a:latin typeface="Consolas" panose="020B0609020204030204" pitchFamily="49" charset="0"/>
-                <a:cs typeface="Consolas" panose="020B0609020204030204" pitchFamily="49" charset="0"/>
-              </a:rPr>
-              <a:t>'package:angular2/</a:t>
-            </a:r>
-            <a:r>
-              <a:rPr lang="en-US" dirty="0" err="1">
-                <a:latin typeface="Consolas" panose="020B0609020204030204" pitchFamily="49" charset="0"/>
-                <a:cs typeface="Consolas" panose="020B0609020204030204" pitchFamily="49" charset="0"/>
-              </a:rPr>
-              <a:t>common.dart#COMMON_PIPES</a:t>
-            </a:r>
-            <a:r>
-              <a:rPr lang="en-US" dirty="0">
-                <a:latin typeface="Consolas" panose="020B0609020204030204" pitchFamily="49" charset="0"/>
-                <a:cs typeface="Consolas" panose="020B0609020204030204" pitchFamily="49" charset="0"/>
-              </a:rPr>
-              <a:t>'</a:t>
-            </a:r>
-            <a:br>
-              <a:rPr lang="en-US" dirty="0">
-                <a:latin typeface="Consolas" panose="020B0609020204030204" pitchFamily="49" charset="0"/>
-                <a:cs typeface="Consolas" panose="020B0609020204030204" pitchFamily="49" charset="0"/>
-              </a:rPr>
-            </a:br>
-            <a:r>
-              <a:rPr lang="en-US" dirty="0">
-                <a:latin typeface="Consolas" panose="020B0609020204030204" pitchFamily="49" charset="0"/>
-                <a:cs typeface="Consolas" panose="020B0609020204030204" pitchFamily="49" charset="0"/>
-              </a:rPr>
-              <a:t>    </a:t>
-            </a:r>
-            <a:r>
-              <a:rPr lang="en-US" b="1" dirty="0" err="1">
-                <a:latin typeface="Consolas" panose="020B0609020204030204" pitchFamily="49" charset="0"/>
-                <a:cs typeface="Consolas" panose="020B0609020204030204" pitchFamily="49" charset="0"/>
-              </a:rPr>
-              <a:t>entry_points</a:t>
-            </a:r>
-            <a:r>
-              <a:rPr lang="en-US" b="1" dirty="0">
-                <a:latin typeface="Consolas" panose="020B0609020204030204" pitchFamily="49" charset="0"/>
-                <a:cs typeface="Consolas" panose="020B0609020204030204" pitchFamily="49" charset="0"/>
-              </a:rPr>
-              <a:t>: </a:t>
-            </a:r>
-            <a:r>
-              <a:rPr lang="en-US" dirty="0" smtClean="0">
-                <a:latin typeface="Consolas" panose="020B0609020204030204" pitchFamily="49" charset="0"/>
-                <a:cs typeface="Consolas" panose="020B0609020204030204" pitchFamily="49" charset="0"/>
-              </a:rPr>
-              <a:t>web/</a:t>
-            </a:r>
-            <a:r>
-              <a:rPr lang="en-US" dirty="0" err="1" smtClean="0">
-                <a:latin typeface="Consolas" panose="020B0609020204030204" pitchFamily="49" charset="0"/>
-                <a:cs typeface="Consolas" panose="020B0609020204030204" pitchFamily="49" charset="0"/>
-              </a:rPr>
-              <a:t>main.dart</a:t>
-            </a:r>
-            <a:r>
-              <a:rPr lang="en-US" dirty="0" smtClean="0">
-                <a:latin typeface="Consolas" panose="020B0609020204030204" pitchFamily="49" charset="0"/>
-                <a:cs typeface="Consolas" panose="020B0609020204030204" pitchFamily="49" charset="0"/>
-              </a:rPr>
-              <a:t/>
-            </a:r>
-            <a:br>
-              <a:rPr lang="en-US" dirty="0" smtClean="0">
-                <a:latin typeface="Consolas" panose="020B0609020204030204" pitchFamily="49" charset="0"/>
-                <a:cs typeface="Consolas" panose="020B0609020204030204" pitchFamily="49" charset="0"/>
-              </a:rPr>
-            </a:br>
-            <a:r>
-              <a:rPr lang="en-US" dirty="0" smtClean="0">
-                <a:latin typeface="Consolas" panose="020B0609020204030204" pitchFamily="49" charset="0"/>
-                <a:cs typeface="Consolas" panose="020B0609020204030204" pitchFamily="49" charset="0"/>
-              </a:rPr>
-              <a:t>- </a:t>
-            </a:r>
-            <a:r>
-              <a:rPr lang="en-US" dirty="0" err="1" smtClean="0">
-                <a:latin typeface="Consolas" panose="020B0609020204030204" pitchFamily="49" charset="0"/>
-                <a:cs typeface="Consolas" panose="020B0609020204030204" pitchFamily="49" charset="0"/>
-              </a:rPr>
-              <a:t>dart_to_js_script_rewriter</a:t>
-            </a:r>
-            <a:endParaRPr lang="en-US" dirty="0">
-              <a:latin typeface="Consolas" panose="020B0609020204030204" pitchFamily="49" charset="0"/>
-              <a:cs typeface="Consolas" panose="020B0609020204030204" pitchFamily="49" charset="0"/>
-            </a:endParaRPr>
+              <a:t>&lt;/h1&gt;</a:t>
+            </a:r>
           </a:p>
         </p:txBody>
       </p:sp>
     </p:spTree>
     <p:extLst>
       <p:ext uri="{BB962C8B-B14F-4D97-AF65-F5344CB8AC3E}">
-        <p14:creationId xmlns:p14="http://schemas.microsoft.com/office/powerpoint/2010/main" val="2638259528"/>
+        <p14:creationId xmlns:p14="http://schemas.microsoft.com/office/powerpoint/2010/main" val="2968254527"/>
       </p:ext>
     </p:extLst>
   </p:cSld>
@@ -10678,7 +10257,6 @@
               <a:rPr lang="en-US" dirty="0" smtClean="0"/>
               <a:t>Components are extended from directives.</a:t>
             </a:r>
-            <a:endParaRPr lang="en-US" dirty="0" smtClean="0"/>
           </a:p>
           <a:p>
             <a:r>
@@ -19021,12 +18599,18 @@
         </p:nvSpPr>
         <p:spPr/>
         <p:txBody>
-          <a:bodyPr/>
+          <a:bodyPr>
+            <a:normAutofit/>
+          </a:bodyPr>
           <a:lstStyle/>
           <a:p>
             <a:r>
+              <a:rPr lang="en-US" dirty="0" err="1" smtClean="0"/>
+              <a:t>TypeScript</a:t>
+            </a:r>
+            <a:r>
               <a:rPr lang="en-US" dirty="0" smtClean="0"/>
-              <a:t>Basic Structure</a:t>
+              <a:t>/Bower</a:t>
             </a:r>
             <a:endParaRPr lang="en-US" dirty="0"/>
           </a:p>
@@ -19047,49 +18631,89 @@
           <a:bodyPr/>
           <a:lstStyle/>
           <a:p>
-            <a:r>
-              <a:rPr lang="en-US" dirty="0"/>
-              <a:t>i</a:t>
-            </a:r>
+            <a:pPr marL="0" indent="0">
+              <a:buNone/>
+            </a:pPr>
+            <a:r>
+              <a:rPr lang="en-US" dirty="0" smtClean="0">
+                <a:hlinkClick r:id="rId2"/>
+              </a:rPr>
+              <a:t>https://angular.io/docs/ts/latest/quickstart.html</a:t>
+            </a:r>
+            <a:endParaRPr lang="en-US" dirty="0" smtClean="0"/>
+          </a:p>
+          <a:p>
+            <a:pPr marL="0" indent="0">
+              <a:buNone/>
+            </a:pPr>
+            <a:endParaRPr lang="en-US" dirty="0" smtClean="0"/>
+          </a:p>
+          <a:p>
             <a:r>
               <a:rPr lang="en-US" dirty="0" smtClean="0"/>
-              <a:t>ndex.html</a:t>
-            </a:r>
-          </a:p>
-          <a:p>
-            <a:r>
-              <a:rPr lang="en-US" dirty="0" err="1"/>
-              <a:t>m</a:t>
+              <a:t>Install node and </a:t>
             </a:r>
             <a:r>
               <a:rPr lang="en-US" dirty="0" err="1" smtClean="0"/>
-              <a:t>ain.dart</a:t>
+              <a:t>npm</a:t>
             </a:r>
             <a:endParaRPr lang="en-US" dirty="0" smtClean="0"/>
           </a:p>
           <a:p>
             <a:r>
+              <a:rPr lang="en-US" dirty="0" smtClean="0"/>
+              <a:t>Create </a:t>
+            </a:r>
+            <a:r>
               <a:rPr lang="en-US" dirty="0" err="1" smtClean="0"/>
-              <a:t>main_component.dart</a:t>
+              <a:t>tsconfig.json</a:t>
+            </a:r>
+            <a:r>
+              <a:rPr lang="en-US" dirty="0" smtClean="0"/>
+              <a:t> </a:t>
+            </a:r>
+          </a:p>
+          <a:p>
+            <a:r>
+              <a:rPr lang="en-US" dirty="0" smtClean="0"/>
+              <a:t>Create </a:t>
+            </a:r>
+            <a:r>
+              <a:rPr lang="en-US" dirty="0" err="1" smtClean="0"/>
+              <a:t>typings.json</a:t>
             </a:r>
             <a:endParaRPr lang="en-US" dirty="0" smtClean="0"/>
           </a:p>
           <a:p>
             <a:r>
-              <a:rPr lang="en-US" dirty="0"/>
-              <a:t>m</a:t>
-            </a:r>
-            <a:r>
               <a:rPr lang="en-US" dirty="0" smtClean="0"/>
-              <a:t>ain_component.html</a:t>
-            </a:r>
+              <a:t>Create </a:t>
+            </a:r>
+            <a:r>
+              <a:rPr lang="en-US" dirty="0" err="1" smtClean="0"/>
+              <a:t>package.json</a:t>
+            </a:r>
+            <a:endParaRPr lang="en-US" dirty="0" smtClean="0"/>
+          </a:p>
+          <a:p>
+            <a:r>
+              <a:rPr lang="en-US" dirty="0" err="1" smtClean="0"/>
+              <a:t>npm</a:t>
+            </a:r>
+            <a:r>
+              <a:rPr lang="en-US" dirty="0" smtClean="0"/>
+              <a:t> install</a:t>
+            </a:r>
+          </a:p>
+          <a:p>
+            <a:endParaRPr lang="en-US" dirty="0"/>
           </a:p>
         </p:txBody>
       </p:sp>
     </p:spTree>
     <p:extLst>
       <p:ext uri="{BB962C8B-B14F-4D97-AF65-F5344CB8AC3E}">
-        <p14:creationId xmlns:p14="http://schemas.microsoft.com/office/powerpoint/2010/main" val="1651391292"/>
+        <p14:creationId xmlns:p14="http://schemas.microsoft.com/office/powerpoint/2010/main" val="2015457441"/>
       </p:ext>
     </p:extLst>
   </p:cSld>
@@ -19235,7 +18859,7 @@
                                         <p:tgtEl>
                                           <p:spTgt spid="3">
                                             <p:txEl>
-                                              <p:pRg st="1" end="1"/>
+                                              <p:pRg st="2" end="2"/>
                                             </p:txEl>
                                           </p:spTgt>
                                         </p:tgtEl>
@@ -19253,7 +18877,7 @@
                                         <p:tgtEl>
                                           <p:spTgt spid="3">
                                             <p:txEl>
-                                              <p:pRg st="1" end="1"/>
+                                              <p:pRg st="2" end="2"/>
                                             </p:txEl>
                                           </p:spTgt>
                                         </p:tgtEl>
@@ -19280,7 +18904,7 @@
                                         <p:tgtEl>
                                           <p:spTgt spid="3">
                                             <p:txEl>
-                                              <p:pRg st="1" end="1"/>
+                                              <p:pRg st="2" end="2"/>
                                             </p:txEl>
                                           </p:spTgt>
                                         </p:tgtEl>
@@ -19338,7 +18962,7 @@
                                         <p:tgtEl>
                                           <p:spTgt spid="3">
                                             <p:txEl>
-                                              <p:pRg st="2" end="2"/>
+                                              <p:pRg st="3" end="3"/>
                                             </p:txEl>
                                           </p:spTgt>
                                         </p:tgtEl>
@@ -19356,7 +18980,7 @@
                                         <p:tgtEl>
                                           <p:spTgt spid="3">
                                             <p:txEl>
-                                              <p:pRg st="2" end="2"/>
+                                              <p:pRg st="3" end="3"/>
                                             </p:txEl>
                                           </p:spTgt>
                                         </p:tgtEl>
@@ -19383,7 +19007,7 @@
                                         <p:tgtEl>
                                           <p:spTgt spid="3">
                                             <p:txEl>
-                                              <p:pRg st="2" end="2"/>
+                                              <p:pRg st="3" end="3"/>
                                             </p:txEl>
                                           </p:spTgt>
                                         </p:tgtEl>
@@ -19441,7 +19065,7 @@
                                         <p:tgtEl>
                                           <p:spTgt spid="3">
                                             <p:txEl>
-                                              <p:pRg st="3" end="3"/>
+                                              <p:pRg st="4" end="4"/>
                                             </p:txEl>
                                           </p:spTgt>
                                         </p:tgtEl>
@@ -19459,7 +19083,7 @@
                                         <p:tgtEl>
                                           <p:spTgt spid="3">
                                             <p:txEl>
-                                              <p:pRg st="3" end="3"/>
+                                              <p:pRg st="4" end="4"/>
                                             </p:txEl>
                                           </p:spTgt>
                                         </p:tgtEl>
@@ -19486,7 +19110,213 @@
                                         <p:tgtEl>
                                           <p:spTgt spid="3">
                                             <p:txEl>
-                                              <p:pRg st="3" end="3"/>
+                                              <p:pRg st="4" end="4"/>
+                                            </p:txEl>
+                                          </p:spTgt>
+                                        </p:tgtEl>
+                                        <p:attrNameLst>
+                                          <p:attrName>ppt_y</p:attrName>
+                                        </p:attrNameLst>
+                                      </p:cBhvr>
+                                      <p:tavLst>
+                                        <p:tav tm="0">
+                                          <p:val>
+                                            <p:strVal val="1+#ppt_h/2"/>
+                                          </p:val>
+                                        </p:tav>
+                                        <p:tav tm="100000">
+                                          <p:val>
+                                            <p:strVal val="#ppt_y"/>
+                                          </p:val>
+                                        </p:tav>
+                                      </p:tavLst>
+                                    </p:anim>
+                                  </p:childTnLst>
+                                </p:cTn>
+                              </p:par>
+                            </p:childTnLst>
+                          </p:cTn>
+                        </p:par>
+                      </p:childTnLst>
+                    </p:cTn>
+                  </p:par>
+                  <p:par>
+                    <p:cTn id="27" fill="hold">
+                      <p:stCondLst>
+                        <p:cond delay="indefinite"/>
+                      </p:stCondLst>
+                      <p:childTnLst>
+                        <p:par>
+                          <p:cTn id="28" fill="hold">
+                            <p:stCondLst>
+                              <p:cond delay="0"/>
+                            </p:stCondLst>
+                            <p:childTnLst>
+                              <p:par>
+                                <p:cTn id="29" presetID="2" presetClass="entr" presetSubtype="4" fill="hold" grpId="0" nodeType="clickEffect">
+                                  <p:stCondLst>
+                                    <p:cond delay="0"/>
+                                  </p:stCondLst>
+                                  <p:childTnLst>
+                                    <p:set>
+                                      <p:cBhvr>
+                                        <p:cTn id="30" dur="1" fill="hold">
+                                          <p:stCondLst>
+                                            <p:cond delay="0"/>
+                                          </p:stCondLst>
+                                        </p:cTn>
+                                        <p:tgtEl>
+                                          <p:spTgt spid="3">
+                                            <p:txEl>
+                                              <p:pRg st="5" end="5"/>
+                                            </p:txEl>
+                                          </p:spTgt>
+                                        </p:tgtEl>
+                                        <p:attrNameLst>
+                                          <p:attrName>style.visibility</p:attrName>
+                                        </p:attrNameLst>
+                                      </p:cBhvr>
+                                      <p:to>
+                                        <p:strVal val="visible"/>
+                                      </p:to>
+                                    </p:set>
+                                    <p:anim calcmode="lin" valueType="num">
+                                      <p:cBhvr additive="base">
+                                        <p:cTn id="31" dur="500" fill="hold"/>
+                                        <p:tgtEl>
+                                          <p:spTgt spid="3">
+                                            <p:txEl>
+                                              <p:pRg st="5" end="5"/>
+                                            </p:txEl>
+                                          </p:spTgt>
+                                        </p:tgtEl>
+                                        <p:attrNameLst>
+                                          <p:attrName>ppt_x</p:attrName>
+                                        </p:attrNameLst>
+                                      </p:cBhvr>
+                                      <p:tavLst>
+                                        <p:tav tm="0">
+                                          <p:val>
+                                            <p:strVal val="#ppt_x"/>
+                                          </p:val>
+                                        </p:tav>
+                                        <p:tav tm="100000">
+                                          <p:val>
+                                            <p:strVal val="#ppt_x"/>
+                                          </p:val>
+                                        </p:tav>
+                                      </p:tavLst>
+                                    </p:anim>
+                                    <p:anim calcmode="lin" valueType="num">
+                                      <p:cBhvr additive="base">
+                                        <p:cTn id="32" dur="500" fill="hold"/>
+                                        <p:tgtEl>
+                                          <p:spTgt spid="3">
+                                            <p:txEl>
+                                              <p:pRg st="5" end="5"/>
+                                            </p:txEl>
+                                          </p:spTgt>
+                                        </p:tgtEl>
+                                        <p:attrNameLst>
+                                          <p:attrName>ppt_y</p:attrName>
+                                        </p:attrNameLst>
+                                      </p:cBhvr>
+                                      <p:tavLst>
+                                        <p:tav tm="0">
+                                          <p:val>
+                                            <p:strVal val="1+#ppt_h/2"/>
+                                          </p:val>
+                                        </p:tav>
+                                        <p:tav tm="100000">
+                                          <p:val>
+                                            <p:strVal val="#ppt_y"/>
+                                          </p:val>
+                                        </p:tav>
+                                      </p:tavLst>
+                                    </p:anim>
+                                  </p:childTnLst>
+                                </p:cTn>
+                              </p:par>
+                            </p:childTnLst>
+                          </p:cTn>
+                        </p:par>
+                      </p:childTnLst>
+                    </p:cTn>
+                  </p:par>
+                  <p:par>
+                    <p:cTn id="33" fill="hold">
+                      <p:stCondLst>
+                        <p:cond delay="indefinite"/>
+                      </p:stCondLst>
+                      <p:childTnLst>
+                        <p:par>
+                          <p:cTn id="34" fill="hold">
+                            <p:stCondLst>
+                              <p:cond delay="0"/>
+                            </p:stCondLst>
+                            <p:childTnLst>
+                              <p:par>
+                                <p:cTn id="35" presetID="2" presetClass="entr" presetSubtype="4" fill="hold" grpId="0" nodeType="clickEffect">
+                                  <p:stCondLst>
+                                    <p:cond delay="0"/>
+                                  </p:stCondLst>
+                                  <p:childTnLst>
+                                    <p:set>
+                                      <p:cBhvr>
+                                        <p:cTn id="36" dur="1" fill="hold">
+                                          <p:stCondLst>
+                                            <p:cond delay="0"/>
+                                          </p:stCondLst>
+                                        </p:cTn>
+                                        <p:tgtEl>
+                                          <p:spTgt spid="3">
+                                            <p:txEl>
+                                              <p:pRg st="6" end="6"/>
+                                            </p:txEl>
+                                          </p:spTgt>
+                                        </p:tgtEl>
+                                        <p:attrNameLst>
+                                          <p:attrName>style.visibility</p:attrName>
+                                        </p:attrNameLst>
+                                      </p:cBhvr>
+                                      <p:to>
+                                        <p:strVal val="visible"/>
+                                      </p:to>
+                                    </p:set>
+                                    <p:anim calcmode="lin" valueType="num">
+                                      <p:cBhvr additive="base">
+                                        <p:cTn id="37" dur="500" fill="hold"/>
+                                        <p:tgtEl>
+                                          <p:spTgt spid="3">
+                                            <p:txEl>
+                                              <p:pRg st="6" end="6"/>
+                                            </p:txEl>
+                                          </p:spTgt>
+                                        </p:tgtEl>
+                                        <p:attrNameLst>
+                                          <p:attrName>ppt_x</p:attrName>
+                                        </p:attrNameLst>
+                                      </p:cBhvr>
+                                      <p:tavLst>
+                                        <p:tav tm="0">
+                                          <p:val>
+                                            <p:strVal val="#ppt_x"/>
+                                          </p:val>
+                                        </p:tav>
+                                        <p:tav tm="100000">
+                                          <p:val>
+                                            <p:strVal val="#ppt_x"/>
+                                          </p:val>
+                                        </p:tav>
+                                      </p:tavLst>
+                                    </p:anim>
+                                    <p:anim calcmode="lin" valueType="num">
+                                      <p:cBhvr additive="base">
+                                        <p:cTn id="38" dur="500" fill="hold"/>
+                                        <p:tgtEl>
+                                          <p:spTgt spid="3">
+                                            <p:txEl>
+                                              <p:pRg st="6" end="6"/>
                                             </p:txEl>
                                           </p:spTgt>
                                         </p:tgtEl>
@@ -19577,12 +19407,12 @@
           <a:lstStyle/>
           <a:p>
             <a:r>
-              <a:rPr lang="en-US" dirty="0"/>
-              <a:t>i</a:t>
+              <a:rPr lang="en-US" dirty="0" err="1" smtClean="0"/>
+              <a:t>Javascript</a:t>
             </a:r>
             <a:r>
               <a:rPr lang="en-US" dirty="0" smtClean="0"/>
-              <a:t>ndex.html</a:t>
+              <a:t>/Bower</a:t>
             </a:r>
             <a:endParaRPr lang="en-US" dirty="0"/>
           </a:p>
@@ -19600,268 +19430,40 @@
         </p:nvSpPr>
         <p:spPr/>
         <p:txBody>
-          <a:bodyPr>
-            <a:noAutofit/>
-          </a:bodyPr>
+          <a:bodyPr/>
           <a:lstStyle/>
           <a:p>
-            <a:pPr marL="0" indent="0">
-              <a:buNone/>
-            </a:pPr>
-            <a:r>
-              <a:rPr lang="en-US" sz="2000" dirty="0">
-                <a:latin typeface="Consolas" panose="020B0609020204030204" pitchFamily="49" charset="0"/>
-                <a:cs typeface="Consolas" panose="020B0609020204030204" pitchFamily="49" charset="0"/>
-              </a:rPr>
-              <a:t>&lt;!DOCTYPE html&gt;</a:t>
-            </a:r>
-            <a:br>
-              <a:rPr lang="en-US" sz="2000" dirty="0">
-                <a:latin typeface="Consolas" panose="020B0609020204030204" pitchFamily="49" charset="0"/>
-                <a:cs typeface="Consolas" panose="020B0609020204030204" pitchFamily="49" charset="0"/>
-              </a:rPr>
-            </a:br>
-            <a:r>
-              <a:rPr lang="en-US" sz="2000" dirty="0">
-                <a:latin typeface="Consolas" panose="020B0609020204030204" pitchFamily="49" charset="0"/>
-                <a:cs typeface="Consolas" panose="020B0609020204030204" pitchFamily="49" charset="0"/>
-              </a:rPr>
-              <a:t>&lt;html&gt;</a:t>
-            </a:r>
-            <a:br>
-              <a:rPr lang="en-US" sz="2000" dirty="0">
-                <a:latin typeface="Consolas" panose="020B0609020204030204" pitchFamily="49" charset="0"/>
-                <a:cs typeface="Consolas" panose="020B0609020204030204" pitchFamily="49" charset="0"/>
-              </a:rPr>
-            </a:br>
-            <a:r>
-              <a:rPr lang="en-US" sz="2000" dirty="0">
-                <a:latin typeface="Consolas" panose="020B0609020204030204" pitchFamily="49" charset="0"/>
-                <a:cs typeface="Consolas" panose="020B0609020204030204" pitchFamily="49" charset="0"/>
-              </a:rPr>
-              <a:t>  &lt;head&gt;</a:t>
-            </a:r>
-            <a:br>
-              <a:rPr lang="en-US" sz="2000" dirty="0">
-                <a:latin typeface="Consolas" panose="020B0609020204030204" pitchFamily="49" charset="0"/>
-                <a:cs typeface="Consolas" panose="020B0609020204030204" pitchFamily="49" charset="0"/>
-              </a:rPr>
-            </a:br>
-            <a:r>
-              <a:rPr lang="en-US" sz="2000" dirty="0">
-                <a:latin typeface="Consolas" panose="020B0609020204030204" pitchFamily="49" charset="0"/>
-                <a:cs typeface="Consolas" panose="020B0609020204030204" pitchFamily="49" charset="0"/>
-              </a:rPr>
-              <a:t>    &lt;</a:t>
-            </a:r>
-            <a:r>
-              <a:rPr lang="en-US" sz="2000" dirty="0" smtClean="0">
-                <a:latin typeface="Consolas" panose="020B0609020204030204" pitchFamily="49" charset="0"/>
-                <a:cs typeface="Consolas" panose="020B0609020204030204" pitchFamily="49" charset="0"/>
-              </a:rPr>
-              <a:t>title&gt;My Angular 2 App&lt;/</a:t>
-            </a:r>
-            <a:r>
-              <a:rPr lang="en-US" sz="2000" dirty="0">
-                <a:latin typeface="Consolas" panose="020B0609020204030204" pitchFamily="49" charset="0"/>
-                <a:cs typeface="Consolas" panose="020B0609020204030204" pitchFamily="49" charset="0"/>
-              </a:rPr>
-              <a:t>title</a:t>
-            </a:r>
-            <a:r>
-              <a:rPr lang="en-US" sz="2000" dirty="0" smtClean="0">
-                <a:latin typeface="Consolas" panose="020B0609020204030204" pitchFamily="49" charset="0"/>
-                <a:cs typeface="Consolas" panose="020B0609020204030204" pitchFamily="49" charset="0"/>
-              </a:rPr>
-              <a:t>&gt;</a:t>
-            </a:r>
-            <a:r>
-              <a:rPr lang="en-US" sz="2000" dirty="0">
-                <a:latin typeface="Consolas" panose="020B0609020204030204" pitchFamily="49" charset="0"/>
-                <a:cs typeface="Consolas" panose="020B0609020204030204" pitchFamily="49" charset="0"/>
-              </a:rPr>
-              <a:t/>
-            </a:r>
-            <a:br>
-              <a:rPr lang="en-US" sz="2000" dirty="0">
-                <a:latin typeface="Consolas" panose="020B0609020204030204" pitchFamily="49" charset="0"/>
-                <a:cs typeface="Consolas" panose="020B0609020204030204" pitchFamily="49" charset="0"/>
-              </a:rPr>
-            </a:br>
-            <a:r>
-              <a:rPr lang="en-US" sz="2000" dirty="0">
-                <a:latin typeface="Consolas" panose="020B0609020204030204" pitchFamily="49" charset="0"/>
-                <a:cs typeface="Consolas" panose="020B0609020204030204" pitchFamily="49" charset="0"/>
-              </a:rPr>
-              <a:t>    &lt;script defer </a:t>
-            </a:r>
-            <a:r>
-              <a:rPr lang="en-US" sz="2000" dirty="0" err="1">
-                <a:latin typeface="Consolas" panose="020B0609020204030204" pitchFamily="49" charset="0"/>
-                <a:cs typeface="Consolas" panose="020B0609020204030204" pitchFamily="49" charset="0"/>
-              </a:rPr>
-              <a:t>src</a:t>
-            </a:r>
-            <a:r>
-              <a:rPr lang="en-US" sz="2000" dirty="0">
-                <a:latin typeface="Consolas" panose="020B0609020204030204" pitchFamily="49" charset="0"/>
-                <a:cs typeface="Consolas" panose="020B0609020204030204" pitchFamily="49" charset="0"/>
-              </a:rPr>
-              <a:t>="</a:t>
-            </a:r>
-            <a:r>
-              <a:rPr lang="en-US" sz="2000" dirty="0" err="1">
-                <a:latin typeface="Consolas" panose="020B0609020204030204" pitchFamily="49" charset="0"/>
-                <a:cs typeface="Consolas" panose="020B0609020204030204" pitchFamily="49" charset="0"/>
-              </a:rPr>
-              <a:t>main.dart</a:t>
-            </a:r>
-            <a:r>
-              <a:rPr lang="en-US" sz="2000" dirty="0">
-                <a:latin typeface="Consolas" panose="020B0609020204030204" pitchFamily="49" charset="0"/>
-                <a:cs typeface="Consolas" panose="020B0609020204030204" pitchFamily="49" charset="0"/>
-              </a:rPr>
-              <a:t>" type="application/dart"&gt;&lt;/script&gt;</a:t>
-            </a:r>
-            <a:br>
-              <a:rPr lang="en-US" sz="2000" dirty="0">
-                <a:latin typeface="Consolas" panose="020B0609020204030204" pitchFamily="49" charset="0"/>
-                <a:cs typeface="Consolas" panose="020B0609020204030204" pitchFamily="49" charset="0"/>
-              </a:rPr>
-            </a:br>
-            <a:r>
-              <a:rPr lang="en-US" sz="2000" dirty="0">
-                <a:latin typeface="Consolas" panose="020B0609020204030204" pitchFamily="49" charset="0"/>
-                <a:cs typeface="Consolas" panose="020B0609020204030204" pitchFamily="49" charset="0"/>
-              </a:rPr>
-              <a:t>    &lt;script defer </a:t>
-            </a:r>
-            <a:r>
-              <a:rPr lang="en-US" sz="2000" dirty="0" err="1">
-                <a:latin typeface="Consolas" panose="020B0609020204030204" pitchFamily="49" charset="0"/>
-                <a:cs typeface="Consolas" panose="020B0609020204030204" pitchFamily="49" charset="0"/>
-              </a:rPr>
-              <a:t>src</a:t>
-            </a:r>
-            <a:r>
-              <a:rPr lang="en-US" sz="2000" dirty="0">
-                <a:latin typeface="Consolas" panose="020B0609020204030204" pitchFamily="49" charset="0"/>
-                <a:cs typeface="Consolas" panose="020B0609020204030204" pitchFamily="49" charset="0"/>
-              </a:rPr>
-              <a:t>="packages/browser/dart.js"&gt;&lt;/script</a:t>
-            </a:r>
-            <a:r>
-              <a:rPr lang="en-US" sz="2000" dirty="0" smtClean="0">
-                <a:latin typeface="Consolas" panose="020B0609020204030204" pitchFamily="49" charset="0"/>
-                <a:cs typeface="Consolas" panose="020B0609020204030204" pitchFamily="49" charset="0"/>
-              </a:rPr>
-              <a:t>&gt;</a:t>
-            </a:r>
-          </a:p>
-          <a:p>
-            <a:pPr marL="0" indent="0">
-              <a:buNone/>
-            </a:pPr>
-            <a:r>
-              <a:rPr lang="en-US" sz="2000" dirty="0" smtClean="0">
-                <a:latin typeface="Consolas" panose="020B0609020204030204" pitchFamily="49" charset="0"/>
-                <a:cs typeface="Consolas" panose="020B0609020204030204" pitchFamily="49" charset="0"/>
-              </a:rPr>
-              <a:t>  </a:t>
-            </a:r>
-            <a:r>
-              <a:rPr lang="en-US" sz="2000" dirty="0">
-                <a:latin typeface="Consolas" panose="020B0609020204030204" pitchFamily="49" charset="0"/>
-                <a:cs typeface="Consolas" panose="020B0609020204030204" pitchFamily="49" charset="0"/>
-              </a:rPr>
-              <a:t>&lt;/head</a:t>
-            </a:r>
-            <a:r>
-              <a:rPr lang="en-US" sz="2000" dirty="0" smtClean="0">
-                <a:latin typeface="Consolas" panose="020B0609020204030204" pitchFamily="49" charset="0"/>
-                <a:cs typeface="Consolas" panose="020B0609020204030204" pitchFamily="49" charset="0"/>
-              </a:rPr>
-              <a:t>&gt;</a:t>
-            </a:r>
-          </a:p>
-          <a:p>
-            <a:pPr marL="0" indent="0">
-              <a:buNone/>
-            </a:pPr>
-            <a:r>
-              <a:rPr lang="en-US" sz="2000" dirty="0" smtClean="0">
-                <a:latin typeface="Consolas" panose="020B0609020204030204" pitchFamily="49" charset="0"/>
-                <a:cs typeface="Consolas" panose="020B0609020204030204" pitchFamily="49" charset="0"/>
-              </a:rPr>
-              <a:t>  </a:t>
-            </a:r>
-            <a:r>
-              <a:rPr lang="en-US" sz="2000" dirty="0">
-                <a:latin typeface="Consolas" panose="020B0609020204030204" pitchFamily="49" charset="0"/>
-                <a:cs typeface="Consolas" panose="020B0609020204030204" pitchFamily="49" charset="0"/>
-              </a:rPr>
-              <a:t>&lt;body&gt;</a:t>
-            </a:r>
-            <a:br>
-              <a:rPr lang="en-US" sz="2000" dirty="0">
-                <a:latin typeface="Consolas" panose="020B0609020204030204" pitchFamily="49" charset="0"/>
-                <a:cs typeface="Consolas" panose="020B0609020204030204" pitchFamily="49" charset="0"/>
-              </a:rPr>
-            </a:br>
-            <a:r>
-              <a:rPr lang="en-US" sz="2000" dirty="0">
-                <a:latin typeface="Consolas" panose="020B0609020204030204" pitchFamily="49" charset="0"/>
-                <a:cs typeface="Consolas" panose="020B0609020204030204" pitchFamily="49" charset="0"/>
-              </a:rPr>
-              <a:t>    &lt;my-app&gt;</a:t>
-            </a:r>
-            <a:r>
-              <a:rPr lang="en-US" sz="2000" dirty="0" smtClean="0">
-                <a:latin typeface="Consolas" panose="020B0609020204030204" pitchFamily="49" charset="0"/>
-                <a:cs typeface="Consolas" panose="020B0609020204030204" pitchFamily="49" charset="0"/>
-              </a:rPr>
-              <a:t>Loading...</a:t>
-            </a:r>
-            <a:r>
-              <a:rPr lang="en-US" sz="2000" dirty="0">
-                <a:latin typeface="Consolas" panose="020B0609020204030204" pitchFamily="49" charset="0"/>
-                <a:cs typeface="Consolas" panose="020B0609020204030204" pitchFamily="49" charset="0"/>
-              </a:rPr>
-              <a:t>&lt;/my-app&gt;</a:t>
-            </a:r>
-            <a:br>
-              <a:rPr lang="en-US" sz="2000" dirty="0">
-                <a:latin typeface="Consolas" panose="020B0609020204030204" pitchFamily="49" charset="0"/>
-                <a:cs typeface="Consolas" panose="020B0609020204030204" pitchFamily="49" charset="0"/>
-              </a:rPr>
-            </a:br>
-            <a:r>
-              <a:rPr lang="en-US" sz="2000" dirty="0">
-                <a:latin typeface="Consolas" panose="020B0609020204030204" pitchFamily="49" charset="0"/>
-                <a:cs typeface="Consolas" panose="020B0609020204030204" pitchFamily="49" charset="0"/>
-              </a:rPr>
-              <a:t>  &lt;/body&gt;</a:t>
-            </a:r>
-            <a:br>
-              <a:rPr lang="en-US" sz="2000" dirty="0">
-                <a:latin typeface="Consolas" panose="020B0609020204030204" pitchFamily="49" charset="0"/>
-                <a:cs typeface="Consolas" panose="020B0609020204030204" pitchFamily="49" charset="0"/>
-              </a:rPr>
-            </a:br>
-            <a:r>
-              <a:rPr lang="en-US" sz="2000" dirty="0">
-                <a:latin typeface="Consolas" panose="020B0609020204030204" pitchFamily="49" charset="0"/>
-                <a:cs typeface="Consolas" panose="020B0609020204030204" pitchFamily="49" charset="0"/>
-              </a:rPr>
-              <a:t>&lt;/html&gt;</a:t>
-            </a:r>
+            <a:r>
+              <a:rPr lang="en-US" dirty="0" smtClean="0"/>
+              <a:t>Create </a:t>
+            </a:r>
+            <a:r>
+              <a:rPr lang="en-US" dirty="0" err="1" smtClean="0"/>
+              <a:t>package.json</a:t>
+            </a:r>
+            <a:endParaRPr lang="en-US" dirty="0" smtClean="0"/>
+          </a:p>
+          <a:p>
+            <a:r>
+              <a:rPr lang="en-US" dirty="0" err="1"/>
+              <a:t>n</a:t>
+            </a:r>
+            <a:r>
+              <a:rPr lang="en-US" dirty="0" err="1" smtClean="0"/>
+              <a:t>pm</a:t>
+            </a:r>
+            <a:r>
+              <a:rPr lang="en-US" dirty="0" smtClean="0"/>
+              <a:t> install</a:t>
+            </a:r>
+            <a:endParaRPr lang="en-US" dirty="0"/>
           </a:p>
         </p:txBody>
       </p:sp>
     </p:spTree>
     <p:extLst>
       <p:ext uri="{BB962C8B-B14F-4D97-AF65-F5344CB8AC3E}">
-        <p14:creationId xmlns:p14="http://schemas.microsoft.com/office/powerpoint/2010/main" val="2556490566"/>
+        <p14:creationId xmlns:p14="http://schemas.microsoft.com/office/powerpoint/2010/main" val="1531135193"/>
       </p:ext>
     </p:extLst>
   </p:cSld>
@@ -19889,7 +19491,7 @@
                             </p:stCondLst>
                             <p:childTnLst>
                               <p:par>
-                                <p:cTn id="5" presetID="2" presetClass="entr" presetSubtype="4" fill="hold" nodeType="clickEffect">
+                                <p:cTn id="5" presetID="2" presetClass="entr" presetSubtype="4" fill="hold" grpId="0" nodeType="clickEffect">
                                   <p:stCondLst>
                                     <p:cond delay="0"/>
                                   </p:stCondLst>
@@ -19973,15 +19575,33 @@
                                   </p:childTnLst>
                                 </p:cTn>
                               </p:par>
+                            </p:childTnLst>
+                          </p:cTn>
+                        </p:par>
+                      </p:childTnLst>
+                    </p:cTn>
+                  </p:par>
+                  <p:par>
+                    <p:cTn id="9" fill="hold">
+                      <p:stCondLst>
+                        <p:cond delay="indefinite"/>
+                      </p:stCondLst>
+                      <p:childTnLst>
+                        <p:par>
+                          <p:cTn id="10" fill="hold">
+                            <p:stCondLst>
+                              <p:cond delay="0"/>
+                            </p:stCondLst>
+                            <p:childTnLst>
                               <p:par>
-                                <p:cTn id="9" presetID="2" presetClass="entr" presetSubtype="4" fill="hold" nodeType="withEffect">
+                                <p:cTn id="11" presetID="2" presetClass="entr" presetSubtype="4" fill="hold" grpId="0" nodeType="clickEffect">
                                   <p:stCondLst>
                                     <p:cond delay="0"/>
                                   </p:stCondLst>
                                   <p:childTnLst>
                                     <p:set>
                                       <p:cBhvr>
-                                        <p:cTn id="10" dur="1" fill="hold">
+                                        <p:cTn id="12" dur="1" fill="hold">
                                           <p:stCondLst>
                                             <p:cond delay="0"/>
                                           </p:stCondLst>
@@ -20003,7 +19623,7 @@
                                     </p:set>
                                     <p:anim calcmode="lin" valueType="num">
                                       <p:cBhvr additive="base">
-                                        <p:cTn id="11" dur="500" fill="hold"/>
+                                        <p:cTn id="13" dur="500" fill="hold"/>
                                         <p:tgtEl>
                                           <p:spTgt spid="3">
                                             <p:txEl>
@@ -20030,96 +19650,11 @@
                                     </p:anim>
                                     <p:anim calcmode="lin" valueType="num">
                                       <p:cBhvr additive="base">
-                                        <p:cTn id="12" dur="500" fill="hold"/>
+                                        <p:cTn id="14" dur="500" fill="hold"/>
                                         <p:tgtEl>
                                           <p:spTgt spid="3">
                                             <p:txEl>
                                               <p:pRg st="1" end="1"/>
-                                            </p:txEl>
-                                          </p:spTgt>
-                                        </p:tgtEl>
-                                        <p:attrNameLst>
-                                          <p:attrName>ppt_y</p:attrName>
-                                        </p:attrNameLst>
-                                      </p:cBhvr>
-                                      <p:tavLst>
-                                        <p:tav tm="0">
-                                          <p:val>
-                                            <p:strVal val="1+#ppt_h/2"/>
-                                          </p:val>
-                                        </p:tav>
-                                        <p:tav tm="100000">
-                                          <p:val>
-                                            <p:strVal val="#ppt_y"/>
-                                          </p:val>
-                                        </p:tav>
-                                      </p:tavLst>
-                                    </p:anim>
-                                  </p:childTnLst>
-                                </p:cTn>
-                              </p:par>
-                              <p:par>
-                                <p:cTn id="13" presetID="2" presetClass="entr" presetSubtype="4" fill="hold" nodeType="withEffect">
-                                  <p:stCondLst>
-                                    <p:cond delay="0"/>
-                                  </p:stCondLst>
-                                  <p:childTnLst>
-                                    <p:set>
-                                      <p:cBhvr>
-                                        <p:cTn id="14" dur="1" fill="hold">
-                                          <p:stCondLst>
-                                            <p:cond delay="0"/>
-                                          </p:stCondLst>
-                                        </p:cTn>
-                                        <p:tgtEl>
-                                          <p:spTgt spid="3">
-                                            <p:txEl>
-                                              <p:pRg st="2" end="2"/>
-                                            </p:txEl>
-                                          </p:spTgt>
-                                        </p:tgtEl>
-                                        <p:attrNameLst>
-                                          <p:attrName>style.visibility</p:attrName>
-                                        </p:attrNameLst>
-                                      </p:cBhvr>
-                                      <p:to>
-                                        <p:strVal val="visible"/>
-                                      </p:to>
-                                    </p:set>
-                                    <p:anim calcmode="lin" valueType="num">
-                                      <p:cBhvr additive="base">
-                                        <p:cTn id="15" dur="500" fill="hold"/>
-                                        <p:tgtEl>
-                                          <p:spTgt spid="3">
-                                            <p:txEl>
-                                              <p:pRg st="2" end="2"/>
-                                            </p:txEl>
-                                          </p:spTgt>
-                                        </p:tgtEl>
-                                        <p:attrNameLst>
-                                          <p:attrName>ppt_x</p:attrName>
-                                        </p:attrNameLst>
-                                      </p:cBhvr>
-                                      <p:tavLst>
-                                        <p:tav tm="0">
-                                          <p:val>
-                                            <p:strVal val="#ppt_x"/>
-                                          </p:val>
-                                        </p:tav>
-                                        <p:tav tm="100000">
-                                          <p:val>
-                                            <p:strVal val="#ppt_x"/>
-                                          </p:val>
-                                        </p:tav>
-                                      </p:tavLst>
-                                    </p:anim>
-                                    <p:anim calcmode="lin" valueType="num">
-                                      <p:cBhvr additive="base">
-                                        <p:cTn id="16" dur="500" fill="hold"/>
-                                        <p:tgtEl>
-                                          <p:spTgt spid="3">
-                                            <p:txEl>
-                                              <p:pRg st="2" end="2"/>
                                             </p:txEl>
                                           </p:spTgt>
                                         </p:tgtEl>
@@ -20170,6 +19705,9 @@
         </p:cTn>
       </p:par>
     </p:tnLst>
+    <p:bldLst>
+      <p:bldP spid="3" grpId="0" build="p"/>
+    </p:bldLst>
   </p:timing>
 </p:sld>
 </file>
@@ -20208,11 +19746,11 @@
           <a:p>
             <a:r>
               <a:rPr lang="en-US" dirty="0" err="1"/>
-              <a:t>m</a:t>
+              <a:t>p</a:t>
             </a:r>
             <a:r>
               <a:rPr lang="en-US" dirty="0" err="1" smtClean="0"/>
-              <a:t>ain.dart</a:t>
+              <a:t>ubspec.yaml</a:t>
             </a:r>
             <a:endParaRPr lang="en-US" dirty="0"/>
           </a:p>
@@ -20231,7 +19769,7 @@
         <p:spPr/>
         <p:txBody>
           <a:bodyPr>
-            <a:normAutofit/>
+            <a:normAutofit fontScale="62500" lnSpcReduction="20000"/>
           </a:bodyPr>
           <a:lstStyle/>
           <a:p>
@@ -20239,155 +19777,438 @@
               <a:buNone/>
             </a:pPr>
             <a:r>
-              <a:rPr lang="en-US" sz="2800" b="1" dirty="0">
-                <a:latin typeface="Consolas" panose="020B0609020204030204" pitchFamily="49" charset="0"/>
-                <a:cs typeface="Consolas" panose="020B0609020204030204" pitchFamily="49" charset="0"/>
-              </a:rPr>
-              <a:t>import </a:t>
-            </a:r>
-            <a:r>
-              <a:rPr lang="en-US" sz="2800" dirty="0">
+              <a:rPr lang="en-US" b="1" dirty="0">
+                <a:latin typeface="Consolas" panose="020B0609020204030204" pitchFamily="49" charset="0"/>
+                <a:cs typeface="Consolas" panose="020B0609020204030204" pitchFamily="49" charset="0"/>
+              </a:rPr>
+              <a:t>name: </a:t>
+            </a:r>
+            <a:r>
+              <a:rPr lang="en-US" dirty="0" smtClean="0">
+                <a:latin typeface="Consolas" panose="020B0609020204030204" pitchFamily="49" charset="0"/>
+                <a:cs typeface="Consolas" panose="020B0609020204030204" pitchFamily="49" charset="0"/>
+              </a:rPr>
+              <a:t>angular2_presenation</a:t>
+            </a:r>
+            <a:br>
+              <a:rPr lang="en-US" dirty="0" smtClean="0">
+                <a:latin typeface="Consolas" panose="020B0609020204030204" pitchFamily="49" charset="0"/>
+                <a:cs typeface="Consolas" panose="020B0609020204030204" pitchFamily="49" charset="0"/>
+              </a:rPr>
+            </a:br>
+            <a:r>
+              <a:rPr lang="en-US" b="1" dirty="0">
+                <a:latin typeface="Consolas" panose="020B0609020204030204" pitchFamily="49" charset="0"/>
+                <a:cs typeface="Consolas" panose="020B0609020204030204" pitchFamily="49" charset="0"/>
+              </a:rPr>
+              <a:t>description: </a:t>
+            </a:r>
+            <a:r>
+              <a:rPr lang="en-US" dirty="0" smtClean="0">
+                <a:latin typeface="Consolas" panose="020B0609020204030204" pitchFamily="49" charset="0"/>
+                <a:cs typeface="Consolas" panose="020B0609020204030204" pitchFamily="49" charset="0"/>
+              </a:rPr>
+              <a:t>A Dart app that uses Angular 2</a:t>
+            </a:r>
+            <a:br>
+              <a:rPr lang="en-US" dirty="0" smtClean="0">
+                <a:latin typeface="Consolas" panose="020B0609020204030204" pitchFamily="49" charset="0"/>
+                <a:cs typeface="Consolas" panose="020B0609020204030204" pitchFamily="49" charset="0"/>
+              </a:rPr>
+            </a:br>
+            <a:r>
+              <a:rPr lang="en-US" b="1" dirty="0">
+                <a:latin typeface="Consolas" panose="020B0609020204030204" pitchFamily="49" charset="0"/>
+                <a:cs typeface="Consolas" panose="020B0609020204030204" pitchFamily="49" charset="0"/>
+              </a:rPr>
+              <a:t>version: </a:t>
+            </a:r>
+            <a:r>
+              <a:rPr lang="en-US" dirty="0" smtClean="0">
+                <a:latin typeface="Consolas" panose="020B0609020204030204" pitchFamily="49" charset="0"/>
+                <a:cs typeface="Consolas" panose="020B0609020204030204" pitchFamily="49" charset="0"/>
+              </a:rPr>
+              <a:t>0.0.1</a:t>
+            </a:r>
+            <a:br>
+              <a:rPr lang="en-US" dirty="0" smtClean="0">
+                <a:latin typeface="Consolas" panose="020B0609020204030204" pitchFamily="49" charset="0"/>
+                <a:cs typeface="Consolas" panose="020B0609020204030204" pitchFamily="49" charset="0"/>
+              </a:rPr>
+            </a:br>
+            <a:r>
+              <a:rPr lang="en-US" b="1" dirty="0">
+                <a:latin typeface="Consolas" panose="020B0609020204030204" pitchFamily="49" charset="0"/>
+                <a:cs typeface="Consolas" panose="020B0609020204030204" pitchFamily="49" charset="0"/>
+              </a:rPr>
+              <a:t>environment:</a:t>
+            </a:r>
+            <a:br>
+              <a:rPr lang="en-US" b="1" dirty="0">
+                <a:latin typeface="Consolas" panose="020B0609020204030204" pitchFamily="49" charset="0"/>
+                <a:cs typeface="Consolas" panose="020B0609020204030204" pitchFamily="49" charset="0"/>
+              </a:rPr>
+            </a:br>
+            <a:r>
+              <a:rPr lang="en-US" b="1" dirty="0">
+                <a:latin typeface="Consolas" panose="020B0609020204030204" pitchFamily="49" charset="0"/>
+                <a:cs typeface="Consolas" panose="020B0609020204030204" pitchFamily="49" charset="0"/>
+              </a:rPr>
+              <a:t>  </a:t>
+            </a:r>
+            <a:r>
+              <a:rPr lang="en-US" b="1" dirty="0" err="1">
+                <a:latin typeface="Consolas" panose="020B0609020204030204" pitchFamily="49" charset="0"/>
+                <a:cs typeface="Consolas" panose="020B0609020204030204" pitchFamily="49" charset="0"/>
+              </a:rPr>
+              <a:t>sdk</a:t>
+            </a:r>
+            <a:r>
+              <a:rPr lang="en-US" b="1" dirty="0">
+                <a:latin typeface="Consolas" panose="020B0609020204030204" pitchFamily="49" charset="0"/>
+                <a:cs typeface="Consolas" panose="020B0609020204030204" pitchFamily="49" charset="0"/>
+              </a:rPr>
+              <a:t>: </a:t>
+            </a:r>
+            <a:r>
+              <a:rPr lang="en-US" dirty="0">
+                <a:latin typeface="Consolas" panose="020B0609020204030204" pitchFamily="49" charset="0"/>
+                <a:cs typeface="Consolas" panose="020B0609020204030204" pitchFamily="49" charset="0"/>
+              </a:rPr>
+              <a:t>'&gt;=1.13.0 &lt;2.0.0'</a:t>
+            </a:r>
+            <a:br>
+              <a:rPr lang="en-US" dirty="0">
+                <a:latin typeface="Consolas" panose="020B0609020204030204" pitchFamily="49" charset="0"/>
+                <a:cs typeface="Consolas" panose="020B0609020204030204" pitchFamily="49" charset="0"/>
+              </a:rPr>
+            </a:br>
+            <a:r>
+              <a:rPr lang="en-US" b="1" dirty="0">
+                <a:latin typeface="Consolas" panose="020B0609020204030204" pitchFamily="49" charset="0"/>
+                <a:cs typeface="Consolas" panose="020B0609020204030204" pitchFamily="49" charset="0"/>
+              </a:rPr>
+              <a:t>dependencies:</a:t>
+            </a:r>
+            <a:br>
+              <a:rPr lang="en-US" b="1" dirty="0">
+                <a:latin typeface="Consolas" panose="020B0609020204030204" pitchFamily="49" charset="0"/>
+                <a:cs typeface="Consolas" panose="020B0609020204030204" pitchFamily="49" charset="0"/>
+              </a:rPr>
+            </a:br>
+            <a:r>
+              <a:rPr lang="en-US" b="1" dirty="0">
+                <a:latin typeface="Consolas" panose="020B0609020204030204" pitchFamily="49" charset="0"/>
+                <a:cs typeface="Consolas" panose="020B0609020204030204" pitchFamily="49" charset="0"/>
+              </a:rPr>
+              <a:t>  angular2: </a:t>
+            </a:r>
+            <a:r>
+              <a:rPr lang="en-US" dirty="0" smtClean="0">
+                <a:latin typeface="Consolas" panose="020B0609020204030204" pitchFamily="49" charset="0"/>
+                <a:cs typeface="Consolas" panose="020B0609020204030204" pitchFamily="49" charset="0"/>
+              </a:rPr>
+              <a:t>2.0.0-beta.12</a:t>
+            </a:r>
+            <a:br>
+              <a:rPr lang="en-US" dirty="0" smtClean="0">
+                <a:latin typeface="Consolas" panose="020B0609020204030204" pitchFamily="49" charset="0"/>
+                <a:cs typeface="Consolas" panose="020B0609020204030204" pitchFamily="49" charset="0"/>
+              </a:rPr>
+            </a:br>
+            <a:r>
+              <a:rPr lang="en-US" dirty="0" smtClean="0">
+                <a:latin typeface="Consolas" panose="020B0609020204030204" pitchFamily="49" charset="0"/>
+                <a:cs typeface="Consolas" panose="020B0609020204030204" pitchFamily="49" charset="0"/>
+              </a:rPr>
+              <a:t>  </a:t>
+            </a:r>
+            <a:r>
+              <a:rPr lang="en-US" b="1" dirty="0">
+                <a:latin typeface="Consolas" panose="020B0609020204030204" pitchFamily="49" charset="0"/>
+                <a:cs typeface="Consolas" panose="020B0609020204030204" pitchFamily="49" charset="0"/>
+              </a:rPr>
+              <a:t>browser: </a:t>
+            </a:r>
+            <a:r>
+              <a:rPr lang="en-US" dirty="0" smtClean="0">
+                <a:latin typeface="Consolas" panose="020B0609020204030204" pitchFamily="49" charset="0"/>
+                <a:cs typeface="Consolas" panose="020B0609020204030204" pitchFamily="49" charset="0"/>
+              </a:rPr>
+              <a:t>^0.10.0</a:t>
+            </a:r>
+            <a:br>
+              <a:rPr lang="en-US" dirty="0" smtClean="0">
+                <a:latin typeface="Consolas" panose="020B0609020204030204" pitchFamily="49" charset="0"/>
+                <a:cs typeface="Consolas" panose="020B0609020204030204" pitchFamily="49" charset="0"/>
+              </a:rPr>
+            </a:br>
+            <a:r>
+              <a:rPr lang="en-US" dirty="0" smtClean="0">
+                <a:latin typeface="Consolas" panose="020B0609020204030204" pitchFamily="49" charset="0"/>
+                <a:cs typeface="Consolas" panose="020B0609020204030204" pitchFamily="49" charset="0"/>
+              </a:rPr>
+              <a:t>  </a:t>
+            </a:r>
+            <a:r>
+              <a:rPr lang="en-US" b="1" dirty="0" err="1">
+                <a:latin typeface="Consolas" panose="020B0609020204030204" pitchFamily="49" charset="0"/>
+                <a:cs typeface="Consolas" panose="020B0609020204030204" pitchFamily="49" charset="0"/>
+              </a:rPr>
+              <a:t>dart_to_js_script_rewriter</a:t>
+            </a:r>
+            <a:r>
+              <a:rPr lang="en-US" b="1" dirty="0">
+                <a:latin typeface="Consolas" panose="020B0609020204030204" pitchFamily="49" charset="0"/>
+                <a:cs typeface="Consolas" panose="020B0609020204030204" pitchFamily="49" charset="0"/>
+              </a:rPr>
+              <a:t>: </a:t>
+            </a:r>
+            <a:r>
+              <a:rPr lang="en-US" dirty="0" smtClean="0">
+                <a:latin typeface="Consolas" panose="020B0609020204030204" pitchFamily="49" charset="0"/>
+                <a:cs typeface="Consolas" panose="020B0609020204030204" pitchFamily="49" charset="0"/>
+              </a:rPr>
+              <a:t>^0.1.0</a:t>
+            </a:r>
+            <a:br>
+              <a:rPr lang="en-US" dirty="0" smtClean="0">
+                <a:latin typeface="Consolas" panose="020B0609020204030204" pitchFamily="49" charset="0"/>
+                <a:cs typeface="Consolas" panose="020B0609020204030204" pitchFamily="49" charset="0"/>
+              </a:rPr>
+            </a:br>
+            <a:r>
+              <a:rPr lang="en-US" b="1" dirty="0">
+                <a:latin typeface="Consolas" panose="020B0609020204030204" pitchFamily="49" charset="0"/>
+                <a:cs typeface="Consolas" panose="020B0609020204030204" pitchFamily="49" charset="0"/>
+              </a:rPr>
+              <a:t>transformers:</a:t>
+            </a:r>
+            <a:br>
+              <a:rPr lang="en-US" b="1" dirty="0">
+                <a:latin typeface="Consolas" panose="020B0609020204030204" pitchFamily="49" charset="0"/>
+                <a:cs typeface="Consolas" panose="020B0609020204030204" pitchFamily="49" charset="0"/>
+              </a:rPr>
+            </a:br>
+            <a:r>
+              <a:rPr lang="en-US" dirty="0" smtClean="0">
+                <a:latin typeface="Consolas" panose="020B0609020204030204" pitchFamily="49" charset="0"/>
+                <a:cs typeface="Consolas" panose="020B0609020204030204" pitchFamily="49" charset="0"/>
+              </a:rPr>
+              <a:t>- </a:t>
+            </a:r>
+            <a:r>
+              <a:rPr lang="en-US" b="1" dirty="0">
+                <a:latin typeface="Consolas" panose="020B0609020204030204" pitchFamily="49" charset="0"/>
+                <a:cs typeface="Consolas" panose="020B0609020204030204" pitchFamily="49" charset="0"/>
+              </a:rPr>
+              <a:t>angular2:</a:t>
+            </a:r>
+            <a:br>
+              <a:rPr lang="en-US" b="1" dirty="0">
+                <a:latin typeface="Consolas" panose="020B0609020204030204" pitchFamily="49" charset="0"/>
+                <a:cs typeface="Consolas" panose="020B0609020204030204" pitchFamily="49" charset="0"/>
+              </a:rPr>
+            </a:br>
+            <a:r>
+              <a:rPr lang="en-US" b="1" dirty="0">
+                <a:latin typeface="Consolas" panose="020B0609020204030204" pitchFamily="49" charset="0"/>
+                <a:cs typeface="Consolas" panose="020B0609020204030204" pitchFamily="49" charset="0"/>
+              </a:rPr>
+              <a:t>    </a:t>
+            </a:r>
+            <a:r>
+              <a:rPr lang="en-US" b="1" dirty="0" err="1">
+                <a:latin typeface="Consolas" panose="020B0609020204030204" pitchFamily="49" charset="0"/>
+                <a:cs typeface="Consolas" panose="020B0609020204030204" pitchFamily="49" charset="0"/>
+              </a:rPr>
+              <a:t>platform_directives</a:t>
+            </a:r>
+            <a:r>
+              <a:rPr lang="en-US" b="1" dirty="0">
+                <a:latin typeface="Consolas" panose="020B0609020204030204" pitchFamily="49" charset="0"/>
+                <a:cs typeface="Consolas" panose="020B0609020204030204" pitchFamily="49" charset="0"/>
+              </a:rPr>
+              <a:t>:</a:t>
+            </a:r>
+            <a:br>
+              <a:rPr lang="en-US" b="1" dirty="0">
+                <a:latin typeface="Consolas" panose="020B0609020204030204" pitchFamily="49" charset="0"/>
+                <a:cs typeface="Consolas" panose="020B0609020204030204" pitchFamily="49" charset="0"/>
+              </a:rPr>
+            </a:br>
+            <a:r>
+              <a:rPr lang="en-US" b="1" dirty="0">
+                <a:latin typeface="Consolas" panose="020B0609020204030204" pitchFamily="49" charset="0"/>
+                <a:cs typeface="Consolas" panose="020B0609020204030204" pitchFamily="49" charset="0"/>
+              </a:rPr>
+              <a:t>    </a:t>
+            </a:r>
+            <a:r>
+              <a:rPr lang="en-US" dirty="0" smtClean="0">
+                <a:latin typeface="Consolas" panose="020B0609020204030204" pitchFamily="49" charset="0"/>
+                <a:cs typeface="Consolas" panose="020B0609020204030204" pitchFamily="49" charset="0"/>
+              </a:rPr>
+              <a:t>- </a:t>
+            </a:r>
+            <a:r>
+              <a:rPr lang="en-US" dirty="0">
                 <a:latin typeface="Consolas" panose="020B0609020204030204" pitchFamily="49" charset="0"/>
                 <a:cs typeface="Consolas" panose="020B0609020204030204" pitchFamily="49" charset="0"/>
               </a:rPr>
               <a:t>'package:angular2/</a:t>
             </a:r>
             <a:r>
-              <a:rPr lang="en-US" sz="2800" dirty="0" err="1">
-                <a:latin typeface="Consolas" panose="020B0609020204030204" pitchFamily="49" charset="0"/>
-                <a:cs typeface="Consolas" panose="020B0609020204030204" pitchFamily="49" charset="0"/>
-              </a:rPr>
-              <a:t>bootstrap.dart</a:t>
-            </a:r>
-            <a:r>
-              <a:rPr lang="en-US" sz="2800" dirty="0" smtClean="0">
-                <a:latin typeface="Consolas" panose="020B0609020204030204" pitchFamily="49" charset="0"/>
-                <a:cs typeface="Consolas" panose="020B0609020204030204" pitchFamily="49" charset="0"/>
-              </a:rPr>
-              <a:t>';</a:t>
-            </a:r>
-            <a:r>
-              <a:rPr lang="en-US" sz="2800" dirty="0">
+              <a:rPr lang="en-US" dirty="0" err="1">
+                <a:latin typeface="Consolas" panose="020B0609020204030204" pitchFamily="49" charset="0"/>
+                <a:cs typeface="Consolas" panose="020B0609020204030204" pitchFamily="49" charset="0"/>
+              </a:rPr>
+              <a:t>common.dart#COMMON_DIRECTIVES</a:t>
+            </a:r>
+            <a:r>
+              <a:rPr lang="en-US" dirty="0">
+                <a:latin typeface="Consolas" panose="020B0609020204030204" pitchFamily="49" charset="0"/>
+                <a:cs typeface="Consolas" panose="020B0609020204030204" pitchFamily="49" charset="0"/>
+              </a:rPr>
+              <a:t>'</a:t>
+            </a:r>
+            <a:br>
+              <a:rPr lang="en-US" dirty="0">
+                <a:latin typeface="Consolas" panose="020B0609020204030204" pitchFamily="49" charset="0"/>
+                <a:cs typeface="Consolas" panose="020B0609020204030204" pitchFamily="49" charset="0"/>
+              </a:rPr>
+            </a:br>
+            <a:r>
+              <a:rPr lang="en-US" dirty="0">
+                <a:latin typeface="Consolas" panose="020B0609020204030204" pitchFamily="49" charset="0"/>
+                <a:cs typeface="Consolas" panose="020B0609020204030204" pitchFamily="49" charset="0"/>
+              </a:rPr>
+              <a:t>    </a:t>
+            </a:r>
+            <a:r>
+              <a:rPr lang="en-US" b="1" dirty="0" err="1">
+                <a:latin typeface="Consolas" panose="020B0609020204030204" pitchFamily="49" charset="0"/>
+                <a:cs typeface="Consolas" panose="020B0609020204030204" pitchFamily="49" charset="0"/>
+              </a:rPr>
+              <a:t>platform_pipes</a:t>
+            </a:r>
+            <a:r>
+              <a:rPr lang="en-US" b="1" dirty="0">
+                <a:latin typeface="Consolas" panose="020B0609020204030204" pitchFamily="49" charset="0"/>
+                <a:cs typeface="Consolas" panose="020B0609020204030204" pitchFamily="49" charset="0"/>
+              </a:rPr>
+              <a:t>:</a:t>
+            </a:r>
+            <a:br>
+              <a:rPr lang="en-US" b="1" dirty="0">
+                <a:latin typeface="Consolas" panose="020B0609020204030204" pitchFamily="49" charset="0"/>
+                <a:cs typeface="Consolas" panose="020B0609020204030204" pitchFamily="49" charset="0"/>
+              </a:rPr>
+            </a:br>
+            <a:r>
+              <a:rPr lang="en-US" b="1" dirty="0">
+                <a:latin typeface="Consolas" panose="020B0609020204030204" pitchFamily="49" charset="0"/>
+                <a:cs typeface="Consolas" panose="020B0609020204030204" pitchFamily="49" charset="0"/>
+              </a:rPr>
+              <a:t>    </a:t>
+            </a:r>
+            <a:r>
+              <a:rPr lang="en-US" dirty="0" smtClean="0">
+                <a:latin typeface="Consolas" panose="020B0609020204030204" pitchFamily="49" charset="0"/>
+                <a:cs typeface="Consolas" panose="020B0609020204030204" pitchFamily="49" charset="0"/>
+              </a:rPr>
+              <a:t>- </a:t>
+            </a:r>
+            <a:r>
+              <a:rPr lang="en-US" dirty="0">
+                <a:latin typeface="Consolas" panose="020B0609020204030204" pitchFamily="49" charset="0"/>
+                <a:cs typeface="Consolas" panose="020B0609020204030204" pitchFamily="49" charset="0"/>
+              </a:rPr>
+              <a:t>'package:angular2/</a:t>
+            </a:r>
+            <a:r>
+              <a:rPr lang="en-US" dirty="0" err="1">
+                <a:latin typeface="Consolas" panose="020B0609020204030204" pitchFamily="49" charset="0"/>
+                <a:cs typeface="Consolas" panose="020B0609020204030204" pitchFamily="49" charset="0"/>
+              </a:rPr>
+              <a:t>common.dart#COMMON_PIPES</a:t>
+            </a:r>
+            <a:r>
+              <a:rPr lang="en-US" dirty="0">
+                <a:latin typeface="Consolas" panose="020B0609020204030204" pitchFamily="49" charset="0"/>
+                <a:cs typeface="Consolas" panose="020B0609020204030204" pitchFamily="49" charset="0"/>
+              </a:rPr>
+              <a:t>'</a:t>
+            </a:r>
+            <a:br>
+              <a:rPr lang="en-US" dirty="0">
+                <a:latin typeface="Consolas" panose="020B0609020204030204" pitchFamily="49" charset="0"/>
+                <a:cs typeface="Consolas" panose="020B0609020204030204" pitchFamily="49" charset="0"/>
+              </a:rPr>
+            </a:br>
+            <a:r>
+              <a:rPr lang="en-US" dirty="0">
+                <a:latin typeface="Consolas" panose="020B0609020204030204" pitchFamily="49" charset="0"/>
+                <a:cs typeface="Consolas" panose="020B0609020204030204" pitchFamily="49" charset="0"/>
+              </a:rPr>
+              <a:t>    </a:t>
+            </a:r>
+            <a:r>
+              <a:rPr lang="en-US" b="1" dirty="0" err="1">
+                <a:latin typeface="Consolas" panose="020B0609020204030204" pitchFamily="49" charset="0"/>
+                <a:cs typeface="Consolas" panose="020B0609020204030204" pitchFamily="49" charset="0"/>
+              </a:rPr>
+              <a:t>entry_points</a:t>
+            </a:r>
+            <a:r>
+              <a:rPr lang="en-US" b="1" dirty="0">
+                <a:latin typeface="Consolas" panose="020B0609020204030204" pitchFamily="49" charset="0"/>
+                <a:cs typeface="Consolas" panose="020B0609020204030204" pitchFamily="49" charset="0"/>
+              </a:rPr>
+              <a:t>: </a:t>
+            </a:r>
+            <a:r>
+              <a:rPr lang="en-US" dirty="0" smtClean="0">
+                <a:latin typeface="Consolas" panose="020B0609020204030204" pitchFamily="49" charset="0"/>
+                <a:cs typeface="Consolas" panose="020B0609020204030204" pitchFamily="49" charset="0"/>
+              </a:rPr>
+              <a:t>web/</a:t>
+            </a:r>
+            <a:r>
+              <a:rPr lang="en-US" dirty="0" err="1" smtClean="0">
+                <a:latin typeface="Consolas" panose="020B0609020204030204" pitchFamily="49" charset="0"/>
+                <a:cs typeface="Consolas" panose="020B0609020204030204" pitchFamily="49" charset="0"/>
+              </a:rPr>
+              <a:t>main.dart</a:t>
+            </a:r>
+            <a:r>
+              <a:rPr lang="en-US" dirty="0" smtClean="0">
                 <a:latin typeface="Consolas" panose="020B0609020204030204" pitchFamily="49" charset="0"/>
                 <a:cs typeface="Consolas" panose="020B0609020204030204" pitchFamily="49" charset="0"/>
               </a:rPr>
               <a:t/>
             </a:r>
             <a:br>
-              <a:rPr lang="en-US" sz="2800" dirty="0">
+              <a:rPr lang="en-US" dirty="0" smtClean="0">
                 <a:latin typeface="Consolas" panose="020B0609020204030204" pitchFamily="49" charset="0"/>
                 <a:cs typeface="Consolas" panose="020B0609020204030204" pitchFamily="49" charset="0"/>
               </a:rPr>
             </a:br>
             <a:r>
-              <a:rPr lang="en-US" sz="2800" b="1" dirty="0">
-                <a:latin typeface="Consolas" panose="020B0609020204030204" pitchFamily="49" charset="0"/>
-                <a:cs typeface="Consolas" panose="020B0609020204030204" pitchFamily="49" charset="0"/>
-              </a:rPr>
-              <a:t>import </a:t>
-            </a:r>
-            <a:r>
-              <a:rPr lang="en-US" sz="2800" dirty="0" smtClean="0">
-                <a:latin typeface="Consolas" panose="020B0609020204030204" pitchFamily="49" charset="0"/>
-                <a:cs typeface="Consolas" panose="020B0609020204030204" pitchFamily="49" charset="0"/>
-              </a:rPr>
-              <a:t>'package:untitled7/</a:t>
-            </a:r>
-            <a:r>
-              <a:rPr lang="en-US" sz="2800" dirty="0" err="1" smtClean="0">
-                <a:latin typeface="Consolas" panose="020B0609020204030204" pitchFamily="49" charset="0"/>
-                <a:cs typeface="Consolas" panose="020B0609020204030204" pitchFamily="49" charset="0"/>
-              </a:rPr>
-              <a:t>main_component.dart</a:t>
-            </a:r>
-            <a:r>
-              <a:rPr lang="en-US" sz="2800" dirty="0">
-                <a:latin typeface="Consolas" panose="020B0609020204030204" pitchFamily="49" charset="0"/>
-                <a:cs typeface="Consolas" panose="020B0609020204030204" pitchFamily="49" charset="0"/>
-              </a:rPr>
-              <a:t>';</a:t>
-            </a:r>
-            <a:br>
-              <a:rPr lang="en-US" sz="2800" dirty="0">
-                <a:latin typeface="Consolas" panose="020B0609020204030204" pitchFamily="49" charset="0"/>
-                <a:cs typeface="Consolas" panose="020B0609020204030204" pitchFamily="49" charset="0"/>
-              </a:rPr>
-            </a:br>
-            <a:r>
-              <a:rPr lang="en-US" sz="2800" dirty="0">
-                <a:latin typeface="Consolas" panose="020B0609020204030204" pitchFamily="49" charset="0"/>
-                <a:cs typeface="Consolas" panose="020B0609020204030204" pitchFamily="49" charset="0"/>
-              </a:rPr>
-              <a:t/>
-            </a:r>
-            <a:br>
-              <a:rPr lang="en-US" sz="2800" dirty="0">
-                <a:latin typeface="Consolas" panose="020B0609020204030204" pitchFamily="49" charset="0"/>
-                <a:cs typeface="Consolas" panose="020B0609020204030204" pitchFamily="49" charset="0"/>
-              </a:rPr>
-            </a:br>
-            <a:r>
-              <a:rPr lang="en-US" sz="2800" dirty="0">
-                <a:latin typeface="Consolas" panose="020B0609020204030204" pitchFamily="49" charset="0"/>
-                <a:cs typeface="Consolas" panose="020B0609020204030204" pitchFamily="49" charset="0"/>
-              </a:rPr>
-              <a:t>main</a:t>
-            </a:r>
-            <a:r>
-              <a:rPr lang="en-US" sz="2800" dirty="0" smtClean="0">
-                <a:latin typeface="Consolas" panose="020B0609020204030204" pitchFamily="49" charset="0"/>
-                <a:cs typeface="Consolas" panose="020B0609020204030204" pitchFamily="49" charset="0"/>
-              </a:rPr>
-              <a:t>() {</a:t>
-            </a:r>
-            <a:br>
-              <a:rPr lang="en-US" sz="2800" dirty="0" smtClean="0">
-                <a:latin typeface="Consolas" panose="020B0609020204030204" pitchFamily="49" charset="0"/>
-                <a:cs typeface="Consolas" panose="020B0609020204030204" pitchFamily="49" charset="0"/>
-              </a:rPr>
-            </a:br>
-            <a:r>
-              <a:rPr lang="en-US" sz="2800" dirty="0" smtClean="0">
-                <a:latin typeface="Consolas" panose="020B0609020204030204" pitchFamily="49" charset="0"/>
-                <a:cs typeface="Consolas" panose="020B0609020204030204" pitchFamily="49" charset="0"/>
-              </a:rPr>
-              <a:t>  bootstrap(</a:t>
-            </a:r>
-            <a:r>
-              <a:rPr lang="en-US" sz="2800" dirty="0" err="1" smtClean="0">
-                <a:latin typeface="Consolas" panose="020B0609020204030204" pitchFamily="49" charset="0"/>
-                <a:cs typeface="Consolas" panose="020B0609020204030204" pitchFamily="49" charset="0"/>
-              </a:rPr>
-              <a:t>MainComponent</a:t>
-            </a:r>
-            <a:r>
-              <a:rPr lang="en-US" sz="2800" dirty="0" smtClean="0">
-                <a:latin typeface="Consolas" panose="020B0609020204030204" pitchFamily="49" charset="0"/>
-                <a:cs typeface="Consolas" panose="020B0609020204030204" pitchFamily="49" charset="0"/>
-              </a:rPr>
-              <a:t>)</a:t>
-            </a:r>
-            <a:r>
-              <a:rPr lang="en-US" sz="2800" dirty="0">
-                <a:latin typeface="Consolas" panose="020B0609020204030204" pitchFamily="49" charset="0"/>
-                <a:cs typeface="Consolas" panose="020B0609020204030204" pitchFamily="49" charset="0"/>
-              </a:rPr>
-              <a:t>;</a:t>
-            </a:r>
-            <a:br>
-              <a:rPr lang="en-US" sz="2800" dirty="0">
-                <a:latin typeface="Consolas" panose="020B0609020204030204" pitchFamily="49" charset="0"/>
-                <a:cs typeface="Consolas" panose="020B0609020204030204" pitchFamily="49" charset="0"/>
-              </a:rPr>
-            </a:br>
-            <a:r>
-              <a:rPr lang="en-US" sz="2800" dirty="0" smtClean="0">
-                <a:latin typeface="Consolas" panose="020B0609020204030204" pitchFamily="49" charset="0"/>
-                <a:cs typeface="Consolas" panose="020B0609020204030204" pitchFamily="49" charset="0"/>
-              </a:rPr>
-              <a:t>}</a:t>
-            </a:r>
-            <a:endParaRPr lang="en-US" sz="2800" dirty="0">
+              <a:rPr lang="en-US" dirty="0" smtClean="0">
+                <a:latin typeface="Consolas" panose="020B0609020204030204" pitchFamily="49" charset="0"/>
+                <a:cs typeface="Consolas" panose="020B0609020204030204" pitchFamily="49" charset="0"/>
+              </a:rPr>
+              <a:t>- </a:t>
+            </a:r>
+            <a:r>
+              <a:rPr lang="en-US" dirty="0" err="1" smtClean="0">
+                <a:latin typeface="Consolas" panose="020B0609020204030204" pitchFamily="49" charset="0"/>
+                <a:cs typeface="Consolas" panose="020B0609020204030204" pitchFamily="49" charset="0"/>
+              </a:rPr>
+              <a:t>dart_to_js_script_rewriter</a:t>
+            </a:r>
+            <a:endParaRPr lang="en-US" dirty="0">
               <a:latin typeface="Consolas" panose="020B0609020204030204" pitchFamily="49" charset="0"/>
               <a:cs typeface="Consolas" panose="020B0609020204030204" pitchFamily="49" charset="0"/>
             </a:endParaRPr>
@@ -20397,7 +20218,7 @@
     </p:spTree>
     <p:extLst>
       <p:ext uri="{BB962C8B-B14F-4D97-AF65-F5344CB8AC3E}">
-        <p14:creationId xmlns:p14="http://schemas.microsoft.com/office/powerpoint/2010/main" val="1780055628"/>
+        <p14:creationId xmlns:p14="http://schemas.microsoft.com/office/powerpoint/2010/main" val="2638259528"/>
       </p:ext>
     </p:extLst>
   </p:cSld>
@@ -20573,8 +20394,564 @@
           <a:lstStyle/>
           <a:p>
             <a:r>
+              <a:rPr lang="en-US" dirty="0" smtClean="0"/>
+              <a:t>Basic Structure</a:t>
+            </a:r>
+            <a:endParaRPr lang="en-US" dirty="0"/>
+          </a:p>
+        </p:txBody>
+      </p:sp>
+      <p:sp>
+        <p:nvSpPr>
+          <p:cNvPr id="3" name="Content Placeholder 2"/>
+          <p:cNvSpPr>
+            <a:spLocks noGrp="1"/>
+          </p:cNvSpPr>
+          <p:nvPr>
+            <p:ph idx="1"/>
+          </p:nvPr>
+        </p:nvSpPr>
+        <p:spPr/>
+        <p:txBody>
+          <a:bodyPr/>
+          <a:lstStyle/>
+          <a:p>
+            <a:r>
+              <a:rPr lang="en-US" dirty="0"/>
+              <a:t>i</a:t>
+            </a:r>
+            <a:r>
+              <a:rPr lang="en-US" dirty="0" smtClean="0"/>
+              <a:t>ndex.html</a:t>
+            </a:r>
+          </a:p>
+          <a:p>
+            <a:r>
+              <a:rPr lang="en-US" dirty="0" err="1"/>
+              <a:t>m</a:t>
+            </a:r>
+            <a:r>
+              <a:rPr lang="en-US" dirty="0" err="1" smtClean="0"/>
+              <a:t>ain.dart</a:t>
+            </a:r>
+            <a:endParaRPr lang="en-US" dirty="0" smtClean="0"/>
+          </a:p>
+          <a:p>
+            <a:r>
               <a:rPr lang="en-US" dirty="0" err="1" smtClean="0"/>
               <a:t>main_component.dart</a:t>
+            </a:r>
+            <a:endParaRPr lang="en-US" dirty="0" smtClean="0"/>
+          </a:p>
+          <a:p>
+            <a:r>
+              <a:rPr lang="en-US" dirty="0"/>
+              <a:t>m</a:t>
+            </a:r>
+            <a:r>
+              <a:rPr lang="en-US" dirty="0" smtClean="0"/>
+              <a:t>ain_component.html</a:t>
+            </a:r>
+          </a:p>
+        </p:txBody>
+      </p:sp>
+    </p:spTree>
+    <p:extLst>
+      <p:ext uri="{BB962C8B-B14F-4D97-AF65-F5344CB8AC3E}">
+        <p14:creationId xmlns:p14="http://schemas.microsoft.com/office/powerpoint/2010/main" val="1651391292"/>
+      </p:ext>
+    </p:extLst>
+  </p:cSld>
+  <p:clrMapOvr>
+    <a:masterClrMapping/>
+  </p:clrMapOvr>
+  <p:timing>
+    <p:tnLst>
+      <p:par>
+        <p:cTn id="1" dur="indefinite" restart="never" nodeType="tmRoot">
+          <p:childTnLst>
+            <p:seq concurrent="1" nextAc="seek">
+              <p:cTn id="2" dur="indefinite" nodeType="mainSeq">
+                <p:childTnLst>
+                  <p:par>
+                    <p:cTn id="3" fill="hold">
+                      <p:stCondLst>
+                        <p:cond delay="indefinite"/>
+                      </p:stCondLst>
+                      <p:childTnLst>
+                        <p:par>
+                          <p:cTn id="4" fill="hold">
+                            <p:stCondLst>
+                              <p:cond delay="0"/>
+                            </p:stCondLst>
+                            <p:childTnLst>
+                              <p:par>
+                                <p:cTn id="5" presetID="2" presetClass="entr" presetSubtype="4" fill="hold" grpId="0" nodeType="clickEffect">
+                                  <p:stCondLst>
+                                    <p:cond delay="0"/>
+                                  </p:stCondLst>
+                                  <p:childTnLst>
+                                    <p:set>
+                                      <p:cBhvr>
+                                        <p:cTn id="6" dur="1" fill="hold">
+                                          <p:stCondLst>
+                                            <p:cond delay="0"/>
+                                          </p:stCondLst>
+                                        </p:cTn>
+                                        <p:tgtEl>
+                                          <p:spTgt spid="3">
+                                            <p:txEl>
+                                              <p:pRg st="0" end="0"/>
+                                            </p:txEl>
+                                          </p:spTgt>
+                                        </p:tgtEl>
+                                        <p:attrNameLst>
+                                          <p:attrName>style.visibility</p:attrName>
+                                        </p:attrNameLst>
+                                      </p:cBhvr>
+                                      <p:to>
+                                        <p:strVal val="visible"/>
+                                      </p:to>
+                                    </p:set>
+                                    <p:anim calcmode="lin" valueType="num">
+                                      <p:cBhvr additive="base">
+                                        <p:cTn id="7" dur="500" fill="hold"/>
+                                        <p:tgtEl>
+                                          <p:spTgt spid="3">
+                                            <p:txEl>
+                                              <p:pRg st="0" end="0"/>
+                                            </p:txEl>
+                                          </p:spTgt>
+                                        </p:tgtEl>
+                                        <p:attrNameLst>
+                                          <p:attrName>ppt_x</p:attrName>
+                                        </p:attrNameLst>
+                                      </p:cBhvr>
+                                      <p:tavLst>
+                                        <p:tav tm="0">
+                                          <p:val>
+                                            <p:strVal val="#ppt_x"/>
+                                          </p:val>
+                                        </p:tav>
+                                        <p:tav tm="100000">
+                                          <p:val>
+                                            <p:strVal val="#ppt_x"/>
+                                          </p:val>
+                                        </p:tav>
+                                      </p:tavLst>
+                                    </p:anim>
+                                    <p:anim calcmode="lin" valueType="num">
+                                      <p:cBhvr additive="base">
+                                        <p:cTn id="8" dur="500" fill="hold"/>
+                                        <p:tgtEl>
+                                          <p:spTgt spid="3">
+                                            <p:txEl>
+                                              <p:pRg st="0" end="0"/>
+                                            </p:txEl>
+                                          </p:spTgt>
+                                        </p:tgtEl>
+                                        <p:attrNameLst>
+                                          <p:attrName>ppt_y</p:attrName>
+                                        </p:attrNameLst>
+                                      </p:cBhvr>
+                                      <p:tavLst>
+                                        <p:tav tm="0">
+                                          <p:val>
+                                            <p:strVal val="1+#ppt_h/2"/>
+                                          </p:val>
+                                        </p:tav>
+                                        <p:tav tm="100000">
+                                          <p:val>
+                                            <p:strVal val="#ppt_y"/>
+                                          </p:val>
+                                        </p:tav>
+                                      </p:tavLst>
+                                    </p:anim>
+                                  </p:childTnLst>
+                                </p:cTn>
+                              </p:par>
+                            </p:childTnLst>
+                          </p:cTn>
+                        </p:par>
+                      </p:childTnLst>
+                    </p:cTn>
+                  </p:par>
+                  <p:par>
+                    <p:cTn id="9" fill="hold">
+                      <p:stCondLst>
+                        <p:cond delay="indefinite"/>
+                      </p:stCondLst>
+                      <p:childTnLst>
+                        <p:par>
+                          <p:cTn id="10" fill="hold">
+                            <p:stCondLst>
+                              <p:cond delay="0"/>
+                            </p:stCondLst>
+                            <p:childTnLst>
+                              <p:par>
+                                <p:cTn id="11" presetID="2" presetClass="entr" presetSubtype="4" fill="hold" grpId="0" nodeType="clickEffect">
+                                  <p:stCondLst>
+                                    <p:cond delay="0"/>
+                                  </p:stCondLst>
+                                  <p:childTnLst>
+                                    <p:set>
+                                      <p:cBhvr>
+                                        <p:cTn id="12" dur="1" fill="hold">
+                                          <p:stCondLst>
+                                            <p:cond delay="0"/>
+                                          </p:stCondLst>
+                                        </p:cTn>
+                                        <p:tgtEl>
+                                          <p:spTgt spid="3">
+                                            <p:txEl>
+                                              <p:pRg st="1" end="1"/>
+                                            </p:txEl>
+                                          </p:spTgt>
+                                        </p:tgtEl>
+                                        <p:attrNameLst>
+                                          <p:attrName>style.visibility</p:attrName>
+                                        </p:attrNameLst>
+                                      </p:cBhvr>
+                                      <p:to>
+                                        <p:strVal val="visible"/>
+                                      </p:to>
+                                    </p:set>
+                                    <p:anim calcmode="lin" valueType="num">
+                                      <p:cBhvr additive="base">
+                                        <p:cTn id="13" dur="500" fill="hold"/>
+                                        <p:tgtEl>
+                                          <p:spTgt spid="3">
+                                            <p:txEl>
+                                              <p:pRg st="1" end="1"/>
+                                            </p:txEl>
+                                          </p:spTgt>
+                                        </p:tgtEl>
+                                        <p:attrNameLst>
+                                          <p:attrName>ppt_x</p:attrName>
+                                        </p:attrNameLst>
+                                      </p:cBhvr>
+                                      <p:tavLst>
+                                        <p:tav tm="0">
+                                          <p:val>
+                                            <p:strVal val="#ppt_x"/>
+                                          </p:val>
+                                        </p:tav>
+                                        <p:tav tm="100000">
+                                          <p:val>
+                                            <p:strVal val="#ppt_x"/>
+                                          </p:val>
+                                        </p:tav>
+                                      </p:tavLst>
+                                    </p:anim>
+                                    <p:anim calcmode="lin" valueType="num">
+                                      <p:cBhvr additive="base">
+                                        <p:cTn id="14" dur="500" fill="hold"/>
+                                        <p:tgtEl>
+                                          <p:spTgt spid="3">
+                                            <p:txEl>
+                                              <p:pRg st="1" end="1"/>
+                                            </p:txEl>
+                                          </p:spTgt>
+                                        </p:tgtEl>
+                                        <p:attrNameLst>
+                                          <p:attrName>ppt_y</p:attrName>
+                                        </p:attrNameLst>
+                                      </p:cBhvr>
+                                      <p:tavLst>
+                                        <p:tav tm="0">
+                                          <p:val>
+                                            <p:strVal val="1+#ppt_h/2"/>
+                                          </p:val>
+                                        </p:tav>
+                                        <p:tav tm="100000">
+                                          <p:val>
+                                            <p:strVal val="#ppt_y"/>
+                                          </p:val>
+                                        </p:tav>
+                                      </p:tavLst>
+                                    </p:anim>
+                                  </p:childTnLst>
+                                </p:cTn>
+                              </p:par>
+                            </p:childTnLst>
+                          </p:cTn>
+                        </p:par>
+                      </p:childTnLst>
+                    </p:cTn>
+                  </p:par>
+                  <p:par>
+                    <p:cTn id="15" fill="hold">
+                      <p:stCondLst>
+                        <p:cond delay="indefinite"/>
+                      </p:stCondLst>
+                      <p:childTnLst>
+                        <p:par>
+                          <p:cTn id="16" fill="hold">
+                            <p:stCondLst>
+                              <p:cond delay="0"/>
+                            </p:stCondLst>
+                            <p:childTnLst>
+                              <p:par>
+                                <p:cTn id="17" presetID="2" presetClass="entr" presetSubtype="4" fill="hold" grpId="0" nodeType="clickEffect">
+                                  <p:stCondLst>
+                                    <p:cond delay="0"/>
+                                  </p:stCondLst>
+                                  <p:childTnLst>
+                                    <p:set>
+                                      <p:cBhvr>
+                                        <p:cTn id="18" dur="1" fill="hold">
+                                          <p:stCondLst>
+                                            <p:cond delay="0"/>
+                                          </p:stCondLst>
+                                        </p:cTn>
+                                        <p:tgtEl>
+                                          <p:spTgt spid="3">
+                                            <p:txEl>
+                                              <p:pRg st="2" end="2"/>
+                                            </p:txEl>
+                                          </p:spTgt>
+                                        </p:tgtEl>
+                                        <p:attrNameLst>
+                                          <p:attrName>style.visibility</p:attrName>
+                                        </p:attrNameLst>
+                                      </p:cBhvr>
+                                      <p:to>
+                                        <p:strVal val="visible"/>
+                                      </p:to>
+                                    </p:set>
+                                    <p:anim calcmode="lin" valueType="num">
+                                      <p:cBhvr additive="base">
+                                        <p:cTn id="19" dur="500" fill="hold"/>
+                                        <p:tgtEl>
+                                          <p:spTgt spid="3">
+                                            <p:txEl>
+                                              <p:pRg st="2" end="2"/>
+                                            </p:txEl>
+                                          </p:spTgt>
+                                        </p:tgtEl>
+                                        <p:attrNameLst>
+                                          <p:attrName>ppt_x</p:attrName>
+                                        </p:attrNameLst>
+                                      </p:cBhvr>
+                                      <p:tavLst>
+                                        <p:tav tm="0">
+                                          <p:val>
+                                            <p:strVal val="#ppt_x"/>
+                                          </p:val>
+                                        </p:tav>
+                                        <p:tav tm="100000">
+                                          <p:val>
+                                            <p:strVal val="#ppt_x"/>
+                                          </p:val>
+                                        </p:tav>
+                                      </p:tavLst>
+                                    </p:anim>
+                                    <p:anim calcmode="lin" valueType="num">
+                                      <p:cBhvr additive="base">
+                                        <p:cTn id="20" dur="500" fill="hold"/>
+                                        <p:tgtEl>
+                                          <p:spTgt spid="3">
+                                            <p:txEl>
+                                              <p:pRg st="2" end="2"/>
+                                            </p:txEl>
+                                          </p:spTgt>
+                                        </p:tgtEl>
+                                        <p:attrNameLst>
+                                          <p:attrName>ppt_y</p:attrName>
+                                        </p:attrNameLst>
+                                      </p:cBhvr>
+                                      <p:tavLst>
+                                        <p:tav tm="0">
+                                          <p:val>
+                                            <p:strVal val="1+#ppt_h/2"/>
+                                          </p:val>
+                                        </p:tav>
+                                        <p:tav tm="100000">
+                                          <p:val>
+                                            <p:strVal val="#ppt_y"/>
+                                          </p:val>
+                                        </p:tav>
+                                      </p:tavLst>
+                                    </p:anim>
+                                  </p:childTnLst>
+                                </p:cTn>
+                              </p:par>
+                            </p:childTnLst>
+                          </p:cTn>
+                        </p:par>
+                      </p:childTnLst>
+                    </p:cTn>
+                  </p:par>
+                  <p:par>
+                    <p:cTn id="21" fill="hold">
+                      <p:stCondLst>
+                        <p:cond delay="indefinite"/>
+                      </p:stCondLst>
+                      <p:childTnLst>
+                        <p:par>
+                          <p:cTn id="22" fill="hold">
+                            <p:stCondLst>
+                              <p:cond delay="0"/>
+                            </p:stCondLst>
+                            <p:childTnLst>
+                              <p:par>
+                                <p:cTn id="23" presetID="2" presetClass="entr" presetSubtype="4" fill="hold" grpId="0" nodeType="clickEffect">
+                                  <p:stCondLst>
+                                    <p:cond delay="0"/>
+                                  </p:stCondLst>
+                                  <p:childTnLst>
+                                    <p:set>
+                                      <p:cBhvr>
+                                        <p:cTn id="24" dur="1" fill="hold">
+                                          <p:stCondLst>
+                                            <p:cond delay="0"/>
+                                          </p:stCondLst>
+                                        </p:cTn>
+                                        <p:tgtEl>
+                                          <p:spTgt spid="3">
+                                            <p:txEl>
+                                              <p:pRg st="3" end="3"/>
+                                            </p:txEl>
+                                          </p:spTgt>
+                                        </p:tgtEl>
+                                        <p:attrNameLst>
+                                          <p:attrName>style.visibility</p:attrName>
+                                        </p:attrNameLst>
+                                      </p:cBhvr>
+                                      <p:to>
+                                        <p:strVal val="visible"/>
+                                      </p:to>
+                                    </p:set>
+                                    <p:anim calcmode="lin" valueType="num">
+                                      <p:cBhvr additive="base">
+                                        <p:cTn id="25" dur="500" fill="hold"/>
+                                        <p:tgtEl>
+                                          <p:spTgt spid="3">
+                                            <p:txEl>
+                                              <p:pRg st="3" end="3"/>
+                                            </p:txEl>
+                                          </p:spTgt>
+                                        </p:tgtEl>
+                                        <p:attrNameLst>
+                                          <p:attrName>ppt_x</p:attrName>
+                                        </p:attrNameLst>
+                                      </p:cBhvr>
+                                      <p:tavLst>
+                                        <p:tav tm="0">
+                                          <p:val>
+                                            <p:strVal val="#ppt_x"/>
+                                          </p:val>
+                                        </p:tav>
+                                        <p:tav tm="100000">
+                                          <p:val>
+                                            <p:strVal val="#ppt_x"/>
+                                          </p:val>
+                                        </p:tav>
+                                      </p:tavLst>
+                                    </p:anim>
+                                    <p:anim calcmode="lin" valueType="num">
+                                      <p:cBhvr additive="base">
+                                        <p:cTn id="26" dur="500" fill="hold"/>
+                                        <p:tgtEl>
+                                          <p:spTgt spid="3">
+                                            <p:txEl>
+                                              <p:pRg st="3" end="3"/>
+                                            </p:txEl>
+                                          </p:spTgt>
+                                        </p:tgtEl>
+                                        <p:attrNameLst>
+                                          <p:attrName>ppt_y</p:attrName>
+                                        </p:attrNameLst>
+                                      </p:cBhvr>
+                                      <p:tavLst>
+                                        <p:tav tm="0">
+                                          <p:val>
+                                            <p:strVal val="1+#ppt_h/2"/>
+                                          </p:val>
+                                        </p:tav>
+                                        <p:tav tm="100000">
+                                          <p:val>
+                                            <p:strVal val="#ppt_y"/>
+                                          </p:val>
+                                        </p:tav>
+                                      </p:tavLst>
+                                    </p:anim>
+                                  </p:childTnLst>
+                                </p:cTn>
+                              </p:par>
+                            </p:childTnLst>
+                          </p:cTn>
+                        </p:par>
+                      </p:childTnLst>
+                    </p:cTn>
+                  </p:par>
+                </p:childTnLst>
+              </p:cTn>
+              <p:prevCondLst>
+                <p:cond evt="onPrev" delay="0">
+                  <p:tgtEl>
+                    <p:sldTgt/>
+                  </p:tgtEl>
+                </p:cond>
+              </p:prevCondLst>
+              <p:nextCondLst>
+                <p:cond evt="onNext" delay="0">
+                  <p:tgtEl>
+                    <p:sldTgt/>
+                  </p:tgtEl>
+                </p:cond>
+              </p:nextCondLst>
+            </p:seq>
+          </p:childTnLst>
+        </p:cTn>
+      </p:par>
+    </p:tnLst>
+    <p:bldLst>
+      <p:bldP spid="3" grpId="0" build="p"/>
+    </p:bldLst>
+  </p:timing>
+</p:sld>
+</file>
+
+<file path=ppt/slides/slide7.xml><?xml version="1.0" encoding="utf-8"?>
+<p:sld xmlns:a="http://schemas.openxmlformats.org/drawingml/2006/main" xmlns:r="http://schemas.openxmlformats.org/officeDocument/2006/relationships" xmlns:p="http://schemas.openxmlformats.org/presentationml/2006/main">
+  <p:cSld>
+    <p:spTree>
+      <p:nvGrpSpPr>
+        <p:cNvPr id="1" name=""/>
+        <p:cNvGrpSpPr/>
+        <p:nvPr/>
+      </p:nvGrpSpPr>
+      <p:grpSpPr>
+        <a:xfrm>
+          <a:off x="0" y="0"/>
+          <a:ext cx="0" cy="0"/>
+          <a:chOff x="0" y="0"/>
+          <a:chExt cx="0" cy="0"/>
+        </a:xfrm>
+      </p:grpSpPr>
+      <p:sp>
+        <p:nvSpPr>
+          <p:cNvPr id="2" name="Title 1"/>
+          <p:cNvSpPr>
+            <a:spLocks noGrp="1"/>
+          </p:cNvSpPr>
+          <p:nvPr>
+            <p:ph type="title"/>
+          </p:nvPr>
+        </p:nvSpPr>
+        <p:spPr/>
+        <p:txBody>
+          <a:bodyPr/>
+          <a:lstStyle/>
+          <a:p>
+            <a:r>
+              <a:rPr lang="en-US" dirty="0"/>
+              <a:t>i</a:t>
+            </a:r>
+            <a:r>
+              <a:rPr lang="en-US" dirty="0" smtClean="0"/>
+              <a:t>ndex.html</a:t>
             </a:r>
             <a:endParaRPr lang="en-US" dirty="0"/>
           </a:p>
@@ -20593,7 +20970,7 @@
         <p:spPr/>
         <p:txBody>
           <a:bodyPr>
-            <a:normAutofit/>
+            <a:noAutofit/>
           </a:bodyPr>
           <a:lstStyle/>
           <a:p>
@@ -20601,44 +20978,153 @@
               <a:buNone/>
             </a:pPr>
             <a:r>
-              <a:rPr lang="en-US" sz="2800" b="1" dirty="0" smtClean="0">
-                <a:latin typeface="Consolas" panose="020B0609020204030204" pitchFamily="49" charset="0"/>
-                <a:cs typeface="Consolas" panose="020B0609020204030204" pitchFamily="49" charset="0"/>
-              </a:rPr>
-              <a:t>import </a:t>
-            </a:r>
-            <a:r>
-              <a:rPr lang="en-US" sz="2800" dirty="0" smtClean="0">
-                <a:latin typeface="Consolas" panose="020B0609020204030204" pitchFamily="49" charset="0"/>
-                <a:cs typeface="Consolas" panose="020B0609020204030204" pitchFamily="49" charset="0"/>
-              </a:rPr>
-              <a:t>'package:angular2/angular2.dart';</a:t>
+              <a:rPr lang="en-US" sz="2000" dirty="0">
+                <a:latin typeface="Consolas" panose="020B0609020204030204" pitchFamily="49" charset="0"/>
+                <a:cs typeface="Consolas" panose="020B0609020204030204" pitchFamily="49" charset="0"/>
+              </a:rPr>
+              <a:t>&lt;!DOCTYPE html&gt;</a:t>
             </a:r>
             <a:br>
-              <a:rPr lang="en-US" sz="2800" dirty="0" smtClean="0">
+              <a:rPr lang="en-US" sz="2000" dirty="0">
                 <a:latin typeface="Consolas" panose="020B0609020204030204" pitchFamily="49" charset="0"/>
                 <a:cs typeface="Consolas" panose="020B0609020204030204" pitchFamily="49" charset="0"/>
               </a:rPr>
             </a:br>
             <a:r>
-              <a:rPr lang="en-US" sz="2800" dirty="0" smtClean="0">
+              <a:rPr lang="en-US" sz="2000" dirty="0">
+                <a:latin typeface="Consolas" panose="020B0609020204030204" pitchFamily="49" charset="0"/>
+                <a:cs typeface="Consolas" panose="020B0609020204030204" pitchFamily="49" charset="0"/>
+              </a:rPr>
+              <a:t>&lt;html&gt;</a:t>
+            </a:r>
+            <a:br>
+              <a:rPr lang="en-US" sz="2000" dirty="0">
+                <a:latin typeface="Consolas" panose="020B0609020204030204" pitchFamily="49" charset="0"/>
+                <a:cs typeface="Consolas" panose="020B0609020204030204" pitchFamily="49" charset="0"/>
+              </a:rPr>
+            </a:br>
+            <a:r>
+              <a:rPr lang="en-US" sz="2000" dirty="0">
+                <a:latin typeface="Consolas" panose="020B0609020204030204" pitchFamily="49" charset="0"/>
+                <a:cs typeface="Consolas" panose="020B0609020204030204" pitchFamily="49" charset="0"/>
+              </a:rPr>
+              <a:t>  &lt;head&gt;</a:t>
+            </a:r>
+            <a:br>
+              <a:rPr lang="en-US" sz="2000" dirty="0">
+                <a:latin typeface="Consolas" panose="020B0609020204030204" pitchFamily="49" charset="0"/>
+                <a:cs typeface="Consolas" panose="020B0609020204030204" pitchFamily="49" charset="0"/>
+              </a:rPr>
+            </a:br>
+            <a:r>
+              <a:rPr lang="en-US" sz="2000" dirty="0">
+                <a:latin typeface="Consolas" panose="020B0609020204030204" pitchFamily="49" charset="0"/>
+                <a:cs typeface="Consolas" panose="020B0609020204030204" pitchFamily="49" charset="0"/>
+              </a:rPr>
+              <a:t>    &lt;</a:t>
+            </a:r>
+            <a:r>
+              <a:rPr lang="en-US" sz="2000" dirty="0" smtClean="0">
+                <a:latin typeface="Consolas" panose="020B0609020204030204" pitchFamily="49" charset="0"/>
+                <a:cs typeface="Consolas" panose="020B0609020204030204" pitchFamily="49" charset="0"/>
+              </a:rPr>
+              <a:t>title&gt;My Angular 2 App&lt;/</a:t>
+            </a:r>
+            <a:r>
+              <a:rPr lang="en-US" sz="2000" dirty="0">
+                <a:latin typeface="Consolas" panose="020B0609020204030204" pitchFamily="49" charset="0"/>
+                <a:cs typeface="Consolas" panose="020B0609020204030204" pitchFamily="49" charset="0"/>
+              </a:rPr>
+              <a:t>title</a:t>
+            </a:r>
+            <a:r>
+              <a:rPr lang="en-US" sz="2000" dirty="0" smtClean="0">
+                <a:latin typeface="Consolas" panose="020B0609020204030204" pitchFamily="49" charset="0"/>
+                <a:cs typeface="Consolas" panose="020B0609020204030204" pitchFamily="49" charset="0"/>
+              </a:rPr>
+              <a:t>&gt;</a:t>
+            </a:r>
+            <a:r>
+              <a:rPr lang="en-US" sz="2000" dirty="0">
                 <a:latin typeface="Consolas" panose="020B0609020204030204" pitchFamily="49" charset="0"/>
                 <a:cs typeface="Consolas" panose="020B0609020204030204" pitchFamily="49" charset="0"/>
               </a:rPr>
               <a:t/>
             </a:r>
             <a:br>
-              <a:rPr lang="en-US" sz="2800" dirty="0" smtClean="0">
+              <a:rPr lang="en-US" sz="2000" dirty="0">
                 <a:latin typeface="Consolas" panose="020B0609020204030204" pitchFamily="49" charset="0"/>
                 <a:cs typeface="Consolas" panose="020B0609020204030204" pitchFamily="49" charset="0"/>
               </a:rPr>
             </a:br>
             <a:r>
-              <a:rPr lang="en-US" sz="2800" dirty="0" smtClean="0">
-                <a:latin typeface="Consolas" panose="020B0609020204030204" pitchFamily="49" charset="0"/>
-                <a:cs typeface="Consolas" panose="020B0609020204030204" pitchFamily="49" charset="0"/>
-              </a:rPr>
-              <a:t>@Component(</a:t>
+              <a:rPr lang="en-US" sz="2000" dirty="0">
+                <a:latin typeface="Consolas" panose="020B0609020204030204" pitchFamily="49" charset="0"/>
+                <a:cs typeface="Consolas" panose="020B0609020204030204" pitchFamily="49" charset="0"/>
+              </a:rPr>
+              <a:t>    &lt;script defer </a:t>
+            </a:r>
+            <a:r>
+              <a:rPr lang="en-US" sz="2000" dirty="0" err="1">
+                <a:latin typeface="Consolas" panose="020B0609020204030204" pitchFamily="49" charset="0"/>
+                <a:cs typeface="Consolas" panose="020B0609020204030204" pitchFamily="49" charset="0"/>
+              </a:rPr>
+              <a:t>src</a:t>
+            </a:r>
+            <a:r>
+              <a:rPr lang="en-US" sz="2000" dirty="0">
+                <a:latin typeface="Consolas" panose="020B0609020204030204" pitchFamily="49" charset="0"/>
+                <a:cs typeface="Consolas" panose="020B0609020204030204" pitchFamily="49" charset="0"/>
+              </a:rPr>
+              <a:t>="</a:t>
+            </a:r>
+            <a:r>
+              <a:rPr lang="en-US" sz="2000" dirty="0" err="1">
+                <a:latin typeface="Consolas" panose="020B0609020204030204" pitchFamily="49" charset="0"/>
+                <a:cs typeface="Consolas" panose="020B0609020204030204" pitchFamily="49" charset="0"/>
+              </a:rPr>
+              <a:t>main.dart</a:t>
+            </a:r>
+            <a:r>
+              <a:rPr lang="en-US" sz="2000" dirty="0">
+                <a:latin typeface="Consolas" panose="020B0609020204030204" pitchFamily="49" charset="0"/>
+                <a:cs typeface="Consolas" panose="020B0609020204030204" pitchFamily="49" charset="0"/>
+              </a:rPr>
+              <a:t>" type="application/dart"&gt;&lt;/script&gt;</a:t>
+            </a:r>
+            <a:br>
+              <a:rPr lang="en-US" sz="2000" dirty="0">
+                <a:latin typeface="Consolas" panose="020B0609020204030204" pitchFamily="49" charset="0"/>
+                <a:cs typeface="Consolas" panose="020B0609020204030204" pitchFamily="49" charset="0"/>
+              </a:rPr>
+            </a:br>
+            <a:r>
+              <a:rPr lang="en-US" sz="2000" dirty="0">
+                <a:latin typeface="Consolas" panose="020B0609020204030204" pitchFamily="49" charset="0"/>
+                <a:cs typeface="Consolas" panose="020B0609020204030204" pitchFamily="49" charset="0"/>
+              </a:rPr>
+              <a:t>    &lt;script defer </a:t>
+            </a:r>
+            <a:r>
+              <a:rPr lang="en-US" sz="2000" dirty="0" err="1">
+                <a:latin typeface="Consolas" panose="020B0609020204030204" pitchFamily="49" charset="0"/>
+                <a:cs typeface="Consolas" panose="020B0609020204030204" pitchFamily="49" charset="0"/>
+              </a:rPr>
+              <a:t>src</a:t>
+            </a:r>
+            <a:r>
+              <a:rPr lang="en-US" sz="2000" dirty="0">
+                <a:latin typeface="Consolas" panose="020B0609020204030204" pitchFamily="49" charset="0"/>
+                <a:cs typeface="Consolas" panose="020B0609020204030204" pitchFamily="49" charset="0"/>
+              </a:rPr>
+              <a:t>="packages/browser/dart.js"&gt;&lt;/script</a:t>
+            </a:r>
+            <a:r>
+              <a:rPr lang="en-US" sz="2000" dirty="0" smtClean="0">
+                <a:latin typeface="Consolas" panose="020B0609020204030204" pitchFamily="49" charset="0"/>
+                <a:cs typeface="Consolas" panose="020B0609020204030204" pitchFamily="49" charset="0"/>
+              </a:rPr>
+              <a:t>&gt;</a:t>
             </a:r>
           </a:p>
           <a:p>
@@ -20646,11 +21132,25 @@
               <a:buNone/>
             </a:pPr>
             <a:r>
-              <a:rPr lang="en-US" sz="2800" dirty="0" smtClean="0">
-                <a:latin typeface="Consolas" panose="020B0609020204030204" pitchFamily="49" charset="0"/>
-                <a:cs typeface="Consolas" panose="020B0609020204030204" pitchFamily="49" charset="0"/>
-              </a:rPr>
-              <a:t>  selector: 'my-app', </a:t>
+              <a:rPr lang="en-US" sz="2000" dirty="0" smtClean="0">
+                <a:latin typeface="Consolas" panose="020B0609020204030204" pitchFamily="49" charset="0"/>
+                <a:cs typeface="Consolas" panose="020B0609020204030204" pitchFamily="49" charset="0"/>
+              </a:rPr>
+              <a:t>  </a:t>
+            </a:r>
+            <a:r>
+              <a:rPr lang="en-US" sz="2000" dirty="0">
+                <a:latin typeface="Consolas" panose="020B0609020204030204" pitchFamily="49" charset="0"/>
+                <a:cs typeface="Consolas" panose="020B0609020204030204" pitchFamily="49" charset="0"/>
+              </a:rPr>
+              <a:t>&lt;/head</a:t>
+            </a:r>
+            <a:r>
+              <a:rPr lang="en-US" sz="2000" dirty="0" smtClean="0">
+                <a:latin typeface="Consolas" panose="020B0609020204030204" pitchFamily="49" charset="0"/>
+                <a:cs typeface="Consolas" panose="020B0609020204030204" pitchFamily="49" charset="0"/>
+              </a:rPr>
+              <a:t>&gt;</a:t>
             </a:r>
           </a:p>
           <a:p>
@@ -20658,76 +21158,79 @@
               <a:buNone/>
             </a:pPr>
             <a:r>
-              <a:rPr lang="en-US" sz="2800" dirty="0" smtClean="0">
+              <a:rPr lang="en-US" sz="2000" dirty="0" smtClean="0">
                 <a:latin typeface="Consolas" panose="020B0609020204030204" pitchFamily="49" charset="0"/>
                 <a:cs typeface="Consolas" panose="020B0609020204030204" pitchFamily="49" charset="0"/>
               </a:rPr>
               <a:t>  </a:t>
             </a:r>
             <a:r>
-              <a:rPr lang="en-US" sz="2800" dirty="0" err="1" smtClean="0">
-                <a:latin typeface="Consolas" panose="020B0609020204030204" pitchFamily="49" charset="0"/>
-                <a:cs typeface="Consolas" panose="020B0609020204030204" pitchFamily="49" charset="0"/>
-              </a:rPr>
-              <a:t>templateUrl</a:t>
-            </a:r>
-            <a:r>
-              <a:rPr lang="en-US" sz="2800" dirty="0" smtClean="0">
-                <a:latin typeface="Consolas" panose="020B0609020204030204" pitchFamily="49" charset="0"/>
-                <a:cs typeface="Consolas" panose="020B0609020204030204" pitchFamily="49" charset="0"/>
-              </a:rPr>
-              <a:t>: ‘main_component.html')</a:t>
-            </a:r>
-          </a:p>
-          <a:p>
-            <a:pPr marL="0" indent="0">
-              <a:buNone/>
-            </a:pPr>
-            <a:r>
-              <a:rPr lang="en-US" sz="2800" dirty="0" smtClean="0">
-                <a:latin typeface="Consolas" panose="020B0609020204030204" pitchFamily="49" charset="0"/>
-                <a:cs typeface="Consolas" panose="020B0609020204030204" pitchFamily="49" charset="0"/>
-              </a:rPr>
-              <a:t/>
+              <a:rPr lang="en-US" sz="2000" dirty="0">
+                <a:latin typeface="Consolas" panose="020B0609020204030204" pitchFamily="49" charset="0"/>
+                <a:cs typeface="Consolas" panose="020B0609020204030204" pitchFamily="49" charset="0"/>
+              </a:rPr>
+              <a:t>&lt;body&gt;</a:t>
             </a:r>
             <a:br>
-              <a:rPr lang="en-US" sz="2800" dirty="0" smtClean="0">
+              <a:rPr lang="en-US" sz="2000" dirty="0">
                 <a:latin typeface="Consolas" panose="020B0609020204030204" pitchFamily="49" charset="0"/>
                 <a:cs typeface="Consolas" panose="020B0609020204030204" pitchFamily="49" charset="0"/>
               </a:rPr>
             </a:br>
             <a:r>
-              <a:rPr lang="en-US" sz="2800" b="1" dirty="0" smtClean="0">
-                <a:latin typeface="Consolas" panose="020B0609020204030204" pitchFamily="49" charset="0"/>
-                <a:cs typeface="Consolas" panose="020B0609020204030204" pitchFamily="49" charset="0"/>
-              </a:rPr>
-              <a:t>class </a:t>
-            </a:r>
-            <a:r>
-              <a:rPr lang="en-US" sz="2800" dirty="0" err="1" smtClean="0">
-                <a:latin typeface="Consolas" panose="020B0609020204030204" pitchFamily="49" charset="0"/>
-                <a:cs typeface="Consolas" panose="020B0609020204030204" pitchFamily="49" charset="0"/>
-              </a:rPr>
-              <a:t>MainComponent</a:t>
-            </a:r>
-            <a:r>
-              <a:rPr lang="en-US" sz="2800" dirty="0" smtClean="0">
-                <a:latin typeface="Consolas" panose="020B0609020204030204" pitchFamily="49" charset="0"/>
-                <a:cs typeface="Consolas" panose="020B0609020204030204" pitchFamily="49" charset="0"/>
-              </a:rPr>
-              <a:t> {}</a:t>
-            </a:r>
-            <a:endParaRPr lang="en-US" sz="2800" dirty="0">
-              <a:latin typeface="Consolas" panose="020B0609020204030204" pitchFamily="49" charset="0"/>
-              <a:cs typeface="Consolas" panose="020B0609020204030204" pitchFamily="49" charset="0"/>
-            </a:endParaRPr>
+              <a:rPr lang="en-US" sz="2000" dirty="0">
+                <a:latin typeface="Consolas" panose="020B0609020204030204" pitchFamily="49" charset="0"/>
+                <a:cs typeface="Consolas" panose="020B0609020204030204" pitchFamily="49" charset="0"/>
+              </a:rPr>
+              <a:t>    &lt;my-app&gt;</a:t>
+            </a:r>
+            <a:r>
+              <a:rPr lang="en-US" sz="2000" dirty="0" smtClean="0">
+                <a:latin typeface="Consolas" panose="020B0609020204030204" pitchFamily="49" charset="0"/>
+                <a:cs typeface="Consolas" panose="020B0609020204030204" pitchFamily="49" charset="0"/>
+              </a:rPr>
+              <a:t>Loading...</a:t>
+            </a:r>
+            <a:r>
+              <a:rPr lang="en-US" sz="2000" dirty="0">
+                <a:latin typeface="Consolas" panose="020B0609020204030204" pitchFamily="49" charset="0"/>
+                <a:cs typeface="Consolas" panose="020B0609020204030204" pitchFamily="49" charset="0"/>
+              </a:rPr>
+              <a:t>&lt;/my-app&gt;</a:t>
+            </a:r>
+            <a:br>
+              <a:rPr lang="en-US" sz="2000" dirty="0">
+                <a:latin typeface="Consolas" panose="020B0609020204030204" pitchFamily="49" charset="0"/>
+                <a:cs typeface="Consolas" panose="020B0609020204030204" pitchFamily="49" charset="0"/>
+              </a:rPr>
+            </a:br>
+            <a:r>
+              <a:rPr lang="en-US" sz="2000" dirty="0">
+                <a:latin typeface="Consolas" panose="020B0609020204030204" pitchFamily="49" charset="0"/>
+                <a:cs typeface="Consolas" panose="020B0609020204030204" pitchFamily="49" charset="0"/>
+              </a:rPr>
+              <a:t>  &lt;/body&gt;</a:t>
+            </a:r>
+            <a:br>
+              <a:rPr lang="en-US" sz="2000" dirty="0">
+                <a:latin typeface="Consolas" panose="020B0609020204030204" pitchFamily="49" charset="0"/>
+                <a:cs typeface="Consolas" panose="020B0609020204030204" pitchFamily="49" charset="0"/>
+              </a:rPr>
+            </a:br>
+            <a:r>
+              <a:rPr lang="en-US" sz="2000" dirty="0">
+                <a:latin typeface="Consolas" panose="020B0609020204030204" pitchFamily="49" charset="0"/>
+                <a:cs typeface="Consolas" panose="020B0609020204030204" pitchFamily="49" charset="0"/>
+              </a:rPr>
+              <a:t>&lt;/html&gt;</a:t>
+            </a:r>
           </a:p>
         </p:txBody>
       </p:sp>
     </p:spTree>
     <p:extLst>
       <p:ext uri="{BB962C8B-B14F-4D97-AF65-F5344CB8AC3E}">
-        <p14:creationId xmlns:p14="http://schemas.microsoft.com/office/powerpoint/2010/main" val="116180532"/>
+        <p14:creationId xmlns:p14="http://schemas.microsoft.com/office/powerpoint/2010/main" val="2556490566"/>
       </p:ext>
     </p:extLst>
   </p:cSld>
@@ -20986,319 +21489,6 @@
                                           <p:spTgt spid="3">
                                             <p:txEl>
                                               <p:pRg st="2" end="2"/>
-                                            </p:txEl>
-                                          </p:spTgt>
-                                        </p:tgtEl>
-                                        <p:attrNameLst>
-                                          <p:attrName>ppt_y</p:attrName>
-                                        </p:attrNameLst>
-                                      </p:cBhvr>
-                                      <p:tavLst>
-                                        <p:tav tm="0">
-                                          <p:val>
-                                            <p:strVal val="1+#ppt_h/2"/>
-                                          </p:val>
-                                        </p:tav>
-                                        <p:tav tm="100000">
-                                          <p:val>
-                                            <p:strVal val="#ppt_y"/>
-                                          </p:val>
-                                        </p:tav>
-                                      </p:tavLst>
-                                    </p:anim>
-                                  </p:childTnLst>
-                                </p:cTn>
-                              </p:par>
-                              <p:par>
-                                <p:cTn id="17" presetID="2" presetClass="entr" presetSubtype="4" fill="hold" nodeType="withEffect">
-                                  <p:stCondLst>
-                                    <p:cond delay="0"/>
-                                  </p:stCondLst>
-                                  <p:childTnLst>
-                                    <p:set>
-                                      <p:cBhvr>
-                                        <p:cTn id="18" dur="1" fill="hold">
-                                          <p:stCondLst>
-                                            <p:cond delay="0"/>
-                                          </p:stCondLst>
-                                        </p:cTn>
-                                        <p:tgtEl>
-                                          <p:spTgt spid="3">
-                                            <p:txEl>
-                                              <p:pRg st="3" end="3"/>
-                                            </p:txEl>
-                                          </p:spTgt>
-                                        </p:tgtEl>
-                                        <p:attrNameLst>
-                                          <p:attrName>style.visibility</p:attrName>
-                                        </p:attrNameLst>
-                                      </p:cBhvr>
-                                      <p:to>
-                                        <p:strVal val="visible"/>
-                                      </p:to>
-                                    </p:set>
-                                    <p:anim calcmode="lin" valueType="num">
-                                      <p:cBhvr additive="base">
-                                        <p:cTn id="19" dur="500" fill="hold"/>
-                                        <p:tgtEl>
-                                          <p:spTgt spid="3">
-                                            <p:txEl>
-                                              <p:pRg st="3" end="3"/>
-                                            </p:txEl>
-                                          </p:spTgt>
-                                        </p:tgtEl>
-                                        <p:attrNameLst>
-                                          <p:attrName>ppt_x</p:attrName>
-                                        </p:attrNameLst>
-                                      </p:cBhvr>
-                                      <p:tavLst>
-                                        <p:tav tm="0">
-                                          <p:val>
-                                            <p:strVal val="#ppt_x"/>
-                                          </p:val>
-                                        </p:tav>
-                                        <p:tav tm="100000">
-                                          <p:val>
-                                            <p:strVal val="#ppt_x"/>
-                                          </p:val>
-                                        </p:tav>
-                                      </p:tavLst>
-                                    </p:anim>
-                                    <p:anim calcmode="lin" valueType="num">
-                                      <p:cBhvr additive="base">
-                                        <p:cTn id="20" dur="500" fill="hold"/>
-                                        <p:tgtEl>
-                                          <p:spTgt spid="3">
-                                            <p:txEl>
-                                              <p:pRg st="3" end="3"/>
-                                            </p:txEl>
-                                          </p:spTgt>
-                                        </p:tgtEl>
-                                        <p:attrNameLst>
-                                          <p:attrName>ppt_y</p:attrName>
-                                        </p:attrNameLst>
-                                      </p:cBhvr>
-                                      <p:tavLst>
-                                        <p:tav tm="0">
-                                          <p:val>
-                                            <p:strVal val="1+#ppt_h/2"/>
-                                          </p:val>
-                                        </p:tav>
-                                        <p:tav tm="100000">
-                                          <p:val>
-                                            <p:strVal val="#ppt_y"/>
-                                          </p:val>
-                                        </p:tav>
-                                      </p:tavLst>
-                                    </p:anim>
-                                  </p:childTnLst>
-                                </p:cTn>
-                              </p:par>
-                            </p:childTnLst>
-                          </p:cTn>
-                        </p:par>
-                      </p:childTnLst>
-                    </p:cTn>
-                  </p:par>
-                </p:childTnLst>
-              </p:cTn>
-              <p:prevCondLst>
-                <p:cond evt="onPrev" delay="0">
-                  <p:tgtEl>
-                    <p:sldTgt/>
-                  </p:tgtEl>
-                </p:cond>
-              </p:prevCondLst>
-              <p:nextCondLst>
-                <p:cond evt="onNext" delay="0">
-                  <p:tgtEl>
-                    <p:sldTgt/>
-                  </p:tgtEl>
-                </p:cond>
-              </p:nextCondLst>
-            </p:seq>
-          </p:childTnLst>
-        </p:cTn>
-      </p:par>
-    </p:tnLst>
-  </p:timing>
-</p:sld>
-</file>
-
-<file path=ppt/slides/slide7.xml><?xml version="1.0" encoding="utf-8"?>
-<p:sld xmlns:a="http://schemas.openxmlformats.org/drawingml/2006/main" xmlns:r="http://schemas.openxmlformats.org/officeDocument/2006/relationships" xmlns:p="http://schemas.openxmlformats.org/presentationml/2006/main">
-  <p:cSld>
-    <p:spTree>
-      <p:nvGrpSpPr>
-        <p:cNvPr id="1" name=""/>
-        <p:cNvGrpSpPr/>
-        <p:nvPr/>
-      </p:nvGrpSpPr>
-      <p:grpSpPr>
-        <a:xfrm>
-          <a:off x="0" y="0"/>
-          <a:ext cx="0" cy="0"/>
-          <a:chOff x="0" y="0"/>
-          <a:chExt cx="0" cy="0"/>
-        </a:xfrm>
-      </p:grpSpPr>
-      <p:sp>
-        <p:nvSpPr>
-          <p:cNvPr id="2" name="Title 1"/>
-          <p:cNvSpPr>
-            <a:spLocks noGrp="1"/>
-          </p:cNvSpPr>
-          <p:nvPr>
-            <p:ph type="title"/>
-          </p:nvPr>
-        </p:nvSpPr>
-        <p:spPr/>
-        <p:txBody>
-          <a:bodyPr/>
-          <a:lstStyle/>
-          <a:p>
-            <a:r>
-              <a:rPr lang="en-US" dirty="0" smtClean="0"/>
-              <a:t>main_component.html</a:t>
-            </a:r>
-            <a:endParaRPr lang="en-US" dirty="0"/>
-          </a:p>
-        </p:txBody>
-      </p:sp>
-      <p:sp>
-        <p:nvSpPr>
-          <p:cNvPr id="3" name="Content Placeholder 2"/>
-          <p:cNvSpPr>
-            <a:spLocks noGrp="1"/>
-          </p:cNvSpPr>
-          <p:nvPr>
-            <p:ph idx="1"/>
-          </p:nvPr>
-        </p:nvSpPr>
-        <p:spPr/>
-        <p:txBody>
-          <a:bodyPr/>
-          <a:lstStyle/>
-          <a:p>
-            <a:pPr marL="0" indent="0">
-              <a:buNone/>
-            </a:pPr>
-            <a:r>
-              <a:rPr lang="en-US" dirty="0">
-                <a:latin typeface="Consolas" panose="020B0609020204030204" pitchFamily="49" charset="0"/>
-                <a:cs typeface="Consolas" panose="020B0609020204030204" pitchFamily="49" charset="0"/>
-              </a:rPr>
-              <a:t>&lt;h1&gt;</a:t>
-            </a:r>
-            <a:r>
-              <a:rPr lang="en-US" dirty="0" smtClean="0">
-                <a:latin typeface="Consolas" panose="020B0609020204030204" pitchFamily="49" charset="0"/>
-                <a:cs typeface="Consolas" panose="020B0609020204030204" pitchFamily="49" charset="0"/>
-              </a:rPr>
-              <a:t>My Angular 2 App</a:t>
-            </a:r>
-            <a:r>
-              <a:rPr lang="en-US" dirty="0">
-                <a:latin typeface="Consolas" panose="020B0609020204030204" pitchFamily="49" charset="0"/>
-                <a:cs typeface="Consolas" panose="020B0609020204030204" pitchFamily="49" charset="0"/>
-              </a:rPr>
-              <a:t>&lt;/h1&gt;</a:t>
-            </a:r>
-          </a:p>
-        </p:txBody>
-      </p:sp>
-    </p:spTree>
-    <p:extLst>
-      <p:ext uri="{BB962C8B-B14F-4D97-AF65-F5344CB8AC3E}">
-        <p14:creationId xmlns:p14="http://schemas.microsoft.com/office/powerpoint/2010/main" val="2968254527"/>
-      </p:ext>
-    </p:extLst>
-  </p:cSld>
-  <p:clrMapOvr>
-    <a:masterClrMapping/>
-  </p:clrMapOvr>
-  <p:timing>
-    <p:tnLst>
-      <p:par>
-        <p:cTn id="1" dur="indefinite" restart="never" nodeType="tmRoot">
-          <p:childTnLst>
-            <p:seq concurrent="1" nextAc="seek">
-              <p:cTn id="2" dur="indefinite" nodeType="mainSeq">
-                <p:childTnLst>
-                  <p:par>
-                    <p:cTn id="3" fill="hold">
-                      <p:stCondLst>
-                        <p:cond delay="indefinite"/>
-                      </p:stCondLst>
-                      <p:childTnLst>
-                        <p:par>
-                          <p:cTn id="4" fill="hold">
-                            <p:stCondLst>
-                              <p:cond delay="0"/>
-                            </p:stCondLst>
-                            <p:childTnLst>
-                              <p:par>
-                                <p:cTn id="5" presetID="2" presetClass="entr" presetSubtype="4" fill="hold" nodeType="clickEffect">
-                                  <p:stCondLst>
-                                    <p:cond delay="0"/>
-                                  </p:stCondLst>
-                                  <p:childTnLst>
-                                    <p:set>
-                                      <p:cBhvr>
-                                        <p:cTn id="6" dur="1" fill="hold">
-                                          <p:stCondLst>
-                                            <p:cond delay="0"/>
-                                          </p:stCondLst>
-                                        </p:cTn>
-                                        <p:tgtEl>
-                                          <p:spTgt spid="3">
-                                            <p:txEl>
-                                              <p:pRg st="0" end="0"/>
-                                            </p:txEl>
-                                          </p:spTgt>
-                                        </p:tgtEl>
-                                        <p:attrNameLst>
-                                          <p:attrName>style.visibility</p:attrName>
-                                        </p:attrNameLst>
-                                      </p:cBhvr>
-                                      <p:to>
-                                        <p:strVal val="visible"/>
-                                      </p:to>
-                                    </p:set>
-                                    <p:anim calcmode="lin" valueType="num">
-                                      <p:cBhvr additive="base">
-                                        <p:cTn id="7" dur="500" fill="hold"/>
-                                        <p:tgtEl>
-                                          <p:spTgt spid="3">
-                                            <p:txEl>
-                                              <p:pRg st="0" end="0"/>
-                                            </p:txEl>
-                                          </p:spTgt>
-                                        </p:tgtEl>
-                                        <p:attrNameLst>
-                                          <p:attrName>ppt_x</p:attrName>
-                                        </p:attrNameLst>
-                                      </p:cBhvr>
-                                      <p:tavLst>
-                                        <p:tav tm="0">
-                                          <p:val>
-                                            <p:strVal val="#ppt_x"/>
-                                          </p:val>
-                                        </p:tav>
-                                        <p:tav tm="100000">
-                                          <p:val>
-                                            <p:strVal val="#ppt_x"/>
-                                          </p:val>
-                                        </p:tav>
-                                      </p:tavLst>
-                                    </p:anim>
-                                    <p:anim calcmode="lin" valueType="num">
-                                      <p:cBhvr additive="base">
-                                        <p:cTn id="8" dur="500" fill="hold"/>
-                                        <p:tgtEl>
-                                          <p:spTgt spid="3">
-                                            <p:txEl>
-                                              <p:pRg st="0" end="0"/>
                                             </p:txEl>
                                           </p:spTgt>
                                         </p:tgtEl>
@@ -21382,18 +21572,16 @@
         </p:nvSpPr>
         <p:spPr/>
         <p:txBody>
-          <a:bodyPr>
-            <a:normAutofit/>
-          </a:bodyPr>
+          <a:bodyPr/>
           <a:lstStyle/>
           <a:p>
             <a:r>
+              <a:rPr lang="en-US" dirty="0" err="1"/>
+              <a:t>m</a:t>
+            </a:r>
+            <a:r>
               <a:rPr lang="en-US" dirty="0" err="1" smtClean="0"/>
-              <a:t>TypeScript</a:t>
-            </a:r>
-            <a:r>
-              <a:rPr lang="en-US" dirty="0" smtClean="0"/>
-              <a:t>/Bower</a:t>
+              <a:t>ain.dart</a:t>
             </a:r>
             <a:endParaRPr lang="en-US" dirty="0"/>
           </a:p>
@@ -21411,92 +21599,174 @@
         </p:nvSpPr>
         <p:spPr/>
         <p:txBody>
-          <a:bodyPr/>
+          <a:bodyPr>
+            <a:normAutofit/>
+          </a:bodyPr>
           <a:lstStyle/>
           <a:p>
             <a:pPr marL="0" indent="0">
               <a:buNone/>
             </a:pPr>
             <a:r>
-              <a:rPr lang="en-US" dirty="0" smtClean="0">
-                <a:hlinkClick r:id="rId2"/>
-              </a:rPr>
-              <a:t>https://angular.io/docs/ts/latest/quickstart.html</a:t>
-            </a:r>
-            <a:endParaRPr lang="en-US" dirty="0" smtClean="0"/>
-          </a:p>
-          <a:p>
-            <a:pPr marL="0" indent="0">
-              <a:buNone/>
-            </a:pPr>
-            <a:endParaRPr lang="en-US" dirty="0" smtClean="0"/>
-          </a:p>
-          <a:p>
-            <a:r>
-              <a:rPr lang="en-US" dirty="0" smtClean="0"/>
-              <a:t>Install node and </a:t>
-            </a:r>
-            <a:r>
-              <a:rPr lang="en-US" dirty="0" err="1" smtClean="0"/>
-              <a:t>npm</a:t>
-            </a:r>
-            <a:endParaRPr lang="en-US" dirty="0" smtClean="0"/>
-          </a:p>
-          <a:p>
-            <a:r>
-              <a:rPr lang="en-US" dirty="0" smtClean="0"/>
-              <a:t>Create </a:t>
-            </a:r>
-            <a:r>
-              <a:rPr lang="en-US" dirty="0" err="1" smtClean="0"/>
-              <a:t>tsconfig.json</a:t>
-            </a:r>
-            <a:r>
-              <a:rPr lang="en-US" dirty="0" smtClean="0"/>
-              <a:t> </a:t>
-            </a:r>
-          </a:p>
-          <a:p>
-            <a:r>
-              <a:rPr lang="en-US" dirty="0" smtClean="0"/>
-              <a:t>Create </a:t>
-            </a:r>
-            <a:r>
-              <a:rPr lang="en-US" dirty="0" err="1" smtClean="0"/>
-              <a:t>typings.json</a:t>
-            </a:r>
-            <a:endParaRPr lang="en-US" dirty="0" smtClean="0"/>
-          </a:p>
-          <a:p>
-            <a:r>
-              <a:rPr lang="en-US" dirty="0" smtClean="0"/>
-              <a:t>Create </a:t>
-            </a:r>
-            <a:r>
-              <a:rPr lang="en-US" dirty="0" err="1" smtClean="0"/>
-              <a:t>package.json</a:t>
-            </a:r>
-            <a:endParaRPr lang="en-US" dirty="0" smtClean="0"/>
-          </a:p>
-          <a:p>
-            <a:r>
-              <a:rPr lang="en-US" dirty="0" err="1" smtClean="0"/>
-              <a:t>npm</a:t>
-            </a:r>
-            <a:r>
-              <a:rPr lang="en-US" dirty="0" smtClean="0"/>
-              <a:t> install</a:t>
-            </a:r>
-          </a:p>
-          <a:p>
-            <a:endParaRPr lang="en-US" dirty="0"/>
+              <a:rPr lang="en-US" sz="2800" b="1" dirty="0">
+                <a:latin typeface="Consolas" panose="020B0609020204030204" pitchFamily="49" charset="0"/>
+                <a:cs typeface="Consolas" panose="020B0609020204030204" pitchFamily="49" charset="0"/>
+              </a:rPr>
+              <a:t>import </a:t>
+            </a:r>
+            <a:r>
+              <a:rPr lang="en-US" sz="2800" dirty="0">
+                <a:latin typeface="Consolas" panose="020B0609020204030204" pitchFamily="49" charset="0"/>
+                <a:cs typeface="Consolas" panose="020B0609020204030204" pitchFamily="49" charset="0"/>
+              </a:rPr>
+              <a:t>'package:angular2/</a:t>
+            </a:r>
+            <a:r>
+              <a:rPr lang="en-US" sz="2800" dirty="0" err="1">
+                <a:latin typeface="Consolas" panose="020B0609020204030204" pitchFamily="49" charset="0"/>
+                <a:cs typeface="Consolas" panose="020B0609020204030204" pitchFamily="49" charset="0"/>
+              </a:rPr>
+              <a:t>bootstrap.dart</a:t>
+            </a:r>
+            <a:r>
+              <a:rPr lang="en-US" sz="2800" dirty="0" smtClean="0">
+                <a:latin typeface="Consolas" panose="020B0609020204030204" pitchFamily="49" charset="0"/>
+                <a:cs typeface="Consolas" panose="020B0609020204030204" pitchFamily="49" charset="0"/>
+              </a:rPr>
+              <a:t>';</a:t>
+            </a:r>
+            <a:r>
+              <a:rPr lang="en-US" sz="2800" dirty="0">
+                <a:latin typeface="Consolas" panose="020B0609020204030204" pitchFamily="49" charset="0"/>
+                <a:cs typeface="Consolas" panose="020B0609020204030204" pitchFamily="49" charset="0"/>
+              </a:rPr>
+              <a:t/>
+            </a:r>
+            <a:br>
+              <a:rPr lang="en-US" sz="2800" dirty="0">
+                <a:latin typeface="Consolas" panose="020B0609020204030204" pitchFamily="49" charset="0"/>
+                <a:cs typeface="Consolas" panose="020B0609020204030204" pitchFamily="49" charset="0"/>
+              </a:rPr>
+            </a:br>
+            <a:r>
+              <a:rPr lang="en-US" sz="2800" b="1" dirty="0">
+                <a:latin typeface="Consolas" panose="020B0609020204030204" pitchFamily="49" charset="0"/>
+                <a:cs typeface="Consolas" panose="020B0609020204030204" pitchFamily="49" charset="0"/>
+              </a:rPr>
+              <a:t>import </a:t>
+            </a:r>
+            <a:r>
+              <a:rPr lang="en-US" sz="2800" dirty="0" smtClean="0">
+                <a:latin typeface="Consolas" panose="020B0609020204030204" pitchFamily="49" charset="0"/>
+                <a:cs typeface="Consolas" panose="020B0609020204030204" pitchFamily="49" charset="0"/>
+              </a:rPr>
+              <a:t>'package:untitled7/</a:t>
+            </a:r>
+            <a:r>
+              <a:rPr lang="en-US" sz="2800" dirty="0" err="1" smtClean="0">
+                <a:latin typeface="Consolas" panose="020B0609020204030204" pitchFamily="49" charset="0"/>
+                <a:cs typeface="Consolas" panose="020B0609020204030204" pitchFamily="49" charset="0"/>
+              </a:rPr>
+              <a:t>main_component.dart</a:t>
+            </a:r>
+            <a:r>
+              <a:rPr lang="en-US" sz="2800" dirty="0">
+                <a:latin typeface="Consolas" panose="020B0609020204030204" pitchFamily="49" charset="0"/>
+                <a:cs typeface="Consolas" panose="020B0609020204030204" pitchFamily="49" charset="0"/>
+              </a:rPr>
+              <a:t>';</a:t>
+            </a:r>
+            <a:br>
+              <a:rPr lang="en-US" sz="2800" dirty="0">
+                <a:latin typeface="Consolas" panose="020B0609020204030204" pitchFamily="49" charset="0"/>
+                <a:cs typeface="Consolas" panose="020B0609020204030204" pitchFamily="49" charset="0"/>
+              </a:rPr>
+            </a:br>
+            <a:r>
+              <a:rPr lang="en-US" sz="2800" dirty="0">
+                <a:latin typeface="Consolas" panose="020B0609020204030204" pitchFamily="49" charset="0"/>
+                <a:cs typeface="Consolas" panose="020B0609020204030204" pitchFamily="49" charset="0"/>
+              </a:rPr>
+              <a:t/>
+            </a:r>
+            <a:br>
+              <a:rPr lang="en-US" sz="2800" dirty="0">
+                <a:latin typeface="Consolas" panose="020B0609020204030204" pitchFamily="49" charset="0"/>
+                <a:cs typeface="Consolas" panose="020B0609020204030204" pitchFamily="49" charset="0"/>
+              </a:rPr>
+            </a:br>
+            <a:r>
+              <a:rPr lang="en-US" sz="2800" dirty="0">
+                <a:latin typeface="Consolas" panose="020B0609020204030204" pitchFamily="49" charset="0"/>
+                <a:cs typeface="Consolas" panose="020B0609020204030204" pitchFamily="49" charset="0"/>
+              </a:rPr>
+              <a:t>main</a:t>
+            </a:r>
+            <a:r>
+              <a:rPr lang="en-US" sz="2800" dirty="0" smtClean="0">
+                <a:latin typeface="Consolas" panose="020B0609020204030204" pitchFamily="49" charset="0"/>
+                <a:cs typeface="Consolas" panose="020B0609020204030204" pitchFamily="49" charset="0"/>
+              </a:rPr>
+              <a:t>() {</a:t>
+            </a:r>
+            <a:br>
+              <a:rPr lang="en-US" sz="2800" dirty="0" smtClean="0">
+                <a:latin typeface="Consolas" panose="020B0609020204030204" pitchFamily="49" charset="0"/>
+                <a:cs typeface="Consolas" panose="020B0609020204030204" pitchFamily="49" charset="0"/>
+              </a:rPr>
+            </a:br>
+            <a:r>
+              <a:rPr lang="en-US" sz="2800" dirty="0" smtClean="0">
+                <a:latin typeface="Consolas" panose="020B0609020204030204" pitchFamily="49" charset="0"/>
+                <a:cs typeface="Consolas" panose="020B0609020204030204" pitchFamily="49" charset="0"/>
+              </a:rPr>
+              <a:t>  bootstrap(</a:t>
+            </a:r>
+            <a:r>
+              <a:rPr lang="en-US" sz="2800" dirty="0" err="1" smtClean="0">
+                <a:latin typeface="Consolas" panose="020B0609020204030204" pitchFamily="49" charset="0"/>
+                <a:cs typeface="Consolas" panose="020B0609020204030204" pitchFamily="49" charset="0"/>
+              </a:rPr>
+              <a:t>MainComponent</a:t>
+            </a:r>
+            <a:r>
+              <a:rPr lang="en-US" sz="2800" dirty="0" smtClean="0">
+                <a:latin typeface="Consolas" panose="020B0609020204030204" pitchFamily="49" charset="0"/>
+                <a:cs typeface="Consolas" panose="020B0609020204030204" pitchFamily="49" charset="0"/>
+              </a:rPr>
+              <a:t>)</a:t>
+            </a:r>
+            <a:r>
+              <a:rPr lang="en-US" sz="2800" dirty="0">
+                <a:latin typeface="Consolas" panose="020B0609020204030204" pitchFamily="49" charset="0"/>
+                <a:cs typeface="Consolas" panose="020B0609020204030204" pitchFamily="49" charset="0"/>
+              </a:rPr>
+              <a:t>;</a:t>
+            </a:r>
+            <a:br>
+              <a:rPr lang="en-US" sz="2800" dirty="0">
+                <a:latin typeface="Consolas" panose="020B0609020204030204" pitchFamily="49" charset="0"/>
+                <a:cs typeface="Consolas" panose="020B0609020204030204" pitchFamily="49" charset="0"/>
+              </a:rPr>
+            </a:br>
+            <a:r>
+              <a:rPr lang="en-US" sz="2800" dirty="0" smtClean="0">
+                <a:latin typeface="Consolas" panose="020B0609020204030204" pitchFamily="49" charset="0"/>
+                <a:cs typeface="Consolas" panose="020B0609020204030204" pitchFamily="49" charset="0"/>
+              </a:rPr>
+              <a:t>}</a:t>
+            </a:r>
+            <a:endParaRPr lang="en-US" sz="2800" dirty="0">
+              <a:latin typeface="Consolas" panose="020B0609020204030204" pitchFamily="49" charset="0"/>
+              <a:cs typeface="Consolas" panose="020B0609020204030204" pitchFamily="49" charset="0"/>
+            </a:endParaRPr>
           </a:p>
         </p:txBody>
       </p:sp>
     </p:spTree>
     <p:extLst>
       <p:ext uri="{BB962C8B-B14F-4D97-AF65-F5344CB8AC3E}">
-        <p14:creationId xmlns:p14="http://schemas.microsoft.com/office/powerpoint/2010/main" val="2015457441"/>
+        <p14:creationId xmlns:p14="http://schemas.microsoft.com/office/powerpoint/2010/main" val="1780055628"/>
       </p:ext>
     </p:extLst>
   </p:cSld>
@@ -21524,7 +21794,7 @@
                             </p:stCondLst>
                             <p:childTnLst>
                               <p:par>
-                                <p:cTn id="5" presetID="2" presetClass="entr" presetSubtype="4" fill="hold" grpId="0" nodeType="clickEffect">
+                                <p:cTn id="5" presetID="2" presetClass="entr" presetSubtype="4" fill="hold" nodeType="clickEffect">
                                   <p:stCondLst>
                                     <p:cond delay="0"/>
                                   </p:stCondLst>
@@ -21585,521 +21855,6 @@
                                           <p:spTgt spid="3">
                                             <p:txEl>
                                               <p:pRg st="0" end="0"/>
-                                            </p:txEl>
-                                          </p:spTgt>
-                                        </p:tgtEl>
-                                        <p:attrNameLst>
-                                          <p:attrName>ppt_y</p:attrName>
-                                        </p:attrNameLst>
-                                      </p:cBhvr>
-                                      <p:tavLst>
-                                        <p:tav tm="0">
-                                          <p:val>
-                                            <p:strVal val="1+#ppt_h/2"/>
-                                          </p:val>
-                                        </p:tav>
-                                        <p:tav tm="100000">
-                                          <p:val>
-                                            <p:strVal val="#ppt_y"/>
-                                          </p:val>
-                                        </p:tav>
-                                      </p:tavLst>
-                                    </p:anim>
-                                  </p:childTnLst>
-                                </p:cTn>
-                              </p:par>
-                            </p:childTnLst>
-                          </p:cTn>
-                        </p:par>
-                      </p:childTnLst>
-                    </p:cTn>
-                  </p:par>
-                  <p:par>
-                    <p:cTn id="9" fill="hold">
-                      <p:stCondLst>
-                        <p:cond delay="indefinite"/>
-                      </p:stCondLst>
-                      <p:childTnLst>
-                        <p:par>
-                          <p:cTn id="10" fill="hold">
-                            <p:stCondLst>
-                              <p:cond delay="0"/>
-                            </p:stCondLst>
-                            <p:childTnLst>
-                              <p:par>
-                                <p:cTn id="11" presetID="2" presetClass="entr" presetSubtype="4" fill="hold" grpId="0" nodeType="clickEffect">
-                                  <p:stCondLst>
-                                    <p:cond delay="0"/>
-                                  </p:stCondLst>
-                                  <p:childTnLst>
-                                    <p:set>
-                                      <p:cBhvr>
-                                        <p:cTn id="12" dur="1" fill="hold">
-                                          <p:stCondLst>
-                                            <p:cond delay="0"/>
-                                          </p:stCondLst>
-                                        </p:cTn>
-                                        <p:tgtEl>
-                                          <p:spTgt spid="3">
-                                            <p:txEl>
-                                              <p:pRg st="2" end="2"/>
-                                            </p:txEl>
-                                          </p:spTgt>
-                                        </p:tgtEl>
-                                        <p:attrNameLst>
-                                          <p:attrName>style.visibility</p:attrName>
-                                        </p:attrNameLst>
-                                      </p:cBhvr>
-                                      <p:to>
-                                        <p:strVal val="visible"/>
-                                      </p:to>
-                                    </p:set>
-                                    <p:anim calcmode="lin" valueType="num">
-                                      <p:cBhvr additive="base">
-                                        <p:cTn id="13" dur="500" fill="hold"/>
-                                        <p:tgtEl>
-                                          <p:spTgt spid="3">
-                                            <p:txEl>
-                                              <p:pRg st="2" end="2"/>
-                                            </p:txEl>
-                                          </p:spTgt>
-                                        </p:tgtEl>
-                                        <p:attrNameLst>
-                                          <p:attrName>ppt_x</p:attrName>
-                                        </p:attrNameLst>
-                                      </p:cBhvr>
-                                      <p:tavLst>
-                                        <p:tav tm="0">
-                                          <p:val>
-                                            <p:strVal val="#ppt_x"/>
-                                          </p:val>
-                                        </p:tav>
-                                        <p:tav tm="100000">
-                                          <p:val>
-                                            <p:strVal val="#ppt_x"/>
-                                          </p:val>
-                                        </p:tav>
-                                      </p:tavLst>
-                                    </p:anim>
-                                    <p:anim calcmode="lin" valueType="num">
-                                      <p:cBhvr additive="base">
-                                        <p:cTn id="14" dur="500" fill="hold"/>
-                                        <p:tgtEl>
-                                          <p:spTgt spid="3">
-                                            <p:txEl>
-                                              <p:pRg st="2" end="2"/>
-                                            </p:txEl>
-                                          </p:spTgt>
-                                        </p:tgtEl>
-                                        <p:attrNameLst>
-                                          <p:attrName>ppt_y</p:attrName>
-                                        </p:attrNameLst>
-                                      </p:cBhvr>
-                                      <p:tavLst>
-                                        <p:tav tm="0">
-                                          <p:val>
-                                            <p:strVal val="1+#ppt_h/2"/>
-                                          </p:val>
-                                        </p:tav>
-                                        <p:tav tm="100000">
-                                          <p:val>
-                                            <p:strVal val="#ppt_y"/>
-                                          </p:val>
-                                        </p:tav>
-                                      </p:tavLst>
-                                    </p:anim>
-                                  </p:childTnLst>
-                                </p:cTn>
-                              </p:par>
-                            </p:childTnLst>
-                          </p:cTn>
-                        </p:par>
-                      </p:childTnLst>
-                    </p:cTn>
-                  </p:par>
-                  <p:par>
-                    <p:cTn id="15" fill="hold">
-                      <p:stCondLst>
-                        <p:cond delay="indefinite"/>
-                      </p:stCondLst>
-                      <p:childTnLst>
-                        <p:par>
-                          <p:cTn id="16" fill="hold">
-                            <p:stCondLst>
-                              <p:cond delay="0"/>
-                            </p:stCondLst>
-                            <p:childTnLst>
-                              <p:par>
-                                <p:cTn id="17" presetID="2" presetClass="entr" presetSubtype="4" fill="hold" grpId="0" nodeType="clickEffect">
-                                  <p:stCondLst>
-                                    <p:cond delay="0"/>
-                                  </p:stCondLst>
-                                  <p:childTnLst>
-                                    <p:set>
-                                      <p:cBhvr>
-                                        <p:cTn id="18" dur="1" fill="hold">
-                                          <p:stCondLst>
-                                            <p:cond delay="0"/>
-                                          </p:stCondLst>
-                                        </p:cTn>
-                                        <p:tgtEl>
-                                          <p:spTgt spid="3">
-                                            <p:txEl>
-                                              <p:pRg st="3" end="3"/>
-                                            </p:txEl>
-                                          </p:spTgt>
-                                        </p:tgtEl>
-                                        <p:attrNameLst>
-                                          <p:attrName>style.visibility</p:attrName>
-                                        </p:attrNameLst>
-                                      </p:cBhvr>
-                                      <p:to>
-                                        <p:strVal val="visible"/>
-                                      </p:to>
-                                    </p:set>
-                                    <p:anim calcmode="lin" valueType="num">
-                                      <p:cBhvr additive="base">
-                                        <p:cTn id="19" dur="500" fill="hold"/>
-                                        <p:tgtEl>
-                                          <p:spTgt spid="3">
-                                            <p:txEl>
-                                              <p:pRg st="3" end="3"/>
-                                            </p:txEl>
-                                          </p:spTgt>
-                                        </p:tgtEl>
-                                        <p:attrNameLst>
-                                          <p:attrName>ppt_x</p:attrName>
-                                        </p:attrNameLst>
-                                      </p:cBhvr>
-                                      <p:tavLst>
-                                        <p:tav tm="0">
-                                          <p:val>
-                                            <p:strVal val="#ppt_x"/>
-                                          </p:val>
-                                        </p:tav>
-                                        <p:tav tm="100000">
-                                          <p:val>
-                                            <p:strVal val="#ppt_x"/>
-                                          </p:val>
-                                        </p:tav>
-                                      </p:tavLst>
-                                    </p:anim>
-                                    <p:anim calcmode="lin" valueType="num">
-                                      <p:cBhvr additive="base">
-                                        <p:cTn id="20" dur="500" fill="hold"/>
-                                        <p:tgtEl>
-                                          <p:spTgt spid="3">
-                                            <p:txEl>
-                                              <p:pRg st="3" end="3"/>
-                                            </p:txEl>
-                                          </p:spTgt>
-                                        </p:tgtEl>
-                                        <p:attrNameLst>
-                                          <p:attrName>ppt_y</p:attrName>
-                                        </p:attrNameLst>
-                                      </p:cBhvr>
-                                      <p:tavLst>
-                                        <p:tav tm="0">
-                                          <p:val>
-                                            <p:strVal val="1+#ppt_h/2"/>
-                                          </p:val>
-                                        </p:tav>
-                                        <p:tav tm="100000">
-                                          <p:val>
-                                            <p:strVal val="#ppt_y"/>
-                                          </p:val>
-                                        </p:tav>
-                                      </p:tavLst>
-                                    </p:anim>
-                                  </p:childTnLst>
-                                </p:cTn>
-                              </p:par>
-                            </p:childTnLst>
-                          </p:cTn>
-                        </p:par>
-                      </p:childTnLst>
-                    </p:cTn>
-                  </p:par>
-                  <p:par>
-                    <p:cTn id="21" fill="hold">
-                      <p:stCondLst>
-                        <p:cond delay="indefinite"/>
-                      </p:stCondLst>
-                      <p:childTnLst>
-                        <p:par>
-                          <p:cTn id="22" fill="hold">
-                            <p:stCondLst>
-                              <p:cond delay="0"/>
-                            </p:stCondLst>
-                            <p:childTnLst>
-                              <p:par>
-                                <p:cTn id="23" presetID="2" presetClass="entr" presetSubtype="4" fill="hold" grpId="0" nodeType="clickEffect">
-                                  <p:stCondLst>
-                                    <p:cond delay="0"/>
-                                  </p:stCondLst>
-                                  <p:childTnLst>
-                                    <p:set>
-                                      <p:cBhvr>
-                                        <p:cTn id="24" dur="1" fill="hold">
-                                          <p:stCondLst>
-                                            <p:cond delay="0"/>
-                                          </p:stCondLst>
-                                        </p:cTn>
-                                        <p:tgtEl>
-                                          <p:spTgt spid="3">
-                                            <p:txEl>
-                                              <p:pRg st="4" end="4"/>
-                                            </p:txEl>
-                                          </p:spTgt>
-                                        </p:tgtEl>
-                                        <p:attrNameLst>
-                                          <p:attrName>style.visibility</p:attrName>
-                                        </p:attrNameLst>
-                                      </p:cBhvr>
-                                      <p:to>
-                                        <p:strVal val="visible"/>
-                                      </p:to>
-                                    </p:set>
-                                    <p:anim calcmode="lin" valueType="num">
-                                      <p:cBhvr additive="base">
-                                        <p:cTn id="25" dur="500" fill="hold"/>
-                                        <p:tgtEl>
-                                          <p:spTgt spid="3">
-                                            <p:txEl>
-                                              <p:pRg st="4" end="4"/>
-                                            </p:txEl>
-                                          </p:spTgt>
-                                        </p:tgtEl>
-                                        <p:attrNameLst>
-                                          <p:attrName>ppt_x</p:attrName>
-                                        </p:attrNameLst>
-                                      </p:cBhvr>
-                                      <p:tavLst>
-                                        <p:tav tm="0">
-                                          <p:val>
-                                            <p:strVal val="#ppt_x"/>
-                                          </p:val>
-                                        </p:tav>
-                                        <p:tav tm="100000">
-                                          <p:val>
-                                            <p:strVal val="#ppt_x"/>
-                                          </p:val>
-                                        </p:tav>
-                                      </p:tavLst>
-                                    </p:anim>
-                                    <p:anim calcmode="lin" valueType="num">
-                                      <p:cBhvr additive="base">
-                                        <p:cTn id="26" dur="500" fill="hold"/>
-                                        <p:tgtEl>
-                                          <p:spTgt spid="3">
-                                            <p:txEl>
-                                              <p:pRg st="4" end="4"/>
-                                            </p:txEl>
-                                          </p:spTgt>
-                                        </p:tgtEl>
-                                        <p:attrNameLst>
-                                          <p:attrName>ppt_y</p:attrName>
-                                        </p:attrNameLst>
-                                      </p:cBhvr>
-                                      <p:tavLst>
-                                        <p:tav tm="0">
-                                          <p:val>
-                                            <p:strVal val="1+#ppt_h/2"/>
-                                          </p:val>
-                                        </p:tav>
-                                        <p:tav tm="100000">
-                                          <p:val>
-                                            <p:strVal val="#ppt_y"/>
-                                          </p:val>
-                                        </p:tav>
-                                      </p:tavLst>
-                                    </p:anim>
-                                  </p:childTnLst>
-                                </p:cTn>
-                              </p:par>
-                            </p:childTnLst>
-                          </p:cTn>
-                        </p:par>
-                      </p:childTnLst>
-                    </p:cTn>
-                  </p:par>
-                  <p:par>
-                    <p:cTn id="27" fill="hold">
-                      <p:stCondLst>
-                        <p:cond delay="indefinite"/>
-                      </p:stCondLst>
-                      <p:childTnLst>
-                        <p:par>
-                          <p:cTn id="28" fill="hold">
-                            <p:stCondLst>
-                              <p:cond delay="0"/>
-                            </p:stCondLst>
-                            <p:childTnLst>
-                              <p:par>
-                                <p:cTn id="29" presetID="2" presetClass="entr" presetSubtype="4" fill="hold" grpId="0" nodeType="clickEffect">
-                                  <p:stCondLst>
-                                    <p:cond delay="0"/>
-                                  </p:stCondLst>
-                                  <p:childTnLst>
-                                    <p:set>
-                                      <p:cBhvr>
-                                        <p:cTn id="30" dur="1" fill="hold">
-                                          <p:stCondLst>
-                                            <p:cond delay="0"/>
-                                          </p:stCondLst>
-                                        </p:cTn>
-                                        <p:tgtEl>
-                                          <p:spTgt spid="3">
-                                            <p:txEl>
-                                              <p:pRg st="5" end="5"/>
-                                            </p:txEl>
-                                          </p:spTgt>
-                                        </p:tgtEl>
-                                        <p:attrNameLst>
-                                          <p:attrName>style.visibility</p:attrName>
-                                        </p:attrNameLst>
-                                      </p:cBhvr>
-                                      <p:to>
-                                        <p:strVal val="visible"/>
-                                      </p:to>
-                                    </p:set>
-                                    <p:anim calcmode="lin" valueType="num">
-                                      <p:cBhvr additive="base">
-                                        <p:cTn id="31" dur="500" fill="hold"/>
-                                        <p:tgtEl>
-                                          <p:spTgt spid="3">
-                                            <p:txEl>
-                                              <p:pRg st="5" end="5"/>
-                                            </p:txEl>
-                                          </p:spTgt>
-                                        </p:tgtEl>
-                                        <p:attrNameLst>
-                                          <p:attrName>ppt_x</p:attrName>
-                                        </p:attrNameLst>
-                                      </p:cBhvr>
-                                      <p:tavLst>
-                                        <p:tav tm="0">
-                                          <p:val>
-                                            <p:strVal val="#ppt_x"/>
-                                          </p:val>
-                                        </p:tav>
-                                        <p:tav tm="100000">
-                                          <p:val>
-                                            <p:strVal val="#ppt_x"/>
-                                          </p:val>
-                                        </p:tav>
-                                      </p:tavLst>
-                                    </p:anim>
-                                    <p:anim calcmode="lin" valueType="num">
-                                      <p:cBhvr additive="base">
-                                        <p:cTn id="32" dur="500" fill="hold"/>
-                                        <p:tgtEl>
-                                          <p:spTgt spid="3">
-                                            <p:txEl>
-                                              <p:pRg st="5" end="5"/>
-                                            </p:txEl>
-                                          </p:spTgt>
-                                        </p:tgtEl>
-                                        <p:attrNameLst>
-                                          <p:attrName>ppt_y</p:attrName>
-                                        </p:attrNameLst>
-                                      </p:cBhvr>
-                                      <p:tavLst>
-                                        <p:tav tm="0">
-                                          <p:val>
-                                            <p:strVal val="1+#ppt_h/2"/>
-                                          </p:val>
-                                        </p:tav>
-                                        <p:tav tm="100000">
-                                          <p:val>
-                                            <p:strVal val="#ppt_y"/>
-                                          </p:val>
-                                        </p:tav>
-                                      </p:tavLst>
-                                    </p:anim>
-                                  </p:childTnLst>
-                                </p:cTn>
-                              </p:par>
-                            </p:childTnLst>
-                          </p:cTn>
-                        </p:par>
-                      </p:childTnLst>
-                    </p:cTn>
-                  </p:par>
-                  <p:par>
-                    <p:cTn id="33" fill="hold">
-                      <p:stCondLst>
-                        <p:cond delay="indefinite"/>
-                      </p:stCondLst>
-                      <p:childTnLst>
-                        <p:par>
-                          <p:cTn id="34" fill="hold">
-                            <p:stCondLst>
-                              <p:cond delay="0"/>
-                            </p:stCondLst>
-                            <p:childTnLst>
-                              <p:par>
-                                <p:cTn id="35" presetID="2" presetClass="entr" presetSubtype="4" fill="hold" grpId="0" nodeType="clickEffect">
-                                  <p:stCondLst>
-                                    <p:cond delay="0"/>
-                                  </p:stCondLst>
-                                  <p:childTnLst>
-                                    <p:set>
-                                      <p:cBhvr>
-                                        <p:cTn id="36" dur="1" fill="hold">
-                                          <p:stCondLst>
-                                            <p:cond delay="0"/>
-                                          </p:stCondLst>
-                                        </p:cTn>
-                                        <p:tgtEl>
-                                          <p:spTgt spid="3">
-                                            <p:txEl>
-                                              <p:pRg st="6" end="6"/>
-                                            </p:txEl>
-                                          </p:spTgt>
-                                        </p:tgtEl>
-                                        <p:attrNameLst>
-                                          <p:attrName>style.visibility</p:attrName>
-                                        </p:attrNameLst>
-                                      </p:cBhvr>
-                                      <p:to>
-                                        <p:strVal val="visible"/>
-                                      </p:to>
-                                    </p:set>
-                                    <p:anim calcmode="lin" valueType="num">
-                                      <p:cBhvr additive="base">
-                                        <p:cTn id="37" dur="500" fill="hold"/>
-                                        <p:tgtEl>
-                                          <p:spTgt spid="3">
-                                            <p:txEl>
-                                              <p:pRg st="6" end="6"/>
-                                            </p:txEl>
-                                          </p:spTgt>
-                                        </p:tgtEl>
-                                        <p:attrNameLst>
-                                          <p:attrName>ppt_x</p:attrName>
-                                        </p:attrNameLst>
-                                      </p:cBhvr>
-                                      <p:tavLst>
-                                        <p:tav tm="0">
-                                          <p:val>
-                                            <p:strVal val="#ppt_x"/>
-                                          </p:val>
-                                        </p:tav>
-                                        <p:tav tm="100000">
-                                          <p:val>
-                                            <p:strVal val="#ppt_x"/>
-                                          </p:val>
-                                        </p:tav>
-                                      </p:tavLst>
-                                    </p:anim>
-                                    <p:anim calcmode="lin" valueType="num">
-                                      <p:cBhvr additive="base">
-                                        <p:cTn id="38" dur="500" fill="hold"/>
-                                        <p:tgtEl>
-                                          <p:spTgt spid="3">
-                                            <p:txEl>
-                                              <p:pRg st="6" end="6"/>
                                             </p:txEl>
                                           </p:spTgt>
                                         </p:tgtEl>
@@ -22150,9 +21905,6 @@
         </p:cTn>
       </p:par>
     </p:tnLst>
-    <p:bldLst>
-      <p:bldP spid="3" grpId="0" build="p"/>
-    </p:bldLst>
   </p:timing>
 </p:sld>
 </file>
@@ -22191,11 +21943,7 @@
           <a:p>
             <a:r>
               <a:rPr lang="en-US" dirty="0" err="1" smtClean="0"/>
-              <a:t>Javascript</a:t>
-            </a:r>
-            <a:r>
-              <a:rPr lang="en-US" dirty="0" smtClean="0"/>
-              <a:t>/Bower</a:t>
+              <a:t>main_component.dart</a:t>
             </a:r>
             <a:endParaRPr lang="en-US" dirty="0"/>
           </a:p>
@@ -22213,40 +21961,142 @@
         </p:nvSpPr>
         <p:spPr/>
         <p:txBody>
-          <a:bodyPr/>
+          <a:bodyPr>
+            <a:normAutofit/>
+          </a:bodyPr>
           <a:lstStyle/>
           <a:p>
-            <a:r>
-              <a:rPr lang="en-US" dirty="0" smtClean="0"/>
-              <a:t>Create </a:t>
-            </a:r>
-            <a:r>
-              <a:rPr lang="en-US" dirty="0" err="1" smtClean="0"/>
-              <a:t>package.json</a:t>
-            </a:r>
-            <a:endParaRPr lang="en-US" dirty="0" smtClean="0"/>
-          </a:p>
-          <a:p>
-            <a:r>
-              <a:rPr lang="en-US" dirty="0" err="1"/>
-              <a:t>n</a:t>
-            </a:r>
-            <a:r>
-              <a:rPr lang="en-US" dirty="0" err="1" smtClean="0"/>
-              <a:t>pm</a:t>
-            </a:r>
-            <a:r>
-              <a:rPr lang="en-US" dirty="0" smtClean="0"/>
-              <a:t> install</a:t>
-            </a:r>
-            <a:endParaRPr lang="en-US" dirty="0"/>
+            <a:pPr marL="0" indent="0">
+              <a:buNone/>
+            </a:pPr>
+            <a:r>
+              <a:rPr lang="en-US" sz="2800" b="1" dirty="0" smtClean="0">
+                <a:latin typeface="Consolas" panose="020B0609020204030204" pitchFamily="49" charset="0"/>
+                <a:cs typeface="Consolas" panose="020B0609020204030204" pitchFamily="49" charset="0"/>
+              </a:rPr>
+              <a:t>import </a:t>
+            </a:r>
+            <a:r>
+              <a:rPr lang="en-US" sz="2800" dirty="0" smtClean="0">
+                <a:latin typeface="Consolas" panose="020B0609020204030204" pitchFamily="49" charset="0"/>
+                <a:cs typeface="Consolas" panose="020B0609020204030204" pitchFamily="49" charset="0"/>
+              </a:rPr>
+              <a:t>'package:angular2/angular2.dart';</a:t>
+            </a:r>
+            <a:br>
+              <a:rPr lang="en-US" sz="2800" dirty="0" smtClean="0">
+                <a:latin typeface="Consolas" panose="020B0609020204030204" pitchFamily="49" charset="0"/>
+                <a:cs typeface="Consolas" panose="020B0609020204030204" pitchFamily="49" charset="0"/>
+              </a:rPr>
+            </a:br>
+            <a:r>
+              <a:rPr lang="en-US" sz="2800" dirty="0" smtClean="0">
+                <a:latin typeface="Consolas" panose="020B0609020204030204" pitchFamily="49" charset="0"/>
+                <a:cs typeface="Consolas" panose="020B0609020204030204" pitchFamily="49" charset="0"/>
+              </a:rPr>
+              <a:t/>
+            </a:r>
+            <a:br>
+              <a:rPr lang="en-US" sz="2800" dirty="0" smtClean="0">
+                <a:latin typeface="Consolas" panose="020B0609020204030204" pitchFamily="49" charset="0"/>
+                <a:cs typeface="Consolas" panose="020B0609020204030204" pitchFamily="49" charset="0"/>
+              </a:rPr>
+            </a:br>
+            <a:r>
+              <a:rPr lang="en-US" sz="2800" dirty="0" smtClean="0">
+                <a:latin typeface="Consolas" panose="020B0609020204030204" pitchFamily="49" charset="0"/>
+                <a:cs typeface="Consolas" panose="020B0609020204030204" pitchFamily="49" charset="0"/>
+              </a:rPr>
+              <a:t>@Component(</a:t>
+            </a:r>
+          </a:p>
+          <a:p>
+            <a:pPr marL="0" indent="0">
+              <a:buNone/>
+            </a:pPr>
+            <a:r>
+              <a:rPr lang="en-US" sz="2800" dirty="0" smtClean="0">
+                <a:latin typeface="Consolas" panose="020B0609020204030204" pitchFamily="49" charset="0"/>
+                <a:cs typeface="Consolas" panose="020B0609020204030204" pitchFamily="49" charset="0"/>
+              </a:rPr>
+              <a:t>  selector: 'my-app', </a:t>
+            </a:r>
+          </a:p>
+          <a:p>
+            <a:pPr marL="0" indent="0">
+              <a:buNone/>
+            </a:pPr>
+            <a:r>
+              <a:rPr lang="en-US" sz="2800" dirty="0" smtClean="0">
+                <a:latin typeface="Consolas" panose="020B0609020204030204" pitchFamily="49" charset="0"/>
+                <a:cs typeface="Consolas" panose="020B0609020204030204" pitchFamily="49" charset="0"/>
+              </a:rPr>
+              <a:t>  </a:t>
+            </a:r>
+            <a:r>
+              <a:rPr lang="en-US" sz="2800" dirty="0" err="1" smtClean="0">
+                <a:latin typeface="Consolas" panose="020B0609020204030204" pitchFamily="49" charset="0"/>
+                <a:cs typeface="Consolas" panose="020B0609020204030204" pitchFamily="49" charset="0"/>
+              </a:rPr>
+              <a:t>templateUrl</a:t>
+            </a:r>
+            <a:r>
+              <a:rPr lang="en-US" sz="2800" dirty="0" smtClean="0">
+                <a:latin typeface="Consolas" panose="020B0609020204030204" pitchFamily="49" charset="0"/>
+                <a:cs typeface="Consolas" panose="020B0609020204030204" pitchFamily="49" charset="0"/>
+              </a:rPr>
+              <a:t>: ‘main_component.html')</a:t>
+            </a:r>
+          </a:p>
+          <a:p>
+            <a:pPr marL="0" indent="0">
+              <a:buNone/>
+            </a:pPr>
+            <a:r>
+              <a:rPr lang="en-US" sz="2800" dirty="0" smtClean="0">
+                <a:latin typeface="Consolas" panose="020B0609020204030204" pitchFamily="49" charset="0"/>
+                <a:cs typeface="Consolas" panose="020B0609020204030204" pitchFamily="49" charset="0"/>
+              </a:rPr>
+              <a:t/>
+            </a:r>
+            <a:br>
+              <a:rPr lang="en-US" sz="2800" dirty="0" smtClean="0">
+                <a:latin typeface="Consolas" panose="020B0609020204030204" pitchFamily="49" charset="0"/>
+                <a:cs typeface="Consolas" panose="020B0609020204030204" pitchFamily="49" charset="0"/>
+              </a:rPr>
+            </a:br>
+            <a:r>
+              <a:rPr lang="en-US" sz="2800" b="1" dirty="0" smtClean="0">
+                <a:latin typeface="Consolas" panose="020B0609020204030204" pitchFamily="49" charset="0"/>
+                <a:cs typeface="Consolas" panose="020B0609020204030204" pitchFamily="49" charset="0"/>
+              </a:rPr>
+              <a:t>class </a:t>
+            </a:r>
+            <a:r>
+              <a:rPr lang="en-US" sz="2800" dirty="0" err="1" smtClean="0">
+                <a:latin typeface="Consolas" panose="020B0609020204030204" pitchFamily="49" charset="0"/>
+                <a:cs typeface="Consolas" panose="020B0609020204030204" pitchFamily="49" charset="0"/>
+              </a:rPr>
+              <a:t>MainComponent</a:t>
+            </a:r>
+            <a:r>
+              <a:rPr lang="en-US" sz="2800" dirty="0" smtClean="0">
+                <a:latin typeface="Consolas" panose="020B0609020204030204" pitchFamily="49" charset="0"/>
+                <a:cs typeface="Consolas" panose="020B0609020204030204" pitchFamily="49" charset="0"/>
+              </a:rPr>
+              <a:t> {}</a:t>
+            </a:r>
+            <a:endParaRPr lang="en-US" sz="2800" dirty="0">
+              <a:latin typeface="Consolas" panose="020B0609020204030204" pitchFamily="49" charset="0"/>
+              <a:cs typeface="Consolas" panose="020B0609020204030204" pitchFamily="49" charset="0"/>
+            </a:endParaRPr>
           </a:p>
         </p:txBody>
       </p:sp>
     </p:spTree>
     <p:extLst>
       <p:ext uri="{BB962C8B-B14F-4D97-AF65-F5344CB8AC3E}">
-        <p14:creationId xmlns:p14="http://schemas.microsoft.com/office/powerpoint/2010/main" val="1531135193"/>
+        <p14:creationId xmlns:p14="http://schemas.microsoft.com/office/powerpoint/2010/main" val="116180532"/>
       </p:ext>
     </p:extLst>
   </p:cSld>
@@ -22274,7 +22124,7 @@
                             </p:stCondLst>
                             <p:childTnLst>
                               <p:par>
-                                <p:cTn id="5" presetID="2" presetClass="entr" presetSubtype="4" fill="hold" grpId="0" nodeType="clickEffect">
+                                <p:cTn id="5" presetID="2" presetClass="entr" presetSubtype="4" fill="hold" nodeType="clickEffect">
                                   <p:stCondLst>
                                     <p:cond delay="0"/>
                                   </p:stCondLst>
@@ -22358,33 +22208,15 @@
                                   </p:childTnLst>
                                 </p:cTn>
                               </p:par>
-                            </p:childTnLst>
-                          </p:cTn>
-                        </p:par>
-                      </p:childTnLst>
-                    </p:cTn>
-                  </p:par>
-                  <p:par>
-                    <p:cTn id="9" fill="hold">
-                      <p:stCondLst>
-                        <p:cond delay="indefinite"/>
-                      </p:stCondLst>
-                      <p:childTnLst>
-                        <p:par>
-                          <p:cTn id="10" fill="hold">
-                            <p:stCondLst>
-                              <p:cond delay="0"/>
-                            </p:stCondLst>
-                            <p:childTnLst>
                               <p:par>
-                                <p:cTn id="11" presetID="2" presetClass="entr" presetSubtype="4" fill="hold" grpId="0" nodeType="clickEffect">
+                                <p:cTn id="9" presetID="2" presetClass="entr" presetSubtype="4" fill="hold" nodeType="withEffect">
                                   <p:stCondLst>
                                     <p:cond delay="0"/>
                                   </p:stCondLst>
                                   <p:childTnLst>
                                     <p:set>
                                       <p:cBhvr>
-                                        <p:cTn id="12" dur="1" fill="hold">
+                                        <p:cTn id="10" dur="1" fill="hold">
                                           <p:stCondLst>
                                             <p:cond delay="0"/>
                                           </p:stCondLst>
@@ -22406,7 +22238,7 @@
                                     </p:set>
                                     <p:anim calcmode="lin" valueType="num">
                                       <p:cBhvr additive="base">
-                                        <p:cTn id="13" dur="500" fill="hold"/>
+                                        <p:cTn id="11" dur="500" fill="hold"/>
                                         <p:tgtEl>
                                           <p:spTgt spid="3">
                                             <p:txEl>
@@ -22433,11 +22265,181 @@
                                     </p:anim>
                                     <p:anim calcmode="lin" valueType="num">
                                       <p:cBhvr additive="base">
-                                        <p:cTn id="14" dur="500" fill="hold"/>
+                                        <p:cTn id="12" dur="500" fill="hold"/>
                                         <p:tgtEl>
                                           <p:spTgt spid="3">
                                             <p:txEl>
                                               <p:pRg st="1" end="1"/>
+                                            </p:txEl>
+                                          </p:spTgt>
+                                        </p:tgtEl>
+                                        <p:attrNameLst>
+                                          <p:attrName>ppt_y</p:attrName>
+                                        </p:attrNameLst>
+                                      </p:cBhvr>
+                                      <p:tavLst>
+                                        <p:tav tm="0">
+                                          <p:val>
+                                            <p:strVal val="1+#ppt_h/2"/>
+                                          </p:val>
+                                        </p:tav>
+                                        <p:tav tm="100000">
+                                          <p:val>
+                                            <p:strVal val="#ppt_y"/>
+                                          </p:val>
+                                        </p:tav>
+                                      </p:tavLst>
+                                    </p:anim>
+                                  </p:childTnLst>
+                                </p:cTn>
+                              </p:par>
+                              <p:par>
+                                <p:cTn id="13" presetID="2" presetClass="entr" presetSubtype="4" fill="hold" nodeType="withEffect">
+                                  <p:stCondLst>
+                                    <p:cond delay="0"/>
+                                  </p:stCondLst>
+                                  <p:childTnLst>
+                                    <p:set>
+                                      <p:cBhvr>
+                                        <p:cTn id="14" dur="1" fill="hold">
+                                          <p:stCondLst>
+                                            <p:cond delay="0"/>
+                                          </p:stCondLst>
+                                        </p:cTn>
+                                        <p:tgtEl>
+                                          <p:spTgt spid="3">
+                                            <p:txEl>
+                                              <p:pRg st="2" end="2"/>
+                                            </p:txEl>
+                                          </p:spTgt>
+                                        </p:tgtEl>
+                                        <p:attrNameLst>
+                                          <p:attrName>style.visibility</p:attrName>
+                                        </p:attrNameLst>
+                                      </p:cBhvr>
+                                      <p:to>
+                                        <p:strVal val="visible"/>
+                                      </p:to>
+                                    </p:set>
+                                    <p:anim calcmode="lin" valueType="num">
+                                      <p:cBhvr additive="base">
+                                        <p:cTn id="15" dur="500" fill="hold"/>
+                                        <p:tgtEl>
+                                          <p:spTgt spid="3">
+                                            <p:txEl>
+                                              <p:pRg st="2" end="2"/>
+                                            </p:txEl>
+                                          </p:spTgt>
+                                        </p:tgtEl>
+                                        <p:attrNameLst>
+                                          <p:attrName>ppt_x</p:attrName>
+                                        </p:attrNameLst>
+                                      </p:cBhvr>
+                                      <p:tavLst>
+                                        <p:tav tm="0">
+                                          <p:val>
+                                            <p:strVal val="#ppt_x"/>
+                                          </p:val>
+                                        </p:tav>
+                                        <p:tav tm="100000">
+                                          <p:val>
+                                            <p:strVal val="#ppt_x"/>
+                                          </p:val>
+                                        </p:tav>
+                                      </p:tavLst>
+                                    </p:anim>
+                                    <p:anim calcmode="lin" valueType="num">
+                                      <p:cBhvr additive="base">
+                                        <p:cTn id="16" dur="500" fill="hold"/>
+                                        <p:tgtEl>
+                                          <p:spTgt spid="3">
+                                            <p:txEl>
+                                              <p:pRg st="2" end="2"/>
+                                            </p:txEl>
+                                          </p:spTgt>
+                                        </p:tgtEl>
+                                        <p:attrNameLst>
+                                          <p:attrName>ppt_y</p:attrName>
+                                        </p:attrNameLst>
+                                      </p:cBhvr>
+                                      <p:tavLst>
+                                        <p:tav tm="0">
+                                          <p:val>
+                                            <p:strVal val="1+#ppt_h/2"/>
+                                          </p:val>
+                                        </p:tav>
+                                        <p:tav tm="100000">
+                                          <p:val>
+                                            <p:strVal val="#ppt_y"/>
+                                          </p:val>
+                                        </p:tav>
+                                      </p:tavLst>
+                                    </p:anim>
+                                  </p:childTnLst>
+                                </p:cTn>
+                              </p:par>
+                              <p:par>
+                                <p:cTn id="17" presetID="2" presetClass="entr" presetSubtype="4" fill="hold" nodeType="withEffect">
+                                  <p:stCondLst>
+                                    <p:cond delay="0"/>
+                                  </p:stCondLst>
+                                  <p:childTnLst>
+                                    <p:set>
+                                      <p:cBhvr>
+                                        <p:cTn id="18" dur="1" fill="hold">
+                                          <p:stCondLst>
+                                            <p:cond delay="0"/>
+                                          </p:stCondLst>
+                                        </p:cTn>
+                                        <p:tgtEl>
+                                          <p:spTgt spid="3">
+                                            <p:txEl>
+                                              <p:pRg st="3" end="3"/>
+                                            </p:txEl>
+                                          </p:spTgt>
+                                        </p:tgtEl>
+                                        <p:attrNameLst>
+                                          <p:attrName>style.visibility</p:attrName>
+                                        </p:attrNameLst>
+                                      </p:cBhvr>
+                                      <p:to>
+                                        <p:strVal val="visible"/>
+                                      </p:to>
+                                    </p:set>
+                                    <p:anim calcmode="lin" valueType="num">
+                                      <p:cBhvr additive="base">
+                                        <p:cTn id="19" dur="500" fill="hold"/>
+                                        <p:tgtEl>
+                                          <p:spTgt spid="3">
+                                            <p:txEl>
+                                              <p:pRg st="3" end="3"/>
+                                            </p:txEl>
+                                          </p:spTgt>
+                                        </p:tgtEl>
+                                        <p:attrNameLst>
+                                          <p:attrName>ppt_x</p:attrName>
+                                        </p:attrNameLst>
+                                      </p:cBhvr>
+                                      <p:tavLst>
+                                        <p:tav tm="0">
+                                          <p:val>
+                                            <p:strVal val="#ppt_x"/>
+                                          </p:val>
+                                        </p:tav>
+                                        <p:tav tm="100000">
+                                          <p:val>
+                                            <p:strVal val="#ppt_x"/>
+                                          </p:val>
+                                        </p:tav>
+                                      </p:tavLst>
+                                    </p:anim>
+                                    <p:anim calcmode="lin" valueType="num">
+                                      <p:cBhvr additive="base">
+                                        <p:cTn id="20" dur="500" fill="hold"/>
+                                        <p:tgtEl>
+                                          <p:spTgt spid="3">
+                                            <p:txEl>
+                                              <p:pRg st="3" end="3"/>
                                             </p:txEl>
                                           </p:spTgt>
                                         </p:tgtEl>
@@ -22488,9 +22490,6 @@
         </p:cTn>
       </p:par>
     </p:tnLst>
-    <p:bldLst>
-      <p:bldP spid="3" grpId="0" build="p"/>
-    </p:bldLst>
   </p:timing>
 </p:sld>
 </file>
